--- a/Documents/DUYARLIOL.pptx
+++ b/Documents/DUYARLIOL.pptx
@@ -17,6 +17,15 @@
     <p:sldId id="265" r:id="rId11"/>
     <p:sldId id="266" r:id="rId12"/>
     <p:sldId id="267" r:id="rId13"/>
+    <p:sldId id="268" r:id="rId14"/>
+    <p:sldId id="269" r:id="rId15"/>
+    <p:sldId id="271" r:id="rId16"/>
+    <p:sldId id="272" r:id="rId17"/>
+    <p:sldId id="274" r:id="rId18"/>
+    <p:sldId id="273" r:id="rId19"/>
+    <p:sldId id="275" r:id="rId20"/>
+    <p:sldId id="276" r:id="rId21"/>
+    <p:sldId id="277" r:id="rId22"/>
   </p:sldIdLst>
   <p:sldSz cx="9144000" cy="6858000" type="screen4x3"/>
   <p:notesSz cx="6858000" cy="9144000"/>
@@ -300,7 +309,7 @@
             <a:fld id="{9215268A-ECED-40C2-BA3B-556FDB639813}" type="datetimeFigureOut">
               <a:rPr lang="tr-TR" smtClean="0"/>
               <a:pPr/>
-              <a:t>3.03.2017</a:t>
+              <a:t>24.03.2017</a:t>
             </a:fld>
             <a:endParaRPr lang="tr-TR"/>
           </a:p>
@@ -467,7 +476,7 @@
             <a:fld id="{9215268A-ECED-40C2-BA3B-556FDB639813}" type="datetimeFigureOut">
               <a:rPr lang="tr-TR" smtClean="0"/>
               <a:pPr/>
-              <a:t>3.03.2017</a:t>
+              <a:t>24.03.2017</a:t>
             </a:fld>
             <a:endParaRPr lang="tr-TR"/>
           </a:p>
@@ -644,7 +653,7 @@
             <a:fld id="{9215268A-ECED-40C2-BA3B-556FDB639813}" type="datetimeFigureOut">
               <a:rPr lang="tr-TR" smtClean="0"/>
               <a:pPr/>
-              <a:t>3.03.2017</a:t>
+              <a:t>24.03.2017</a:t>
             </a:fld>
             <a:endParaRPr lang="tr-TR"/>
           </a:p>
@@ -811,7 +820,7 @@
             <a:fld id="{9215268A-ECED-40C2-BA3B-556FDB639813}" type="datetimeFigureOut">
               <a:rPr lang="tr-TR" smtClean="0"/>
               <a:pPr/>
-              <a:t>3.03.2017</a:t>
+              <a:t>24.03.2017</a:t>
             </a:fld>
             <a:endParaRPr lang="tr-TR"/>
           </a:p>
@@ -1054,7 +1063,7 @@
             <a:fld id="{9215268A-ECED-40C2-BA3B-556FDB639813}" type="datetimeFigureOut">
               <a:rPr lang="tr-TR" smtClean="0"/>
               <a:pPr/>
-              <a:t>3.03.2017</a:t>
+              <a:t>24.03.2017</a:t>
             </a:fld>
             <a:endParaRPr lang="tr-TR"/>
           </a:p>
@@ -1339,7 +1348,7 @@
             <a:fld id="{9215268A-ECED-40C2-BA3B-556FDB639813}" type="datetimeFigureOut">
               <a:rPr lang="tr-TR" smtClean="0"/>
               <a:pPr/>
-              <a:t>3.03.2017</a:t>
+              <a:t>24.03.2017</a:t>
             </a:fld>
             <a:endParaRPr lang="tr-TR"/>
           </a:p>
@@ -1758,7 +1767,7 @@
             <a:fld id="{9215268A-ECED-40C2-BA3B-556FDB639813}" type="datetimeFigureOut">
               <a:rPr lang="tr-TR" smtClean="0"/>
               <a:pPr/>
-              <a:t>3.03.2017</a:t>
+              <a:t>24.03.2017</a:t>
             </a:fld>
             <a:endParaRPr lang="tr-TR"/>
           </a:p>
@@ -1873,7 +1882,7 @@
             <a:fld id="{9215268A-ECED-40C2-BA3B-556FDB639813}" type="datetimeFigureOut">
               <a:rPr lang="tr-TR" smtClean="0"/>
               <a:pPr/>
-              <a:t>3.03.2017</a:t>
+              <a:t>24.03.2017</a:t>
             </a:fld>
             <a:endParaRPr lang="tr-TR"/>
           </a:p>
@@ -1965,7 +1974,7 @@
             <a:fld id="{9215268A-ECED-40C2-BA3B-556FDB639813}" type="datetimeFigureOut">
               <a:rPr lang="tr-TR" smtClean="0"/>
               <a:pPr/>
-              <a:t>3.03.2017</a:t>
+              <a:t>24.03.2017</a:t>
             </a:fld>
             <a:endParaRPr lang="tr-TR"/>
           </a:p>
@@ -2239,7 +2248,7 @@
             <a:fld id="{9215268A-ECED-40C2-BA3B-556FDB639813}" type="datetimeFigureOut">
               <a:rPr lang="tr-TR" smtClean="0"/>
               <a:pPr/>
-              <a:t>3.03.2017</a:t>
+              <a:t>24.03.2017</a:t>
             </a:fld>
             <a:endParaRPr lang="tr-TR"/>
           </a:p>
@@ -2489,7 +2498,7 @@
             <a:fld id="{9215268A-ECED-40C2-BA3B-556FDB639813}" type="datetimeFigureOut">
               <a:rPr lang="tr-TR" smtClean="0"/>
               <a:pPr/>
-              <a:t>3.03.2017</a:t>
+              <a:t>24.03.2017</a:t>
             </a:fld>
             <a:endParaRPr lang="tr-TR"/>
           </a:p>
@@ -2699,7 +2708,7 @@
             <a:fld id="{9215268A-ECED-40C2-BA3B-556FDB639813}" type="datetimeFigureOut">
               <a:rPr lang="tr-TR" smtClean="0"/>
               <a:pPr/>
-              <a:t>3.03.2017</a:t>
+              <a:t>24.03.2017</a:t>
             </a:fld>
             <a:endParaRPr lang="tr-TR"/>
           </a:p>
@@ -3103,10 +3112,6 @@
               <a:rPr lang="tr-TR" dirty="0" smtClean="0"/>
               <a:t>DUYARLIOL.COM</a:t>
             </a:r>
-            <a:r>
-              <a:rPr lang="tr-TR" dirty="0" smtClean="0"/>
-              <a:t/>
-            </a:r>
             <a:br>
               <a:rPr lang="tr-TR" dirty="0" smtClean="0"/>
             </a:br>
@@ -3180,7 +3185,12 @@
             <p:ph type="body" sz="half" idx="2"/>
           </p:nvPr>
         </p:nvSpPr>
-        <p:spPr/>
+        <p:spPr>
+          <a:xfrm>
+            <a:off x="500034" y="1500174"/>
+            <a:ext cx="3008313" cy="4691063"/>
+          </a:xfrm>
+        </p:spPr>
         <p:txBody>
           <a:bodyPr>
             <a:normAutofit/>
@@ -3203,11 +3213,7 @@
             </a:br>
             <a:r>
               <a:rPr lang="tr-TR" sz="1800" dirty="0" smtClean="0"/>
-              <a:t>In this case it is a problem of </a:t>
-            </a:r>
-            <a:r>
-              <a:rPr lang="tr-TR" sz="1800" dirty="0" smtClean="0"/>
-              <a:t>liquidity.</a:t>
+              <a:t>In this case it is a problem of liquidity.</a:t>
             </a:r>
           </a:p>
           <a:p>
@@ -3219,22 +3225,14 @@
               <a:rPr lang="tr-TR" sz="1800" dirty="0" smtClean="0"/>
             </a:br>
             <a:r>
-              <a:rPr lang="tr-TR" sz="1800" dirty="0" smtClean="0">
+              <a:rPr lang="tr-TR" sz="2800" dirty="0" smtClean="0">
                 <a:solidFill>
                   <a:srgbClr val="FF0000"/>
                 </a:solidFill>
               </a:rPr>
-              <a:t>What do we suggest to prevent this </a:t>
-            </a:r>
-            <a:r>
-              <a:rPr lang="tr-TR" sz="1800" dirty="0" smtClean="0">
-                <a:solidFill>
-                  <a:srgbClr val="FF0000"/>
-                </a:solidFill>
-              </a:rPr>
-              <a:t>situation?</a:t>
-            </a:r>
-            <a:endParaRPr lang="tr-TR" sz="1800" dirty="0">
+              <a:t>What do we suggest to prevent this situation?</a:t>
+            </a:r>
+            <a:endParaRPr lang="tr-TR" sz="2800" dirty="0">
               <a:solidFill>
                 <a:srgbClr val="FF0000"/>
               </a:solidFill>
@@ -3355,11 +3353,7 @@
             </a:pPr>
             <a:r>
               <a:rPr lang="tr-TR" dirty="0" smtClean="0"/>
-              <a:t>Motion tracking </a:t>
-            </a:r>
-            <a:r>
-              <a:rPr lang="tr-TR" dirty="0" smtClean="0"/>
-              <a:t>system</a:t>
+              <a:t>Motion tracking system</a:t>
             </a:r>
           </a:p>
           <a:p>
@@ -3369,11 +3363,7 @@
             </a:pPr>
             <a:r>
               <a:rPr lang="tr-TR" dirty="0" smtClean="0"/>
-              <a:t>Put the user to the </a:t>
-            </a:r>
-            <a:r>
-              <a:rPr lang="tr-TR" dirty="0" smtClean="0"/>
-              <a:t>test</a:t>
+              <a:t>Put the user to the test</a:t>
             </a:r>
           </a:p>
           <a:p>
@@ -3480,11 +3470,7 @@
             </a:pPr>
             <a:r>
               <a:rPr lang="tr-TR" dirty="0" smtClean="0"/>
-              <a:t>Too many online </a:t>
-            </a:r>
-            <a:r>
-              <a:rPr lang="tr-TR" dirty="0" smtClean="0"/>
-              <a:t>shopping</a:t>
+              <a:t>Too many online shopping</a:t>
             </a:r>
           </a:p>
           <a:p>
@@ -3494,15 +3480,7 @@
             </a:pPr>
             <a:r>
               <a:rPr lang="tr-TR" dirty="0" smtClean="0"/>
-              <a:t>Incentive </a:t>
-            </a:r>
-            <a:r>
-              <a:rPr lang="tr-TR" dirty="0" smtClean="0"/>
-              <a:t>i</a:t>
-            </a:r>
-            <a:r>
-              <a:rPr lang="tr-TR" dirty="0" smtClean="0"/>
-              <a:t>nstead of prevent</a:t>
+              <a:t>Incentive instead of prevent</a:t>
             </a:r>
           </a:p>
           <a:p>
@@ -3512,15 +3490,7 @@
             </a:pPr>
             <a:r>
               <a:rPr lang="tr-TR" dirty="0" smtClean="0"/>
-              <a:t>The </a:t>
-            </a:r>
-            <a:r>
-              <a:rPr lang="tr-TR" dirty="0" smtClean="0"/>
-              <a:t>financial situation of the </a:t>
-            </a:r>
-            <a:r>
-              <a:rPr lang="tr-TR" dirty="0" smtClean="0"/>
-              <a:t>people</a:t>
+              <a:t>The financial situation of the people</a:t>
             </a:r>
           </a:p>
           <a:p>
@@ -3528,17 +3498,1173 @@
               <a:buFont typeface="Wingdings" pitchFamily="2" charset="2"/>
               <a:buChar char="Ø"/>
             </a:pPr>
+            <a:r>
+              <a:rPr lang="tr-TR" dirty="0" smtClean="0"/>
+              <a:t>Change spending habits</a:t>
+            </a:r>
+          </a:p>
+          <a:p>
+            <a:pPr>
+              <a:buFont typeface="Wingdings" pitchFamily="2" charset="2"/>
+              <a:buChar char="Ø"/>
+            </a:pPr>
+            <a:r>
+              <a:rPr lang="tr-TR" dirty="0" smtClean="0"/>
+              <a:t>Control expenditures</a:t>
+            </a:r>
+          </a:p>
+          <a:p>
+            <a:pPr>
+              <a:buNone/>
+            </a:pPr>
+            <a:endParaRPr lang="tr-TR" dirty="0"/>
+          </a:p>
+        </p:txBody>
+      </p:sp>
+    </p:spTree>
+  </p:cSld>
+  <p:clrMapOvr>
+    <a:masterClrMapping/>
+  </p:clrMapOvr>
+</p:sld>
+</file>
+
+<file path=ppt/slides/slide13.xml><?xml version="1.0" encoding="utf-8"?>
+<p:sld xmlns:a="http://schemas.openxmlformats.org/drawingml/2006/main" xmlns:r="http://schemas.openxmlformats.org/officeDocument/2006/relationships" xmlns:p="http://schemas.openxmlformats.org/presentationml/2006/main">
+  <p:cSld>
+    <p:spTree>
+      <p:nvGrpSpPr>
+        <p:cNvPr id="1" name=""/>
+        <p:cNvGrpSpPr/>
+        <p:nvPr/>
+      </p:nvGrpSpPr>
+      <p:grpSpPr>
+        <a:xfrm>
+          <a:off x="0" y="0"/>
+          <a:ext cx="0" cy="0"/>
+          <a:chOff x="0" y="0"/>
+          <a:chExt cx="0" cy="0"/>
+        </a:xfrm>
+      </p:grpSpPr>
+      <p:sp>
+        <p:nvSpPr>
+          <p:cNvPr id="7" name="6 Başlık"/>
+          <p:cNvSpPr>
+            <a:spLocks noGrp="1"/>
+          </p:cNvSpPr>
+          <p:nvPr>
+            <p:ph type="title"/>
+          </p:nvPr>
+        </p:nvSpPr>
+        <p:spPr/>
+        <p:txBody>
+          <a:bodyPr/>
+          <a:lstStyle/>
+          <a:p>
+            <a:r>
+              <a:rPr lang="tr-TR" dirty="0" smtClean="0"/>
+              <a:t>So, How will we follow a path?</a:t>
+            </a:r>
+            <a:endParaRPr lang="tr-TR" dirty="0"/>
+          </a:p>
+        </p:txBody>
+      </p:sp>
+      <p:sp>
+        <p:nvSpPr>
+          <p:cNvPr id="9" name="8 Metin Yer Tutucusu"/>
+          <p:cNvSpPr>
+            <a:spLocks noGrp="1"/>
+          </p:cNvSpPr>
+          <p:nvPr>
+            <p:ph type="body" sz="half" idx="2"/>
+          </p:nvPr>
+        </p:nvSpPr>
+        <p:spPr/>
+        <p:txBody>
+          <a:bodyPr/>
+          <a:lstStyle/>
+          <a:p>
+            <a:r>
+              <a:rPr lang="tr-TR" sz="1600" dirty="0" smtClean="0"/>
+              <a:t>As you see on the picture , we will use spiral model for our project.</a:t>
+            </a:r>
+          </a:p>
+          <a:p>
+            <a:pPr>
+              <a:buFont typeface="Wingdings" pitchFamily="2" charset="2"/>
+              <a:buChar char="Ø"/>
+            </a:pPr>
+            <a:r>
+              <a:rPr lang="tr-TR" sz="1600" dirty="0" smtClean="0"/>
+              <a:t>Risk analysis and planning </a:t>
+            </a:r>
+          </a:p>
+          <a:p>
+            <a:pPr>
+              <a:buFont typeface="Wingdings" pitchFamily="2" charset="2"/>
+              <a:buChar char="Ø"/>
+            </a:pPr>
+            <a:r>
+              <a:rPr lang="tr-TR" sz="1600" dirty="0" smtClean="0"/>
+              <a:t>Analysis design and coding</a:t>
+            </a:r>
+          </a:p>
+          <a:p>
+            <a:pPr>
+              <a:buFont typeface="Wingdings" pitchFamily="2" charset="2"/>
+              <a:buChar char="Ø"/>
+            </a:pPr>
+            <a:r>
+              <a:rPr lang="tr-TR" sz="1600" dirty="0" smtClean="0"/>
+              <a:t>Prototyping after each design</a:t>
+            </a:r>
+          </a:p>
+          <a:p>
+            <a:pPr>
+              <a:buFont typeface="Wingdings" pitchFamily="2" charset="2"/>
+              <a:buChar char="Ø"/>
+            </a:pPr>
+            <a:r>
+              <a:rPr lang="tr-TR" sz="1600" dirty="0" smtClean="0"/>
+              <a:t>Risk analysis and planning again for existing prototype</a:t>
+            </a:r>
+          </a:p>
+          <a:p>
+            <a:pPr>
+              <a:buFont typeface="Wingdings" pitchFamily="2" charset="2"/>
+              <a:buChar char="Ø"/>
+            </a:pPr>
+            <a:endParaRPr lang="tr-TR" sz="1600" dirty="0" smtClean="0"/>
+          </a:p>
+          <a:p>
+            <a:pPr>
+              <a:buFont typeface="Wingdings" pitchFamily="2" charset="2"/>
+              <a:buChar char="Ø"/>
+            </a:pPr>
+            <a:r>
+              <a:rPr lang="tr-TR" sz="1600" dirty="0" smtClean="0"/>
+              <a:t>We have 4 stages </a:t>
+            </a:r>
+          </a:p>
+          <a:p>
+            <a:pPr>
+              <a:buFont typeface="Wingdings" pitchFamily="2" charset="2"/>
+              <a:buChar char="ü"/>
+            </a:pPr>
+            <a:r>
+              <a:rPr lang="tr-TR" sz="1600" dirty="0" smtClean="0"/>
+              <a:t>Planning</a:t>
+            </a:r>
+          </a:p>
+          <a:p>
+            <a:pPr>
+              <a:buFont typeface="Wingdings" pitchFamily="2" charset="2"/>
+              <a:buChar char="ü"/>
+            </a:pPr>
+            <a:r>
+              <a:rPr lang="tr-TR" sz="1600" dirty="0" smtClean="0"/>
+              <a:t>Risk analysis</a:t>
+            </a:r>
+          </a:p>
+          <a:p>
+            <a:pPr>
+              <a:buFont typeface="Wingdings" pitchFamily="2" charset="2"/>
+              <a:buChar char="ü"/>
+            </a:pPr>
+            <a:r>
+              <a:rPr lang="tr-TR" sz="1600" dirty="0" smtClean="0"/>
+              <a:t>Engineering</a:t>
+            </a:r>
+          </a:p>
+          <a:p>
+            <a:pPr>
+              <a:buFont typeface="Wingdings" pitchFamily="2" charset="2"/>
+              <a:buChar char="ü"/>
+            </a:pPr>
+            <a:r>
+              <a:rPr lang="tr-TR" sz="1600" dirty="0" smtClean="0"/>
+              <a:t>Evaluation</a:t>
+            </a:r>
+          </a:p>
+          <a:p>
+            <a:pPr>
+              <a:buFont typeface="Wingdings" pitchFamily="2" charset="2"/>
+              <a:buChar char="ü"/>
+            </a:pPr>
             <a:endParaRPr lang="tr-TR" dirty="0" smtClean="0"/>
           </a:p>
           <a:p>
-            <a:pPr>
-              <a:buFont typeface="Wingdings" pitchFamily="2" charset="2"/>
-              <a:buChar char="Ø"/>
-            </a:pPr>
             <a:endParaRPr lang="tr-TR" dirty="0"/>
           </a:p>
         </p:txBody>
       </p:sp>
+      <p:pic>
+        <p:nvPicPr>
+          <p:cNvPr id="10" name="9 İçerik Yer Tutucusu" descr="C:\Users\lenovo\Desktop\Spiral Model.png"/>
+          <p:cNvPicPr>
+            <a:picLocks noGrp="1"/>
+          </p:cNvPicPr>
+          <p:nvPr>
+            <p:ph idx="1"/>
+          </p:nvPr>
+        </p:nvPicPr>
+        <p:blipFill>
+          <a:blip r:embed="rId2">
+            <a:extLst>
+              <a:ext uri="{28A0092B-C50C-407E-A947-70E740481C1C}">
+                <a14:useLocalDpi xmlns:lc="http://schemas.openxmlformats.org/drawingml/2006/lockedCanvas" xmlns:pic="http://schemas.openxmlformats.org/drawingml/2006/picture" xmlns:a14="http://schemas.microsoft.com/office/drawing/2010/main" xmlns:wps="http://schemas.microsoft.com/office/word/2010/wordprocessingShape" xmlns:wne="http://schemas.microsoft.com/office/word/2006/wordml" xmlns:wpi="http://schemas.microsoft.com/office/word/2010/wordprocessingInk" xmlns:wpg="http://schemas.microsoft.com/office/word/2010/wordprocessingGroup" xmlns:w16se="http://schemas.microsoft.com/office/word/2015/wordml/symex" xmlns:w15="http://schemas.microsoft.com/office/word/2012/wordml" xmlns:w14="http://schemas.microsoft.com/office/word/2010/wordml" xmlns:w="http://schemas.openxmlformats.org/wordprocessingml/2006/main" xmlns:w10="urn:schemas-microsoft-com:office:word" xmlns:wp="http://schemas.openxmlformats.org/drawingml/2006/wordprocessingDrawing" xmlns:wp14="http://schemas.microsoft.com/office/word/2010/wordprocessingDrawing" xmlns:v="urn:schemas-microsoft-com:vml" xmlns:m="http://schemas.openxmlformats.org/officeDocument/2006/math" xmlns:o="urn:schemas-microsoft-com:office:office" xmlns:mc="http://schemas.openxmlformats.org/markup-compatibility/2006" xmlns:cx5="http://schemas.microsoft.com/office/drawing/2016/5/11/chartex" xmlns:cx4="http://schemas.microsoft.com/office/drawing/2016/5/10/chartex" xmlns:cx3="http://schemas.microsoft.com/office/drawing/2016/5/9/chartex" xmlns:cx2="http://schemas.microsoft.com/office/drawing/2015/10/21/chartex" xmlns:cx1="http://schemas.microsoft.com/office/drawing/2015/9/8/chartex" xmlns:cx="http://schemas.microsoft.com/office/drawing/2014/chartex" xmlns:wpc="http://schemas.microsoft.com/office/word/2010/wordprocessingCanvas" xmlns="" val="0"/>
+              </a:ext>
+            </a:extLst>
+          </a:blip>
+          <a:srcRect/>
+          <a:stretch>
+            <a:fillRect/>
+          </a:stretch>
+        </p:blipFill>
+        <p:spPr bwMode="auto">
+          <a:xfrm>
+            <a:off x="3575050" y="1098887"/>
+            <a:ext cx="5111750" cy="4201438"/>
+          </a:xfrm>
+          <a:prstGeom prst="rect">
+            <a:avLst/>
+          </a:prstGeom>
+          <a:noFill/>
+          <a:ln>
+            <a:noFill/>
+          </a:ln>
+        </p:spPr>
+      </p:pic>
+    </p:spTree>
+  </p:cSld>
+  <p:clrMapOvr>
+    <a:masterClrMapping/>
+  </p:clrMapOvr>
+</p:sld>
+</file>
+
+<file path=ppt/slides/slide14.xml><?xml version="1.0" encoding="utf-8"?>
+<p:sld xmlns:a="http://schemas.openxmlformats.org/drawingml/2006/main" xmlns:r="http://schemas.openxmlformats.org/officeDocument/2006/relationships" xmlns:p="http://schemas.openxmlformats.org/presentationml/2006/main">
+  <p:cSld>
+    <p:spTree>
+      <p:nvGrpSpPr>
+        <p:cNvPr id="1" name=""/>
+        <p:cNvGrpSpPr/>
+        <p:nvPr/>
+      </p:nvGrpSpPr>
+      <p:grpSpPr>
+        <a:xfrm>
+          <a:off x="0" y="0"/>
+          <a:ext cx="0" cy="0"/>
+          <a:chOff x="0" y="0"/>
+          <a:chExt cx="0" cy="0"/>
+        </a:xfrm>
+      </p:grpSpPr>
+      <p:sp>
+        <p:nvSpPr>
+          <p:cNvPr id="5" name="4 Başlık"/>
+          <p:cNvSpPr>
+            <a:spLocks noGrp="1"/>
+          </p:cNvSpPr>
+          <p:nvPr>
+            <p:ph type="title"/>
+          </p:nvPr>
+        </p:nvSpPr>
+        <p:spPr/>
+        <p:txBody>
+          <a:bodyPr/>
+          <a:lstStyle/>
+          <a:p>
+            <a:r>
+              <a:rPr lang="tr-TR" dirty="0" smtClean="0"/>
+              <a:t>What do we know about 4 stages?</a:t>
+            </a:r>
+            <a:endParaRPr lang="tr-TR" dirty="0"/>
+          </a:p>
+        </p:txBody>
+      </p:sp>
+      <p:sp>
+        <p:nvSpPr>
+          <p:cNvPr id="6" name="5 İçerik Yer Tutucusu"/>
+          <p:cNvSpPr>
+            <a:spLocks noGrp="1"/>
+          </p:cNvSpPr>
+          <p:nvPr>
+            <p:ph idx="1"/>
+          </p:nvPr>
+        </p:nvSpPr>
+        <p:spPr/>
+        <p:txBody>
+          <a:bodyPr>
+            <a:normAutofit fontScale="92500"/>
+          </a:bodyPr>
+          <a:lstStyle/>
+          <a:p>
+            <a:r>
+              <a:rPr lang="tr-TR" dirty="0" smtClean="0">
+                <a:solidFill>
+                  <a:schemeClr val="tx2"/>
+                </a:solidFill>
+              </a:rPr>
+              <a:t>Planning</a:t>
+            </a:r>
+            <a:r>
+              <a:rPr lang="tr-TR" dirty="0" smtClean="0"/>
+              <a:t> :determining the requirements and alternative approaches</a:t>
+            </a:r>
+          </a:p>
+          <a:p>
+            <a:r>
+              <a:rPr lang="tr-TR" dirty="0" smtClean="0">
+                <a:solidFill>
+                  <a:schemeClr val="tx2"/>
+                </a:solidFill>
+              </a:rPr>
+              <a:t>Risk analysis </a:t>
+            </a:r>
+            <a:r>
+              <a:rPr lang="tr-TR" dirty="0" smtClean="0"/>
+              <a:t>:Alternative solution is examined,identfy the whole risk and produce a prototype</a:t>
+            </a:r>
+          </a:p>
+          <a:p>
+            <a:r>
+              <a:rPr lang="tr-TR" dirty="0" smtClean="0">
+                <a:solidFill>
+                  <a:schemeClr val="tx2"/>
+                </a:solidFill>
+              </a:rPr>
+              <a:t>Engineering</a:t>
+            </a:r>
+            <a:r>
+              <a:rPr lang="tr-TR" dirty="0" smtClean="0"/>
+              <a:t> : make a test and produce software</a:t>
+            </a:r>
+          </a:p>
+          <a:p>
+            <a:r>
+              <a:rPr lang="tr-TR" dirty="0" smtClean="0">
+                <a:solidFill>
+                  <a:schemeClr val="tx2"/>
+                </a:solidFill>
+              </a:rPr>
+              <a:t>Evaluation</a:t>
+            </a:r>
+            <a:r>
+              <a:rPr lang="tr-TR" dirty="0" smtClean="0"/>
+              <a:t> :Before entering the next spiral loop, </a:t>
+            </a:r>
+            <a:br>
+              <a:rPr lang="tr-TR" dirty="0" smtClean="0"/>
+            </a:br>
+            <a:r>
+              <a:rPr lang="tr-TR" dirty="0" smtClean="0"/>
+              <a:t>Previous project is evaluated </a:t>
+            </a:r>
+          </a:p>
+          <a:p>
+            <a:endParaRPr lang="tr-TR" dirty="0"/>
+          </a:p>
+        </p:txBody>
+      </p:sp>
+    </p:spTree>
+  </p:cSld>
+  <p:clrMapOvr>
+    <a:masterClrMapping/>
+  </p:clrMapOvr>
+</p:sld>
+</file>
+
+<file path=ppt/slides/slide15.xml><?xml version="1.0" encoding="utf-8"?>
+<p:sld xmlns:a="http://schemas.openxmlformats.org/drawingml/2006/main" xmlns:r="http://schemas.openxmlformats.org/officeDocument/2006/relationships" xmlns:p="http://schemas.openxmlformats.org/presentationml/2006/main">
+  <p:cSld>
+    <p:spTree>
+      <p:nvGrpSpPr>
+        <p:cNvPr id="1" name=""/>
+        <p:cNvGrpSpPr/>
+        <p:nvPr/>
+      </p:nvGrpSpPr>
+      <p:grpSpPr>
+        <a:xfrm>
+          <a:off x="0" y="0"/>
+          <a:ext cx="0" cy="0"/>
+          <a:chOff x="0" y="0"/>
+          <a:chExt cx="0" cy="0"/>
+        </a:xfrm>
+      </p:grpSpPr>
+      <p:sp>
+        <p:nvSpPr>
+          <p:cNvPr id="4" name="3 Başlık"/>
+          <p:cNvSpPr>
+            <a:spLocks noGrp="1"/>
+          </p:cNvSpPr>
+          <p:nvPr>
+            <p:ph type="title"/>
+          </p:nvPr>
+        </p:nvSpPr>
+        <p:spPr/>
+        <p:txBody>
+          <a:bodyPr/>
+          <a:lstStyle/>
+          <a:p>
+            <a:r>
+              <a:rPr lang="tr-TR" dirty="0" smtClean="0"/>
+              <a:t>Determining the requirements</a:t>
+            </a:r>
+            <a:endParaRPr lang="tr-TR" dirty="0"/>
+          </a:p>
+        </p:txBody>
+      </p:sp>
+      <p:sp>
+        <p:nvSpPr>
+          <p:cNvPr id="5" name="4 Metin Yer Tutucusu"/>
+          <p:cNvSpPr>
+            <a:spLocks noGrp="1"/>
+          </p:cNvSpPr>
+          <p:nvPr>
+            <p:ph type="body" idx="1"/>
+          </p:nvPr>
+        </p:nvSpPr>
+        <p:spPr/>
+        <p:txBody>
+          <a:bodyPr/>
+          <a:lstStyle/>
+          <a:p>
+            <a:r>
+              <a:rPr lang="tr-TR" dirty="0" smtClean="0"/>
+              <a:t>Functional Requirements</a:t>
+            </a:r>
+            <a:endParaRPr lang="tr-TR" dirty="0"/>
+          </a:p>
+        </p:txBody>
+      </p:sp>
+      <p:sp>
+        <p:nvSpPr>
+          <p:cNvPr id="6" name="5 İçerik Yer Tutucusu"/>
+          <p:cNvSpPr>
+            <a:spLocks noGrp="1"/>
+          </p:cNvSpPr>
+          <p:nvPr>
+            <p:ph sz="half" idx="2"/>
+          </p:nvPr>
+        </p:nvSpPr>
+        <p:spPr/>
+        <p:txBody>
+          <a:bodyPr/>
+          <a:lstStyle/>
+          <a:p>
+            <a:pPr>
+              <a:buFont typeface="Wingdings" pitchFamily="2" charset="2"/>
+              <a:buChar char="ü"/>
+            </a:pPr>
+            <a:r>
+              <a:rPr lang="tr-TR" dirty="0" smtClean="0"/>
+              <a:t>Facebook and Gmail login</a:t>
+            </a:r>
+          </a:p>
+          <a:p>
+            <a:pPr>
+              <a:buFont typeface="Wingdings" pitchFamily="2" charset="2"/>
+              <a:buChar char="ü"/>
+            </a:pPr>
+            <a:r>
+              <a:rPr lang="tr-TR" dirty="0" smtClean="0"/>
+              <a:t>Register personal information</a:t>
+            </a:r>
+          </a:p>
+          <a:p>
+            <a:pPr>
+              <a:buFont typeface="Wingdings" pitchFamily="2" charset="2"/>
+              <a:buChar char="ü"/>
+            </a:pPr>
+            <a:r>
+              <a:rPr lang="tr-TR" dirty="0" smtClean="0"/>
+              <a:t>Survey</a:t>
+            </a:r>
+          </a:p>
+          <a:p>
+            <a:pPr>
+              <a:buFont typeface="Wingdings" pitchFamily="2" charset="2"/>
+              <a:buChar char="ü"/>
+            </a:pPr>
+            <a:r>
+              <a:rPr lang="tr-TR" dirty="0" smtClean="0"/>
+              <a:t>Give an advice</a:t>
+            </a:r>
+          </a:p>
+          <a:p>
+            <a:pPr>
+              <a:buFont typeface="Wingdings" pitchFamily="2" charset="2"/>
+              <a:buChar char="ü"/>
+            </a:pPr>
+            <a:r>
+              <a:rPr lang="tr-TR" dirty="0" smtClean="0"/>
+              <a:t>Use chrome extensions</a:t>
+            </a:r>
+          </a:p>
+          <a:p>
+            <a:pPr>
+              <a:buNone/>
+            </a:pPr>
+            <a:endParaRPr lang="tr-TR" dirty="0"/>
+          </a:p>
+        </p:txBody>
+      </p:sp>
+      <p:sp>
+        <p:nvSpPr>
+          <p:cNvPr id="7" name="6 Metin Yer Tutucusu"/>
+          <p:cNvSpPr>
+            <a:spLocks noGrp="1"/>
+          </p:cNvSpPr>
+          <p:nvPr>
+            <p:ph type="body" sz="quarter" idx="3"/>
+          </p:nvPr>
+        </p:nvSpPr>
+        <p:spPr/>
+        <p:txBody>
+          <a:bodyPr/>
+          <a:lstStyle/>
+          <a:p>
+            <a:r>
+              <a:rPr lang="tr-TR" dirty="0" smtClean="0"/>
+              <a:t>Unfunctional Requirements</a:t>
+            </a:r>
+            <a:endParaRPr lang="tr-TR" dirty="0"/>
+          </a:p>
+        </p:txBody>
+      </p:sp>
+      <p:sp>
+        <p:nvSpPr>
+          <p:cNvPr id="8" name="7 İçerik Yer Tutucusu"/>
+          <p:cNvSpPr>
+            <a:spLocks noGrp="1"/>
+          </p:cNvSpPr>
+          <p:nvPr>
+            <p:ph sz="quarter" idx="4"/>
+          </p:nvPr>
+        </p:nvSpPr>
+        <p:spPr>
+          <a:xfrm>
+            <a:off x="4786314" y="2174875"/>
+            <a:ext cx="3900486" cy="3951288"/>
+          </a:xfrm>
+        </p:spPr>
+        <p:txBody>
+          <a:bodyPr/>
+          <a:lstStyle/>
+          <a:p>
+            <a:pPr>
+              <a:buFont typeface="Wingdings" pitchFamily="2" charset="2"/>
+              <a:buChar char="ü"/>
+            </a:pPr>
+            <a:r>
+              <a:rPr lang="en-US" dirty="0" smtClean="0"/>
+              <a:t>Performance</a:t>
+            </a:r>
+            <a:endParaRPr lang="tr-TR" dirty="0" smtClean="0"/>
+          </a:p>
+          <a:p>
+            <a:pPr>
+              <a:buFont typeface="Wingdings" pitchFamily="2" charset="2"/>
+              <a:buChar char="ü"/>
+            </a:pPr>
+            <a:r>
+              <a:rPr lang="en-US" dirty="0" smtClean="0"/>
+              <a:t>Scalability</a:t>
+            </a:r>
+            <a:endParaRPr lang="tr-TR" dirty="0" smtClean="0"/>
+          </a:p>
+          <a:p>
+            <a:pPr>
+              <a:buFont typeface="Wingdings" pitchFamily="2" charset="2"/>
+              <a:buChar char="ü"/>
+            </a:pPr>
+            <a:r>
+              <a:rPr lang="en-US" dirty="0" smtClean="0"/>
+              <a:t>Security</a:t>
+            </a:r>
+            <a:endParaRPr lang="tr-TR" dirty="0" smtClean="0"/>
+          </a:p>
+          <a:p>
+            <a:pPr>
+              <a:buFont typeface="Wingdings" pitchFamily="2" charset="2"/>
+              <a:buChar char="ü"/>
+            </a:pPr>
+            <a:r>
+              <a:rPr lang="en-US" dirty="0" smtClean="0"/>
+              <a:t>Maintainability</a:t>
+            </a:r>
+            <a:endParaRPr lang="tr-TR" dirty="0" smtClean="0"/>
+          </a:p>
+          <a:p>
+            <a:pPr>
+              <a:buFont typeface="Wingdings" pitchFamily="2" charset="2"/>
+              <a:buChar char="ü"/>
+            </a:pPr>
+            <a:r>
+              <a:rPr lang="en-US" dirty="0" smtClean="0"/>
+              <a:t>Usability</a:t>
+            </a:r>
+            <a:endParaRPr lang="tr-TR" dirty="0" smtClean="0"/>
+          </a:p>
+          <a:p>
+            <a:pPr>
+              <a:buFont typeface="Wingdings" pitchFamily="2" charset="2"/>
+              <a:buChar char="ü"/>
+            </a:pPr>
+            <a:r>
+              <a:rPr lang="en-US" dirty="0" smtClean="0"/>
+              <a:t>Availability</a:t>
+            </a:r>
+            <a:endParaRPr lang="tr-TR" dirty="0" smtClean="0"/>
+          </a:p>
+          <a:p>
+            <a:pPr>
+              <a:buNone/>
+            </a:pPr>
+            <a:endParaRPr lang="tr-TR" dirty="0"/>
+          </a:p>
+        </p:txBody>
+      </p:sp>
+    </p:spTree>
+  </p:cSld>
+  <p:clrMapOvr>
+    <a:masterClrMapping/>
+  </p:clrMapOvr>
+</p:sld>
+</file>
+
+<file path=ppt/slides/slide16.xml><?xml version="1.0" encoding="utf-8"?>
+<p:sld xmlns:a="http://schemas.openxmlformats.org/drawingml/2006/main" xmlns:r="http://schemas.openxmlformats.org/officeDocument/2006/relationships" xmlns:p="http://schemas.openxmlformats.org/presentationml/2006/main">
+  <p:cSld>
+    <p:spTree>
+      <p:nvGrpSpPr>
+        <p:cNvPr id="1" name=""/>
+        <p:cNvGrpSpPr/>
+        <p:nvPr/>
+      </p:nvGrpSpPr>
+      <p:grpSpPr>
+        <a:xfrm>
+          <a:off x="0" y="0"/>
+          <a:ext cx="0" cy="0"/>
+          <a:chOff x="0" y="0"/>
+          <a:chExt cx="0" cy="0"/>
+        </a:xfrm>
+      </p:grpSpPr>
+      <p:sp>
+        <p:nvSpPr>
+          <p:cNvPr id="7" name="6 Başlık"/>
+          <p:cNvSpPr>
+            <a:spLocks noGrp="1"/>
+          </p:cNvSpPr>
+          <p:nvPr>
+            <p:ph type="title"/>
+          </p:nvPr>
+        </p:nvSpPr>
+        <p:spPr/>
+        <p:txBody>
+          <a:bodyPr>
+            <a:normAutofit fontScale="90000"/>
+          </a:bodyPr>
+          <a:lstStyle/>
+          <a:p>
+            <a:r>
+              <a:rPr lang="tr-TR" dirty="0" smtClean="0"/>
+              <a:t>Why do we need requirement analysis ?</a:t>
+            </a:r>
+            <a:endParaRPr lang="tr-TR" dirty="0"/>
+          </a:p>
+        </p:txBody>
+      </p:sp>
+      <p:sp>
+        <p:nvSpPr>
+          <p:cNvPr id="8" name="7 İçerik Yer Tutucusu"/>
+          <p:cNvSpPr>
+            <a:spLocks noGrp="1"/>
+          </p:cNvSpPr>
+          <p:nvPr>
+            <p:ph idx="1"/>
+          </p:nvPr>
+        </p:nvSpPr>
+        <p:spPr/>
+        <p:txBody>
+          <a:bodyPr>
+            <a:normAutofit lnSpcReduction="10000"/>
+          </a:bodyPr>
+          <a:lstStyle/>
+          <a:p>
+            <a:pPr>
+              <a:buFont typeface="Wingdings" pitchFamily="2" charset="2"/>
+              <a:buChar char="ü"/>
+            </a:pPr>
+            <a:r>
+              <a:rPr lang="tr-TR" dirty="0" smtClean="0"/>
+              <a:t>Determine software and system limitations</a:t>
+            </a:r>
+          </a:p>
+          <a:p>
+            <a:pPr>
+              <a:buFont typeface="Wingdings" pitchFamily="2" charset="2"/>
+              <a:buChar char="ü"/>
+            </a:pPr>
+            <a:r>
+              <a:rPr lang="tr-TR" dirty="0" smtClean="0"/>
+              <a:t>Solve the requirements</a:t>
+            </a:r>
+          </a:p>
+          <a:p>
+            <a:pPr>
+              <a:buFont typeface="Wingdings" pitchFamily="2" charset="2"/>
+              <a:buChar char="ü"/>
+            </a:pPr>
+            <a:r>
+              <a:rPr lang="tr-TR" dirty="0" smtClean="0"/>
+              <a:t>Determine of the quality of the system</a:t>
+            </a:r>
+          </a:p>
+          <a:p>
+            <a:pPr>
+              <a:buFont typeface="Wingdings" pitchFamily="2" charset="2"/>
+              <a:buChar char="ü"/>
+            </a:pPr>
+            <a:r>
+              <a:rPr lang="tr-TR" dirty="0" smtClean="0"/>
+              <a:t>Increase the requirements for quality</a:t>
+            </a:r>
+          </a:p>
+          <a:p>
+            <a:pPr>
+              <a:buFont typeface="Wingdings" pitchFamily="2" charset="2"/>
+              <a:buChar char="ü"/>
+            </a:pPr>
+            <a:r>
+              <a:rPr lang="tr-TR" dirty="0" smtClean="0"/>
+              <a:t>Classify requirements</a:t>
+            </a:r>
+          </a:p>
+          <a:p>
+            <a:pPr>
+              <a:buFont typeface="Wingdings" pitchFamily="2" charset="2"/>
+              <a:buChar char="ü"/>
+            </a:pPr>
+            <a:endParaRPr lang="tr-TR" dirty="0" smtClean="0"/>
+          </a:p>
+          <a:p>
+            <a:pPr>
+              <a:buNone/>
+            </a:pPr>
+            <a:r>
+              <a:rPr lang="tr-TR" dirty="0" smtClean="0"/>
+              <a:t>    </a:t>
+            </a:r>
+            <a:r>
+              <a:rPr lang="tr-TR" dirty="0" smtClean="0">
+                <a:solidFill>
+                  <a:srgbClr val="FF0000"/>
+                </a:solidFill>
+              </a:rPr>
+              <a:t>So , how do we plan the development process?</a:t>
+            </a:r>
+            <a:endParaRPr lang="tr-TR" dirty="0">
+              <a:solidFill>
+                <a:srgbClr val="FF0000"/>
+              </a:solidFill>
+            </a:endParaRPr>
+          </a:p>
+        </p:txBody>
+      </p:sp>
+    </p:spTree>
+  </p:cSld>
+  <p:clrMapOvr>
+    <a:masterClrMapping/>
+  </p:clrMapOvr>
+</p:sld>
+</file>
+
+<file path=ppt/slides/slide17.xml><?xml version="1.0" encoding="utf-8"?>
+<p:sld xmlns:a="http://schemas.openxmlformats.org/drawingml/2006/main" xmlns:r="http://schemas.openxmlformats.org/officeDocument/2006/relationships" xmlns:p="http://schemas.openxmlformats.org/presentationml/2006/main">
+  <p:cSld>
+    <p:spTree>
+      <p:nvGrpSpPr>
+        <p:cNvPr id="1" name=""/>
+        <p:cNvGrpSpPr/>
+        <p:nvPr/>
+      </p:nvGrpSpPr>
+      <p:grpSpPr>
+        <a:xfrm>
+          <a:off x="0" y="0"/>
+          <a:ext cx="0" cy="0"/>
+          <a:chOff x="0" y="0"/>
+          <a:chExt cx="0" cy="0"/>
+        </a:xfrm>
+      </p:grpSpPr>
+      <p:sp>
+        <p:nvSpPr>
+          <p:cNvPr id="2" name="1 Başlık"/>
+          <p:cNvSpPr>
+            <a:spLocks noGrp="1"/>
+          </p:cNvSpPr>
+          <p:nvPr>
+            <p:ph type="title"/>
+          </p:nvPr>
+        </p:nvSpPr>
+        <p:spPr/>
+        <p:txBody>
+          <a:bodyPr>
+            <a:normAutofit fontScale="90000"/>
+          </a:bodyPr>
+          <a:lstStyle/>
+          <a:p>
+            <a:r>
+              <a:rPr lang="tr-TR" dirty="0" smtClean="0"/>
+              <a:t/>
+            </a:r>
+            <a:br>
+              <a:rPr lang="tr-TR" dirty="0" smtClean="0"/>
+            </a:br>
+            <a:r>
+              <a:rPr lang="tr-TR" dirty="0" smtClean="0"/>
+              <a:t>Development Process</a:t>
+            </a:r>
+            <a:br>
+              <a:rPr lang="tr-TR" dirty="0" smtClean="0"/>
+            </a:br>
+            <a:endParaRPr lang="tr-TR" dirty="0"/>
+          </a:p>
+        </p:txBody>
+      </p:sp>
+      <p:sp>
+        <p:nvSpPr>
+          <p:cNvPr id="3" name="2 İçerik Yer Tutucusu"/>
+          <p:cNvSpPr>
+            <a:spLocks noGrp="1"/>
+          </p:cNvSpPr>
+          <p:nvPr>
+            <p:ph idx="1"/>
+          </p:nvPr>
+        </p:nvSpPr>
+        <p:spPr/>
+        <p:txBody>
+          <a:bodyPr>
+            <a:normAutofit lnSpcReduction="10000"/>
+          </a:bodyPr>
+          <a:lstStyle/>
+          <a:p>
+            <a:pPr>
+              <a:buFont typeface="Wingdings" pitchFamily="2" charset="2"/>
+              <a:buChar char="ü"/>
+            </a:pPr>
+            <a:r>
+              <a:rPr lang="tr-TR" dirty="0" smtClean="0"/>
+              <a:t>Design Website </a:t>
+            </a:r>
+          </a:p>
+          <a:p>
+            <a:pPr>
+              <a:buFont typeface="Wingdings" pitchFamily="2" charset="2"/>
+              <a:buChar char="ü"/>
+            </a:pPr>
+            <a:r>
+              <a:rPr lang="tr-TR" dirty="0" smtClean="0"/>
+              <a:t>Design Database and Use  Azure Platform</a:t>
+            </a:r>
+          </a:p>
+          <a:p>
+            <a:pPr>
+              <a:buFont typeface="Wingdings" pitchFamily="2" charset="2"/>
+              <a:buChar char="ü"/>
+            </a:pPr>
+            <a:r>
+              <a:rPr lang="tr-TR" dirty="0" smtClean="0"/>
+              <a:t>Creating a Web Service </a:t>
+            </a:r>
+          </a:p>
+          <a:p>
+            <a:pPr>
+              <a:buFont typeface="Wingdings" pitchFamily="2" charset="2"/>
+              <a:buChar char="ü"/>
+            </a:pPr>
+            <a:r>
+              <a:rPr lang="tr-TR" dirty="0" smtClean="0"/>
+              <a:t>Creating Chrome Extensions </a:t>
+            </a:r>
+          </a:p>
+          <a:p>
+            <a:pPr>
+              <a:buFont typeface="Wingdings" pitchFamily="2" charset="2"/>
+              <a:buChar char="ü"/>
+            </a:pPr>
+            <a:endParaRPr lang="tr-TR" dirty="0" smtClean="0"/>
+          </a:p>
+          <a:p>
+            <a:pPr>
+              <a:buNone/>
+            </a:pPr>
+            <a:r>
+              <a:rPr lang="tr-TR" dirty="0" smtClean="0"/>
+              <a:t>  </a:t>
+            </a:r>
+            <a:r>
+              <a:rPr lang="tr-TR" dirty="0" smtClean="0">
+                <a:solidFill>
+                  <a:srgbClr val="FF0000"/>
+                </a:solidFill>
+              </a:rPr>
+              <a:t>Which development tools do we will use ?</a:t>
+            </a:r>
+          </a:p>
+          <a:p>
+            <a:pPr>
+              <a:buNone/>
+            </a:pPr>
+            <a:r>
+              <a:rPr lang="tr-TR" dirty="0" smtClean="0">
+                <a:solidFill>
+                  <a:srgbClr val="FF0000"/>
+                </a:solidFill>
+              </a:rPr>
+              <a:t>  </a:t>
+            </a:r>
+          </a:p>
+          <a:p>
+            <a:pPr>
+              <a:buNone/>
+            </a:pPr>
+            <a:r>
+              <a:rPr lang="tr-TR" dirty="0" smtClean="0"/>
+              <a:t>  </a:t>
+            </a:r>
+            <a:endParaRPr lang="tr-TR" dirty="0"/>
+          </a:p>
+        </p:txBody>
+      </p:sp>
+    </p:spTree>
+  </p:cSld>
+  <p:clrMapOvr>
+    <a:masterClrMapping/>
+  </p:clrMapOvr>
+</p:sld>
+</file>
+
+<file path=ppt/slides/slide18.xml><?xml version="1.0" encoding="utf-8"?>
+<p:sld xmlns:a="http://schemas.openxmlformats.org/drawingml/2006/main" xmlns:r="http://schemas.openxmlformats.org/officeDocument/2006/relationships" xmlns:p="http://schemas.openxmlformats.org/presentationml/2006/main">
+  <p:cSld>
+    <p:spTree>
+      <p:nvGrpSpPr>
+        <p:cNvPr id="1" name=""/>
+        <p:cNvGrpSpPr/>
+        <p:nvPr/>
+      </p:nvGrpSpPr>
+      <p:grpSpPr>
+        <a:xfrm>
+          <a:off x="0" y="0"/>
+          <a:ext cx="0" cy="0"/>
+          <a:chOff x="0" y="0"/>
+          <a:chExt cx="0" cy="0"/>
+        </a:xfrm>
+      </p:grpSpPr>
+      <p:sp>
+        <p:nvSpPr>
+          <p:cNvPr id="7" name="6 Başlık"/>
+          <p:cNvSpPr>
+            <a:spLocks noGrp="1"/>
+          </p:cNvSpPr>
+          <p:nvPr>
+            <p:ph type="title"/>
+          </p:nvPr>
+        </p:nvSpPr>
+        <p:spPr/>
+        <p:txBody>
+          <a:bodyPr/>
+          <a:lstStyle/>
+          <a:p>
+            <a:r>
+              <a:rPr lang="tr-TR" dirty="0" smtClean="0"/>
+              <a:t>Development tools</a:t>
+            </a:r>
+            <a:endParaRPr lang="tr-TR" dirty="0"/>
+          </a:p>
+        </p:txBody>
+      </p:sp>
+      <p:sp>
+        <p:nvSpPr>
+          <p:cNvPr id="8" name="7 İçerik Yer Tutucusu"/>
+          <p:cNvSpPr>
+            <a:spLocks noGrp="1"/>
+          </p:cNvSpPr>
+          <p:nvPr>
+            <p:ph idx="1"/>
+          </p:nvPr>
+        </p:nvSpPr>
+        <p:spPr/>
+        <p:txBody>
+          <a:bodyPr>
+            <a:normAutofit/>
+          </a:bodyPr>
+          <a:lstStyle/>
+          <a:p>
+            <a:pPr>
+              <a:buFont typeface="Wingdings" pitchFamily="2" charset="2"/>
+              <a:buChar char="q"/>
+            </a:pPr>
+            <a:r>
+              <a:rPr lang="tr-TR" dirty="0" smtClean="0"/>
+              <a:t>ASP.NET</a:t>
+            </a:r>
+          </a:p>
+          <a:p>
+            <a:pPr>
+              <a:buFont typeface="Wingdings" pitchFamily="2" charset="2"/>
+              <a:buChar char="q"/>
+            </a:pPr>
+            <a:r>
+              <a:rPr lang="tr-TR" dirty="0" smtClean="0"/>
+              <a:t>CSS</a:t>
+            </a:r>
+          </a:p>
+          <a:p>
+            <a:pPr>
+              <a:buFont typeface="Wingdings" pitchFamily="2" charset="2"/>
+              <a:buChar char="q"/>
+            </a:pPr>
+            <a:r>
+              <a:rPr lang="tr-TR" dirty="0" smtClean="0"/>
+              <a:t>JAVA SCRİPT</a:t>
+            </a:r>
+          </a:p>
+          <a:p>
+            <a:pPr>
+              <a:buFont typeface="Wingdings" pitchFamily="2" charset="2"/>
+              <a:buChar char="q"/>
+            </a:pPr>
+            <a:r>
+              <a:rPr lang="tr-TR" dirty="0" smtClean="0"/>
+              <a:t>HTML</a:t>
+            </a:r>
+          </a:p>
+          <a:p>
+            <a:pPr>
+              <a:buFont typeface="Wingdings" pitchFamily="2" charset="2"/>
+              <a:buChar char="q"/>
+            </a:pPr>
+            <a:r>
+              <a:rPr lang="tr-TR" dirty="0" smtClean="0"/>
+              <a:t>AZURE</a:t>
+            </a:r>
+          </a:p>
+          <a:p>
+            <a:pPr>
+              <a:buFont typeface="Wingdings" pitchFamily="2" charset="2"/>
+              <a:buChar char="q"/>
+            </a:pPr>
+            <a:r>
+              <a:rPr lang="tr-TR" smtClean="0"/>
+              <a:t>MYSQL</a:t>
+            </a:r>
+            <a:endParaRPr lang="tr-TR" dirty="0" smtClean="0"/>
+          </a:p>
+          <a:p>
+            <a:pPr>
+              <a:buFont typeface="Wingdings" pitchFamily="2" charset="2"/>
+              <a:buChar char="q"/>
+            </a:pPr>
+            <a:r>
+              <a:rPr lang="tr-TR" dirty="0" smtClean="0"/>
+              <a:t>POLYMER</a:t>
+            </a:r>
+          </a:p>
+          <a:p>
+            <a:pPr>
+              <a:buFont typeface="Wingdings" pitchFamily="2" charset="2"/>
+              <a:buChar char="q"/>
+            </a:pPr>
+            <a:endParaRPr lang="tr-TR" dirty="0"/>
+          </a:p>
+        </p:txBody>
+      </p:sp>
+    </p:spTree>
+  </p:cSld>
+  <p:clrMapOvr>
+    <a:masterClrMapping/>
+  </p:clrMapOvr>
+</p:sld>
+</file>
+
+<file path=ppt/slides/slide19.xml><?xml version="1.0" encoding="utf-8"?>
+<p:sld xmlns:a="http://schemas.openxmlformats.org/drawingml/2006/main" xmlns:r="http://schemas.openxmlformats.org/officeDocument/2006/relationships" xmlns:p="http://schemas.openxmlformats.org/presentationml/2006/main">
+  <p:cSld>
+    <p:spTree>
+      <p:nvGrpSpPr>
+        <p:cNvPr id="1" name=""/>
+        <p:cNvGrpSpPr/>
+        <p:nvPr/>
+      </p:nvGrpSpPr>
+      <p:grpSpPr>
+        <a:xfrm>
+          <a:off x="0" y="0"/>
+          <a:ext cx="0" cy="0"/>
+          <a:chOff x="0" y="0"/>
+          <a:chExt cx="0" cy="0"/>
+        </a:xfrm>
+      </p:grpSpPr>
+      <p:sp>
+        <p:nvSpPr>
+          <p:cNvPr id="2" name="1 Başlık"/>
+          <p:cNvSpPr>
+            <a:spLocks noGrp="1"/>
+          </p:cNvSpPr>
+          <p:nvPr>
+            <p:ph type="title"/>
+          </p:nvPr>
+        </p:nvSpPr>
+        <p:spPr/>
+        <p:txBody>
+          <a:bodyPr/>
+          <a:lstStyle/>
+          <a:p>
+            <a:r>
+              <a:rPr lang="tr-TR" dirty="0" smtClean="0"/>
+              <a:t>When ?</a:t>
+            </a:r>
+            <a:endParaRPr lang="tr-TR" dirty="0"/>
+          </a:p>
+        </p:txBody>
+      </p:sp>
+      <p:pic>
+        <p:nvPicPr>
+          <p:cNvPr id="1026" name="Picture 2"/>
+          <p:cNvPicPr>
+            <a:picLocks noGrp="1" noChangeAspect="1" noChangeArrowheads="1"/>
+          </p:cNvPicPr>
+          <p:nvPr>
+            <p:ph idx="1"/>
+          </p:nvPr>
+        </p:nvPicPr>
+        <p:blipFill>
+          <a:blip r:embed="rId2"/>
+          <a:srcRect/>
+          <a:stretch>
+            <a:fillRect/>
+          </a:stretch>
+        </p:blipFill>
+        <p:spPr bwMode="auto">
+          <a:xfrm>
+            <a:off x="1074420" y="2003901"/>
+            <a:ext cx="6995160" cy="3718560"/>
+          </a:xfrm>
+          <a:prstGeom prst="rect">
+            <a:avLst/>
+          </a:prstGeom>
+          <a:noFill/>
+          <a:ln w="9525">
+            <a:noFill/>
+            <a:miter lim="800000"/>
+            <a:headEnd/>
+            <a:tailEnd/>
+          </a:ln>
+          <a:effectLst/>
+        </p:spPr>
+      </p:pic>
     </p:spTree>
   </p:cSld>
   <p:clrMapOvr>
@@ -3637,6 +4763,117 @@
 </p:sld>
 </file>
 
+<file path=ppt/slides/slide20.xml><?xml version="1.0" encoding="utf-8"?>
+<p:sld xmlns:a="http://schemas.openxmlformats.org/drawingml/2006/main" xmlns:r="http://schemas.openxmlformats.org/officeDocument/2006/relationships" xmlns:p="http://schemas.openxmlformats.org/presentationml/2006/main">
+  <p:cSld>
+    <p:spTree>
+      <p:nvGrpSpPr>
+        <p:cNvPr id="1" name=""/>
+        <p:cNvGrpSpPr/>
+        <p:nvPr/>
+      </p:nvGrpSpPr>
+      <p:grpSpPr>
+        <a:xfrm>
+          <a:off x="0" y="0"/>
+          <a:ext cx="0" cy="0"/>
+          <a:chOff x="0" y="0"/>
+          <a:chExt cx="0" cy="0"/>
+        </a:xfrm>
+      </p:grpSpPr>
+      <p:pic>
+        <p:nvPicPr>
+          <p:cNvPr id="2050" name="Picture 2"/>
+          <p:cNvPicPr>
+            <a:picLocks noChangeAspect="1" noChangeArrowheads="1"/>
+          </p:cNvPicPr>
+          <p:nvPr/>
+        </p:nvPicPr>
+        <p:blipFill>
+          <a:blip r:embed="rId2"/>
+          <a:srcRect/>
+          <a:stretch>
+            <a:fillRect/>
+          </a:stretch>
+        </p:blipFill>
+        <p:spPr bwMode="auto">
+          <a:xfrm>
+            <a:off x="1500167" y="1357298"/>
+            <a:ext cx="6429420" cy="3429024"/>
+          </a:xfrm>
+          <a:prstGeom prst="rect">
+            <a:avLst/>
+          </a:prstGeom>
+          <a:noFill/>
+          <a:ln w="9525">
+            <a:noFill/>
+            <a:miter lim="800000"/>
+            <a:headEnd/>
+            <a:tailEnd/>
+          </a:ln>
+          <a:effectLst/>
+        </p:spPr>
+      </p:pic>
+    </p:spTree>
+  </p:cSld>
+  <p:clrMapOvr>
+    <a:masterClrMapping/>
+  </p:clrMapOvr>
+</p:sld>
+</file>
+
+<file path=ppt/slides/slide21.xml><?xml version="1.0" encoding="utf-8"?>
+<p:sld xmlns:a="http://schemas.openxmlformats.org/drawingml/2006/main" xmlns:r="http://schemas.openxmlformats.org/officeDocument/2006/relationships" xmlns:p="http://schemas.openxmlformats.org/presentationml/2006/main">
+  <p:cSld>
+    <p:spTree>
+      <p:nvGrpSpPr>
+        <p:cNvPr id="1" name=""/>
+        <p:cNvGrpSpPr/>
+        <p:nvPr/>
+      </p:nvGrpSpPr>
+      <p:grpSpPr>
+        <a:xfrm>
+          <a:off x="0" y="0"/>
+          <a:ext cx="0" cy="0"/>
+          <a:chOff x="0" y="0"/>
+          <a:chExt cx="0" cy="0"/>
+        </a:xfrm>
+      </p:grpSpPr>
+      <p:sp>
+        <p:nvSpPr>
+          <p:cNvPr id="2" name="1 Başlık"/>
+          <p:cNvSpPr>
+            <a:spLocks noGrp="1"/>
+          </p:cNvSpPr>
+          <p:nvPr>
+            <p:ph type="title"/>
+          </p:nvPr>
+        </p:nvSpPr>
+        <p:spPr>
+          <a:xfrm>
+            <a:off x="457200" y="274638"/>
+            <a:ext cx="8229600" cy="5583254"/>
+          </a:xfrm>
+        </p:spPr>
+        <p:txBody>
+          <a:bodyPr/>
+          <a:lstStyle/>
+          <a:p>
+            <a:r>
+              <a:rPr lang="tr-TR" dirty="0" smtClean="0"/>
+              <a:t>THANK YOU</a:t>
+            </a:r>
+            <a:endParaRPr lang="tr-TR" dirty="0"/>
+          </a:p>
+        </p:txBody>
+      </p:sp>
+    </p:spTree>
+  </p:cSld>
+  <p:clrMapOvr>
+    <a:masterClrMapping/>
+  </p:clrMapOvr>
+</p:sld>
+</file>
+
 <file path=ppt/slides/slide3.xml><?xml version="1.0" encoding="utf-8"?>
 <p:sld xmlns:a="http://schemas.openxmlformats.org/drawingml/2006/main" xmlns:r="http://schemas.openxmlformats.org/officeDocument/2006/relationships" xmlns:p="http://schemas.openxmlformats.org/presentationml/2006/main">
   <p:cSld>
@@ -3958,45 +5195,33 @@
             </a:pPr>
             <a:r>
               <a:rPr lang="tr-TR" sz="1800" dirty="0" smtClean="0"/>
-              <a:t>Great Crises(1929</a:t>
-            </a:r>
+              <a:t>Great Crises(1929)</a:t>
+            </a:r>
+          </a:p>
+          <a:p>
+            <a:pPr>
+              <a:buFont typeface="Wingdings" pitchFamily="2" charset="2"/>
+              <a:buChar char="v"/>
+            </a:pPr>
             <a:r>
               <a:rPr lang="tr-TR" sz="1800" dirty="0" smtClean="0"/>
-              <a:t>)</a:t>
-            </a:r>
-          </a:p>
-          <a:p>
-            <a:pPr>
-              <a:buFont typeface="Wingdings" pitchFamily="2" charset="2"/>
-              <a:buChar char="v"/>
+              <a:t>The World Economic Crisis is a global crisis that began in the United States and showed its impact all over the world</a:t>
+            </a:r>
+          </a:p>
+          <a:p>
+            <a:pPr>
+              <a:buNone/>
+            </a:pPr>
+            <a:endParaRPr lang="tr-TR" sz="1800" dirty="0" smtClean="0"/>
+          </a:p>
+          <a:p>
+            <a:pPr>
+              <a:buFont typeface="Wingdings" pitchFamily="2" charset="2"/>
+              <a:buChar char="Ø"/>
             </a:pPr>
             <a:r>
               <a:rPr lang="tr-TR" sz="1800" dirty="0" smtClean="0"/>
-              <a:t>The World Economic Crisis is a global crisis that began in the United States and showed its impact all over the </a:t>
-            </a:r>
-            <a:r>
-              <a:rPr lang="tr-TR" sz="1800" dirty="0" smtClean="0"/>
-              <a:t>world</a:t>
-            </a:r>
-          </a:p>
-          <a:p>
-            <a:pPr>
-              <a:buNone/>
-            </a:pPr>
-            <a:endParaRPr lang="tr-TR" sz="1800" dirty="0" smtClean="0"/>
-          </a:p>
-          <a:p>
-            <a:pPr>
-              <a:buFont typeface="Wingdings" pitchFamily="2" charset="2"/>
-              <a:buChar char="Ø"/>
-            </a:pPr>
-            <a:r>
-              <a:rPr lang="tr-TR" sz="1800" dirty="0" smtClean="0"/>
-              <a:t>Black Monday (1987</a:t>
-            </a:r>
-            <a:r>
-              <a:rPr lang="tr-TR" sz="1800" dirty="0" smtClean="0"/>
-              <a:t>)</a:t>
+              <a:t>Black Monday (1987)</a:t>
             </a:r>
           </a:p>
           <a:p>
@@ -4008,7 +5233,6 @@
               <a:rPr lang="tr-TR" sz="1800" dirty="0" smtClean="0"/>
               <a:t>The world's stock markets have come to the fore as a result of great depreciation in a short period of time</a:t>
             </a:r>
-            <a:endParaRPr lang="tr-TR" sz="1800" dirty="0" smtClean="0"/>
           </a:p>
           <a:p>
             <a:pPr>
@@ -4017,11 +5241,7 @@
             </a:pPr>
             <a:r>
               <a:rPr lang="tr-TR" sz="1800" dirty="0" smtClean="0"/>
-              <a:t>Global Economic Crisis(2008-2012</a:t>
-            </a:r>
-            <a:r>
-              <a:rPr lang="tr-TR" sz="1800" dirty="0" smtClean="0"/>
-              <a:t>)</a:t>
+              <a:t>Global Economic Crisis(2008-2012)</a:t>
             </a:r>
           </a:p>
           <a:p>
@@ -4033,7 +5253,6 @@
               <a:rPr lang="tr-TR" sz="1800" dirty="0" smtClean="0"/>
               <a:t>With the collapse of the US mortgage system and the sudden cash shortage in the markets, big monetary companies started to sink and this has happened with a chain effect</a:t>
             </a:r>
-            <a:endParaRPr lang="tr-TR" sz="1800" dirty="0" smtClean="0"/>
           </a:p>
           <a:p>
             <a:pPr>
@@ -4138,7 +5357,6 @@
               <a:rPr lang="tr-TR" dirty="0" smtClean="0"/>
               <a:t>Big increase in unemployment </a:t>
             </a:r>
-            <a:endParaRPr lang="tr-TR" dirty="0" smtClean="0"/>
           </a:p>
           <a:p>
             <a:pPr>
@@ -4157,11 +5375,7 @@
             </a:pPr>
             <a:r>
               <a:rPr lang="tr-TR" dirty="0" smtClean="0"/>
-              <a:t> </a:t>
-            </a:r>
-            <a:r>
-              <a:rPr lang="tr-TR" dirty="0" smtClean="0"/>
-              <a:t>Decrease in Economic Growth</a:t>
+              <a:t> Decrease in Economic Growth</a:t>
             </a:r>
           </a:p>
           <a:p>
@@ -4171,13 +5385,8 @@
             </a:pPr>
             <a:r>
               <a:rPr lang="tr-TR" dirty="0" smtClean="0"/>
-              <a:t>Liquidity </a:t>
-            </a:r>
-            <a:r>
-              <a:rPr lang="tr-TR" dirty="0" smtClean="0"/>
-              <a:t>problem </a:t>
-            </a:r>
-            <a:endParaRPr lang="tr-TR" dirty="0" smtClean="0"/>
+              <a:t>Liquidity problem </a:t>
+            </a:r>
           </a:p>
           <a:p>
             <a:pPr>
@@ -4272,11 +5481,7 @@
             </a:pPr>
             <a:r>
               <a:rPr lang="tr-TR" dirty="0" smtClean="0"/>
-              <a:t>Psychological </a:t>
-            </a:r>
-            <a:r>
-              <a:rPr lang="tr-TR" dirty="0" smtClean="0"/>
-              <a:t>problems</a:t>
+              <a:t>Psychological problems</a:t>
             </a:r>
           </a:p>
           <a:p>
@@ -4306,11 +5511,7 @@
             </a:pPr>
             <a:r>
               <a:rPr lang="tr-TR" dirty="0" smtClean="0"/>
-              <a:t>Reduction in production </a:t>
-            </a:r>
-            <a:r>
-              <a:rPr lang="tr-TR" dirty="0" smtClean="0"/>
-              <a:t>speed etc..</a:t>
+              <a:t>Reduction in production speed etc..</a:t>
             </a:r>
             <a:endParaRPr lang="tr-TR" dirty="0"/>
           </a:p>
@@ -4358,11 +5559,7 @@
           <a:p>
             <a:r>
               <a:rPr lang="tr-TR" dirty="0" smtClean="0"/>
-              <a:t>So ,How </a:t>
-            </a:r>
-            <a:r>
-              <a:rPr lang="tr-TR" dirty="0" smtClean="0"/>
-              <a:t>About in the Future ?</a:t>
+              <a:t>So ,How About in the Future ?</a:t>
             </a:r>
             <a:endParaRPr lang="tr-TR" dirty="0"/>
           </a:p>

--- a/Documents/DUYARLIOL.pptx
+++ b/Documents/DUYARLIOL.pptx
@@ -20,12 +20,11 @@
     <p:sldId id="268" r:id="rId14"/>
     <p:sldId id="269" r:id="rId15"/>
     <p:sldId id="271" r:id="rId16"/>
-    <p:sldId id="272" r:id="rId17"/>
-    <p:sldId id="274" r:id="rId18"/>
-    <p:sldId id="273" r:id="rId19"/>
-    <p:sldId id="275" r:id="rId20"/>
-    <p:sldId id="276" r:id="rId21"/>
-    <p:sldId id="277" r:id="rId22"/>
+    <p:sldId id="274" r:id="rId17"/>
+    <p:sldId id="273" r:id="rId18"/>
+    <p:sldId id="275" r:id="rId19"/>
+    <p:sldId id="276" r:id="rId20"/>
+    <p:sldId id="277" r:id="rId21"/>
   </p:sldIdLst>
   <p:sldSz cx="9144000" cy="6858000" type="screen4x3"/>
   <p:notesSz cx="6858000" cy="9144000"/>
@@ -124,6 +123,22 @@
       </a:defRPr>
     </a:lvl9pPr>
   </p:defaultTextStyle>
+  <p:extLst>
+    <p:ext uri="{EFAFB233-063F-42B5-8137-9DF3F51BA10A}">
+      <p15:sldGuideLst xmlns:p15="http://schemas.microsoft.com/office/powerpoint/2012/main">
+        <p15:guide id="1" orient="horz" pos="2160">
+          <p15:clr>
+            <a:srgbClr val="A4A3A4"/>
+          </p15:clr>
+        </p15:guide>
+        <p15:guide id="2" pos="2880">
+          <p15:clr>
+            <a:srgbClr val="A4A3A4"/>
+          </p15:clr>
+        </p15:guide>
+      </p15:sldGuideLst>
+    </p:ext>
+  </p:extLst>
 </p:presentation>
 </file>
 
@@ -165,10 +180,9 @@
           <a:lstStyle/>
           <a:p>
             <a:r>
-              <a:rPr lang="tr-TR" smtClean="0"/>
+              <a:rPr lang="tr-TR"/>
               <a:t>Asıl başlık stili için tıklatın</a:t>
             </a:r>
-            <a:endParaRPr lang="tr-TR"/>
           </a:p>
         </p:txBody>
       </p:sp>
@@ -284,10 +298,9 @@
           </a:lstStyle>
           <a:p>
             <a:r>
-              <a:rPr lang="tr-TR" smtClean="0"/>
+              <a:rPr lang="tr-TR"/>
               <a:t>Asıl alt başlık stilini düzenlemek için tıklatın</a:t>
             </a:r>
-            <a:endParaRPr lang="tr-TR"/>
           </a:p>
         </p:txBody>
       </p:sp>
@@ -309,7 +322,7 @@
             <a:fld id="{9215268A-ECED-40C2-BA3B-556FDB639813}" type="datetimeFigureOut">
               <a:rPr lang="tr-TR" smtClean="0"/>
               <a:pPr/>
-              <a:t>24.03.2017</a:t>
+              <a:t>25.3.2017</a:t>
             </a:fld>
             <a:endParaRPr lang="tr-TR"/>
           </a:p>
@@ -399,10 +412,9 @@
           <a:lstStyle/>
           <a:p>
             <a:r>
-              <a:rPr lang="tr-TR" smtClean="0"/>
+              <a:rPr lang="tr-TR"/>
               <a:t>Asıl başlık stili için tıklatın</a:t>
             </a:r>
-            <a:endParaRPr lang="tr-TR"/>
           </a:p>
         </p:txBody>
       </p:sp>
@@ -423,38 +435,37 @@
           <a:p>
             <a:pPr lvl="0"/>
             <a:r>
-              <a:rPr lang="tr-TR" smtClean="0"/>
+              <a:rPr lang="tr-TR"/>
               <a:t>Asıl metin stillerini düzenlemek için tıklatın</a:t>
             </a:r>
           </a:p>
           <a:p>
             <a:pPr lvl="1"/>
             <a:r>
-              <a:rPr lang="tr-TR" smtClean="0"/>
+              <a:rPr lang="tr-TR"/>
               <a:t>İkinci düzey</a:t>
             </a:r>
           </a:p>
           <a:p>
             <a:pPr lvl="2"/>
             <a:r>
-              <a:rPr lang="tr-TR" smtClean="0"/>
+              <a:rPr lang="tr-TR"/>
               <a:t>Üçüncü düzey</a:t>
             </a:r>
           </a:p>
           <a:p>
             <a:pPr lvl="3"/>
             <a:r>
-              <a:rPr lang="tr-TR" smtClean="0"/>
+              <a:rPr lang="tr-TR"/>
               <a:t>Dördüncü düzey</a:t>
             </a:r>
           </a:p>
           <a:p>
             <a:pPr lvl="4"/>
             <a:r>
-              <a:rPr lang="tr-TR" smtClean="0"/>
+              <a:rPr lang="tr-TR"/>
               <a:t>Beşinci düzey</a:t>
             </a:r>
-            <a:endParaRPr lang="tr-TR"/>
           </a:p>
         </p:txBody>
       </p:sp>
@@ -476,7 +487,7 @@
             <a:fld id="{9215268A-ECED-40C2-BA3B-556FDB639813}" type="datetimeFigureOut">
               <a:rPr lang="tr-TR" smtClean="0"/>
               <a:pPr/>
-              <a:t>24.03.2017</a:t>
+              <a:t>25.3.2017</a:t>
             </a:fld>
             <a:endParaRPr lang="tr-TR"/>
           </a:p>
@@ -571,10 +582,9 @@
           <a:lstStyle/>
           <a:p>
             <a:r>
-              <a:rPr lang="tr-TR" smtClean="0"/>
+              <a:rPr lang="tr-TR"/>
               <a:t>Asıl başlık stili için tıklatın</a:t>
             </a:r>
-            <a:endParaRPr lang="tr-TR"/>
           </a:p>
         </p:txBody>
       </p:sp>
@@ -600,38 +610,37 @@
           <a:p>
             <a:pPr lvl="0"/>
             <a:r>
-              <a:rPr lang="tr-TR" smtClean="0"/>
+              <a:rPr lang="tr-TR"/>
               <a:t>Asıl metin stillerini düzenlemek için tıklatın</a:t>
             </a:r>
           </a:p>
           <a:p>
             <a:pPr lvl="1"/>
             <a:r>
-              <a:rPr lang="tr-TR" smtClean="0"/>
+              <a:rPr lang="tr-TR"/>
               <a:t>İkinci düzey</a:t>
             </a:r>
           </a:p>
           <a:p>
             <a:pPr lvl="2"/>
             <a:r>
-              <a:rPr lang="tr-TR" smtClean="0"/>
+              <a:rPr lang="tr-TR"/>
               <a:t>Üçüncü düzey</a:t>
             </a:r>
           </a:p>
           <a:p>
             <a:pPr lvl="3"/>
             <a:r>
-              <a:rPr lang="tr-TR" smtClean="0"/>
+              <a:rPr lang="tr-TR"/>
               <a:t>Dördüncü düzey</a:t>
             </a:r>
           </a:p>
           <a:p>
             <a:pPr lvl="4"/>
             <a:r>
-              <a:rPr lang="tr-TR" smtClean="0"/>
+              <a:rPr lang="tr-TR"/>
               <a:t>Beşinci düzey</a:t>
             </a:r>
-            <a:endParaRPr lang="tr-TR"/>
           </a:p>
         </p:txBody>
       </p:sp>
@@ -653,7 +662,7 @@
             <a:fld id="{9215268A-ECED-40C2-BA3B-556FDB639813}" type="datetimeFigureOut">
               <a:rPr lang="tr-TR" smtClean="0"/>
               <a:pPr/>
-              <a:t>24.03.2017</a:t>
+              <a:t>25.3.2017</a:t>
             </a:fld>
             <a:endParaRPr lang="tr-TR"/>
           </a:p>
@@ -743,10 +752,9 @@
           <a:lstStyle/>
           <a:p>
             <a:r>
-              <a:rPr lang="tr-TR" smtClean="0"/>
+              <a:rPr lang="tr-TR"/>
               <a:t>Asıl başlık stili için tıklatın</a:t>
             </a:r>
-            <a:endParaRPr lang="tr-TR"/>
           </a:p>
         </p:txBody>
       </p:sp>
@@ -767,38 +775,37 @@
           <a:p>
             <a:pPr lvl="0"/>
             <a:r>
-              <a:rPr lang="tr-TR" smtClean="0"/>
+              <a:rPr lang="tr-TR"/>
               <a:t>Asıl metin stillerini düzenlemek için tıklatın</a:t>
             </a:r>
           </a:p>
           <a:p>
             <a:pPr lvl="1"/>
             <a:r>
-              <a:rPr lang="tr-TR" smtClean="0"/>
+              <a:rPr lang="tr-TR"/>
               <a:t>İkinci düzey</a:t>
             </a:r>
           </a:p>
           <a:p>
             <a:pPr lvl="2"/>
             <a:r>
-              <a:rPr lang="tr-TR" smtClean="0"/>
+              <a:rPr lang="tr-TR"/>
               <a:t>Üçüncü düzey</a:t>
             </a:r>
           </a:p>
           <a:p>
             <a:pPr lvl="3"/>
             <a:r>
-              <a:rPr lang="tr-TR" smtClean="0"/>
+              <a:rPr lang="tr-TR"/>
               <a:t>Dördüncü düzey</a:t>
             </a:r>
           </a:p>
           <a:p>
             <a:pPr lvl="4"/>
             <a:r>
-              <a:rPr lang="tr-TR" smtClean="0"/>
+              <a:rPr lang="tr-TR"/>
               <a:t>Beşinci düzey</a:t>
             </a:r>
-            <a:endParaRPr lang="tr-TR"/>
           </a:p>
         </p:txBody>
       </p:sp>
@@ -820,7 +827,7 @@
             <a:fld id="{9215268A-ECED-40C2-BA3B-556FDB639813}" type="datetimeFigureOut">
               <a:rPr lang="tr-TR" smtClean="0"/>
               <a:pPr/>
-              <a:t>24.03.2017</a:t>
+              <a:t>25.3.2017</a:t>
             </a:fld>
             <a:endParaRPr lang="tr-TR"/>
           </a:p>
@@ -919,10 +926,9 @@
           </a:lstStyle>
           <a:p>
             <a:r>
-              <a:rPr lang="tr-TR" smtClean="0"/>
+              <a:rPr lang="tr-TR"/>
               <a:t>Asıl başlık stili için tıklatın</a:t>
             </a:r>
-            <a:endParaRPr lang="tr-TR"/>
           </a:p>
         </p:txBody>
       </p:sp>
@@ -1039,7 +1045,7 @@
           <a:p>
             <a:pPr lvl="0"/>
             <a:r>
-              <a:rPr lang="tr-TR" smtClean="0"/>
+              <a:rPr lang="tr-TR"/>
               <a:t>Asıl metin stillerini düzenlemek için tıklatın</a:t>
             </a:r>
           </a:p>
@@ -1063,7 +1069,7 @@
             <a:fld id="{9215268A-ECED-40C2-BA3B-556FDB639813}" type="datetimeFigureOut">
               <a:rPr lang="tr-TR" smtClean="0"/>
               <a:pPr/>
-              <a:t>24.03.2017</a:t>
+              <a:t>25.3.2017</a:t>
             </a:fld>
             <a:endParaRPr lang="tr-TR"/>
           </a:p>
@@ -1153,10 +1159,9 @@
           <a:lstStyle/>
           <a:p>
             <a:r>
-              <a:rPr lang="tr-TR" smtClean="0"/>
+              <a:rPr lang="tr-TR"/>
               <a:t>Asıl başlık stili için tıklatın</a:t>
             </a:r>
-            <a:endParaRPr lang="tr-TR"/>
           </a:p>
         </p:txBody>
       </p:sp>
@@ -1210,38 +1215,37 @@
           <a:p>
             <a:pPr lvl="0"/>
             <a:r>
-              <a:rPr lang="tr-TR" smtClean="0"/>
+              <a:rPr lang="tr-TR"/>
               <a:t>Asıl metin stillerini düzenlemek için tıklatın</a:t>
             </a:r>
           </a:p>
           <a:p>
             <a:pPr lvl="1"/>
             <a:r>
-              <a:rPr lang="tr-TR" smtClean="0"/>
+              <a:rPr lang="tr-TR"/>
               <a:t>İkinci düzey</a:t>
             </a:r>
           </a:p>
           <a:p>
             <a:pPr lvl="2"/>
             <a:r>
-              <a:rPr lang="tr-TR" smtClean="0"/>
+              <a:rPr lang="tr-TR"/>
               <a:t>Üçüncü düzey</a:t>
             </a:r>
           </a:p>
           <a:p>
             <a:pPr lvl="3"/>
             <a:r>
-              <a:rPr lang="tr-TR" smtClean="0"/>
+              <a:rPr lang="tr-TR"/>
               <a:t>Dördüncü düzey</a:t>
             </a:r>
           </a:p>
           <a:p>
             <a:pPr lvl="4"/>
             <a:r>
-              <a:rPr lang="tr-TR" smtClean="0"/>
+              <a:rPr lang="tr-TR"/>
               <a:t>Beşinci düzey</a:t>
             </a:r>
-            <a:endParaRPr lang="tr-TR"/>
           </a:p>
         </p:txBody>
       </p:sp>
@@ -1295,38 +1299,37 @@
           <a:p>
             <a:pPr lvl="0"/>
             <a:r>
-              <a:rPr lang="tr-TR" smtClean="0"/>
+              <a:rPr lang="tr-TR"/>
               <a:t>Asıl metin stillerini düzenlemek için tıklatın</a:t>
             </a:r>
           </a:p>
           <a:p>
             <a:pPr lvl="1"/>
             <a:r>
-              <a:rPr lang="tr-TR" smtClean="0"/>
+              <a:rPr lang="tr-TR"/>
               <a:t>İkinci düzey</a:t>
             </a:r>
           </a:p>
           <a:p>
             <a:pPr lvl="2"/>
             <a:r>
-              <a:rPr lang="tr-TR" smtClean="0"/>
+              <a:rPr lang="tr-TR"/>
               <a:t>Üçüncü düzey</a:t>
             </a:r>
           </a:p>
           <a:p>
             <a:pPr lvl="3"/>
             <a:r>
-              <a:rPr lang="tr-TR" smtClean="0"/>
+              <a:rPr lang="tr-TR"/>
               <a:t>Dördüncü düzey</a:t>
             </a:r>
           </a:p>
           <a:p>
             <a:pPr lvl="4"/>
             <a:r>
-              <a:rPr lang="tr-TR" smtClean="0"/>
+              <a:rPr lang="tr-TR"/>
               <a:t>Beşinci düzey</a:t>
             </a:r>
-            <a:endParaRPr lang="tr-TR"/>
           </a:p>
         </p:txBody>
       </p:sp>
@@ -1348,7 +1351,7 @@
             <a:fld id="{9215268A-ECED-40C2-BA3B-556FDB639813}" type="datetimeFigureOut">
               <a:rPr lang="tr-TR" smtClean="0"/>
               <a:pPr/>
-              <a:t>24.03.2017</a:t>
+              <a:t>25.3.2017</a:t>
             </a:fld>
             <a:endParaRPr lang="tr-TR"/>
           </a:p>
@@ -1442,10 +1445,9 @@
           </a:lstStyle>
           <a:p>
             <a:r>
-              <a:rPr lang="tr-TR" smtClean="0"/>
+              <a:rPr lang="tr-TR"/>
               <a:t>Asıl başlık stili için tıklatın</a:t>
             </a:r>
-            <a:endParaRPr lang="tr-TR"/>
           </a:p>
         </p:txBody>
       </p:sp>
@@ -1508,7 +1510,7 @@
           <a:p>
             <a:pPr lvl="0"/>
             <a:r>
-              <a:rPr lang="tr-TR" smtClean="0"/>
+              <a:rPr lang="tr-TR"/>
               <a:t>Asıl metin stillerini düzenlemek için tıklatın</a:t>
             </a:r>
           </a:p>
@@ -1564,38 +1566,37 @@
           <a:p>
             <a:pPr lvl="0"/>
             <a:r>
-              <a:rPr lang="tr-TR" smtClean="0"/>
+              <a:rPr lang="tr-TR"/>
               <a:t>Asıl metin stillerini düzenlemek için tıklatın</a:t>
             </a:r>
           </a:p>
           <a:p>
             <a:pPr lvl="1"/>
             <a:r>
-              <a:rPr lang="tr-TR" smtClean="0"/>
+              <a:rPr lang="tr-TR"/>
               <a:t>İkinci düzey</a:t>
             </a:r>
           </a:p>
           <a:p>
             <a:pPr lvl="2"/>
             <a:r>
-              <a:rPr lang="tr-TR" smtClean="0"/>
+              <a:rPr lang="tr-TR"/>
               <a:t>Üçüncü düzey</a:t>
             </a:r>
           </a:p>
           <a:p>
             <a:pPr lvl="3"/>
             <a:r>
-              <a:rPr lang="tr-TR" smtClean="0"/>
+              <a:rPr lang="tr-TR"/>
               <a:t>Dördüncü düzey</a:t>
             </a:r>
           </a:p>
           <a:p>
             <a:pPr lvl="4"/>
             <a:r>
-              <a:rPr lang="tr-TR" smtClean="0"/>
+              <a:rPr lang="tr-TR"/>
               <a:t>Beşinci düzey</a:t>
             </a:r>
-            <a:endParaRPr lang="tr-TR"/>
           </a:p>
         </p:txBody>
       </p:sp>
@@ -1658,7 +1659,7 @@
           <a:p>
             <a:pPr lvl="0"/>
             <a:r>
-              <a:rPr lang="tr-TR" smtClean="0"/>
+              <a:rPr lang="tr-TR"/>
               <a:t>Asıl metin stillerini düzenlemek için tıklatın</a:t>
             </a:r>
           </a:p>
@@ -1714,38 +1715,37 @@
           <a:p>
             <a:pPr lvl="0"/>
             <a:r>
-              <a:rPr lang="tr-TR" smtClean="0"/>
+              <a:rPr lang="tr-TR"/>
               <a:t>Asıl metin stillerini düzenlemek için tıklatın</a:t>
             </a:r>
           </a:p>
           <a:p>
             <a:pPr lvl="1"/>
             <a:r>
-              <a:rPr lang="tr-TR" smtClean="0"/>
+              <a:rPr lang="tr-TR"/>
               <a:t>İkinci düzey</a:t>
             </a:r>
           </a:p>
           <a:p>
             <a:pPr lvl="2"/>
             <a:r>
-              <a:rPr lang="tr-TR" smtClean="0"/>
+              <a:rPr lang="tr-TR"/>
               <a:t>Üçüncü düzey</a:t>
             </a:r>
           </a:p>
           <a:p>
             <a:pPr lvl="3"/>
             <a:r>
-              <a:rPr lang="tr-TR" smtClean="0"/>
+              <a:rPr lang="tr-TR"/>
               <a:t>Dördüncü düzey</a:t>
             </a:r>
           </a:p>
           <a:p>
             <a:pPr lvl="4"/>
             <a:r>
-              <a:rPr lang="tr-TR" smtClean="0"/>
+              <a:rPr lang="tr-TR"/>
               <a:t>Beşinci düzey</a:t>
             </a:r>
-            <a:endParaRPr lang="tr-TR"/>
           </a:p>
         </p:txBody>
       </p:sp>
@@ -1767,7 +1767,7 @@
             <a:fld id="{9215268A-ECED-40C2-BA3B-556FDB639813}" type="datetimeFigureOut">
               <a:rPr lang="tr-TR" smtClean="0"/>
               <a:pPr/>
-              <a:t>24.03.2017</a:t>
+              <a:t>25.3.2017</a:t>
             </a:fld>
             <a:endParaRPr lang="tr-TR"/>
           </a:p>
@@ -1857,10 +1857,9 @@
           <a:lstStyle/>
           <a:p>
             <a:r>
-              <a:rPr lang="tr-TR" smtClean="0"/>
+              <a:rPr lang="tr-TR"/>
               <a:t>Asıl başlık stili için tıklatın</a:t>
             </a:r>
-            <a:endParaRPr lang="tr-TR"/>
           </a:p>
         </p:txBody>
       </p:sp>
@@ -1882,7 +1881,7 @@
             <a:fld id="{9215268A-ECED-40C2-BA3B-556FDB639813}" type="datetimeFigureOut">
               <a:rPr lang="tr-TR" smtClean="0"/>
               <a:pPr/>
-              <a:t>24.03.2017</a:t>
+              <a:t>25.3.2017</a:t>
             </a:fld>
             <a:endParaRPr lang="tr-TR"/>
           </a:p>
@@ -1974,7 +1973,7 @@
             <a:fld id="{9215268A-ECED-40C2-BA3B-556FDB639813}" type="datetimeFigureOut">
               <a:rPr lang="tr-TR" smtClean="0"/>
               <a:pPr/>
-              <a:t>24.03.2017</a:t>
+              <a:t>25.3.2017</a:t>
             </a:fld>
             <a:endParaRPr lang="tr-TR"/>
           </a:p>
@@ -2073,10 +2072,9 @@
           </a:lstStyle>
           <a:p>
             <a:r>
-              <a:rPr lang="tr-TR" smtClean="0"/>
+              <a:rPr lang="tr-TR"/>
               <a:t>Asıl başlık stili için tıklatın</a:t>
             </a:r>
-            <a:endParaRPr lang="tr-TR"/>
           </a:p>
         </p:txBody>
       </p:sp>
@@ -2130,38 +2128,37 @@
           <a:p>
             <a:pPr lvl="0"/>
             <a:r>
-              <a:rPr lang="tr-TR" smtClean="0"/>
+              <a:rPr lang="tr-TR"/>
               <a:t>Asıl metin stillerini düzenlemek için tıklatın</a:t>
             </a:r>
           </a:p>
           <a:p>
             <a:pPr lvl="1"/>
             <a:r>
-              <a:rPr lang="tr-TR" smtClean="0"/>
+              <a:rPr lang="tr-TR"/>
               <a:t>İkinci düzey</a:t>
             </a:r>
           </a:p>
           <a:p>
             <a:pPr lvl="2"/>
             <a:r>
-              <a:rPr lang="tr-TR" smtClean="0"/>
+              <a:rPr lang="tr-TR"/>
               <a:t>Üçüncü düzey</a:t>
             </a:r>
           </a:p>
           <a:p>
             <a:pPr lvl="3"/>
             <a:r>
-              <a:rPr lang="tr-TR" smtClean="0"/>
+              <a:rPr lang="tr-TR"/>
               <a:t>Dördüncü düzey</a:t>
             </a:r>
           </a:p>
           <a:p>
             <a:pPr lvl="4"/>
             <a:r>
-              <a:rPr lang="tr-TR" smtClean="0"/>
+              <a:rPr lang="tr-TR"/>
               <a:t>Beşinci düzey</a:t>
             </a:r>
-            <a:endParaRPr lang="tr-TR"/>
           </a:p>
         </p:txBody>
       </p:sp>
@@ -2224,7 +2221,7 @@
           <a:p>
             <a:pPr lvl="0"/>
             <a:r>
-              <a:rPr lang="tr-TR" smtClean="0"/>
+              <a:rPr lang="tr-TR"/>
               <a:t>Asıl metin stillerini düzenlemek için tıklatın</a:t>
             </a:r>
           </a:p>
@@ -2248,7 +2245,7 @@
             <a:fld id="{9215268A-ECED-40C2-BA3B-556FDB639813}" type="datetimeFigureOut">
               <a:rPr lang="tr-TR" smtClean="0"/>
               <a:pPr/>
-              <a:t>24.03.2017</a:t>
+              <a:t>25.3.2017</a:t>
             </a:fld>
             <a:endParaRPr lang="tr-TR"/>
           </a:p>
@@ -2347,10 +2344,9 @@
           </a:lstStyle>
           <a:p>
             <a:r>
-              <a:rPr lang="tr-TR" smtClean="0"/>
+              <a:rPr lang="tr-TR"/>
               <a:t>Asıl başlık stili için tıklatın</a:t>
             </a:r>
-            <a:endParaRPr lang="tr-TR"/>
           </a:p>
         </p:txBody>
       </p:sp>
@@ -2474,7 +2470,7 @@
           <a:p>
             <a:pPr lvl="0"/>
             <a:r>
-              <a:rPr lang="tr-TR" smtClean="0"/>
+              <a:rPr lang="tr-TR"/>
               <a:t>Asıl metin stillerini düzenlemek için tıklatın</a:t>
             </a:r>
           </a:p>
@@ -2498,7 +2494,7 @@
             <a:fld id="{9215268A-ECED-40C2-BA3B-556FDB639813}" type="datetimeFigureOut">
               <a:rPr lang="tr-TR" smtClean="0"/>
               <a:pPr/>
-              <a:t>24.03.2017</a:t>
+              <a:t>25.3.2017</a:t>
             </a:fld>
             <a:endParaRPr lang="tr-TR"/>
           </a:p>
@@ -2603,10 +2599,9 @@
           <a:lstStyle/>
           <a:p>
             <a:r>
-              <a:rPr lang="tr-TR" smtClean="0"/>
+              <a:rPr lang="tr-TR"/>
               <a:t>Asıl başlık stili için tıklatın</a:t>
             </a:r>
-            <a:endParaRPr lang="tr-TR"/>
           </a:p>
         </p:txBody>
       </p:sp>
@@ -2637,38 +2632,37 @@
           <a:p>
             <a:pPr lvl="0"/>
             <a:r>
-              <a:rPr lang="tr-TR" smtClean="0"/>
+              <a:rPr lang="tr-TR"/>
               <a:t>Asıl metin stillerini düzenlemek için tıklatın</a:t>
             </a:r>
           </a:p>
           <a:p>
             <a:pPr lvl="1"/>
             <a:r>
-              <a:rPr lang="tr-TR" smtClean="0"/>
+              <a:rPr lang="tr-TR"/>
               <a:t>İkinci düzey</a:t>
             </a:r>
           </a:p>
           <a:p>
             <a:pPr lvl="2"/>
             <a:r>
-              <a:rPr lang="tr-TR" smtClean="0"/>
+              <a:rPr lang="tr-TR"/>
               <a:t>Üçüncü düzey</a:t>
             </a:r>
           </a:p>
           <a:p>
             <a:pPr lvl="3"/>
             <a:r>
-              <a:rPr lang="tr-TR" smtClean="0"/>
+              <a:rPr lang="tr-TR"/>
               <a:t>Dördüncü düzey</a:t>
             </a:r>
           </a:p>
           <a:p>
             <a:pPr lvl="4"/>
             <a:r>
-              <a:rPr lang="tr-TR" smtClean="0"/>
+              <a:rPr lang="tr-TR"/>
               <a:t>Beşinci düzey</a:t>
             </a:r>
-            <a:endParaRPr lang="tr-TR"/>
           </a:p>
         </p:txBody>
       </p:sp>
@@ -2708,7 +2702,7 @@
             <a:fld id="{9215268A-ECED-40C2-BA3B-556FDB639813}" type="datetimeFigureOut">
               <a:rPr lang="tr-TR" smtClean="0"/>
               <a:pPr/>
-              <a:t>24.03.2017</a:t>
+              <a:t>25.3.2017</a:t>
             </a:fld>
             <a:endParaRPr lang="tr-TR"/>
           </a:p>
@@ -3091,8 +3085,8 @@
         </p:nvSpPr>
         <p:spPr>
           <a:xfrm>
-            <a:off x="0" y="2130425"/>
-            <a:ext cx="7772400" cy="1470025"/>
+            <a:off x="0" y="2276872"/>
+            <a:ext cx="9144000" cy="1470025"/>
           </a:xfrm>
         </p:spPr>
         <p:txBody>
@@ -3102,19 +3096,19 @@
           <a:lstStyle/>
           <a:p>
             <a:r>
-              <a:rPr lang="tr-TR" dirty="0" smtClean="0"/>
-              <a:t>         </a:t>
+              <a:rPr lang="tr-TR"/>
+              <a:t>DUYARLI OL</a:t>
             </a:r>
             <a:br>
-              <a:rPr lang="tr-TR" dirty="0" smtClean="0"/>
+              <a:rPr lang="tr-TR"/>
             </a:br>
-            <a:r>
-              <a:rPr lang="tr-TR" dirty="0" smtClean="0"/>
-              <a:t>DUYARLIOL.COM</a:t>
-            </a:r>
             <a:br>
-              <a:rPr lang="tr-TR" dirty="0" smtClean="0"/>
+              <a:rPr lang="tr-TR"/>
             </a:br>
+            <a:r>
+              <a:rPr lang="tr-TR"/>
+              <a:t>1-4, 8-9,11-12,16-17</a:t>
+            </a:r>
             <a:endParaRPr lang="tr-TR" dirty="0"/>
           </a:p>
         </p:txBody>
@@ -3165,11 +3159,11 @@
           <a:lstStyle/>
           <a:p>
             <a:r>
-              <a:rPr lang="tr-TR" dirty="0" smtClean="0"/>
+              <a:rPr lang="tr-TR" dirty="0"/>
               <a:t>Individual borrowing </a:t>
             </a:r>
             <a:br>
-              <a:rPr lang="tr-TR" dirty="0" smtClean="0"/>
+              <a:rPr lang="tr-TR" dirty="0"/>
             </a:br>
             <a:endParaRPr lang="tr-TR" dirty="0"/>
           </a:p>
@@ -3198,45 +3192,36 @@
           <a:lstStyle/>
           <a:p>
             <a:r>
-              <a:rPr lang="tr-TR" sz="1800" dirty="0" smtClean="0"/>
+              <a:rPr lang="tr-TR" sz="1800" dirty="0"/>
               <a:t>As a result of credit card usage, </a:t>
             </a:r>
             <a:br>
-              <a:rPr lang="tr-TR" sz="1800" dirty="0" smtClean="0"/>
+              <a:rPr lang="tr-TR" sz="1800" dirty="0"/>
             </a:br>
             <a:r>
-              <a:rPr lang="tr-TR" sz="1800" dirty="0" smtClean="0"/>
+              <a:rPr lang="tr-TR" sz="1800" dirty="0"/>
               <a:t>The increase in the debts of individuals. </a:t>
             </a:r>
             <a:br>
-              <a:rPr lang="tr-TR" sz="1800" dirty="0" smtClean="0"/>
+              <a:rPr lang="tr-TR" sz="1800" dirty="0"/>
             </a:br>
             <a:r>
-              <a:rPr lang="tr-TR" sz="1800" dirty="0" smtClean="0"/>
+              <a:rPr lang="tr-TR" sz="1800" dirty="0"/>
               <a:t>In this case it is a problem of liquidity.</a:t>
             </a:r>
           </a:p>
           <a:p>
-            <a:r>
-              <a:rPr lang="tr-TR" sz="1800" dirty="0" smtClean="0"/>
-              <a:t/>
-            </a:r>
             <a:br>
-              <a:rPr lang="tr-TR" sz="1800" dirty="0" smtClean="0"/>
+              <a:rPr lang="tr-TR" sz="1800" dirty="0"/>
             </a:br>
             <a:r>
-              <a:rPr lang="tr-TR" sz="2800" dirty="0" smtClean="0">
+              <a:rPr lang="tr-TR" sz="2800" dirty="0">
                 <a:solidFill>
                   <a:srgbClr val="FF0000"/>
                 </a:solidFill>
               </a:rPr>
               <a:t>What do we suggest to prevent this situation?</a:t>
             </a:r>
-            <a:endParaRPr lang="tr-TR" sz="2800" dirty="0">
-              <a:solidFill>
-                <a:srgbClr val="FF0000"/>
-              </a:solidFill>
-            </a:endParaRPr>
           </a:p>
         </p:txBody>
       </p:sp>
@@ -3316,82 +3301,81 @@
           <a:lstStyle/>
           <a:p>
             <a:r>
-              <a:rPr lang="tr-TR" dirty="0" smtClean="0"/>
+              <a:rPr lang="tr-TR" dirty="0"/>
               <a:t>DUYARLIOL</a:t>
             </a:r>
+          </a:p>
+        </p:txBody>
+      </p:sp>
+      <p:sp>
+        <p:nvSpPr>
+          <p:cNvPr id="6" name="5 İçerik Yer Tutucusu"/>
+          <p:cNvSpPr>
+            <a:spLocks noGrp="1"/>
+          </p:cNvSpPr>
+          <p:nvPr>
+            <p:ph idx="1"/>
+          </p:nvPr>
+        </p:nvSpPr>
+        <p:spPr/>
+        <p:txBody>
+          <a:bodyPr/>
+          <a:lstStyle/>
+          <a:p>
+            <a:pPr>
+              <a:buNone/>
+            </a:pPr>
+            <a:r>
+              <a:rPr lang="tr-TR" dirty="0"/>
+              <a:t>So, what does it means ? </a:t>
+            </a:r>
+          </a:p>
+          <a:p>
+            <a:pPr>
+              <a:buFont typeface="Wingdings" pitchFamily="2" charset="2"/>
+              <a:buChar char="Ø"/>
+            </a:pPr>
+            <a:r>
+              <a:rPr lang="tr-TR" dirty="0"/>
+              <a:t>Motion tracking system</a:t>
+            </a:r>
+          </a:p>
+          <a:p>
+            <a:pPr>
+              <a:buFont typeface="Wingdings" pitchFamily="2" charset="2"/>
+              <a:buChar char="Ø"/>
+            </a:pPr>
+            <a:r>
+              <a:rPr lang="tr-TR" dirty="0"/>
+              <a:t>Put the user to the test</a:t>
+            </a:r>
+          </a:p>
+          <a:p>
+            <a:pPr>
+              <a:buFont typeface="Wingdings" pitchFamily="2" charset="2"/>
+              <a:buChar char="Ø"/>
+            </a:pPr>
+            <a:r>
+              <a:rPr lang="tr-TR" dirty="0"/>
+              <a:t>Give the advice that need or not need</a:t>
+            </a:r>
+          </a:p>
+          <a:p>
+            <a:pPr>
+              <a:buFont typeface="Wingdings" pitchFamily="2" charset="2"/>
+              <a:buChar char="Ø"/>
+            </a:pPr>
+            <a:r>
+              <a:rPr lang="tr-TR" dirty="0"/>
+              <a:t>Make a second thought</a:t>
+            </a:r>
+          </a:p>
+          <a:p>
+            <a:pPr>
+              <a:buFont typeface="Wingdings" pitchFamily="2" charset="2"/>
+              <a:buChar char="Ø"/>
+            </a:pPr>
             <a:endParaRPr lang="tr-TR" dirty="0"/>
-          </a:p>
-        </p:txBody>
-      </p:sp>
-      <p:sp>
-        <p:nvSpPr>
-          <p:cNvPr id="6" name="5 İçerik Yer Tutucusu"/>
-          <p:cNvSpPr>
-            <a:spLocks noGrp="1"/>
-          </p:cNvSpPr>
-          <p:nvPr>
-            <p:ph idx="1"/>
-          </p:nvPr>
-        </p:nvSpPr>
-        <p:spPr/>
-        <p:txBody>
-          <a:bodyPr/>
-          <a:lstStyle/>
-          <a:p>
-            <a:pPr>
-              <a:buNone/>
-            </a:pPr>
-            <a:r>
-              <a:rPr lang="tr-TR" dirty="0" smtClean="0"/>
-              <a:t>So, what does it means ? </a:t>
-            </a:r>
-          </a:p>
-          <a:p>
-            <a:pPr>
-              <a:buFont typeface="Wingdings" pitchFamily="2" charset="2"/>
-              <a:buChar char="Ø"/>
-            </a:pPr>
-            <a:r>
-              <a:rPr lang="tr-TR" dirty="0" smtClean="0"/>
-              <a:t>Motion tracking system</a:t>
-            </a:r>
-          </a:p>
-          <a:p>
-            <a:pPr>
-              <a:buFont typeface="Wingdings" pitchFamily="2" charset="2"/>
-              <a:buChar char="Ø"/>
-            </a:pPr>
-            <a:r>
-              <a:rPr lang="tr-TR" dirty="0" smtClean="0"/>
-              <a:t>Put the user to the test</a:t>
-            </a:r>
-          </a:p>
-          <a:p>
-            <a:pPr>
-              <a:buFont typeface="Wingdings" pitchFamily="2" charset="2"/>
-              <a:buChar char="Ø"/>
-            </a:pPr>
-            <a:r>
-              <a:rPr lang="tr-TR" dirty="0" smtClean="0"/>
-              <a:t>Give the advice that need or not need</a:t>
-            </a:r>
-          </a:p>
-          <a:p>
-            <a:pPr>
-              <a:buFont typeface="Wingdings" pitchFamily="2" charset="2"/>
-              <a:buChar char="Ø"/>
-            </a:pPr>
-            <a:r>
-              <a:rPr lang="tr-TR" dirty="0" smtClean="0"/>
-              <a:t>Make a second thought</a:t>
-            </a:r>
-          </a:p>
-          <a:p>
-            <a:pPr>
-              <a:buFont typeface="Wingdings" pitchFamily="2" charset="2"/>
-              <a:buChar char="Ø"/>
-            </a:pPr>
-            <a:endParaRPr lang="tr-TR" dirty="0" smtClean="0"/>
           </a:p>
           <a:p>
             <a:pPr>
@@ -3442,10 +3426,9 @@
           <a:lstStyle/>
           <a:p>
             <a:r>
-              <a:rPr lang="tr-TR" dirty="0" smtClean="0"/>
+              <a:rPr lang="tr-TR" dirty="0"/>
               <a:t>Why we choose ?</a:t>
             </a:r>
-            <a:endParaRPr lang="tr-TR" dirty="0"/>
           </a:p>
         </p:txBody>
       </p:sp>
@@ -3469,7 +3452,7 @@
               <a:buChar char="Ø"/>
             </a:pPr>
             <a:r>
-              <a:rPr lang="tr-TR" dirty="0" smtClean="0"/>
+              <a:rPr lang="tr-TR" dirty="0"/>
               <a:t>Too many online shopping</a:t>
             </a:r>
           </a:p>
@@ -3479,7 +3462,7 @@
               <a:buChar char="Ø"/>
             </a:pPr>
             <a:r>
-              <a:rPr lang="tr-TR" dirty="0" smtClean="0"/>
+              <a:rPr lang="tr-TR" dirty="0"/>
               <a:t>Incentive instead of prevent</a:t>
             </a:r>
           </a:p>
@@ -3489,7 +3472,7 @@
               <a:buChar char="Ø"/>
             </a:pPr>
             <a:r>
-              <a:rPr lang="tr-TR" dirty="0" smtClean="0"/>
+              <a:rPr lang="tr-TR" dirty="0"/>
               <a:t>The financial situation of the people</a:t>
             </a:r>
           </a:p>
@@ -3499,7 +3482,7 @@
               <a:buChar char="Ø"/>
             </a:pPr>
             <a:r>
-              <a:rPr lang="tr-TR" dirty="0" smtClean="0"/>
+              <a:rPr lang="tr-TR" dirty="0"/>
               <a:t>Change spending habits</a:t>
             </a:r>
           </a:p>
@@ -3509,7 +3492,7 @@
               <a:buChar char="Ø"/>
             </a:pPr>
             <a:r>
-              <a:rPr lang="tr-TR" dirty="0" smtClean="0"/>
+              <a:rPr lang="tr-TR" dirty="0"/>
               <a:t>Control expenditures</a:t>
             </a:r>
           </a:p>
@@ -3562,136 +3545,135 @@
           <a:lstStyle/>
           <a:p>
             <a:r>
-              <a:rPr lang="tr-TR" dirty="0" smtClean="0"/>
+              <a:rPr lang="tr-TR" dirty="0"/>
               <a:t>So, How will we follow a path?</a:t>
             </a:r>
+          </a:p>
+        </p:txBody>
+      </p:sp>
+      <p:sp>
+        <p:nvSpPr>
+          <p:cNvPr id="9" name="8 Metin Yer Tutucusu"/>
+          <p:cNvSpPr>
+            <a:spLocks noGrp="1"/>
+          </p:cNvSpPr>
+          <p:nvPr>
+            <p:ph type="body" sz="half" idx="2"/>
+          </p:nvPr>
+        </p:nvSpPr>
+        <p:spPr/>
+        <p:txBody>
+          <a:bodyPr/>
+          <a:lstStyle/>
+          <a:p>
+            <a:r>
+              <a:rPr lang="tr-TR" sz="1600" dirty="0"/>
+              <a:t>As you see on the picture , we will use spiral model for our project.</a:t>
+            </a:r>
+          </a:p>
+          <a:p>
+            <a:pPr>
+              <a:buFont typeface="Wingdings" pitchFamily="2" charset="2"/>
+              <a:buChar char="Ø"/>
+            </a:pPr>
+            <a:r>
+              <a:rPr lang="tr-TR" sz="1600" dirty="0"/>
+              <a:t>Risk analysis and planning </a:t>
+            </a:r>
+          </a:p>
+          <a:p>
+            <a:pPr>
+              <a:buFont typeface="Wingdings" pitchFamily="2" charset="2"/>
+              <a:buChar char="Ø"/>
+            </a:pPr>
+            <a:r>
+              <a:rPr lang="tr-TR" sz="1600" dirty="0"/>
+              <a:t>Analysis design and coding</a:t>
+            </a:r>
+          </a:p>
+          <a:p>
+            <a:pPr>
+              <a:buFont typeface="Wingdings" pitchFamily="2" charset="2"/>
+              <a:buChar char="Ø"/>
+            </a:pPr>
+            <a:r>
+              <a:rPr lang="tr-TR" sz="1600" dirty="0"/>
+              <a:t>Prototyping after each design</a:t>
+            </a:r>
+          </a:p>
+          <a:p>
+            <a:pPr>
+              <a:buFont typeface="Wingdings" pitchFamily="2" charset="2"/>
+              <a:buChar char="Ø"/>
+            </a:pPr>
+            <a:r>
+              <a:rPr lang="tr-TR" sz="1600" dirty="0"/>
+              <a:t>Risk analysis and planning again for existing prototype</a:t>
+            </a:r>
+          </a:p>
+          <a:p>
+            <a:pPr>
+              <a:buFont typeface="Wingdings" pitchFamily="2" charset="2"/>
+              <a:buChar char="Ø"/>
+            </a:pPr>
+            <a:endParaRPr lang="tr-TR" sz="1600" dirty="0"/>
+          </a:p>
+          <a:p>
+            <a:pPr>
+              <a:buFont typeface="Wingdings" pitchFamily="2" charset="2"/>
+              <a:buChar char="Ø"/>
+            </a:pPr>
+            <a:r>
+              <a:rPr lang="tr-TR" sz="1600" dirty="0"/>
+              <a:t>We have 4 stages </a:t>
+            </a:r>
+          </a:p>
+          <a:p>
+            <a:pPr>
+              <a:buFont typeface="Wingdings" pitchFamily="2" charset="2"/>
+              <a:buChar char="ü"/>
+            </a:pPr>
+            <a:r>
+              <a:rPr lang="tr-TR" sz="1600" dirty="0"/>
+              <a:t>Planning</a:t>
+            </a:r>
+          </a:p>
+          <a:p>
+            <a:pPr>
+              <a:buFont typeface="Wingdings" pitchFamily="2" charset="2"/>
+              <a:buChar char="ü"/>
+            </a:pPr>
+            <a:r>
+              <a:rPr lang="tr-TR" sz="1600" dirty="0"/>
+              <a:t>Risk analysis</a:t>
+            </a:r>
+          </a:p>
+          <a:p>
+            <a:pPr>
+              <a:buFont typeface="Wingdings" pitchFamily="2" charset="2"/>
+              <a:buChar char="ü"/>
+            </a:pPr>
+            <a:r>
+              <a:rPr lang="tr-TR" sz="1600" dirty="0"/>
+              <a:t>Engineering</a:t>
+            </a:r>
+          </a:p>
+          <a:p>
+            <a:pPr>
+              <a:buFont typeface="Wingdings" pitchFamily="2" charset="2"/>
+              <a:buChar char="ü"/>
+            </a:pPr>
+            <a:r>
+              <a:rPr lang="tr-TR" sz="1600" dirty="0"/>
+              <a:t>Evaluation</a:t>
+            </a:r>
+          </a:p>
+          <a:p>
+            <a:pPr>
+              <a:buFont typeface="Wingdings" pitchFamily="2" charset="2"/>
+              <a:buChar char="ü"/>
+            </a:pPr>
             <a:endParaRPr lang="tr-TR" dirty="0"/>
-          </a:p>
-        </p:txBody>
-      </p:sp>
-      <p:sp>
-        <p:nvSpPr>
-          <p:cNvPr id="9" name="8 Metin Yer Tutucusu"/>
-          <p:cNvSpPr>
-            <a:spLocks noGrp="1"/>
-          </p:cNvSpPr>
-          <p:nvPr>
-            <p:ph type="body" sz="half" idx="2"/>
-          </p:nvPr>
-        </p:nvSpPr>
-        <p:spPr/>
-        <p:txBody>
-          <a:bodyPr/>
-          <a:lstStyle/>
-          <a:p>
-            <a:r>
-              <a:rPr lang="tr-TR" sz="1600" dirty="0" smtClean="0"/>
-              <a:t>As you see on the picture , we will use spiral model for our project.</a:t>
-            </a:r>
-          </a:p>
-          <a:p>
-            <a:pPr>
-              <a:buFont typeface="Wingdings" pitchFamily="2" charset="2"/>
-              <a:buChar char="Ø"/>
-            </a:pPr>
-            <a:r>
-              <a:rPr lang="tr-TR" sz="1600" dirty="0" smtClean="0"/>
-              <a:t>Risk analysis and planning </a:t>
-            </a:r>
-          </a:p>
-          <a:p>
-            <a:pPr>
-              <a:buFont typeface="Wingdings" pitchFamily="2" charset="2"/>
-              <a:buChar char="Ø"/>
-            </a:pPr>
-            <a:r>
-              <a:rPr lang="tr-TR" sz="1600" dirty="0" smtClean="0"/>
-              <a:t>Analysis design and coding</a:t>
-            </a:r>
-          </a:p>
-          <a:p>
-            <a:pPr>
-              <a:buFont typeface="Wingdings" pitchFamily="2" charset="2"/>
-              <a:buChar char="Ø"/>
-            </a:pPr>
-            <a:r>
-              <a:rPr lang="tr-TR" sz="1600" dirty="0" smtClean="0"/>
-              <a:t>Prototyping after each design</a:t>
-            </a:r>
-          </a:p>
-          <a:p>
-            <a:pPr>
-              <a:buFont typeface="Wingdings" pitchFamily="2" charset="2"/>
-              <a:buChar char="Ø"/>
-            </a:pPr>
-            <a:r>
-              <a:rPr lang="tr-TR" sz="1600" dirty="0" smtClean="0"/>
-              <a:t>Risk analysis and planning again for existing prototype</a:t>
-            </a:r>
-          </a:p>
-          <a:p>
-            <a:pPr>
-              <a:buFont typeface="Wingdings" pitchFamily="2" charset="2"/>
-              <a:buChar char="Ø"/>
-            </a:pPr>
-            <a:endParaRPr lang="tr-TR" sz="1600" dirty="0" smtClean="0"/>
-          </a:p>
-          <a:p>
-            <a:pPr>
-              <a:buFont typeface="Wingdings" pitchFamily="2" charset="2"/>
-              <a:buChar char="Ø"/>
-            </a:pPr>
-            <a:r>
-              <a:rPr lang="tr-TR" sz="1600" dirty="0" smtClean="0"/>
-              <a:t>We have 4 stages </a:t>
-            </a:r>
-          </a:p>
-          <a:p>
-            <a:pPr>
-              <a:buFont typeface="Wingdings" pitchFamily="2" charset="2"/>
-              <a:buChar char="ü"/>
-            </a:pPr>
-            <a:r>
-              <a:rPr lang="tr-TR" sz="1600" dirty="0" smtClean="0"/>
-              <a:t>Planning</a:t>
-            </a:r>
-          </a:p>
-          <a:p>
-            <a:pPr>
-              <a:buFont typeface="Wingdings" pitchFamily="2" charset="2"/>
-              <a:buChar char="ü"/>
-            </a:pPr>
-            <a:r>
-              <a:rPr lang="tr-TR" sz="1600" dirty="0" smtClean="0"/>
-              <a:t>Risk analysis</a:t>
-            </a:r>
-          </a:p>
-          <a:p>
-            <a:pPr>
-              <a:buFont typeface="Wingdings" pitchFamily="2" charset="2"/>
-              <a:buChar char="ü"/>
-            </a:pPr>
-            <a:r>
-              <a:rPr lang="tr-TR" sz="1600" dirty="0" smtClean="0"/>
-              <a:t>Engineering</a:t>
-            </a:r>
-          </a:p>
-          <a:p>
-            <a:pPr>
-              <a:buFont typeface="Wingdings" pitchFamily="2" charset="2"/>
-              <a:buChar char="ü"/>
-            </a:pPr>
-            <a:r>
-              <a:rPr lang="tr-TR" sz="1600" dirty="0" smtClean="0"/>
-              <a:t>Evaluation</a:t>
-            </a:r>
-          </a:p>
-          <a:p>
-            <a:pPr>
-              <a:buFont typeface="Wingdings" pitchFamily="2" charset="2"/>
-              <a:buChar char="ü"/>
-            </a:pPr>
-            <a:endParaRPr lang="tr-TR" dirty="0" smtClean="0"/>
           </a:p>
           <a:p>
             <a:endParaRPr lang="tr-TR" dirty="0"/>
@@ -3712,7 +3694,7 @@
           <a:blip r:embed="rId2">
             <a:extLst>
               <a:ext uri="{28A0092B-C50C-407E-A947-70E740481C1C}">
-                <a14:useLocalDpi xmlns:lc="http://schemas.openxmlformats.org/drawingml/2006/lockedCanvas" xmlns:pic="http://schemas.openxmlformats.org/drawingml/2006/picture" xmlns:a14="http://schemas.microsoft.com/office/drawing/2010/main" xmlns:wps="http://schemas.microsoft.com/office/word/2010/wordprocessingShape" xmlns:wne="http://schemas.microsoft.com/office/word/2006/wordml" xmlns:wpi="http://schemas.microsoft.com/office/word/2010/wordprocessingInk" xmlns:wpg="http://schemas.microsoft.com/office/word/2010/wordprocessingGroup" xmlns:w16se="http://schemas.microsoft.com/office/word/2015/wordml/symex" xmlns:w15="http://schemas.microsoft.com/office/word/2012/wordml" xmlns:w14="http://schemas.microsoft.com/office/word/2010/wordml" xmlns:w="http://schemas.openxmlformats.org/wordprocessingml/2006/main" xmlns:w10="urn:schemas-microsoft-com:office:word" xmlns:wp="http://schemas.openxmlformats.org/drawingml/2006/wordprocessingDrawing" xmlns:wp14="http://schemas.microsoft.com/office/word/2010/wordprocessingDrawing" xmlns:v="urn:schemas-microsoft-com:vml" xmlns:m="http://schemas.openxmlformats.org/officeDocument/2006/math" xmlns:o="urn:schemas-microsoft-com:office:office" xmlns:mc="http://schemas.openxmlformats.org/markup-compatibility/2006" xmlns:cx5="http://schemas.microsoft.com/office/drawing/2016/5/11/chartex" xmlns:cx4="http://schemas.microsoft.com/office/drawing/2016/5/10/chartex" xmlns:cx3="http://schemas.microsoft.com/office/drawing/2016/5/9/chartex" xmlns:cx2="http://schemas.microsoft.com/office/drawing/2015/10/21/chartex" xmlns:cx1="http://schemas.microsoft.com/office/drawing/2015/9/8/chartex" xmlns:cx="http://schemas.microsoft.com/office/drawing/2014/chartex" xmlns:wpc="http://schemas.microsoft.com/office/word/2010/wordprocessingCanvas" xmlns="" val="0"/>
+                <a14:useLocalDpi xmlns:a14="http://schemas.microsoft.com/office/drawing/2010/main" val="0"/>
               </a:ext>
             </a:extLst>
           </a:blip>
@@ -3776,10 +3758,9 @@
           <a:lstStyle/>
           <a:p>
             <a:r>
-              <a:rPr lang="tr-TR" dirty="0" smtClean="0"/>
+              <a:rPr lang="tr-TR" dirty="0"/>
               <a:t>What do we know about 4 stages?</a:t>
             </a:r>
-            <a:endParaRPr lang="tr-TR" dirty="0"/>
           </a:p>
         </p:txBody>
       </p:sp>
@@ -3793,7 +3774,12 @@
             <p:ph idx="1"/>
           </p:nvPr>
         </p:nvSpPr>
-        <p:spPr/>
+        <p:spPr>
+          <a:xfrm>
+            <a:off x="539552" y="1628800"/>
+            <a:ext cx="8229600" cy="4525963"/>
+          </a:xfrm>
+        </p:spPr>
         <p:txBody>
           <a:bodyPr>
             <a:normAutofit fontScale="92500"/>
@@ -3801,7 +3787,7 @@
           <a:lstStyle/>
           <a:p>
             <a:r>
-              <a:rPr lang="tr-TR" dirty="0" smtClean="0">
+              <a:rPr lang="tr-TR" dirty="0">
                 <a:solidFill>
                   <a:schemeClr val="tx2"/>
                 </a:solidFill>
@@ -3809,13 +3795,13 @@
               <a:t>Planning</a:t>
             </a:r>
             <a:r>
-              <a:rPr lang="tr-TR" dirty="0" smtClean="0"/>
+              <a:rPr lang="tr-TR" dirty="0"/>
               <a:t> :determining the requirements and alternative approaches</a:t>
             </a:r>
           </a:p>
           <a:p>
             <a:r>
-              <a:rPr lang="tr-TR" dirty="0" smtClean="0">
+              <a:rPr lang="tr-TR" dirty="0">
                 <a:solidFill>
                   <a:schemeClr val="tx2"/>
                 </a:solidFill>
@@ -3823,13 +3809,13 @@
               <a:t>Risk analysis </a:t>
             </a:r>
             <a:r>
-              <a:rPr lang="tr-TR" dirty="0" smtClean="0"/>
+              <a:rPr lang="tr-TR" dirty="0"/>
               <a:t>:Alternative solution is examined,identfy the whole risk and produce a prototype</a:t>
             </a:r>
           </a:p>
           <a:p>
             <a:r>
-              <a:rPr lang="tr-TR" dirty="0" smtClean="0">
+              <a:rPr lang="tr-TR" dirty="0">
                 <a:solidFill>
                   <a:schemeClr val="tx2"/>
                 </a:solidFill>
@@ -3837,13 +3823,13 @@
               <a:t>Engineering</a:t>
             </a:r>
             <a:r>
-              <a:rPr lang="tr-TR" dirty="0" smtClean="0"/>
+              <a:rPr lang="tr-TR" dirty="0"/>
               <a:t> : make a test and produce software</a:t>
             </a:r>
           </a:p>
           <a:p>
             <a:r>
-              <a:rPr lang="tr-TR" dirty="0" smtClean="0">
+              <a:rPr lang="tr-TR" dirty="0">
                 <a:solidFill>
                   <a:schemeClr val="tx2"/>
                 </a:solidFill>
@@ -3851,14 +3837,14 @@
               <a:t>Evaluation</a:t>
             </a:r>
             <a:r>
-              <a:rPr lang="tr-TR" dirty="0" smtClean="0"/>
+              <a:rPr lang="tr-TR" dirty="0"/>
               <a:t> :Before entering the next spiral loop, </a:t>
             </a:r>
             <a:br>
-              <a:rPr lang="tr-TR" dirty="0" smtClean="0"/>
+              <a:rPr lang="tr-TR" dirty="0"/>
             </a:br>
             <a:r>
-              <a:rPr lang="tr-TR" dirty="0" smtClean="0"/>
+              <a:rPr lang="tr-TR" dirty="0"/>
               <a:t>Previous project is evaluated </a:t>
             </a:r>
           </a:p>
@@ -3908,59 +3894,222 @@
           <a:lstStyle/>
           <a:p>
             <a:r>
-              <a:rPr lang="tr-TR" dirty="0" smtClean="0"/>
+              <a:rPr lang="tr-TR" dirty="0"/>
               <a:t>Determining the requirements</a:t>
             </a:r>
+          </a:p>
+        </p:txBody>
+      </p:sp>
+      <p:sp>
+        <p:nvSpPr>
+          <p:cNvPr id="5" name="4 Metin Yer Tutucusu"/>
+          <p:cNvSpPr>
+            <a:spLocks noGrp="1"/>
+          </p:cNvSpPr>
+          <p:nvPr>
+            <p:ph type="body" idx="1"/>
+          </p:nvPr>
+        </p:nvSpPr>
+        <p:spPr/>
+        <p:txBody>
+          <a:bodyPr/>
+          <a:lstStyle/>
+          <a:p>
+            <a:r>
+              <a:rPr lang="tr-TR" dirty="0"/>
+              <a:t>Functional Requirements</a:t>
+            </a:r>
+          </a:p>
+        </p:txBody>
+      </p:sp>
+      <p:sp>
+        <p:nvSpPr>
+          <p:cNvPr id="6" name="5 İçerik Yer Tutucusu"/>
+          <p:cNvSpPr>
+            <a:spLocks noGrp="1"/>
+          </p:cNvSpPr>
+          <p:nvPr>
+            <p:ph sz="half" idx="2"/>
+          </p:nvPr>
+        </p:nvSpPr>
+        <p:spPr/>
+        <p:txBody>
+          <a:bodyPr>
+            <a:normAutofit fontScale="92500"/>
+          </a:bodyPr>
+          <a:lstStyle/>
+          <a:p>
+            <a:pPr>
+              <a:buFont typeface="Wingdings" pitchFamily="2" charset="2"/>
+              <a:buChar char="ü"/>
+            </a:pPr>
+            <a:r>
+              <a:rPr lang="tr-TR" dirty="0"/>
+              <a:t>Facebook and Gmail login</a:t>
+            </a:r>
+          </a:p>
+          <a:p>
+            <a:pPr>
+              <a:buFont typeface="Wingdings" pitchFamily="2" charset="2"/>
+              <a:buChar char="ü"/>
+            </a:pPr>
+            <a:r>
+              <a:rPr lang="tr-TR" dirty="0" err="1"/>
+              <a:t>Fill</a:t>
+            </a:r>
+            <a:r>
+              <a:rPr lang="tr-TR" dirty="0"/>
+              <a:t> </a:t>
+            </a:r>
+            <a:r>
+              <a:rPr lang="tr-TR" dirty="0" err="1"/>
+              <a:t>the</a:t>
+            </a:r>
+            <a:r>
+              <a:rPr lang="tr-TR" dirty="0"/>
+              <a:t> User </a:t>
+            </a:r>
+            <a:r>
+              <a:rPr lang="tr-TR" dirty="0" err="1"/>
+              <a:t>Income</a:t>
+            </a:r>
+            <a:r>
+              <a:rPr lang="tr-TR" dirty="0"/>
+              <a:t>, </a:t>
+            </a:r>
+            <a:r>
+              <a:rPr lang="tr-TR" dirty="0" err="1"/>
+              <a:t>Outcome</a:t>
+            </a:r>
+            <a:r>
+              <a:rPr lang="tr-TR" dirty="0"/>
+              <a:t> </a:t>
+            </a:r>
+            <a:r>
+              <a:rPr lang="tr-TR" dirty="0" err="1"/>
+              <a:t>and</a:t>
+            </a:r>
+            <a:r>
+              <a:rPr lang="tr-TR" dirty="0"/>
+              <a:t> </a:t>
+            </a:r>
+            <a:r>
+              <a:rPr lang="tr-TR" dirty="0" err="1"/>
+              <a:t>Credit</a:t>
+            </a:r>
+            <a:r>
+              <a:rPr lang="tr-TR" dirty="0"/>
+              <a:t> </a:t>
+            </a:r>
+            <a:r>
+              <a:rPr lang="tr-TR" dirty="0" err="1"/>
+              <a:t>Card</a:t>
+            </a:r>
+            <a:r>
+              <a:rPr lang="tr-TR" dirty="0"/>
+              <a:t> </a:t>
+            </a:r>
+            <a:r>
+              <a:rPr lang="tr-TR" dirty="0" err="1"/>
+              <a:t>Details</a:t>
+            </a:r>
             <a:endParaRPr lang="tr-TR" dirty="0"/>
           </a:p>
-        </p:txBody>
-      </p:sp>
-      <p:sp>
-        <p:nvSpPr>
-          <p:cNvPr id="5" name="4 Metin Yer Tutucusu"/>
-          <p:cNvSpPr>
-            <a:spLocks noGrp="1"/>
-          </p:cNvSpPr>
-          <p:nvPr>
-            <p:ph type="body" idx="1"/>
-          </p:nvPr>
-        </p:nvSpPr>
-        <p:spPr/>
-        <p:txBody>
-          <a:bodyPr/>
-          <a:lstStyle/>
-          <a:p>
-            <a:r>
-              <a:rPr lang="tr-TR" dirty="0" smtClean="0"/>
-              <a:t>Functional Requirements</a:t>
+          <a:p>
+            <a:pPr>
+              <a:buFont typeface="Wingdings" pitchFamily="2" charset="2"/>
+              <a:buChar char="ü"/>
+            </a:pPr>
+            <a:r>
+              <a:rPr lang="tr-TR" dirty="0" err="1"/>
+              <a:t>Monitor</a:t>
+            </a:r>
+            <a:r>
+              <a:rPr lang="tr-TR" dirty="0"/>
+              <a:t> </a:t>
+            </a:r>
+            <a:r>
+              <a:rPr lang="tr-TR" dirty="0" err="1"/>
+              <a:t>and</a:t>
+            </a:r>
+            <a:r>
+              <a:rPr lang="tr-TR" dirty="0"/>
+              <a:t> organize User Information</a:t>
+            </a:r>
+          </a:p>
+          <a:p>
+            <a:pPr>
+              <a:buFont typeface="Wingdings" pitchFamily="2" charset="2"/>
+              <a:buChar char="ü"/>
+            </a:pPr>
+            <a:r>
+              <a:rPr lang="tr-TR" dirty="0" err="1"/>
+              <a:t>Use</a:t>
+            </a:r>
+            <a:r>
+              <a:rPr lang="tr-TR" dirty="0"/>
+              <a:t> </a:t>
+            </a:r>
+            <a:r>
+              <a:rPr lang="tr-TR" dirty="0" err="1"/>
+              <a:t>Chrome</a:t>
+            </a:r>
+            <a:r>
+              <a:rPr lang="tr-TR" dirty="0"/>
+              <a:t> </a:t>
+            </a:r>
+            <a:r>
+              <a:rPr lang="tr-TR" dirty="0" err="1"/>
+              <a:t>extension</a:t>
             </a:r>
             <a:endParaRPr lang="tr-TR" dirty="0"/>
           </a:p>
-        </p:txBody>
-      </p:sp>
-      <p:sp>
-        <p:nvSpPr>
-          <p:cNvPr id="6" name="5 İçerik Yer Tutucusu"/>
-          <p:cNvSpPr>
-            <a:spLocks noGrp="1"/>
-          </p:cNvSpPr>
-          <p:nvPr>
-            <p:ph sz="half" idx="2"/>
-          </p:nvPr>
-        </p:nvSpPr>
-        <p:spPr/>
-        <p:txBody>
-          <a:bodyPr/>
-          <a:lstStyle/>
           <a:p>
             <a:pPr>
               <a:buFont typeface="Wingdings" pitchFamily="2" charset="2"/>
               <a:buChar char="ü"/>
             </a:pPr>
             <a:r>
-              <a:rPr lang="tr-TR" dirty="0" smtClean="0"/>
-              <a:t>Facebook and Gmail login</a:t>
-            </a:r>
+              <a:rPr lang="tr-TR" dirty="0" err="1"/>
+              <a:t>Following</a:t>
+            </a:r>
+            <a:r>
+              <a:rPr lang="tr-TR" dirty="0"/>
+              <a:t> </a:t>
+            </a:r>
+            <a:r>
+              <a:rPr lang="tr-TR" dirty="0" err="1"/>
+              <a:t>user</a:t>
+            </a:r>
+            <a:r>
+              <a:rPr lang="tr-TR" dirty="0"/>
+              <a:t> </a:t>
+            </a:r>
+            <a:r>
+              <a:rPr lang="tr-TR" dirty="0" err="1"/>
+              <a:t>interaction</a:t>
+            </a:r>
+            <a:r>
+              <a:rPr lang="tr-TR" dirty="0"/>
+              <a:t> in e-</a:t>
+            </a:r>
+            <a:r>
+              <a:rPr lang="tr-TR" dirty="0" err="1"/>
+              <a:t>commercial</a:t>
+            </a:r>
+            <a:r>
+              <a:rPr lang="tr-TR" dirty="0"/>
+              <a:t> </a:t>
+            </a:r>
+            <a:r>
+              <a:rPr lang="tr-TR" dirty="0" err="1"/>
+              <a:t>website</a:t>
+            </a:r>
+            <a:r>
+              <a:rPr lang="tr-TR" dirty="0"/>
+              <a:t>.</a:t>
+            </a:r>
+            <a:endParaRPr lang="tr-TR" dirty="0"/>
           </a:p>
           <a:p>
             <a:pPr>
@@ -3968,8 +4117,8 @@
               <a:buChar char="ü"/>
             </a:pPr>
             <a:r>
-              <a:rPr lang="tr-TR" dirty="0" smtClean="0"/>
-              <a:t>Register personal information</a:t>
+              <a:rPr lang="tr-TR" dirty="0"/>
+              <a:t>Test</a:t>
             </a:r>
           </a:p>
           <a:p>
@@ -3978,32 +4127,12 @@
               <a:buChar char="ü"/>
             </a:pPr>
             <a:r>
-              <a:rPr lang="tr-TR" dirty="0" smtClean="0"/>
-              <a:t>Survey</a:t>
-            </a:r>
-          </a:p>
-          <a:p>
-            <a:pPr>
-              <a:buFont typeface="Wingdings" pitchFamily="2" charset="2"/>
-              <a:buChar char="ü"/>
-            </a:pPr>
-            <a:r>
-              <a:rPr lang="tr-TR" dirty="0" smtClean="0"/>
+              <a:rPr lang="tr-TR" dirty="0"/>
               <a:t>Give an advice</a:t>
             </a:r>
           </a:p>
           <a:p>
             <a:pPr>
-              <a:buFont typeface="Wingdings" pitchFamily="2" charset="2"/>
-              <a:buChar char="ü"/>
-            </a:pPr>
-            <a:r>
-              <a:rPr lang="tr-TR" dirty="0" smtClean="0"/>
-              <a:t>Use chrome extensions</a:t>
-            </a:r>
-          </a:p>
-          <a:p>
-            <a:pPr>
               <a:buNone/>
             </a:pPr>
             <a:endParaRPr lang="tr-TR" dirty="0"/>
@@ -4026,10 +4155,9 @@
           <a:lstStyle/>
           <a:p>
             <a:r>
-              <a:rPr lang="tr-TR" dirty="0" smtClean="0"/>
+              <a:rPr lang="tr-TR" dirty="0"/>
               <a:t>Unfunctional Requirements</a:t>
             </a:r>
-            <a:endParaRPr lang="tr-TR" dirty="0"/>
           </a:p>
         </p:txBody>
       </p:sp>
@@ -4058,10 +4186,10 @@
               <a:buChar char="ü"/>
             </a:pPr>
             <a:r>
-              <a:rPr lang="en-US" dirty="0" smtClean="0"/>
+              <a:rPr lang="en-US" dirty="0"/>
               <a:t>Performance</a:t>
             </a:r>
-            <a:endParaRPr lang="tr-TR" dirty="0" smtClean="0"/>
+            <a:endParaRPr lang="tr-TR" dirty="0"/>
           </a:p>
           <a:p>
             <a:pPr>
@@ -4069,10 +4197,10 @@
               <a:buChar char="ü"/>
             </a:pPr>
             <a:r>
-              <a:rPr lang="en-US" dirty="0" smtClean="0"/>
+              <a:rPr lang="en-US" dirty="0"/>
               <a:t>Scalability</a:t>
             </a:r>
-            <a:endParaRPr lang="tr-TR" dirty="0" smtClean="0"/>
+            <a:endParaRPr lang="tr-TR" dirty="0"/>
           </a:p>
           <a:p>
             <a:pPr>
@@ -4080,10 +4208,10 @@
               <a:buChar char="ü"/>
             </a:pPr>
             <a:r>
-              <a:rPr lang="en-US" dirty="0" smtClean="0"/>
+              <a:rPr lang="en-US" dirty="0"/>
               <a:t>Security</a:t>
             </a:r>
-            <a:endParaRPr lang="tr-TR" dirty="0" smtClean="0"/>
+            <a:endParaRPr lang="tr-TR" dirty="0"/>
           </a:p>
           <a:p>
             <a:pPr>
@@ -4091,10 +4219,10 @@
               <a:buChar char="ü"/>
             </a:pPr>
             <a:r>
-              <a:rPr lang="en-US" dirty="0" smtClean="0"/>
+              <a:rPr lang="en-US" dirty="0"/>
               <a:t>Maintainability</a:t>
             </a:r>
-            <a:endParaRPr lang="tr-TR" dirty="0" smtClean="0"/>
+            <a:endParaRPr lang="tr-TR" dirty="0"/>
           </a:p>
           <a:p>
             <a:pPr>
@@ -4102,10 +4230,10 @@
               <a:buChar char="ü"/>
             </a:pPr>
             <a:r>
-              <a:rPr lang="en-US" dirty="0" smtClean="0"/>
+              <a:rPr lang="en-US" dirty="0"/>
               <a:t>Usability</a:t>
             </a:r>
-            <a:endParaRPr lang="tr-TR" dirty="0" smtClean="0"/>
+            <a:endParaRPr lang="tr-TR" dirty="0"/>
           </a:p>
           <a:p>
             <a:pPr>
@@ -4113,10 +4241,10 @@
               <a:buChar char="ü"/>
             </a:pPr>
             <a:r>
-              <a:rPr lang="en-US" dirty="0" smtClean="0"/>
+              <a:rPr lang="en-US" dirty="0"/>
               <a:t>Availability</a:t>
             </a:r>
-            <a:endParaRPr lang="tr-TR" dirty="0" smtClean="0"/>
+            <a:endParaRPr lang="tr-TR" dirty="0"/>
           </a:p>
           <a:p>
             <a:pPr>
@@ -4153,7 +4281,7 @@
       </p:grpSpPr>
       <p:sp>
         <p:nvSpPr>
-          <p:cNvPr id="7" name="6 Başlık"/>
+          <p:cNvPr id="2" name="1 Başlık"/>
           <p:cNvSpPr>
             <a:spLocks noGrp="1"/>
           </p:cNvSpPr>
@@ -4168,17 +4296,23 @@
           </a:bodyPr>
           <a:lstStyle/>
           <a:p>
-            <a:r>
-              <a:rPr lang="tr-TR" dirty="0" smtClean="0"/>
-              <a:t>Why do we need requirement analysis ?</a:t>
-            </a:r>
+            <a:br>
+              <a:rPr lang="tr-TR" dirty="0"/>
+            </a:br>
+            <a:r>
+              <a:rPr lang="tr-TR" dirty="0"/>
+              <a:t>Development Process</a:t>
+            </a:r>
+            <a:br>
+              <a:rPr lang="tr-TR" dirty="0"/>
+            </a:br>
             <a:endParaRPr lang="tr-TR" dirty="0"/>
           </a:p>
         </p:txBody>
       </p:sp>
       <p:sp>
         <p:nvSpPr>
-          <p:cNvPr id="8" name="7 İçerik Yer Tutucusu"/>
+          <p:cNvPr id="3" name="2 İçerik Yer Tutucusu"/>
           <p:cNvSpPr>
             <a:spLocks noGrp="1"/>
           </p:cNvSpPr>
@@ -4198,9 +4332,34 @@
               <a:buChar char="ü"/>
             </a:pPr>
             <a:r>
-              <a:rPr lang="tr-TR" dirty="0" smtClean="0"/>
-              <a:t>Determine software and system limitations</a:t>
-            </a:r>
+              <a:rPr lang="tr-TR" dirty="0"/>
+              <a:t>Design Database </a:t>
+            </a:r>
+            <a:r>
+              <a:rPr lang="tr-TR" dirty="0" err="1"/>
+              <a:t>and</a:t>
+            </a:r>
+            <a:r>
+              <a:rPr lang="tr-TR" dirty="0"/>
+              <a:t> </a:t>
+            </a:r>
+            <a:r>
+              <a:rPr lang="tr-TR" dirty="0" err="1"/>
+              <a:t>Use</a:t>
+            </a:r>
+            <a:r>
+              <a:rPr lang="tr-TR" dirty="0"/>
+              <a:t> </a:t>
+            </a:r>
+            <a:r>
+              <a:rPr lang="tr-TR" dirty="0" err="1"/>
+              <a:t>Azure</a:t>
+            </a:r>
+            <a:r>
+              <a:rPr lang="tr-TR" dirty="0"/>
+              <a:t> Platform</a:t>
+            </a:r>
+            <a:endParaRPr lang="tr-TR" dirty="0"/>
           </a:p>
           <a:p>
             <a:pPr>
@@ -4208,8 +4367,8 @@
               <a:buChar char="ü"/>
             </a:pPr>
             <a:r>
-              <a:rPr lang="tr-TR" dirty="0" smtClean="0"/>
-              <a:t>Solve the requirements</a:t>
+              <a:rPr lang="tr-TR" dirty="0"/>
+              <a:t>Design Website </a:t>
             </a:r>
           </a:p>
           <a:p>
@@ -4218,8 +4377,12 @@
               <a:buChar char="ü"/>
             </a:pPr>
             <a:r>
-              <a:rPr lang="tr-TR" dirty="0" smtClean="0"/>
-              <a:t>Determine of the quality of the system</a:t>
+              <a:rPr lang="tr-TR" dirty="0" err="1"/>
+              <a:t>Creating</a:t>
+            </a:r>
+            <a:r>
+              <a:rPr lang="tr-TR" dirty="0"/>
+              <a:t> a Web Service </a:t>
             </a:r>
           </a:p>
           <a:p>
@@ -4228,48 +4391,68 @@
               <a:buChar char="ü"/>
             </a:pPr>
             <a:r>
-              <a:rPr lang="tr-TR" dirty="0" smtClean="0"/>
-              <a:t>Increase the requirements for quality</a:t>
-            </a:r>
+              <a:rPr lang="tr-TR" dirty="0"/>
+              <a:t>Creating </a:t>
+            </a:r>
+            <a:r>
+              <a:rPr lang="tr-TR" dirty="0" err="1"/>
+              <a:t>Chrome</a:t>
+            </a:r>
+            <a:r>
+              <a:rPr lang="tr-TR" dirty="0"/>
+              <a:t> </a:t>
+            </a:r>
+            <a:r>
+              <a:rPr lang="tr-TR" dirty="0" err="1"/>
+              <a:t>Extension</a:t>
+            </a:r>
+            <a:endParaRPr lang="tr-TR" dirty="0"/>
           </a:p>
           <a:p>
             <a:pPr>
               <a:buFont typeface="Wingdings" pitchFamily="2" charset="2"/>
               <a:buChar char="ü"/>
             </a:pPr>
-            <a:r>
-              <a:rPr lang="tr-TR" dirty="0" smtClean="0"/>
-              <a:t>Classify requirements</a:t>
-            </a:r>
-          </a:p>
-          <a:p>
-            <a:pPr>
-              <a:buFont typeface="Wingdings" pitchFamily="2" charset="2"/>
-              <a:buChar char="ü"/>
-            </a:pPr>
-            <a:endParaRPr lang="tr-TR" dirty="0" smtClean="0"/>
-          </a:p>
-          <a:p>
-            <a:pPr>
-              <a:buNone/>
-            </a:pPr>
-            <a:r>
-              <a:rPr lang="tr-TR" dirty="0" smtClean="0"/>
-              <a:t>    </a:t>
-            </a:r>
-            <a:r>
-              <a:rPr lang="tr-TR" dirty="0" smtClean="0">
+            <a:endParaRPr lang="tr-TR" dirty="0"/>
+          </a:p>
+          <a:p>
+            <a:pPr>
+              <a:buNone/>
+            </a:pPr>
+            <a:r>
+              <a:rPr lang="tr-TR" dirty="0"/>
+              <a:t>  </a:t>
+            </a:r>
+            <a:r>
+              <a:rPr lang="tr-TR" dirty="0">
                 <a:solidFill>
                   <a:srgbClr val="FF0000"/>
                 </a:solidFill>
               </a:rPr>
-              <a:t>So , how do we plan the development process?</a:t>
-            </a:r>
-            <a:endParaRPr lang="tr-TR" dirty="0">
-              <a:solidFill>
-                <a:srgbClr val="FF0000"/>
-              </a:solidFill>
-            </a:endParaRPr>
+              <a:t>Which development tools do we will use ?</a:t>
+            </a:r>
+          </a:p>
+          <a:p>
+            <a:pPr>
+              <a:buNone/>
+            </a:pPr>
+            <a:r>
+              <a:rPr lang="tr-TR" dirty="0">
+                <a:solidFill>
+                  <a:srgbClr val="FF0000"/>
+                </a:solidFill>
+              </a:rPr>
+              <a:t>  </a:t>
+            </a:r>
+          </a:p>
+          <a:p>
+            <a:pPr>
+              <a:buNone/>
+            </a:pPr>
+            <a:r>
+              <a:rPr lang="tr-TR" dirty="0"/>
+              <a:t>  </a:t>
+            </a:r>
           </a:p>
         </p:txBody>
       </p:sp>
@@ -4300,7 +4483,7 @@
       </p:grpSpPr>
       <p:sp>
         <p:nvSpPr>
-          <p:cNvPr id="2" name="1 Başlık"/>
+          <p:cNvPr id="7" name="6 Başlık"/>
           <p:cNvSpPr>
             <a:spLocks noGrp="1"/>
           </p:cNvSpPr>
@@ -4310,130 +4493,107 @@
         </p:nvSpPr>
         <p:spPr/>
         <p:txBody>
+          <a:bodyPr/>
+          <a:lstStyle/>
+          <a:p>
+            <a:r>
+              <a:rPr lang="tr-TR" dirty="0"/>
+              <a:t>Development tools</a:t>
+            </a:r>
+          </a:p>
+        </p:txBody>
+      </p:sp>
+      <p:sp>
+        <p:nvSpPr>
+          <p:cNvPr id="8" name="7 İçerik Yer Tutucusu"/>
+          <p:cNvSpPr>
+            <a:spLocks noGrp="1"/>
+          </p:cNvSpPr>
+          <p:nvPr>
+            <p:ph idx="1"/>
+          </p:nvPr>
+        </p:nvSpPr>
+        <p:spPr/>
+        <p:txBody>
           <a:bodyPr>
-            <a:normAutofit fontScale="90000"/>
+            <a:normAutofit/>
           </a:bodyPr>
           <a:lstStyle/>
           <a:p>
-            <a:r>
-              <a:rPr lang="tr-TR" dirty="0" smtClean="0"/>
-              <a:t/>
-            </a:r>
-            <a:br>
-              <a:rPr lang="tr-TR" dirty="0" smtClean="0"/>
-            </a:br>
-            <a:r>
-              <a:rPr lang="tr-TR" dirty="0" smtClean="0"/>
-              <a:t>Development Process</a:t>
-            </a:r>
-            <a:br>
-              <a:rPr lang="tr-TR" dirty="0" smtClean="0"/>
-            </a:br>
-            <a:endParaRPr lang="tr-TR" dirty="0"/>
-          </a:p>
-        </p:txBody>
-      </p:sp>
-      <p:sp>
-        <p:nvSpPr>
-          <p:cNvPr id="3" name="2 İçerik Yer Tutucusu"/>
-          <p:cNvSpPr>
-            <a:spLocks noGrp="1"/>
-          </p:cNvSpPr>
-          <p:nvPr>
-            <p:ph idx="1"/>
-          </p:nvPr>
-        </p:nvSpPr>
-        <p:spPr/>
-        <p:txBody>
-          <a:bodyPr>
-            <a:normAutofit lnSpcReduction="10000"/>
-          </a:bodyPr>
-          <a:lstStyle/>
-          <a:p>
-            <a:pPr>
-              <a:buFont typeface="Wingdings" pitchFamily="2" charset="2"/>
-              <a:buChar char="ü"/>
-            </a:pPr>
-            <a:r>
-              <a:rPr lang="tr-TR" dirty="0" smtClean="0"/>
-              <a:t>Design Website </a:t>
-            </a:r>
-          </a:p>
-          <a:p>
-            <a:pPr>
-              <a:buFont typeface="Wingdings" pitchFamily="2" charset="2"/>
-              <a:buChar char="ü"/>
-            </a:pPr>
-            <a:r>
-              <a:rPr lang="tr-TR" dirty="0" smtClean="0"/>
-              <a:t>Design Database and Use  Azure Platform</a:t>
-            </a:r>
-          </a:p>
-          <a:p>
-            <a:pPr>
-              <a:buFont typeface="Wingdings" pitchFamily="2" charset="2"/>
-              <a:buChar char="ü"/>
-            </a:pPr>
-            <a:r>
-              <a:rPr lang="tr-TR" dirty="0" smtClean="0"/>
-              <a:t>Creating a Web Service </a:t>
-            </a:r>
-          </a:p>
-          <a:p>
-            <a:pPr>
-              <a:buFont typeface="Wingdings" pitchFamily="2" charset="2"/>
-              <a:buChar char="ü"/>
-            </a:pPr>
-            <a:r>
-              <a:rPr lang="tr-TR" dirty="0" smtClean="0"/>
-              <a:t>Creating Chrome Extensions </a:t>
-            </a:r>
-          </a:p>
-          <a:p>
-            <a:pPr>
-              <a:buFont typeface="Wingdings" pitchFamily="2" charset="2"/>
-              <a:buChar char="ü"/>
-            </a:pPr>
-            <a:endParaRPr lang="tr-TR" dirty="0" smtClean="0"/>
-          </a:p>
-          <a:p>
-            <a:pPr>
-              <a:buNone/>
-            </a:pPr>
-            <a:r>
-              <a:rPr lang="tr-TR" dirty="0" smtClean="0"/>
-              <a:t>  </a:t>
-            </a:r>
-            <a:r>
-              <a:rPr lang="tr-TR" dirty="0" smtClean="0">
-                <a:solidFill>
-                  <a:srgbClr val="FF0000"/>
-                </a:solidFill>
-              </a:rPr>
-              <a:t>Which development tools do we will use ?</a:t>
-            </a:r>
-          </a:p>
-          <a:p>
-            <a:pPr>
-              <a:buNone/>
-            </a:pPr>
-            <a:r>
-              <a:rPr lang="tr-TR" dirty="0" smtClean="0">
-                <a:solidFill>
-                  <a:srgbClr val="FF0000"/>
-                </a:solidFill>
-              </a:rPr>
-              <a:t>  </a:t>
-            </a:r>
-          </a:p>
-          <a:p>
-            <a:pPr>
-              <a:buNone/>
-            </a:pPr>
-            <a:r>
-              <a:rPr lang="tr-TR" dirty="0" smtClean="0"/>
-              <a:t>  </a:t>
-            </a:r>
+            <a:pPr>
+              <a:buFont typeface="Wingdings" pitchFamily="2" charset="2"/>
+              <a:buChar char="q"/>
+            </a:pPr>
+            <a:r>
+              <a:rPr lang="tr-TR" dirty="0"/>
+              <a:t>ASP.NET</a:t>
+            </a:r>
+          </a:p>
+          <a:p>
+            <a:pPr>
+              <a:buFont typeface="Wingdings" pitchFamily="2" charset="2"/>
+              <a:buChar char="q"/>
+            </a:pPr>
+            <a:r>
+              <a:rPr lang="tr-TR" dirty="0"/>
+              <a:t>CSS</a:t>
+            </a:r>
+          </a:p>
+          <a:p>
+            <a:pPr>
+              <a:buFont typeface="Wingdings" pitchFamily="2" charset="2"/>
+              <a:buChar char="q"/>
+            </a:pPr>
+            <a:r>
+              <a:rPr lang="tr-TR" dirty="0"/>
+              <a:t>JAVASCRİPT</a:t>
+            </a:r>
+          </a:p>
+          <a:p>
+            <a:pPr>
+              <a:buFont typeface="Wingdings" pitchFamily="2" charset="2"/>
+              <a:buChar char="q"/>
+            </a:pPr>
+            <a:r>
+              <a:rPr lang="tr-TR" dirty="0"/>
+              <a:t>HTML</a:t>
+            </a:r>
+          </a:p>
+          <a:p>
+            <a:pPr>
+              <a:buFont typeface="Wingdings" pitchFamily="2" charset="2"/>
+              <a:buChar char="q"/>
+            </a:pPr>
+            <a:r>
+              <a:rPr lang="tr-TR" dirty="0"/>
+              <a:t>AZURE</a:t>
+            </a:r>
+          </a:p>
+          <a:p>
+            <a:pPr>
+              <a:buFont typeface="Wingdings" pitchFamily="2" charset="2"/>
+              <a:buChar char="q"/>
+            </a:pPr>
+            <a:r>
+              <a:rPr lang="tr-TR" dirty="0"/>
+              <a:t>MYSQL</a:t>
+            </a:r>
+          </a:p>
+          <a:p>
+            <a:pPr>
+              <a:buFont typeface="Wingdings" pitchFamily="2" charset="2"/>
+              <a:buChar char="q"/>
+            </a:pPr>
+            <a:r>
+              <a:rPr lang="tr-TR" dirty="0"/>
+              <a:t>POLYMER (Web Components)</a:t>
+            </a:r>
+          </a:p>
+          <a:p>
+            <a:pPr>
+              <a:buFont typeface="Wingdings" pitchFamily="2" charset="2"/>
+              <a:buChar char="q"/>
+            </a:pPr>
             <a:endParaRPr lang="tr-TR" dirty="0"/>
           </a:p>
         </p:txBody>
@@ -4465,7 +4625,7 @@
       </p:grpSpPr>
       <p:sp>
         <p:nvSpPr>
-          <p:cNvPr id="7" name="6 Başlık"/>
+          <p:cNvPr id="2" name="1 Başlık"/>
           <p:cNvSpPr>
             <a:spLocks noGrp="1"/>
           </p:cNvSpPr>
@@ -4479,154 +4639,9 @@
           <a:lstStyle/>
           <a:p>
             <a:r>
-              <a:rPr lang="tr-TR" dirty="0" smtClean="0"/>
-              <a:t>Development tools</a:t>
-            </a:r>
-            <a:endParaRPr lang="tr-TR" dirty="0"/>
-          </a:p>
-        </p:txBody>
-      </p:sp>
-      <p:sp>
-        <p:nvSpPr>
-          <p:cNvPr id="8" name="7 İçerik Yer Tutucusu"/>
-          <p:cNvSpPr>
-            <a:spLocks noGrp="1"/>
-          </p:cNvSpPr>
-          <p:nvPr>
-            <p:ph idx="1"/>
-          </p:nvPr>
-        </p:nvSpPr>
-        <p:spPr/>
-        <p:txBody>
-          <a:bodyPr>
-            <a:normAutofit/>
-          </a:bodyPr>
-          <a:lstStyle/>
-          <a:p>
-            <a:pPr>
-              <a:buFont typeface="Wingdings" pitchFamily="2" charset="2"/>
-              <a:buChar char="q"/>
-            </a:pPr>
-            <a:r>
-              <a:rPr lang="tr-TR" dirty="0" smtClean="0"/>
-              <a:t>ASP.NET</a:t>
-            </a:r>
-          </a:p>
-          <a:p>
-            <a:pPr>
-              <a:buFont typeface="Wingdings" pitchFamily="2" charset="2"/>
-              <a:buChar char="q"/>
-            </a:pPr>
-            <a:r>
-              <a:rPr lang="tr-TR" dirty="0" smtClean="0"/>
-              <a:t>CSS</a:t>
-            </a:r>
-          </a:p>
-          <a:p>
-            <a:pPr>
-              <a:buFont typeface="Wingdings" pitchFamily="2" charset="2"/>
-              <a:buChar char="q"/>
-            </a:pPr>
-            <a:r>
-              <a:rPr lang="tr-TR" dirty="0" smtClean="0"/>
-              <a:t>JAVA SCRİPT</a:t>
-            </a:r>
-          </a:p>
-          <a:p>
-            <a:pPr>
-              <a:buFont typeface="Wingdings" pitchFamily="2" charset="2"/>
-              <a:buChar char="q"/>
-            </a:pPr>
-            <a:r>
-              <a:rPr lang="tr-TR" dirty="0" smtClean="0"/>
-              <a:t>HTML</a:t>
-            </a:r>
-          </a:p>
-          <a:p>
-            <a:pPr>
-              <a:buFont typeface="Wingdings" pitchFamily="2" charset="2"/>
-              <a:buChar char="q"/>
-            </a:pPr>
-            <a:r>
-              <a:rPr lang="tr-TR" dirty="0" smtClean="0"/>
-              <a:t>AZURE</a:t>
-            </a:r>
-          </a:p>
-          <a:p>
-            <a:pPr>
-              <a:buFont typeface="Wingdings" pitchFamily="2" charset="2"/>
-              <a:buChar char="q"/>
-            </a:pPr>
-            <a:r>
-              <a:rPr lang="tr-TR" smtClean="0"/>
-              <a:t>MYSQL</a:t>
-            </a:r>
-            <a:endParaRPr lang="tr-TR" dirty="0" smtClean="0"/>
-          </a:p>
-          <a:p>
-            <a:pPr>
-              <a:buFont typeface="Wingdings" pitchFamily="2" charset="2"/>
-              <a:buChar char="q"/>
-            </a:pPr>
-            <a:r>
-              <a:rPr lang="tr-TR" dirty="0" smtClean="0"/>
-              <a:t>POLYMER</a:t>
-            </a:r>
-          </a:p>
-          <a:p>
-            <a:pPr>
-              <a:buFont typeface="Wingdings" pitchFamily="2" charset="2"/>
-              <a:buChar char="q"/>
-            </a:pPr>
-            <a:endParaRPr lang="tr-TR" dirty="0"/>
-          </a:p>
-        </p:txBody>
-      </p:sp>
-    </p:spTree>
-  </p:cSld>
-  <p:clrMapOvr>
-    <a:masterClrMapping/>
-  </p:clrMapOvr>
-</p:sld>
-</file>
-
-<file path=ppt/slides/slide19.xml><?xml version="1.0" encoding="utf-8"?>
-<p:sld xmlns:a="http://schemas.openxmlformats.org/drawingml/2006/main" xmlns:r="http://schemas.openxmlformats.org/officeDocument/2006/relationships" xmlns:p="http://schemas.openxmlformats.org/presentationml/2006/main">
-  <p:cSld>
-    <p:spTree>
-      <p:nvGrpSpPr>
-        <p:cNvPr id="1" name=""/>
-        <p:cNvGrpSpPr/>
-        <p:nvPr/>
-      </p:nvGrpSpPr>
-      <p:grpSpPr>
-        <a:xfrm>
-          <a:off x="0" y="0"/>
-          <a:ext cx="0" cy="0"/>
-          <a:chOff x="0" y="0"/>
-          <a:chExt cx="0" cy="0"/>
-        </a:xfrm>
-      </p:grpSpPr>
-      <p:sp>
-        <p:nvSpPr>
-          <p:cNvPr id="2" name="1 Başlık"/>
-          <p:cNvSpPr>
-            <a:spLocks noGrp="1"/>
-          </p:cNvSpPr>
-          <p:nvPr>
-            <p:ph type="title"/>
-          </p:nvPr>
-        </p:nvSpPr>
-        <p:spPr/>
-        <p:txBody>
-          <a:bodyPr/>
-          <a:lstStyle/>
-          <a:p>
-            <a:r>
-              <a:rPr lang="tr-TR" dirty="0" smtClean="0"/>
+              <a:rPr lang="tr-TR" dirty="0"/>
               <a:t>When ?</a:t>
             </a:r>
-            <a:endParaRPr lang="tr-TR" dirty="0"/>
           </a:p>
         </p:txBody>
       </p:sp>
@@ -4673,97 +4688,7 @@
 </p:sld>
 </file>
 
-<file path=ppt/slides/slide2.xml><?xml version="1.0" encoding="utf-8"?>
-<p:sld xmlns:a="http://schemas.openxmlformats.org/drawingml/2006/main" xmlns:r="http://schemas.openxmlformats.org/officeDocument/2006/relationships" xmlns:p="http://schemas.openxmlformats.org/presentationml/2006/main">
-  <p:cSld>
-    <p:spTree>
-      <p:nvGrpSpPr>
-        <p:cNvPr id="1" name=""/>
-        <p:cNvGrpSpPr/>
-        <p:nvPr/>
-      </p:nvGrpSpPr>
-      <p:grpSpPr>
-        <a:xfrm>
-          <a:off x="0" y="0"/>
-          <a:ext cx="0" cy="0"/>
-          <a:chOff x="0" y="0"/>
-          <a:chExt cx="0" cy="0"/>
-        </a:xfrm>
-      </p:grpSpPr>
-      <p:sp>
-        <p:nvSpPr>
-          <p:cNvPr id="2" name="1 Başlık"/>
-          <p:cNvSpPr>
-            <a:spLocks noGrp="1"/>
-          </p:cNvSpPr>
-          <p:nvPr>
-            <p:ph type="title"/>
-          </p:nvPr>
-        </p:nvSpPr>
-        <p:spPr/>
-        <p:txBody>
-          <a:bodyPr>
-            <a:normAutofit fontScale="90000"/>
-          </a:bodyPr>
-          <a:lstStyle/>
-          <a:p>
-            <a:r>
-              <a:rPr lang="tr-TR" dirty="0" smtClean="0"/>
-              <a:t>What is the economic crisis ?</a:t>
-            </a:r>
-            <a:br>
-              <a:rPr lang="tr-TR" dirty="0" smtClean="0"/>
-            </a:br>
-            <a:endParaRPr lang="tr-TR" dirty="0"/>
-          </a:p>
-        </p:txBody>
-      </p:sp>
-      <p:sp>
-        <p:nvSpPr>
-          <p:cNvPr id="3" name="2 İçerik Yer Tutucusu"/>
-          <p:cNvSpPr>
-            <a:spLocks noGrp="1"/>
-          </p:cNvSpPr>
-          <p:nvPr>
-            <p:ph idx="1"/>
-          </p:nvPr>
-        </p:nvSpPr>
-        <p:spPr>
-          <a:xfrm>
-            <a:off x="500034" y="1000109"/>
-            <a:ext cx="8229600" cy="1714512"/>
-          </a:xfrm>
-        </p:spPr>
-        <p:txBody>
-          <a:bodyPr/>
-          <a:lstStyle/>
-          <a:p>
-            <a:pPr>
-              <a:buFont typeface="Wingdings" pitchFamily="2" charset="2"/>
-              <a:buChar char="Ø"/>
-            </a:pPr>
-            <a:r>
-              <a:rPr lang="tr-TR" dirty="0" smtClean="0"/>
-              <a:t> A situation in which the economy of country experiences a sudden downturn brought on by a financial crisis</a:t>
-            </a:r>
-          </a:p>
-          <a:p>
-            <a:pPr>
-              <a:buNone/>
-            </a:pPr>
-            <a:endParaRPr lang="tr-TR" dirty="0"/>
-          </a:p>
-        </p:txBody>
-      </p:sp>
-    </p:spTree>
-  </p:cSld>
-  <p:clrMapOvr>
-    <a:masterClrMapping/>
-  </p:clrMapOvr>
-</p:sld>
-</file>
-
-<file path=ppt/slides/slide20.xml><?xml version="1.0" encoding="utf-8"?>
+<file path=ppt/slides/slide19.xml><?xml version="1.0" encoding="utf-8"?>
 <p:sld xmlns:a="http://schemas.openxmlformats.org/drawingml/2006/main" xmlns:r="http://schemas.openxmlformats.org/officeDocument/2006/relationships" xmlns:p="http://schemas.openxmlformats.org/presentationml/2006/main">
   <p:cSld>
     <p:spTree>
@@ -4821,7 +4746,7 @@
 </p:sld>
 </file>
 
-<file path=ppt/slides/slide21.xml><?xml version="1.0" encoding="utf-8"?>
+<file path=ppt/slides/slide2.xml><?xml version="1.0" encoding="utf-8"?>
 <p:sld xmlns:a="http://schemas.openxmlformats.org/drawingml/2006/main" xmlns:r="http://schemas.openxmlformats.org/officeDocument/2006/relationships" xmlns:p="http://schemas.openxmlformats.org/presentationml/2006/main">
   <p:cSld>
     <p:spTree>
@@ -4848,6 +4773,96 @@
             <p:ph type="title"/>
           </p:nvPr>
         </p:nvSpPr>
+        <p:spPr/>
+        <p:txBody>
+          <a:bodyPr>
+            <a:normAutofit fontScale="90000"/>
+          </a:bodyPr>
+          <a:lstStyle/>
+          <a:p>
+            <a:r>
+              <a:rPr lang="tr-TR" dirty="0"/>
+              <a:t>What is the economic crisis ?</a:t>
+            </a:r>
+            <a:br>
+              <a:rPr lang="tr-TR" dirty="0"/>
+            </a:br>
+            <a:endParaRPr lang="tr-TR" dirty="0"/>
+          </a:p>
+        </p:txBody>
+      </p:sp>
+      <p:sp>
+        <p:nvSpPr>
+          <p:cNvPr id="3" name="2 İçerik Yer Tutucusu"/>
+          <p:cNvSpPr>
+            <a:spLocks noGrp="1"/>
+          </p:cNvSpPr>
+          <p:nvPr>
+            <p:ph idx="1"/>
+          </p:nvPr>
+        </p:nvSpPr>
+        <p:spPr>
+          <a:xfrm>
+            <a:off x="500034" y="1000109"/>
+            <a:ext cx="8229600" cy="1714512"/>
+          </a:xfrm>
+        </p:spPr>
+        <p:txBody>
+          <a:bodyPr/>
+          <a:lstStyle/>
+          <a:p>
+            <a:pPr>
+              <a:buFont typeface="Wingdings" pitchFamily="2" charset="2"/>
+              <a:buChar char="Ø"/>
+            </a:pPr>
+            <a:r>
+              <a:rPr lang="tr-TR" dirty="0"/>
+              <a:t> A situation in which the economy of country experiences a sudden downturn brought on by a financial crisis</a:t>
+            </a:r>
+          </a:p>
+          <a:p>
+            <a:pPr>
+              <a:buNone/>
+            </a:pPr>
+            <a:endParaRPr lang="tr-TR" dirty="0"/>
+          </a:p>
+        </p:txBody>
+      </p:sp>
+    </p:spTree>
+  </p:cSld>
+  <p:clrMapOvr>
+    <a:masterClrMapping/>
+  </p:clrMapOvr>
+</p:sld>
+</file>
+
+<file path=ppt/slides/slide20.xml><?xml version="1.0" encoding="utf-8"?>
+<p:sld xmlns:a="http://schemas.openxmlformats.org/drawingml/2006/main" xmlns:r="http://schemas.openxmlformats.org/officeDocument/2006/relationships" xmlns:p="http://schemas.openxmlformats.org/presentationml/2006/main">
+  <p:cSld>
+    <p:spTree>
+      <p:nvGrpSpPr>
+        <p:cNvPr id="1" name=""/>
+        <p:cNvGrpSpPr/>
+        <p:nvPr/>
+      </p:nvGrpSpPr>
+      <p:grpSpPr>
+        <a:xfrm>
+          <a:off x="0" y="0"/>
+          <a:ext cx="0" cy="0"/>
+          <a:chOff x="0" y="0"/>
+          <a:chExt cx="0" cy="0"/>
+        </a:xfrm>
+      </p:grpSpPr>
+      <p:sp>
+        <p:nvSpPr>
+          <p:cNvPr id="2" name="1 Başlık"/>
+          <p:cNvSpPr>
+            <a:spLocks noGrp="1"/>
+          </p:cNvSpPr>
+          <p:nvPr>
+            <p:ph type="title"/>
+          </p:nvPr>
+        </p:nvSpPr>
         <p:spPr>
           <a:xfrm>
             <a:off x="457200" y="274638"/>
@@ -4859,10 +4874,9 @@
           <a:lstStyle/>
           <a:p>
             <a:r>
-              <a:rPr lang="tr-TR" dirty="0" smtClean="0"/>
+              <a:rPr lang="tr-TR" dirty="0"/>
               <a:t>THANK YOU</a:t>
             </a:r>
-            <a:endParaRPr lang="tr-TR" dirty="0"/>
           </a:p>
         </p:txBody>
       </p:sp>
@@ -4909,11 +4923,11 @@
           <a:lstStyle/>
           <a:p>
             <a:r>
-              <a:rPr lang="tr-TR" dirty="0" smtClean="0"/>
+              <a:rPr lang="tr-TR" dirty="0"/>
               <a:t>Reasons of Economic Crisses</a:t>
             </a:r>
             <a:br>
-              <a:rPr lang="tr-TR" dirty="0" smtClean="0"/>
+              <a:rPr lang="tr-TR" dirty="0"/>
             </a:br>
             <a:endParaRPr lang="tr-TR" dirty="0"/>
           </a:p>
@@ -4944,7 +4958,7 @@
               <a:buChar char="Ø"/>
             </a:pPr>
             <a:r>
-              <a:rPr lang="tr-TR" dirty="0" smtClean="0"/>
+              <a:rPr lang="tr-TR" dirty="0"/>
               <a:t>Increases of Interest Rates</a:t>
             </a:r>
           </a:p>
@@ -4954,7 +4968,7 @@
               <a:buChar char="Ø"/>
             </a:pPr>
             <a:r>
-              <a:rPr lang="tr-TR" dirty="0" smtClean="0"/>
+              <a:rPr lang="tr-TR" dirty="0"/>
               <a:t>Increases In Uncertainty</a:t>
             </a:r>
           </a:p>
@@ -4964,7 +4978,7 @@
               <a:buChar char="Ø"/>
             </a:pPr>
             <a:r>
-              <a:rPr lang="tr-TR" dirty="0" smtClean="0"/>
+              <a:rPr lang="tr-TR" dirty="0"/>
               <a:t>Problems in the Banking Sector</a:t>
             </a:r>
           </a:p>
@@ -5019,11 +5033,11 @@
           <a:lstStyle/>
           <a:p>
             <a:r>
-              <a:rPr lang="tr-TR" dirty="0" smtClean="0"/>
+              <a:rPr lang="tr-TR" dirty="0"/>
               <a:t>Effects of Economic Crisses</a:t>
             </a:r>
             <a:br>
-              <a:rPr lang="tr-TR" dirty="0" smtClean="0"/>
+              <a:rPr lang="tr-TR" dirty="0"/>
             </a:br>
             <a:endParaRPr lang="tr-TR" dirty="0"/>
           </a:p>
@@ -5049,7 +5063,7 @@
               <a:buChar char="Ø"/>
             </a:pPr>
             <a:r>
-              <a:rPr lang="tr-TR" dirty="0" smtClean="0"/>
+              <a:rPr lang="tr-TR" dirty="0"/>
               <a:t>Inflatıon</a:t>
             </a:r>
           </a:p>
@@ -5059,7 +5073,7 @@
               <a:buChar char="Ø"/>
             </a:pPr>
             <a:r>
-              <a:rPr lang="tr-TR" dirty="0" smtClean="0"/>
+              <a:rPr lang="tr-TR" dirty="0"/>
               <a:t>Increase ın Unemployement</a:t>
             </a:r>
           </a:p>
@@ -5069,7 +5083,7 @@
               <a:buChar char="Ø"/>
             </a:pPr>
             <a:r>
-              <a:rPr lang="tr-TR" dirty="0" smtClean="0"/>
+              <a:rPr lang="tr-TR" dirty="0"/>
               <a:t>Family and Social Problems</a:t>
             </a:r>
           </a:p>
@@ -5079,7 +5093,7 @@
               <a:buChar char="Ø"/>
             </a:pPr>
             <a:r>
-              <a:rPr lang="tr-TR" dirty="0" smtClean="0"/>
+              <a:rPr lang="tr-TR" dirty="0"/>
               <a:t>Business Life Problems</a:t>
             </a:r>
           </a:p>
@@ -5089,7 +5103,7 @@
               <a:buChar char="Ø"/>
             </a:pPr>
             <a:r>
-              <a:rPr lang="tr-TR" dirty="0" smtClean="0"/>
+              <a:rPr lang="tr-TR" dirty="0"/>
               <a:t>Decrease in Housing Prices</a:t>
             </a:r>
           </a:p>
@@ -5099,10 +5113,9 @@
               <a:buChar char="Ø"/>
             </a:pPr>
             <a:r>
-              <a:rPr lang="tr-TR" dirty="0" smtClean="0"/>
+              <a:rPr lang="tr-TR" dirty="0"/>
               <a:t>Decline the Growth Rate</a:t>
             </a:r>
-            <a:endParaRPr lang="tr-TR" dirty="0"/>
           </a:p>
         </p:txBody>
       </p:sp>
@@ -5149,11 +5162,11 @@
           <a:lstStyle/>
           <a:p>
             <a:r>
-              <a:rPr lang="tr-TR" dirty="0" smtClean="0"/>
+              <a:rPr lang="tr-TR" dirty="0"/>
               <a:t>     In The Past</a:t>
             </a:r>
             <a:br>
-              <a:rPr lang="tr-TR" dirty="0" smtClean="0"/>
+              <a:rPr lang="tr-TR" dirty="0"/>
             </a:br>
             <a:endParaRPr lang="tr-TR" dirty="0"/>
           </a:p>
@@ -5184,7 +5197,7 @@
               <a:buChar char="ü"/>
             </a:pPr>
             <a:r>
-              <a:rPr lang="tr-TR" sz="1800" dirty="0" smtClean="0"/>
+              <a:rPr lang="tr-TR" sz="1800" dirty="0"/>
               <a:t>Some Economic Crisses In The World</a:t>
             </a:r>
           </a:p>
@@ -5194,7 +5207,7 @@
               <a:buChar char="Ø"/>
             </a:pPr>
             <a:r>
-              <a:rPr lang="tr-TR" sz="1800" dirty="0" smtClean="0"/>
+              <a:rPr lang="tr-TR" sz="1800" dirty="0"/>
               <a:t>Great Crises(1929)</a:t>
             </a:r>
           </a:p>
@@ -5204,7 +5217,7 @@
               <a:buChar char="v"/>
             </a:pPr>
             <a:r>
-              <a:rPr lang="tr-TR" sz="1800" dirty="0" smtClean="0"/>
+              <a:rPr lang="tr-TR" sz="1800" dirty="0"/>
               <a:t>The World Economic Crisis is a global crisis that began in the United States and showed its impact all over the world</a:t>
             </a:r>
           </a:p>
@@ -5212,7 +5225,7 @@
             <a:pPr>
               <a:buNone/>
             </a:pPr>
-            <a:endParaRPr lang="tr-TR" sz="1800" dirty="0" smtClean="0"/>
+            <a:endParaRPr lang="tr-TR" sz="1800" dirty="0"/>
           </a:p>
           <a:p>
             <a:pPr>
@@ -5220,7 +5233,7 @@
               <a:buChar char="Ø"/>
             </a:pPr>
             <a:r>
-              <a:rPr lang="tr-TR" sz="1800" dirty="0" smtClean="0"/>
+              <a:rPr lang="tr-TR" sz="1800" dirty="0"/>
               <a:t>Black Monday (1987)</a:t>
             </a:r>
           </a:p>
@@ -5230,7 +5243,7 @@
               <a:buChar char="v"/>
             </a:pPr>
             <a:r>
-              <a:rPr lang="tr-TR" sz="1800" dirty="0" smtClean="0"/>
+              <a:rPr lang="tr-TR" sz="1800" dirty="0"/>
               <a:t>The world's stock markets have come to the fore as a result of great depreciation in a short period of time</a:t>
             </a:r>
           </a:p>
@@ -5240,7 +5253,7 @@
               <a:buChar char="Ø"/>
             </a:pPr>
             <a:r>
-              <a:rPr lang="tr-TR" sz="1800" dirty="0" smtClean="0"/>
+              <a:rPr lang="tr-TR" sz="1800" dirty="0"/>
               <a:t>Global Economic Crisis(2008-2012)</a:t>
             </a:r>
           </a:p>
@@ -5250,7 +5263,7 @@
               <a:buChar char="v"/>
             </a:pPr>
             <a:r>
-              <a:rPr lang="tr-TR" sz="1800" dirty="0" smtClean="0"/>
+              <a:rPr lang="tr-TR" sz="1800" dirty="0"/>
               <a:t>With the collapse of the US mortgage system and the sudden cash shortage in the markets, big monetary companies started to sink and this has happened with a chain effect</a:t>
             </a:r>
           </a:p>
@@ -5259,13 +5272,13 @@
               <a:buFont typeface="Wingdings" pitchFamily="2" charset="2"/>
               <a:buChar char="Ø"/>
             </a:pPr>
-            <a:endParaRPr lang="tr-TR" sz="1800" dirty="0" smtClean="0"/>
-          </a:p>
-          <a:p>
-            <a:pPr>
-              <a:buNone/>
-            </a:pPr>
-            <a:endParaRPr lang="tr-TR" dirty="0" smtClean="0"/>
+            <a:endParaRPr lang="tr-TR" sz="1800" dirty="0"/>
+          </a:p>
+          <a:p>
+            <a:pPr>
+              <a:buNone/>
+            </a:pPr>
+            <a:endParaRPr lang="tr-TR" dirty="0"/>
           </a:p>
           <a:p>
             <a:pPr>
@@ -5317,45 +5330,73 @@
           <a:lstStyle/>
           <a:p>
             <a:r>
-              <a:rPr lang="tr-TR" dirty="0" smtClean="0"/>
+              <a:rPr lang="tr-TR" dirty="0"/>
               <a:t>How About In Turkey</a:t>
             </a:r>
+          </a:p>
+        </p:txBody>
+      </p:sp>
+      <p:sp>
+        <p:nvSpPr>
+          <p:cNvPr id="3" name="2 İçerik Yer Tutucusu"/>
+          <p:cNvSpPr>
+            <a:spLocks noGrp="1"/>
+          </p:cNvSpPr>
+          <p:nvPr>
+            <p:ph idx="1"/>
+          </p:nvPr>
+        </p:nvSpPr>
+        <p:spPr/>
+        <p:txBody>
+          <a:bodyPr/>
+          <a:lstStyle/>
+          <a:p>
+            <a:pPr>
+              <a:buFont typeface="Wingdings" pitchFamily="2" charset="2"/>
+              <a:buChar char="ü"/>
+            </a:pPr>
+            <a:r>
+              <a:rPr lang="tr-TR" dirty="0"/>
+              <a:t>What is the reason for Economic crisis ?</a:t>
+            </a:r>
+          </a:p>
+          <a:p>
+            <a:pPr>
+              <a:buFont typeface="Wingdings" pitchFamily="2" charset="2"/>
+              <a:buChar char="Ø"/>
+            </a:pPr>
+            <a:r>
+              <a:rPr lang="tr-TR" dirty="0"/>
+              <a:t>Big increase in unemployment </a:t>
+            </a:r>
+          </a:p>
+          <a:p>
+            <a:pPr>
+              <a:buFont typeface="Wingdings" pitchFamily="2" charset="2"/>
+              <a:buChar char="Ø"/>
+            </a:pPr>
+            <a:r>
+              <a:rPr lang="tr-TR" dirty="0"/>
+              <a:t>Unexpected Increation in </a:t>
+            </a:r>
+            <a:r>
+              <a:rPr lang="tr-TR" dirty="0" err="1"/>
+              <a:t>Inflation</a:t>
+            </a:r>
             <a:endParaRPr lang="tr-TR" dirty="0"/>
           </a:p>
-        </p:txBody>
-      </p:sp>
-      <p:sp>
-        <p:nvSpPr>
-          <p:cNvPr id="3" name="2 İçerik Yer Tutucusu"/>
-          <p:cNvSpPr>
-            <a:spLocks noGrp="1"/>
-          </p:cNvSpPr>
-          <p:nvPr>
-            <p:ph idx="1"/>
-          </p:nvPr>
-        </p:nvSpPr>
-        <p:spPr/>
-        <p:txBody>
-          <a:bodyPr/>
-          <a:lstStyle/>
-          <a:p>
-            <a:pPr>
-              <a:buFont typeface="Wingdings" pitchFamily="2" charset="2"/>
-              <a:buChar char="ü"/>
-            </a:pPr>
-            <a:r>
-              <a:rPr lang="tr-TR" dirty="0" smtClean="0"/>
-              <a:t>What is the reason for Economic crisis ?</a:t>
-            </a:r>
-          </a:p>
           <a:p>
             <a:pPr>
               <a:buFont typeface="Wingdings" pitchFamily="2" charset="2"/>
               <a:buChar char="Ø"/>
             </a:pPr>
             <a:r>
-              <a:rPr lang="tr-TR" dirty="0" smtClean="0"/>
-              <a:t>Big increase in unemployment </a:t>
+              <a:rPr lang="tr-TR" dirty="0" err="1"/>
+              <a:t>Decrease</a:t>
+            </a:r>
+            <a:r>
+              <a:rPr lang="tr-TR" dirty="0"/>
+              <a:t> in Economic Growth</a:t>
             </a:r>
           </a:p>
           <a:p>
@@ -5364,8 +5405,8 @@
               <a:buChar char="Ø"/>
             </a:pPr>
             <a:r>
-              <a:rPr lang="tr-TR" dirty="0" smtClean="0"/>
-              <a:t>Unexpected Increation in Inflatıon</a:t>
+              <a:rPr lang="tr-TR" dirty="0"/>
+              <a:t>Liquidity problem </a:t>
             </a:r>
           </a:p>
           <a:p>
@@ -5374,33 +5415,13 @@
               <a:buChar char="Ø"/>
             </a:pPr>
             <a:r>
-              <a:rPr lang="tr-TR" dirty="0" smtClean="0"/>
-              <a:t> Decrease in Economic Growth</a:t>
-            </a:r>
-          </a:p>
-          <a:p>
-            <a:pPr>
-              <a:buFont typeface="Wingdings" pitchFamily="2" charset="2"/>
-              <a:buChar char="Ø"/>
-            </a:pPr>
-            <a:r>
-              <a:rPr lang="tr-TR" dirty="0" smtClean="0"/>
-              <a:t>Liquidity problem </a:t>
-            </a:r>
-          </a:p>
-          <a:p>
-            <a:pPr>
-              <a:buFont typeface="Wingdings" pitchFamily="2" charset="2"/>
-              <a:buChar char="Ø"/>
-            </a:pPr>
-            <a:r>
-              <a:rPr lang="tr-TR" dirty="0" smtClean="0"/>
+              <a:rPr lang="tr-TR" dirty="0"/>
               <a:t>Irregular expenditure </a:t>
             </a:r>
             <a:br>
-              <a:rPr lang="tr-TR" dirty="0" smtClean="0"/>
+              <a:rPr lang="tr-TR" dirty="0"/>
             </a:br>
-            <a:endParaRPr lang="tr-TR" dirty="0" smtClean="0"/>
+            <a:endParaRPr lang="tr-TR" dirty="0"/>
           </a:p>
           <a:p>
             <a:pPr>
@@ -5453,10 +5474,9 @@
           <a:lstStyle/>
           <a:p>
             <a:r>
-              <a:rPr lang="tr-TR" dirty="0" smtClean="0"/>
+              <a:rPr lang="tr-TR" dirty="0"/>
               <a:t>What is the effects of economic crisis on Turkey ?</a:t>
             </a:r>
-            <a:endParaRPr lang="tr-TR" dirty="0"/>
           </a:p>
         </p:txBody>
       </p:sp>
@@ -5480,7 +5500,7 @@
               <a:buChar char="ü"/>
             </a:pPr>
             <a:r>
-              <a:rPr lang="tr-TR" dirty="0" smtClean="0"/>
+              <a:rPr lang="tr-TR" dirty="0"/>
               <a:t>Psychological problems</a:t>
             </a:r>
           </a:p>
@@ -5490,7 +5510,7 @@
               <a:buChar char="ü"/>
             </a:pPr>
             <a:r>
-              <a:rPr lang="tr-TR" dirty="0" smtClean="0"/>
+              <a:rPr lang="tr-TR" dirty="0"/>
               <a:t>Unemployment</a:t>
             </a:r>
           </a:p>
@@ -5500,7 +5520,7 @@
               <a:buChar char="ü"/>
             </a:pPr>
             <a:r>
-              <a:rPr lang="tr-TR" dirty="0" smtClean="0"/>
+              <a:rPr lang="tr-TR" dirty="0"/>
               <a:t>Family and Social Problems</a:t>
             </a:r>
           </a:p>
@@ -5510,10 +5530,9 @@
               <a:buChar char="ü"/>
             </a:pPr>
             <a:r>
-              <a:rPr lang="tr-TR" dirty="0" smtClean="0"/>
+              <a:rPr lang="tr-TR" dirty="0"/>
               <a:t>Reduction in production speed etc..</a:t>
             </a:r>
-            <a:endParaRPr lang="tr-TR" dirty="0"/>
           </a:p>
         </p:txBody>
       </p:sp>
@@ -5558,77 +5577,71 @@
           <a:lstStyle/>
           <a:p>
             <a:r>
-              <a:rPr lang="tr-TR" dirty="0" smtClean="0"/>
+              <a:rPr lang="tr-TR" dirty="0"/>
               <a:t>So ,How About in the Future ?</a:t>
             </a:r>
+          </a:p>
+        </p:txBody>
+      </p:sp>
+      <p:sp>
+        <p:nvSpPr>
+          <p:cNvPr id="3" name="2 İçerik Yer Tutucusu"/>
+          <p:cNvSpPr>
+            <a:spLocks noGrp="1"/>
+          </p:cNvSpPr>
+          <p:nvPr>
+            <p:ph idx="1"/>
+          </p:nvPr>
+        </p:nvSpPr>
+        <p:spPr/>
+        <p:txBody>
+          <a:bodyPr/>
+          <a:lstStyle/>
+          <a:p>
+            <a:pPr>
+              <a:buFont typeface="Wingdings" pitchFamily="2" charset="2"/>
+              <a:buChar char="q"/>
+            </a:pPr>
+            <a:r>
+              <a:rPr lang="tr-TR" dirty="0"/>
+              <a:t> Individual Economic Crisis is expected instead of Global Economic Crisis by economist.</a:t>
+            </a:r>
+          </a:p>
+          <a:p>
+            <a:pPr>
+              <a:buFont typeface="Wingdings" pitchFamily="2" charset="2"/>
+              <a:buChar char="q"/>
+            </a:pPr>
+            <a:r>
+              <a:rPr lang="tr-TR" dirty="0"/>
+              <a:t> So ,  what is the Individual Economic Crisis ?</a:t>
+            </a:r>
+          </a:p>
+          <a:p>
+            <a:pPr>
+              <a:buFont typeface="Wingdings" pitchFamily="2" charset="2"/>
+              <a:buChar char="Ø"/>
+            </a:pPr>
+            <a:r>
+              <a:rPr lang="tr-TR" dirty="0"/>
+              <a:t>It ıs a financial crisis in which individuals who is living in that country, are unbalanced spending and overtaking extremly borrowing </a:t>
+            </a:r>
+          </a:p>
+          <a:p>
+            <a:pPr>
+              <a:buFont typeface="Wingdings" pitchFamily="2" charset="2"/>
+              <a:buChar char="q"/>
+            </a:pPr>
             <a:endParaRPr lang="tr-TR" dirty="0"/>
           </a:p>
-        </p:txBody>
-      </p:sp>
-      <p:sp>
-        <p:nvSpPr>
-          <p:cNvPr id="3" name="2 İçerik Yer Tutucusu"/>
-          <p:cNvSpPr>
-            <a:spLocks noGrp="1"/>
-          </p:cNvSpPr>
-          <p:nvPr>
-            <p:ph idx="1"/>
-          </p:nvPr>
-        </p:nvSpPr>
-        <p:spPr/>
-        <p:txBody>
-          <a:bodyPr/>
-          <a:lstStyle/>
-          <a:p>
-            <a:pPr>
-              <a:buFont typeface="Wingdings" pitchFamily="2" charset="2"/>
-              <a:buChar char="q"/>
-            </a:pPr>
-            <a:r>
-              <a:rPr lang="tr-TR" dirty="0" smtClean="0"/>
-              <a:t> Individual Economic Crisis is expected instead of Global Economic Crisis by economist.</a:t>
-            </a:r>
-          </a:p>
-          <a:p>
-            <a:pPr>
-              <a:buFont typeface="Wingdings" pitchFamily="2" charset="2"/>
-              <a:buChar char="q"/>
-            </a:pPr>
-            <a:r>
-              <a:rPr lang="tr-TR" dirty="0" smtClean="0"/>
-              <a:t> So ,  what is the Individual Economic Crisis ?</a:t>
-            </a:r>
-          </a:p>
-          <a:p>
-            <a:pPr>
-              <a:buFont typeface="Wingdings" pitchFamily="2" charset="2"/>
-              <a:buChar char="Ø"/>
-            </a:pPr>
-            <a:r>
-              <a:rPr lang="tr-TR" dirty="0" smtClean="0"/>
-              <a:t>It ıs a financial crisis in which individuals who is living in that country, are unbalanced spending and overtaking extremly borrowing </a:t>
-            </a:r>
-          </a:p>
-          <a:p>
-            <a:pPr>
-              <a:buFont typeface="Wingdings" pitchFamily="2" charset="2"/>
-              <a:buChar char="q"/>
-            </a:pPr>
-            <a:endParaRPr lang="tr-TR" dirty="0" smtClean="0"/>
-          </a:p>
-          <a:p>
-            <a:pPr>
-              <a:buNone/>
-            </a:pPr>
-            <a:r>
-              <a:rPr lang="tr-TR" dirty="0"/>
-              <a:t> </a:t>
-            </a:r>
-            <a:r>
-              <a:rPr lang="tr-TR" dirty="0" smtClean="0"/>
-              <a:t>  </a:t>
-            </a:r>
-            <a:endParaRPr lang="tr-TR" dirty="0"/>
+          <a:p>
+            <a:pPr>
+              <a:buNone/>
+            </a:pPr>
+            <a:r>
+              <a:rPr lang="tr-TR" dirty="0"/>
+              <a:t>   </a:t>
+            </a:r>
           </a:p>
         </p:txBody>
       </p:sp>
@@ -5674,23 +5687,15 @@
           </a:bodyPr>
           <a:lstStyle/>
           <a:p>
-            <a:r>
-              <a:rPr lang="tr-TR" sz="3100" dirty="0" smtClean="0"/>
-              <a:t/>
-            </a:r>
             <a:br>
-              <a:rPr lang="tr-TR" sz="3100" dirty="0" smtClean="0"/>
+              <a:rPr lang="tr-TR" sz="3100" dirty="0"/>
             </a:br>
             <a:r>
-              <a:rPr lang="tr-TR" sz="3100" b="1" dirty="0" smtClean="0"/>
+              <a:rPr lang="tr-TR" sz="3100" b="1" dirty="0"/>
               <a:t>Think about unbalanced spending and overtaking barrowing</a:t>
             </a:r>
-            <a:r>
-              <a:rPr lang="tr-TR" b="1" dirty="0" smtClean="0"/>
-              <a:t/>
-            </a:r>
             <a:br>
-              <a:rPr lang="tr-TR" b="1" dirty="0" smtClean="0"/>
+              <a:rPr lang="tr-TR" b="1" dirty="0"/>
             </a:br>
             <a:endParaRPr lang="tr-TR" b="1" dirty="0"/>
           </a:p>
@@ -5712,10 +5717,9 @@
           <a:lstStyle/>
           <a:p>
             <a:r>
-              <a:rPr lang="tr-TR" dirty="0" smtClean="0"/>
+              <a:rPr lang="tr-TR" dirty="0"/>
               <a:t>Number of Credit Card</a:t>
             </a:r>
-            <a:endParaRPr lang="tr-TR" dirty="0"/>
           </a:p>
         </p:txBody>
       </p:sp>
@@ -5736,18 +5740,13 @@
           </a:bodyPr>
           <a:lstStyle/>
           <a:p>
-            <a:r>
-              <a:rPr lang="tr-TR" dirty="0" smtClean="0"/>
-              <a:t/>
-            </a:r>
             <a:br>
-              <a:rPr lang="tr-TR" dirty="0" smtClean="0"/>
+              <a:rPr lang="tr-TR" dirty="0"/>
             </a:br>
             <a:r>
-              <a:rPr lang="tr-TR" dirty="0" smtClean="0"/>
+              <a:rPr lang="tr-TR" dirty="0"/>
               <a:t>  Spending Amount</a:t>
             </a:r>
-            <a:endParaRPr lang="tr-TR" dirty="0"/>
           </a:p>
         </p:txBody>
       </p:sp>

--- a/Documents/DUYARLIOL.pptx
+++ b/Documents/DUYARLIOL.pptx
@@ -18,13 +18,12 @@
     <p:sldId id="266" r:id="rId12"/>
     <p:sldId id="267" r:id="rId13"/>
     <p:sldId id="268" r:id="rId14"/>
-    <p:sldId id="269" r:id="rId15"/>
-    <p:sldId id="271" r:id="rId16"/>
-    <p:sldId id="274" r:id="rId17"/>
-    <p:sldId id="273" r:id="rId18"/>
-    <p:sldId id="275" r:id="rId19"/>
-    <p:sldId id="276" r:id="rId20"/>
-    <p:sldId id="277" r:id="rId21"/>
+    <p:sldId id="271" r:id="rId15"/>
+    <p:sldId id="274" r:id="rId16"/>
+    <p:sldId id="273" r:id="rId17"/>
+    <p:sldId id="275" r:id="rId18"/>
+    <p:sldId id="276" r:id="rId19"/>
+    <p:sldId id="277" r:id="rId20"/>
   </p:sldIdLst>
   <p:sldSz cx="9144000" cy="6858000" type="screen4x3"/>
   <p:notesSz cx="6858000" cy="9144000"/>
@@ -322,7 +321,7 @@
             <a:fld id="{9215268A-ECED-40C2-BA3B-556FDB639813}" type="datetimeFigureOut">
               <a:rPr lang="tr-TR" smtClean="0"/>
               <a:pPr/>
-              <a:t>25.3.2017</a:t>
+              <a:t>26.3.2017</a:t>
             </a:fld>
             <a:endParaRPr lang="tr-TR"/>
           </a:p>
@@ -376,6 +375,9 @@
   <p:clrMapOvr>
     <a:masterClrMapping/>
   </p:clrMapOvr>
+  <p:transition spd="med">
+    <p:pull/>
+  </p:transition>
 </p:sldLayout>
 </file>
 
@@ -487,7 +489,7 @@
             <a:fld id="{9215268A-ECED-40C2-BA3B-556FDB639813}" type="datetimeFigureOut">
               <a:rPr lang="tr-TR" smtClean="0"/>
               <a:pPr/>
-              <a:t>25.3.2017</a:t>
+              <a:t>26.3.2017</a:t>
             </a:fld>
             <a:endParaRPr lang="tr-TR"/>
           </a:p>
@@ -541,6 +543,9 @@
   <p:clrMapOvr>
     <a:masterClrMapping/>
   </p:clrMapOvr>
+  <p:transition spd="med">
+    <p:pull/>
+  </p:transition>
 </p:sldLayout>
 </file>
 
@@ -662,7 +667,7 @@
             <a:fld id="{9215268A-ECED-40C2-BA3B-556FDB639813}" type="datetimeFigureOut">
               <a:rPr lang="tr-TR" smtClean="0"/>
               <a:pPr/>
-              <a:t>25.3.2017</a:t>
+              <a:t>26.3.2017</a:t>
             </a:fld>
             <a:endParaRPr lang="tr-TR"/>
           </a:p>
@@ -716,6 +721,9 @@
   <p:clrMapOvr>
     <a:masterClrMapping/>
   </p:clrMapOvr>
+  <p:transition spd="med">
+    <p:pull/>
+  </p:transition>
 </p:sldLayout>
 </file>
 
@@ -827,7 +835,7 @@
             <a:fld id="{9215268A-ECED-40C2-BA3B-556FDB639813}" type="datetimeFigureOut">
               <a:rPr lang="tr-TR" smtClean="0"/>
               <a:pPr/>
-              <a:t>25.3.2017</a:t>
+              <a:t>26.3.2017</a:t>
             </a:fld>
             <a:endParaRPr lang="tr-TR"/>
           </a:p>
@@ -881,6 +889,9 @@
   <p:clrMapOvr>
     <a:masterClrMapping/>
   </p:clrMapOvr>
+  <p:transition spd="med">
+    <p:pull/>
+  </p:transition>
 </p:sldLayout>
 </file>
 
@@ -1069,7 +1080,7 @@
             <a:fld id="{9215268A-ECED-40C2-BA3B-556FDB639813}" type="datetimeFigureOut">
               <a:rPr lang="tr-TR" smtClean="0"/>
               <a:pPr/>
-              <a:t>25.3.2017</a:t>
+              <a:t>26.3.2017</a:t>
             </a:fld>
             <a:endParaRPr lang="tr-TR"/>
           </a:p>
@@ -1123,6 +1134,9 @@
   <p:clrMapOvr>
     <a:masterClrMapping/>
   </p:clrMapOvr>
+  <p:transition spd="med">
+    <p:pull/>
+  </p:transition>
 </p:sldLayout>
 </file>
 
@@ -1351,7 +1365,7 @@
             <a:fld id="{9215268A-ECED-40C2-BA3B-556FDB639813}" type="datetimeFigureOut">
               <a:rPr lang="tr-TR" smtClean="0"/>
               <a:pPr/>
-              <a:t>25.3.2017</a:t>
+              <a:t>26.3.2017</a:t>
             </a:fld>
             <a:endParaRPr lang="tr-TR"/>
           </a:p>
@@ -1405,6 +1419,9 @@
   <p:clrMapOvr>
     <a:masterClrMapping/>
   </p:clrMapOvr>
+  <p:transition spd="med">
+    <p:pull/>
+  </p:transition>
 </p:sldLayout>
 </file>
 
@@ -1767,7 +1784,7 @@
             <a:fld id="{9215268A-ECED-40C2-BA3B-556FDB639813}" type="datetimeFigureOut">
               <a:rPr lang="tr-TR" smtClean="0"/>
               <a:pPr/>
-              <a:t>25.3.2017</a:t>
+              <a:t>26.3.2017</a:t>
             </a:fld>
             <a:endParaRPr lang="tr-TR"/>
           </a:p>
@@ -1821,6 +1838,9 @@
   <p:clrMapOvr>
     <a:masterClrMapping/>
   </p:clrMapOvr>
+  <p:transition spd="med">
+    <p:pull/>
+  </p:transition>
 </p:sldLayout>
 </file>
 
@@ -1881,7 +1901,7 @@
             <a:fld id="{9215268A-ECED-40C2-BA3B-556FDB639813}" type="datetimeFigureOut">
               <a:rPr lang="tr-TR" smtClean="0"/>
               <a:pPr/>
-              <a:t>25.3.2017</a:t>
+              <a:t>26.3.2017</a:t>
             </a:fld>
             <a:endParaRPr lang="tr-TR"/>
           </a:p>
@@ -1935,6 +1955,9 @@
   <p:clrMapOvr>
     <a:masterClrMapping/>
   </p:clrMapOvr>
+  <p:transition spd="med">
+    <p:pull/>
+  </p:transition>
 </p:sldLayout>
 </file>
 
@@ -1973,7 +1996,7 @@
             <a:fld id="{9215268A-ECED-40C2-BA3B-556FDB639813}" type="datetimeFigureOut">
               <a:rPr lang="tr-TR" smtClean="0"/>
               <a:pPr/>
-              <a:t>25.3.2017</a:t>
+              <a:t>26.3.2017</a:t>
             </a:fld>
             <a:endParaRPr lang="tr-TR"/>
           </a:p>
@@ -2027,6 +2050,9 @@
   <p:clrMapOvr>
     <a:masterClrMapping/>
   </p:clrMapOvr>
+  <p:transition spd="med">
+    <p:pull/>
+  </p:transition>
 </p:sldLayout>
 </file>
 
@@ -2245,7 +2271,7 @@
             <a:fld id="{9215268A-ECED-40C2-BA3B-556FDB639813}" type="datetimeFigureOut">
               <a:rPr lang="tr-TR" smtClean="0"/>
               <a:pPr/>
-              <a:t>25.3.2017</a:t>
+              <a:t>26.3.2017</a:t>
             </a:fld>
             <a:endParaRPr lang="tr-TR"/>
           </a:p>
@@ -2299,6 +2325,9 @@
   <p:clrMapOvr>
     <a:masterClrMapping/>
   </p:clrMapOvr>
+  <p:transition spd="med">
+    <p:pull/>
+  </p:transition>
 </p:sldLayout>
 </file>
 
@@ -2494,7 +2523,7 @@
             <a:fld id="{9215268A-ECED-40C2-BA3B-556FDB639813}" type="datetimeFigureOut">
               <a:rPr lang="tr-TR" smtClean="0"/>
               <a:pPr/>
-              <a:t>25.3.2017</a:t>
+              <a:t>26.3.2017</a:t>
             </a:fld>
             <a:endParaRPr lang="tr-TR"/>
           </a:p>
@@ -2548,6 +2577,9 @@
   <p:clrMapOvr>
     <a:masterClrMapping/>
   </p:clrMapOvr>
+  <p:transition spd="med">
+    <p:pull/>
+  </p:transition>
 </p:sldLayout>
 </file>
 
@@ -2702,7 +2734,7 @@
             <a:fld id="{9215268A-ECED-40C2-BA3B-556FDB639813}" type="datetimeFigureOut">
               <a:rPr lang="tr-TR" smtClean="0"/>
               <a:pPr/>
-              <a:t>25.3.2017</a:t>
+              <a:t>26.3.2017</a:t>
             </a:fld>
             <a:endParaRPr lang="tr-TR"/>
           </a:p>
@@ -2803,6 +2835,9 @@
     <p:sldLayoutId id="2147483658" r:id="rId10"/>
     <p:sldLayoutId id="2147483659" r:id="rId11"/>
   </p:sldLayoutIdLst>
+  <p:transition spd="med">
+    <p:pull/>
+  </p:transition>
   <p:txStyles>
     <p:titleStyle>
       <a:lvl1pPr algn="ctr" defTabSz="914400" rtl="0" eaLnBrk="1" latinLnBrk="0" hangingPunct="1">
@@ -3189,6 +3224,9 @@
   <p:clrMapOvr>
     <a:masterClrMapping/>
   </p:clrMapOvr>
+  <p:transition spd="med">
+    <p:pull/>
+  </p:transition>
 </p:sld>
 </file>
 
@@ -4814,6 +4852,9 @@
   <p:clrMapOvr>
     <a:masterClrMapping/>
   </p:clrMapOvr>
+  <p:transition spd="med">
+    <p:pull/>
+  </p:transition>
 </p:sld>
 </file>
 
@@ -5074,6 +5115,9 @@
   <p:clrMapOvr>
     <a:masterClrMapping/>
   </p:clrMapOvr>
+  <p:transition spd="med">
+    <p:pull/>
+  </p:transition>
 </p:sld>
 </file>
 
@@ -5295,6 +5339,9 @@
   <p:clrMapOvr>
     <a:masterClrMapping/>
   </p:clrMapOvr>
+  <p:transition spd="med">
+    <p:pull/>
+  </p:transition>
 </p:sld>
 </file>
 
@@ -5428,7 +5475,39 @@
                 <a:ea typeface="Verdana" panose="020B0604030504040204" pitchFamily="34" charset="0"/>
                 <a:cs typeface="Verdana" panose="020B0604030504040204" pitchFamily="34" charset="0"/>
               </a:rPr>
-              <a:t>Analysis design and coding</a:t>
+              <a:t>Design </a:t>
+            </a:r>
+            <a:r>
+              <a:rPr lang="tr-TR" sz="1600" dirty="0" err="1">
+                <a:latin typeface="Verdana" panose="020B0604030504040204" pitchFamily="34" charset="0"/>
+                <a:ea typeface="Verdana" panose="020B0604030504040204" pitchFamily="34" charset="0"/>
+                <a:cs typeface="Verdana" panose="020B0604030504040204" pitchFamily="34" charset="0"/>
+              </a:rPr>
+              <a:t>analysis</a:t>
+            </a:r>
+            <a:r>
+              <a:rPr lang="tr-TR" sz="1600" dirty="0">
+                <a:latin typeface="Verdana" panose="020B0604030504040204" pitchFamily="34" charset="0"/>
+                <a:ea typeface="Verdana" panose="020B0604030504040204" pitchFamily="34" charset="0"/>
+                <a:cs typeface="Verdana" panose="020B0604030504040204" pitchFamily="34" charset="0"/>
+              </a:rPr>
+              <a:t> </a:t>
+            </a:r>
+            <a:r>
+              <a:rPr lang="tr-TR" sz="1600" dirty="0" err="1">
+                <a:latin typeface="Verdana" panose="020B0604030504040204" pitchFamily="34" charset="0"/>
+                <a:ea typeface="Verdana" panose="020B0604030504040204" pitchFamily="34" charset="0"/>
+                <a:cs typeface="Verdana" panose="020B0604030504040204" pitchFamily="34" charset="0"/>
+              </a:rPr>
+              <a:t>and</a:t>
+            </a:r>
+            <a:r>
+              <a:rPr lang="tr-TR" sz="1600" dirty="0">
+                <a:latin typeface="Verdana" panose="020B0604030504040204" pitchFamily="34" charset="0"/>
+                <a:ea typeface="Verdana" panose="020B0604030504040204" pitchFamily="34" charset="0"/>
+                <a:cs typeface="Verdana" panose="020B0604030504040204" pitchFamily="34" charset="0"/>
+              </a:rPr>
+              <a:t> coding</a:t>
             </a:r>
           </a:p>
           <a:p>
@@ -5756,338 +5835,13 @@
   <p:clrMapOvr>
     <a:masterClrMapping/>
   </p:clrMapOvr>
+  <p:transition spd="med">
+    <p:pull/>
+  </p:transition>
 </p:sld>
 </file>
 
 <file path=ppt/slides/slide14.xml><?xml version="1.0" encoding="utf-8"?>
-<p:sld xmlns:a="http://schemas.openxmlformats.org/drawingml/2006/main" xmlns:r="http://schemas.openxmlformats.org/officeDocument/2006/relationships" xmlns:p="http://schemas.openxmlformats.org/presentationml/2006/main">
-  <p:cSld>
-    <p:spTree>
-      <p:nvGrpSpPr>
-        <p:cNvPr id="1" name=""/>
-        <p:cNvGrpSpPr/>
-        <p:nvPr/>
-      </p:nvGrpSpPr>
-      <p:grpSpPr>
-        <a:xfrm>
-          <a:off x="0" y="0"/>
-          <a:ext cx="0" cy="0"/>
-          <a:chOff x="0" y="0"/>
-          <a:chExt cx="0" cy="0"/>
-        </a:xfrm>
-      </p:grpSpPr>
-      <p:sp>
-        <p:nvSpPr>
-          <p:cNvPr id="6" name="5 İçerik Yer Tutucusu"/>
-          <p:cNvSpPr>
-            <a:spLocks noGrp="1"/>
-          </p:cNvSpPr>
-          <p:nvPr>
-            <p:ph idx="1"/>
-          </p:nvPr>
-        </p:nvSpPr>
-        <p:spPr>
-          <a:xfrm>
-            <a:off x="539552" y="1556792"/>
-            <a:ext cx="8229600" cy="4392488"/>
-          </a:xfrm>
-        </p:spPr>
-        <p:txBody>
-          <a:bodyPr>
-            <a:noAutofit/>
-          </a:bodyPr>
-          <a:lstStyle/>
-          <a:p>
-            <a:pPr>
-              <a:buFont typeface="Wingdings" panose="05000000000000000000" pitchFamily="2" charset="2"/>
-              <a:buChar char="Ø"/>
-            </a:pPr>
-            <a:r>
-              <a:rPr lang="tr-TR" sz="2400" dirty="0">
-                <a:solidFill>
-                  <a:srgbClr val="002060"/>
-                </a:solidFill>
-                <a:latin typeface="Verdana" panose="020B0604030504040204" pitchFamily="34" charset="0"/>
-                <a:ea typeface="Verdana" panose="020B0604030504040204" pitchFamily="34" charset="0"/>
-                <a:cs typeface="Verdana" panose="020B0604030504040204" pitchFamily="34" charset="0"/>
-              </a:rPr>
-              <a:t>Planning</a:t>
-            </a:r>
-            <a:r>
-              <a:rPr lang="tr-TR" sz="2400" dirty="0">
-                <a:latin typeface="Verdana" panose="020B0604030504040204" pitchFamily="34" charset="0"/>
-                <a:ea typeface="Verdana" panose="020B0604030504040204" pitchFamily="34" charset="0"/>
-                <a:cs typeface="Verdana" panose="020B0604030504040204" pitchFamily="34" charset="0"/>
-              </a:rPr>
-              <a:t> :determining the requirements and alternative approaches</a:t>
-            </a:r>
-          </a:p>
-          <a:p>
-            <a:pPr>
-              <a:buFont typeface="Wingdings" panose="05000000000000000000" pitchFamily="2" charset="2"/>
-              <a:buChar char="Ø"/>
-            </a:pPr>
-            <a:r>
-              <a:rPr lang="tr-TR" sz="2400" dirty="0">
-                <a:solidFill>
-                  <a:srgbClr val="002060"/>
-                </a:solidFill>
-                <a:latin typeface="Verdana" panose="020B0604030504040204" pitchFamily="34" charset="0"/>
-                <a:ea typeface="Verdana" panose="020B0604030504040204" pitchFamily="34" charset="0"/>
-                <a:cs typeface="Verdana" panose="020B0604030504040204" pitchFamily="34" charset="0"/>
-              </a:rPr>
-              <a:t>Risk analysis </a:t>
-            </a:r>
-            <a:r>
-              <a:rPr lang="tr-TR" sz="2400" dirty="0">
-                <a:latin typeface="Verdana" panose="020B0604030504040204" pitchFamily="34" charset="0"/>
-                <a:ea typeface="Verdana" panose="020B0604030504040204" pitchFamily="34" charset="0"/>
-                <a:cs typeface="Verdana" panose="020B0604030504040204" pitchFamily="34" charset="0"/>
-              </a:rPr>
-              <a:t>:Alternative solution is examined,identfy the whole risk and produce a prototype</a:t>
-            </a:r>
-          </a:p>
-          <a:p>
-            <a:pPr>
-              <a:buFont typeface="Wingdings" panose="05000000000000000000" pitchFamily="2" charset="2"/>
-              <a:buChar char="Ø"/>
-            </a:pPr>
-            <a:r>
-              <a:rPr lang="tr-TR" sz="2400" dirty="0">
-                <a:solidFill>
-                  <a:srgbClr val="002060"/>
-                </a:solidFill>
-                <a:latin typeface="Verdana" panose="020B0604030504040204" pitchFamily="34" charset="0"/>
-                <a:ea typeface="Verdana" panose="020B0604030504040204" pitchFamily="34" charset="0"/>
-                <a:cs typeface="Verdana" panose="020B0604030504040204" pitchFamily="34" charset="0"/>
-              </a:rPr>
-              <a:t>Engineering</a:t>
-            </a:r>
-            <a:r>
-              <a:rPr lang="tr-TR" sz="2400" dirty="0">
-                <a:latin typeface="Verdana" panose="020B0604030504040204" pitchFamily="34" charset="0"/>
-                <a:ea typeface="Verdana" panose="020B0604030504040204" pitchFamily="34" charset="0"/>
-                <a:cs typeface="Verdana" panose="020B0604030504040204" pitchFamily="34" charset="0"/>
-              </a:rPr>
-              <a:t> : make a test and produce software</a:t>
-            </a:r>
-          </a:p>
-          <a:p>
-            <a:pPr>
-              <a:buFont typeface="Wingdings" panose="05000000000000000000" pitchFamily="2" charset="2"/>
-              <a:buChar char="Ø"/>
-            </a:pPr>
-            <a:r>
-              <a:rPr lang="tr-TR" sz="2400" dirty="0">
-                <a:solidFill>
-                  <a:srgbClr val="002060"/>
-                </a:solidFill>
-                <a:latin typeface="Verdana" panose="020B0604030504040204" pitchFamily="34" charset="0"/>
-                <a:ea typeface="Verdana" panose="020B0604030504040204" pitchFamily="34" charset="0"/>
-                <a:cs typeface="Verdana" panose="020B0604030504040204" pitchFamily="34" charset="0"/>
-              </a:rPr>
-              <a:t>Evaluation</a:t>
-            </a:r>
-            <a:r>
-              <a:rPr lang="tr-TR" sz="2400" dirty="0">
-                <a:latin typeface="Verdana" panose="020B0604030504040204" pitchFamily="34" charset="0"/>
-                <a:ea typeface="Verdana" panose="020B0604030504040204" pitchFamily="34" charset="0"/>
-                <a:cs typeface="Verdana" panose="020B0604030504040204" pitchFamily="34" charset="0"/>
-              </a:rPr>
-              <a:t> :Before entering the next spiral loop, </a:t>
-            </a:r>
-            <a:br>
-              <a:rPr lang="tr-TR" sz="2400" dirty="0">
-                <a:latin typeface="Verdana" panose="020B0604030504040204" pitchFamily="34" charset="0"/>
-                <a:ea typeface="Verdana" panose="020B0604030504040204" pitchFamily="34" charset="0"/>
-                <a:cs typeface="Verdana" panose="020B0604030504040204" pitchFamily="34" charset="0"/>
-              </a:rPr>
-            </a:br>
-            <a:r>
-              <a:rPr lang="tr-TR" sz="2400" dirty="0">
-                <a:latin typeface="Verdana" panose="020B0604030504040204" pitchFamily="34" charset="0"/>
-                <a:ea typeface="Verdana" panose="020B0604030504040204" pitchFamily="34" charset="0"/>
-                <a:cs typeface="Verdana" panose="020B0604030504040204" pitchFamily="34" charset="0"/>
-              </a:rPr>
-              <a:t>Previous project is evaluated </a:t>
-            </a:r>
-          </a:p>
-          <a:p>
-            <a:pPr>
-              <a:buFont typeface="Wingdings" panose="05000000000000000000" pitchFamily="2" charset="2"/>
-              <a:buChar char="Ø"/>
-            </a:pPr>
-            <a:endParaRPr lang="tr-TR" sz="2400" dirty="0">
-              <a:latin typeface="Verdana" panose="020B0604030504040204" pitchFamily="34" charset="0"/>
-              <a:ea typeface="Verdana" panose="020B0604030504040204" pitchFamily="34" charset="0"/>
-              <a:cs typeface="Verdana" panose="020B0604030504040204" pitchFamily="34" charset="0"/>
-            </a:endParaRPr>
-          </a:p>
-        </p:txBody>
-      </p:sp>
-      <p:sp>
-        <p:nvSpPr>
-          <p:cNvPr id="4" name="1 Başlık"/>
-          <p:cNvSpPr txBox="1">
-            <a:spLocks/>
-          </p:cNvSpPr>
-          <p:nvPr/>
-        </p:nvSpPr>
-        <p:spPr>
-          <a:xfrm>
-            <a:off x="0" y="0"/>
-            <a:ext cx="9144000" cy="1143000"/>
-          </a:xfrm>
-          <a:prstGeom prst="rect">
-            <a:avLst/>
-          </a:prstGeom>
-          <a:solidFill>
-            <a:srgbClr val="002060"/>
-          </a:solidFill>
-        </p:spPr>
-        <p:txBody>
-          <a:bodyPr vert="horz" lIns="91440" tIns="45720" rIns="91440" bIns="45720" rtlCol="0" anchor="ctr">
-            <a:normAutofit/>
-          </a:bodyPr>
-          <a:lstStyle>
-            <a:lvl1pPr algn="ctr" defTabSz="914400" rtl="0" eaLnBrk="1" latinLnBrk="0" hangingPunct="1">
-              <a:spcBef>
-                <a:spcPct val="0"/>
-              </a:spcBef>
-              <a:buNone/>
-              <a:defRPr sz="4400" kern="1200">
-                <a:solidFill>
-                  <a:schemeClr val="tx1"/>
-                </a:solidFill>
-                <a:latin typeface="+mj-lt"/>
-                <a:ea typeface="+mj-ea"/>
-                <a:cs typeface="+mj-cs"/>
-              </a:defRPr>
-            </a:lvl1pPr>
-          </a:lstStyle>
-          <a:p>
-            <a:r>
-              <a:rPr lang="tr-TR" sz="3600" dirty="0" err="1">
-                <a:solidFill>
-                  <a:schemeClr val="bg1"/>
-                </a:solidFill>
-                <a:latin typeface="Verdana" panose="020B0604030504040204" pitchFamily="34" charset="0"/>
-                <a:ea typeface="Verdana" panose="020B0604030504040204" pitchFamily="34" charset="0"/>
-                <a:cs typeface="Verdana" panose="020B0604030504040204" pitchFamily="34" charset="0"/>
-              </a:rPr>
-              <a:t>What</a:t>
-            </a:r>
-            <a:r>
-              <a:rPr lang="tr-TR" sz="3600" dirty="0">
-                <a:solidFill>
-                  <a:schemeClr val="bg1"/>
-                </a:solidFill>
-                <a:latin typeface="Verdana" panose="020B0604030504040204" pitchFamily="34" charset="0"/>
-                <a:ea typeface="Verdana" panose="020B0604030504040204" pitchFamily="34" charset="0"/>
-                <a:cs typeface="Verdana" panose="020B0604030504040204" pitchFamily="34" charset="0"/>
-              </a:rPr>
-              <a:t> do </a:t>
-            </a:r>
-            <a:r>
-              <a:rPr lang="tr-TR" sz="3600" dirty="0" err="1">
-                <a:solidFill>
-                  <a:schemeClr val="bg1"/>
-                </a:solidFill>
-                <a:latin typeface="Verdana" panose="020B0604030504040204" pitchFamily="34" charset="0"/>
-                <a:ea typeface="Verdana" panose="020B0604030504040204" pitchFamily="34" charset="0"/>
-                <a:cs typeface="Verdana" panose="020B0604030504040204" pitchFamily="34" charset="0"/>
-              </a:rPr>
-              <a:t>we</a:t>
-            </a:r>
-            <a:r>
-              <a:rPr lang="tr-TR" sz="3600" dirty="0">
-                <a:solidFill>
-                  <a:schemeClr val="bg1"/>
-                </a:solidFill>
-                <a:latin typeface="Verdana" panose="020B0604030504040204" pitchFamily="34" charset="0"/>
-                <a:ea typeface="Verdana" panose="020B0604030504040204" pitchFamily="34" charset="0"/>
-                <a:cs typeface="Verdana" panose="020B0604030504040204" pitchFamily="34" charset="0"/>
-              </a:rPr>
-              <a:t> </a:t>
-            </a:r>
-            <a:r>
-              <a:rPr lang="tr-TR" sz="3600" dirty="0" err="1">
-                <a:solidFill>
-                  <a:schemeClr val="bg1"/>
-                </a:solidFill>
-                <a:latin typeface="Verdana" panose="020B0604030504040204" pitchFamily="34" charset="0"/>
-                <a:ea typeface="Verdana" panose="020B0604030504040204" pitchFamily="34" charset="0"/>
-                <a:cs typeface="Verdana" panose="020B0604030504040204" pitchFamily="34" charset="0"/>
-              </a:rPr>
-              <a:t>know</a:t>
-            </a:r>
-            <a:r>
-              <a:rPr lang="tr-TR" sz="3600" dirty="0">
-                <a:solidFill>
-                  <a:schemeClr val="bg1"/>
-                </a:solidFill>
-                <a:latin typeface="Verdana" panose="020B0604030504040204" pitchFamily="34" charset="0"/>
-                <a:ea typeface="Verdana" panose="020B0604030504040204" pitchFamily="34" charset="0"/>
-                <a:cs typeface="Verdana" panose="020B0604030504040204" pitchFamily="34" charset="0"/>
-              </a:rPr>
-              <a:t> </a:t>
-            </a:r>
-            <a:r>
-              <a:rPr lang="tr-TR" sz="3600" dirty="0" err="1">
-                <a:solidFill>
-                  <a:schemeClr val="bg1"/>
-                </a:solidFill>
-                <a:latin typeface="Verdana" panose="020B0604030504040204" pitchFamily="34" charset="0"/>
-                <a:ea typeface="Verdana" panose="020B0604030504040204" pitchFamily="34" charset="0"/>
-                <a:cs typeface="Verdana" panose="020B0604030504040204" pitchFamily="34" charset="0"/>
-              </a:rPr>
-              <a:t>about</a:t>
-            </a:r>
-            <a:r>
-              <a:rPr lang="tr-TR" sz="3600" dirty="0">
-                <a:solidFill>
-                  <a:schemeClr val="bg1"/>
-                </a:solidFill>
-                <a:latin typeface="Verdana" panose="020B0604030504040204" pitchFamily="34" charset="0"/>
-                <a:ea typeface="Verdana" panose="020B0604030504040204" pitchFamily="34" charset="0"/>
-                <a:cs typeface="Verdana" panose="020B0604030504040204" pitchFamily="34" charset="0"/>
-              </a:rPr>
-              <a:t> 4 </a:t>
-            </a:r>
-            <a:r>
-              <a:rPr lang="tr-TR" sz="3600" dirty="0" err="1">
-                <a:solidFill>
-                  <a:schemeClr val="bg1"/>
-                </a:solidFill>
-                <a:latin typeface="Verdana" panose="020B0604030504040204" pitchFamily="34" charset="0"/>
-                <a:ea typeface="Verdana" panose="020B0604030504040204" pitchFamily="34" charset="0"/>
-                <a:cs typeface="Verdana" panose="020B0604030504040204" pitchFamily="34" charset="0"/>
-              </a:rPr>
-              <a:t>stages</a:t>
-            </a:r>
-            <a:r>
-              <a:rPr lang="tr-TR" sz="3600" dirty="0">
-                <a:solidFill>
-                  <a:schemeClr val="bg1"/>
-                </a:solidFill>
-                <a:latin typeface="Verdana" panose="020B0604030504040204" pitchFamily="34" charset="0"/>
-                <a:ea typeface="Verdana" panose="020B0604030504040204" pitchFamily="34" charset="0"/>
-                <a:cs typeface="Verdana" panose="020B0604030504040204" pitchFamily="34" charset="0"/>
-              </a:rPr>
-              <a:t>?</a:t>
-            </a:r>
-          </a:p>
-        </p:txBody>
-      </p:sp>
-    </p:spTree>
-  </p:cSld>
-  <p:clrMapOvr>
-    <a:masterClrMapping/>
-  </p:clrMapOvr>
-</p:sld>
-</file>
-
-<file path=ppt/slides/slide15.xml><?xml version="1.0" encoding="utf-8"?>
 <p:sld xmlns:a="http://schemas.openxmlformats.org/drawingml/2006/main" xmlns:r="http://schemas.openxmlformats.org/officeDocument/2006/relationships" xmlns:p="http://schemas.openxmlformats.org/presentationml/2006/main">
   <p:cSld>
     <p:spTree>
@@ -6148,7 +5902,7 @@
         </p:spPr>
         <p:txBody>
           <a:bodyPr>
-            <a:normAutofit/>
+            <a:normAutofit fontScale="92500"/>
           </a:bodyPr>
           <a:lstStyle/>
           <a:p>
@@ -6198,7 +5952,7 @@
                 <a:ea typeface="Verdana" panose="020B0604030504040204" pitchFamily="34" charset="0"/>
                 <a:cs typeface="Verdana" panose="020B0604030504040204" pitchFamily="34" charset="0"/>
               </a:rPr>
-              <a:t>Unfunctional</a:t>
+              <a:t>Non-functional</a:t>
             </a:r>
             <a:r>
               <a:rPr lang="tr-TR" sz="2000" dirty="0">
@@ -6242,7 +5996,7 @@
         </p:spPr>
         <p:txBody>
           <a:bodyPr>
-            <a:normAutofit/>
+            <a:normAutofit lnSpcReduction="10000"/>
           </a:bodyPr>
           <a:lstStyle/>
           <a:p>
@@ -6296,7 +6050,7 @@
                 <a:ea typeface="Verdana" panose="020B0604030504040204" pitchFamily="34" charset="0"/>
                 <a:cs typeface="Verdana" panose="020B0604030504040204" pitchFamily="34" charset="0"/>
               </a:rPr>
-              <a:t>login</a:t>
+              <a:t>Authentication</a:t>
             </a:r>
             <a:endParaRPr lang="tr-TR" sz="1800" dirty="0">
               <a:latin typeface="Verdana" panose="020B0604030504040204" pitchFamily="34" charset="0"/>
@@ -6315,7 +6069,7 @@
                 <a:ea typeface="Verdana" panose="020B0604030504040204" pitchFamily="34" charset="0"/>
                 <a:cs typeface="Verdana" panose="020B0604030504040204" pitchFamily="34" charset="0"/>
               </a:rPr>
-              <a:t>Fill</a:t>
+              <a:t>Filling</a:t>
             </a:r>
             <a:r>
               <a:rPr lang="tr-TR" sz="1800" dirty="0">
@@ -6414,7 +6168,7 @@
                 <a:ea typeface="Verdana" panose="020B0604030504040204" pitchFamily="34" charset="0"/>
                 <a:cs typeface="Verdana" panose="020B0604030504040204" pitchFamily="34" charset="0"/>
               </a:rPr>
-              <a:t>Monitor</a:t>
+              <a:t>Monitoring</a:t>
             </a:r>
             <a:r>
               <a:rPr lang="tr-TR" sz="1800" dirty="0">
@@ -6438,7 +6192,23 @@
                 <a:ea typeface="Verdana" panose="020B0604030504040204" pitchFamily="34" charset="0"/>
                 <a:cs typeface="Verdana" panose="020B0604030504040204" pitchFamily="34" charset="0"/>
               </a:rPr>
-              <a:t> organize User Information</a:t>
+              <a:t> </a:t>
+            </a:r>
+            <a:r>
+              <a:rPr lang="tr-TR" sz="1800" dirty="0" err="1">
+                <a:latin typeface="Verdana" panose="020B0604030504040204" pitchFamily="34" charset="0"/>
+                <a:ea typeface="Verdana" panose="020B0604030504040204" pitchFamily="34" charset="0"/>
+                <a:cs typeface="Verdana" panose="020B0604030504040204" pitchFamily="34" charset="0"/>
+              </a:rPr>
+              <a:t>organizing</a:t>
+            </a:r>
+            <a:r>
+              <a:rPr lang="tr-TR" sz="1800" dirty="0">
+                <a:latin typeface="Verdana" panose="020B0604030504040204" pitchFamily="34" charset="0"/>
+                <a:ea typeface="Verdana" panose="020B0604030504040204" pitchFamily="34" charset="0"/>
+                <a:cs typeface="Verdana" panose="020B0604030504040204" pitchFamily="34" charset="0"/>
+              </a:rPr>
+              <a:t> User Information</a:t>
             </a:r>
           </a:p>
           <a:p>
@@ -6447,20 +6217,12 @@
               <a:buChar char="Ø"/>
             </a:pPr>
             <a:r>
-              <a:rPr lang="tr-TR" sz="1800" dirty="0" err="1">
-                <a:latin typeface="Verdana" panose="020B0604030504040204" pitchFamily="34" charset="0"/>
-                <a:ea typeface="Verdana" panose="020B0604030504040204" pitchFamily="34" charset="0"/>
-                <a:cs typeface="Verdana" panose="020B0604030504040204" pitchFamily="34" charset="0"/>
-              </a:rPr>
-              <a:t>Use</a:t>
-            </a:r>
-            <a:r>
               <a:rPr lang="tr-TR" sz="1800" dirty="0">
                 <a:latin typeface="Verdana" panose="020B0604030504040204" pitchFamily="34" charset="0"/>
                 <a:ea typeface="Verdana" panose="020B0604030504040204" pitchFamily="34" charset="0"/>
                 <a:cs typeface="Verdana" panose="020B0604030504040204" pitchFamily="34" charset="0"/>
               </a:rPr>
-              <a:t> Chrome </a:t>
+              <a:t>Using Chrome </a:t>
             </a:r>
             <a:r>
               <a:rPr lang="tr-TR" sz="1800" dirty="0" err="1">
@@ -6553,14 +6315,11 @@
               </a:rPr>
               <a:t>website</a:t>
             </a:r>
-            <a:r>
-              <a:rPr lang="tr-TR" sz="1800" dirty="0">
-                <a:latin typeface="Verdana" panose="020B0604030504040204" pitchFamily="34" charset="0"/>
-                <a:ea typeface="Verdana" panose="020B0604030504040204" pitchFamily="34" charset="0"/>
-                <a:cs typeface="Verdana" panose="020B0604030504040204" pitchFamily="34" charset="0"/>
-              </a:rPr>
-              <a:t>.</a:t>
-            </a:r>
+            <a:endParaRPr lang="tr-TR" sz="1800" dirty="0">
+              <a:latin typeface="Verdana" panose="020B0604030504040204" pitchFamily="34" charset="0"/>
+              <a:ea typeface="Verdana" panose="020B0604030504040204" pitchFamily="34" charset="0"/>
+              <a:cs typeface="Verdana" panose="020B0604030504040204" pitchFamily="34" charset="0"/>
+            </a:endParaRPr>
           </a:p>
           <a:p>
             <a:pPr>
@@ -6568,13 +6327,66 @@
               <a:buChar char="Ø"/>
             </a:pPr>
             <a:r>
+              <a:rPr lang="tr-TR" sz="1800" dirty="0" err="1">
+                <a:latin typeface="Verdana" panose="020B0604030504040204" pitchFamily="34" charset="0"/>
+                <a:ea typeface="Verdana" panose="020B0604030504040204" pitchFamily="34" charset="0"/>
+                <a:cs typeface="Verdana" panose="020B0604030504040204" pitchFamily="34" charset="0"/>
+              </a:rPr>
+              <a:t>Testing</a:t>
+            </a:r>
+            <a:r>
               <a:rPr lang="tr-TR" sz="1800" dirty="0">
                 <a:latin typeface="Verdana" panose="020B0604030504040204" pitchFamily="34" charset="0"/>
                 <a:ea typeface="Verdana" panose="020B0604030504040204" pitchFamily="34" charset="0"/>
                 <a:cs typeface="Verdana" panose="020B0604030504040204" pitchFamily="34" charset="0"/>
               </a:rPr>
-              <a:t>Test</a:t>
-            </a:r>
+              <a:t> </a:t>
+            </a:r>
+            <a:r>
+              <a:rPr lang="tr-TR" sz="1800" dirty="0" err="1">
+                <a:latin typeface="Verdana" panose="020B0604030504040204" pitchFamily="34" charset="0"/>
+                <a:ea typeface="Verdana" panose="020B0604030504040204" pitchFamily="34" charset="0"/>
+                <a:cs typeface="Verdana" panose="020B0604030504040204" pitchFamily="34" charset="0"/>
+              </a:rPr>
+              <a:t>users</a:t>
+            </a:r>
+            <a:r>
+              <a:rPr lang="tr-TR" sz="1800" dirty="0">
+                <a:latin typeface="Verdana" panose="020B0604030504040204" pitchFamily="34" charset="0"/>
+                <a:ea typeface="Verdana" panose="020B0604030504040204" pitchFamily="34" charset="0"/>
+                <a:cs typeface="Verdana" panose="020B0604030504040204" pitchFamily="34" charset="0"/>
+              </a:rPr>
+              <a:t> </a:t>
+            </a:r>
+            <a:r>
+              <a:rPr lang="tr-TR" sz="1800" dirty="0" err="1">
+                <a:latin typeface="Verdana" panose="020B0604030504040204" pitchFamily="34" charset="0"/>
+                <a:ea typeface="Verdana" panose="020B0604030504040204" pitchFamily="34" charset="0"/>
+                <a:cs typeface="Verdana" panose="020B0604030504040204" pitchFamily="34" charset="0"/>
+              </a:rPr>
+              <a:t>shopping</a:t>
+            </a:r>
+            <a:r>
+              <a:rPr lang="tr-TR" sz="1800" dirty="0">
+                <a:latin typeface="Verdana" panose="020B0604030504040204" pitchFamily="34" charset="0"/>
+                <a:ea typeface="Verdana" panose="020B0604030504040204" pitchFamily="34" charset="0"/>
+                <a:cs typeface="Verdana" panose="020B0604030504040204" pitchFamily="34" charset="0"/>
+              </a:rPr>
+              <a:t> </a:t>
+            </a:r>
+            <a:r>
+              <a:rPr lang="tr-TR" sz="1800" dirty="0" err="1">
+                <a:latin typeface="Verdana" panose="020B0604030504040204" pitchFamily="34" charset="0"/>
+                <a:ea typeface="Verdana" panose="020B0604030504040204" pitchFamily="34" charset="0"/>
+                <a:cs typeface="Verdana" panose="020B0604030504040204" pitchFamily="34" charset="0"/>
+              </a:rPr>
+              <a:t>behaviors</a:t>
+            </a:r>
+            <a:endParaRPr lang="tr-TR" sz="1800" dirty="0">
+              <a:latin typeface="Verdana" panose="020B0604030504040204" pitchFamily="34" charset="0"/>
+              <a:ea typeface="Verdana" panose="020B0604030504040204" pitchFamily="34" charset="0"/>
+              <a:cs typeface="Verdana" panose="020B0604030504040204" pitchFamily="34" charset="0"/>
+            </a:endParaRPr>
           </a:p>
           <a:p>
             <a:pPr>
@@ -6587,7 +6399,7 @@
                 <a:ea typeface="Verdana" panose="020B0604030504040204" pitchFamily="34" charset="0"/>
                 <a:cs typeface="Verdana" panose="020B0604030504040204" pitchFamily="34" charset="0"/>
               </a:rPr>
-              <a:t>Give</a:t>
+              <a:t>Giving</a:t>
             </a:r>
             <a:r>
               <a:rPr lang="tr-TR" sz="1800" dirty="0">
@@ -6605,11 +6417,14 @@
               </a:rPr>
               <a:t>advice</a:t>
             </a:r>
-            <a:endParaRPr lang="tr-TR" sz="1800" dirty="0">
-              <a:latin typeface="Verdana" panose="020B0604030504040204" pitchFamily="34" charset="0"/>
-              <a:ea typeface="Verdana" panose="020B0604030504040204" pitchFamily="34" charset="0"/>
-              <a:cs typeface="Verdana" panose="020B0604030504040204" pitchFamily="34" charset="0"/>
-            </a:endParaRPr>
+            <a:r>
+              <a:rPr lang="tr-TR" sz="1800" dirty="0">
+                <a:latin typeface="Verdana" panose="020B0604030504040204" pitchFamily="34" charset="0"/>
+                <a:ea typeface="Verdana" panose="020B0604030504040204" pitchFamily="34" charset="0"/>
+                <a:cs typeface="Verdana" panose="020B0604030504040204" pitchFamily="34" charset="0"/>
+              </a:rPr>
+              <a:t> </a:t>
+            </a:r>
           </a:p>
           <a:p>
             <a:pPr>
@@ -6862,10 +6677,13 @@
   <p:clrMapOvr>
     <a:masterClrMapping/>
   </p:clrMapOvr>
+  <p:transition spd="med">
+    <p:pull/>
+  </p:transition>
 </p:sld>
 </file>
 
-<file path=ppt/slides/slide16.xml><?xml version="1.0" encoding="utf-8"?>
+<file path=ppt/slides/slide15.xml><?xml version="1.0" encoding="utf-8"?>
 <p:sld xmlns:a="http://schemas.openxmlformats.org/drawingml/2006/main" xmlns:r="http://schemas.openxmlformats.org/officeDocument/2006/relationships" xmlns:p="http://schemas.openxmlformats.org/presentationml/2006/main">
   <p:cSld>
     <p:spTree>
@@ -7021,7 +6839,7 @@
                 <a:ea typeface="Verdana" panose="020B0604030504040204" pitchFamily="34" charset="0"/>
                 <a:cs typeface="Verdana" panose="020B0604030504040204" pitchFamily="34" charset="0"/>
               </a:rPr>
-              <a:t>Creating a Web Service </a:t>
+              <a:t>Creating Chrome Extension</a:t>
             </a:r>
           </a:p>
           <a:p>
@@ -7035,8 +6853,18 @@
                 <a:ea typeface="Verdana" panose="020B0604030504040204" pitchFamily="34" charset="0"/>
                 <a:cs typeface="Verdana" panose="020B0604030504040204" pitchFamily="34" charset="0"/>
               </a:rPr>
-              <a:t>Creating Chrome Extension</a:t>
-            </a:r>
+              <a:t>Creating a Web Service </a:t>
+            </a:r>
+          </a:p>
+          <a:p>
+            <a:pPr marL="0" indent="0">
+              <a:buNone/>
+            </a:pPr>
+            <a:endParaRPr lang="tr-TR" sz="2400" dirty="0">
+              <a:latin typeface="Verdana" panose="020B0604030504040204" pitchFamily="34" charset="0"/>
+              <a:ea typeface="Verdana" panose="020B0604030504040204" pitchFamily="34" charset="0"/>
+              <a:cs typeface="Verdana" panose="020B0604030504040204" pitchFamily="34" charset="0"/>
+            </a:endParaRPr>
           </a:p>
           <a:p>
             <a:pPr marL="0" indent="0">
@@ -7069,7 +6897,51 @@
                 <a:ea typeface="Verdana" panose="020B0604030504040204" pitchFamily="34" charset="0"/>
                 <a:cs typeface="Verdana" panose="020B0604030504040204" pitchFamily="34" charset="0"/>
               </a:rPr>
-              <a:t>Which development tools do </a:t>
+              <a:t>Which </a:t>
+            </a:r>
+            <a:r>
+              <a:rPr lang="tr-TR" sz="2400" dirty="0" err="1">
+                <a:solidFill>
+                  <a:srgbClr val="FF0000"/>
+                </a:solidFill>
+                <a:latin typeface="Verdana" panose="020B0604030504040204" pitchFamily="34" charset="0"/>
+                <a:ea typeface="Verdana" panose="020B0604030504040204" pitchFamily="34" charset="0"/>
+                <a:cs typeface="Verdana" panose="020B0604030504040204" pitchFamily="34" charset="0"/>
+              </a:rPr>
+              <a:t>development</a:t>
+            </a:r>
+            <a:r>
+              <a:rPr lang="tr-TR" sz="2400" dirty="0">
+                <a:solidFill>
+                  <a:srgbClr val="FF0000"/>
+                </a:solidFill>
+                <a:latin typeface="Verdana" panose="020B0604030504040204" pitchFamily="34" charset="0"/>
+                <a:ea typeface="Verdana" panose="020B0604030504040204" pitchFamily="34" charset="0"/>
+                <a:cs typeface="Verdana" panose="020B0604030504040204" pitchFamily="34" charset="0"/>
+              </a:rPr>
+              <a:t> </a:t>
+            </a:r>
+            <a:r>
+              <a:rPr lang="tr-TR" sz="2400" dirty="0" err="1">
+                <a:solidFill>
+                  <a:srgbClr val="FF0000"/>
+                </a:solidFill>
+                <a:latin typeface="Verdana" panose="020B0604030504040204" pitchFamily="34" charset="0"/>
+                <a:ea typeface="Verdana" panose="020B0604030504040204" pitchFamily="34" charset="0"/>
+                <a:cs typeface="Verdana" panose="020B0604030504040204" pitchFamily="34" charset="0"/>
+              </a:rPr>
+              <a:t>tools</a:t>
+            </a:r>
+            <a:r>
+              <a:rPr lang="tr-TR" sz="2400" dirty="0">
+                <a:solidFill>
+                  <a:srgbClr val="FF0000"/>
+                </a:solidFill>
+                <a:latin typeface="Verdana" panose="020B0604030504040204" pitchFamily="34" charset="0"/>
+                <a:ea typeface="Verdana" panose="020B0604030504040204" pitchFamily="34" charset="0"/>
+                <a:cs typeface="Verdana" panose="020B0604030504040204" pitchFamily="34" charset="0"/>
+              </a:rPr>
+              <a:t> </a:t>
             </a:r>
             <a:r>
               <a:rPr lang="tr-TR" sz="2400" dirty="0" err="1">
@@ -7204,10 +7076,13 @@
   <p:clrMapOvr>
     <a:masterClrMapping/>
   </p:clrMapOvr>
+  <p:transition spd="med">
+    <p:pull/>
+  </p:transition>
 </p:sld>
 </file>
 
-<file path=ppt/slides/slide17.xml><?xml version="1.0" encoding="utf-8"?>
+<file path=ppt/slides/slide16.xml><?xml version="1.0" encoding="utf-8"?>
 <p:sld xmlns:a="http://schemas.openxmlformats.org/drawingml/2006/main" xmlns:r="http://schemas.openxmlformats.org/officeDocument/2006/relationships" xmlns:p="http://schemas.openxmlformats.org/presentationml/2006/main">
   <p:cSld>
     <p:spTree>
@@ -7427,10 +7302,13 @@
   <p:clrMapOvr>
     <a:masterClrMapping/>
   </p:clrMapOvr>
+  <p:transition spd="med">
+    <p:pull/>
+  </p:transition>
 </p:sld>
 </file>
 
-<file path=ppt/slides/slide18.xml><?xml version="1.0" encoding="utf-8"?>
+<file path=ppt/slides/slide17.xml><?xml version="1.0" encoding="utf-8"?>
 <p:sld xmlns:a="http://schemas.openxmlformats.org/drawingml/2006/main" xmlns:r="http://schemas.openxmlformats.org/officeDocument/2006/relationships" xmlns:p="http://schemas.openxmlformats.org/presentationml/2006/main">
   <p:cSld>
     <p:spTree>
@@ -7575,10 +7453,13 @@
   <p:clrMapOvr>
     <a:masterClrMapping/>
   </p:clrMapOvr>
+  <p:transition spd="med">
+    <p:pull/>
+  </p:transition>
 </p:sld>
 </file>
 
-<file path=ppt/slides/slide19.xml><?xml version="1.0" encoding="utf-8"?>
+<file path=ppt/slides/slide18.xml><?xml version="1.0" encoding="utf-8"?>
 <p:sld xmlns:a="http://schemas.openxmlformats.org/drawingml/2006/main" xmlns:r="http://schemas.openxmlformats.org/officeDocument/2006/relationships" xmlns:p="http://schemas.openxmlformats.org/presentationml/2006/main">
   <p:cSld>
     <p:spTree>
@@ -7740,120 +7621,13 @@
   <p:clrMapOvr>
     <a:masterClrMapping/>
   </p:clrMapOvr>
+  <p:transition spd="med">
+    <p:pull/>
+  </p:transition>
 </p:sld>
 </file>
 
-<file path=ppt/slides/slide2.xml><?xml version="1.0" encoding="utf-8"?>
-<p:sld xmlns:a="http://schemas.openxmlformats.org/drawingml/2006/main" xmlns:r="http://schemas.openxmlformats.org/officeDocument/2006/relationships" xmlns:p="http://schemas.openxmlformats.org/presentationml/2006/main">
-  <p:cSld>
-    <p:spTree>
-      <p:nvGrpSpPr>
-        <p:cNvPr id="1" name=""/>
-        <p:cNvGrpSpPr/>
-        <p:nvPr/>
-      </p:nvGrpSpPr>
-      <p:grpSpPr>
-        <a:xfrm>
-          <a:off x="0" y="0"/>
-          <a:ext cx="0" cy="0"/>
-          <a:chOff x="0" y="0"/>
-          <a:chExt cx="0" cy="0"/>
-        </a:xfrm>
-      </p:grpSpPr>
-      <p:sp>
-        <p:nvSpPr>
-          <p:cNvPr id="2" name="1 Başlık"/>
-          <p:cNvSpPr>
-            <a:spLocks noGrp="1"/>
-          </p:cNvSpPr>
-          <p:nvPr>
-            <p:ph type="title"/>
-          </p:nvPr>
-        </p:nvSpPr>
-        <p:spPr>
-          <a:xfrm>
-            <a:off x="0" y="0"/>
-            <a:ext cx="9144000" cy="1143000"/>
-          </a:xfrm>
-          <a:solidFill>
-            <a:srgbClr val="002060"/>
-          </a:solidFill>
-        </p:spPr>
-        <p:txBody>
-          <a:bodyPr>
-            <a:normAutofit/>
-          </a:bodyPr>
-          <a:lstStyle/>
-          <a:p>
-            <a:r>
-              <a:rPr lang="tr-TR" sz="4000" dirty="0">
-                <a:solidFill>
-                  <a:schemeClr val="bg1"/>
-                </a:solidFill>
-                <a:latin typeface="Verdana" panose="020B0604030504040204" pitchFamily="34" charset="0"/>
-                <a:ea typeface="Verdana" panose="020B0604030504040204" pitchFamily="34" charset="0"/>
-                <a:cs typeface="Verdana" panose="020B0604030504040204" pitchFamily="34" charset="0"/>
-              </a:rPr>
-              <a:t>What is the economic crisis?</a:t>
-            </a:r>
-          </a:p>
-        </p:txBody>
-      </p:sp>
-      <p:sp>
-        <p:nvSpPr>
-          <p:cNvPr id="3" name="2 İçerik Yer Tutucusu"/>
-          <p:cNvSpPr>
-            <a:spLocks noGrp="1"/>
-          </p:cNvSpPr>
-          <p:nvPr>
-            <p:ph idx="1"/>
-          </p:nvPr>
-        </p:nvSpPr>
-        <p:spPr>
-          <a:xfrm>
-            <a:off x="0" y="2852936"/>
-            <a:ext cx="9144000" cy="1714512"/>
-          </a:xfrm>
-        </p:spPr>
-        <p:txBody>
-          <a:bodyPr>
-            <a:normAutofit/>
-          </a:bodyPr>
-          <a:lstStyle/>
-          <a:p>
-            <a:pPr marL="0" indent="0" algn="ctr">
-              <a:buNone/>
-            </a:pPr>
-            <a:r>
-              <a:rPr lang="tr-TR" dirty="0">
-                <a:latin typeface="Verdana" panose="020B0604030504040204" pitchFamily="34" charset="0"/>
-                <a:ea typeface="Verdana" panose="020B0604030504040204" pitchFamily="34" charset="0"/>
-                <a:cs typeface="Verdana" panose="020B0604030504040204" pitchFamily="34" charset="0"/>
-              </a:rPr>
-              <a:t>A situation in which the economy of country experiences a sudden downturn brought on by a financial crisis</a:t>
-            </a:r>
-          </a:p>
-          <a:p>
-            <a:pPr>
-              <a:buNone/>
-            </a:pPr>
-            <a:endParaRPr lang="tr-TR" dirty="0">
-              <a:latin typeface="Verdana" panose="020B0604030504040204" pitchFamily="34" charset="0"/>
-              <a:ea typeface="Verdana" panose="020B0604030504040204" pitchFamily="34" charset="0"/>
-              <a:cs typeface="Verdana" panose="020B0604030504040204" pitchFamily="34" charset="0"/>
-            </a:endParaRPr>
-          </a:p>
-        </p:txBody>
-      </p:sp>
-    </p:spTree>
-  </p:cSld>
-  <p:clrMapOvr>
-    <a:masterClrMapping/>
-  </p:clrMapOvr>
-</p:sld>
-</file>
-
-<file path=ppt/slides/slide20.xml><?xml version="1.0" encoding="utf-8"?>
+<file path=ppt/slides/slide19.xml><?xml version="1.0" encoding="utf-8"?>
 <p:sld xmlns:a="http://schemas.openxmlformats.org/drawingml/2006/main" xmlns:r="http://schemas.openxmlformats.org/officeDocument/2006/relationships" xmlns:p="http://schemas.openxmlformats.org/presentationml/2006/main">
   <p:cSld>
     <p:spTree>
@@ -7920,7 +7694,7 @@
                 <a:ea typeface="Verdana" panose="020B0604030504040204" pitchFamily="34" charset="0"/>
                 <a:cs typeface="Verdana" panose="020B0604030504040204" pitchFamily="34" charset="0"/>
               </a:rPr>
-              <a:t>THANK YOU FOR LISTENING</a:t>
+              <a:t>THANKS FOR LISTENING</a:t>
             </a:r>
           </a:p>
           <a:p>
@@ -7978,7 +7752,7 @@
                 <a:ea typeface="Verdana" panose="020B0604030504040204" pitchFamily="34" charset="0"/>
                 <a:cs typeface="Verdana" panose="020B0604030504040204" pitchFamily="34" charset="0"/>
               </a:rPr>
-              <a:t>Hakan YILDIZ – Okan OZTABAN</a:t>
+              <a:t>Hakan YILDIZ – Okan ÖZTABAN</a:t>
             </a:r>
           </a:p>
         </p:txBody>
@@ -7988,6 +7762,122 @@
   <p:clrMapOvr>
     <a:masterClrMapping/>
   </p:clrMapOvr>
+  <p:transition spd="med">
+    <p:pull/>
+  </p:transition>
+</p:sld>
+</file>
+
+<file path=ppt/slides/slide2.xml><?xml version="1.0" encoding="utf-8"?>
+<p:sld xmlns:a="http://schemas.openxmlformats.org/drawingml/2006/main" xmlns:r="http://schemas.openxmlformats.org/officeDocument/2006/relationships" xmlns:p="http://schemas.openxmlformats.org/presentationml/2006/main">
+  <p:cSld>
+    <p:spTree>
+      <p:nvGrpSpPr>
+        <p:cNvPr id="1" name=""/>
+        <p:cNvGrpSpPr/>
+        <p:nvPr/>
+      </p:nvGrpSpPr>
+      <p:grpSpPr>
+        <a:xfrm>
+          <a:off x="0" y="0"/>
+          <a:ext cx="0" cy="0"/>
+          <a:chOff x="0" y="0"/>
+          <a:chExt cx="0" cy="0"/>
+        </a:xfrm>
+      </p:grpSpPr>
+      <p:sp>
+        <p:nvSpPr>
+          <p:cNvPr id="2" name="1 Başlık"/>
+          <p:cNvSpPr>
+            <a:spLocks noGrp="1"/>
+          </p:cNvSpPr>
+          <p:nvPr>
+            <p:ph type="title"/>
+          </p:nvPr>
+        </p:nvSpPr>
+        <p:spPr>
+          <a:xfrm>
+            <a:off x="0" y="0"/>
+            <a:ext cx="9144000" cy="1143000"/>
+          </a:xfrm>
+          <a:solidFill>
+            <a:srgbClr val="002060"/>
+          </a:solidFill>
+        </p:spPr>
+        <p:txBody>
+          <a:bodyPr>
+            <a:normAutofit/>
+          </a:bodyPr>
+          <a:lstStyle/>
+          <a:p>
+            <a:r>
+              <a:rPr lang="tr-TR" sz="4000" dirty="0">
+                <a:solidFill>
+                  <a:schemeClr val="bg1"/>
+                </a:solidFill>
+                <a:latin typeface="Verdana" panose="020B0604030504040204" pitchFamily="34" charset="0"/>
+                <a:ea typeface="Verdana" panose="020B0604030504040204" pitchFamily="34" charset="0"/>
+                <a:cs typeface="Verdana" panose="020B0604030504040204" pitchFamily="34" charset="0"/>
+              </a:rPr>
+              <a:t>What is the economic crisis?</a:t>
+            </a:r>
+          </a:p>
+        </p:txBody>
+      </p:sp>
+      <p:sp>
+        <p:nvSpPr>
+          <p:cNvPr id="3" name="2 İçerik Yer Tutucusu"/>
+          <p:cNvSpPr>
+            <a:spLocks noGrp="1"/>
+          </p:cNvSpPr>
+          <p:nvPr>
+            <p:ph idx="1"/>
+          </p:nvPr>
+        </p:nvSpPr>
+        <p:spPr>
+          <a:xfrm>
+            <a:off x="0" y="2852936"/>
+            <a:ext cx="9144000" cy="1714512"/>
+          </a:xfrm>
+        </p:spPr>
+        <p:txBody>
+          <a:bodyPr>
+            <a:normAutofit/>
+          </a:bodyPr>
+          <a:lstStyle/>
+          <a:p>
+            <a:pPr marL="0" indent="0" algn="ctr">
+              <a:buNone/>
+            </a:pPr>
+            <a:r>
+              <a:rPr lang="tr-TR" dirty="0">
+                <a:latin typeface="Verdana" panose="020B0604030504040204" pitchFamily="34" charset="0"/>
+                <a:ea typeface="Verdana" panose="020B0604030504040204" pitchFamily="34" charset="0"/>
+                <a:cs typeface="Verdana" panose="020B0604030504040204" pitchFamily="34" charset="0"/>
+              </a:rPr>
+              <a:t>A situation in which the economy of country experiences a sudden downturn brought on by a financial crisis</a:t>
+            </a:r>
+          </a:p>
+          <a:p>
+            <a:pPr>
+              <a:buNone/>
+            </a:pPr>
+            <a:endParaRPr lang="tr-TR" dirty="0">
+              <a:latin typeface="Verdana" panose="020B0604030504040204" pitchFamily="34" charset="0"/>
+              <a:ea typeface="Verdana" panose="020B0604030504040204" pitchFamily="34" charset="0"/>
+              <a:cs typeface="Verdana" panose="020B0604030504040204" pitchFamily="34" charset="0"/>
+            </a:endParaRPr>
+          </a:p>
+        </p:txBody>
+      </p:sp>
+    </p:spTree>
+  </p:cSld>
+  <p:clrMapOvr>
+    <a:masterClrMapping/>
+  </p:clrMapOvr>
+  <p:transition spd="med">
+    <p:pull/>
+  </p:transition>
 </p:sld>
 </file>
 
@@ -8339,6 +8229,9 @@
   <p:clrMapOvr>
     <a:masterClrMapping/>
   </p:clrMapOvr>
+  <p:transition spd="med">
+    <p:pull/>
+  </p:transition>
 </p:sld>
 </file>
 
@@ -8815,6 +8708,9 @@
   <p:clrMapOvr>
     <a:masterClrMapping/>
   </p:clrMapOvr>
+  <p:transition spd="med">
+    <p:pull/>
+  </p:transition>
 </p:sld>
 </file>
 
@@ -10009,6 +9905,9 @@
   <p:clrMapOvr>
     <a:masterClrMapping/>
   </p:clrMapOvr>
+  <p:transition spd="med">
+    <p:pull/>
+  </p:transition>
 </p:sld>
 </file>
 
@@ -10320,23 +10219,7 @@
                 <a:ea typeface="Verdana" panose="020B0604030504040204" pitchFamily="34" charset="0"/>
                 <a:cs typeface="Verdana" panose="020B0604030504040204" pitchFamily="34" charset="0"/>
               </a:rPr>
-              <a:t> </a:t>
-            </a:r>
-            <a:r>
-              <a:rPr lang="tr-TR" sz="2400" dirty="0" err="1">
-                <a:latin typeface="Verdana" panose="020B0604030504040204" pitchFamily="34" charset="0"/>
-                <a:ea typeface="Verdana" panose="020B0604030504040204" pitchFamily="34" charset="0"/>
-                <a:cs typeface="Verdana" panose="020B0604030504040204" pitchFamily="34" charset="0"/>
-              </a:rPr>
-              <a:t>for</a:t>
-            </a:r>
-            <a:r>
-              <a:rPr lang="tr-TR" sz="2400" dirty="0">
-                <a:latin typeface="Verdana" panose="020B0604030504040204" pitchFamily="34" charset="0"/>
-                <a:ea typeface="Verdana" panose="020B0604030504040204" pitchFamily="34" charset="0"/>
-                <a:cs typeface="Verdana" panose="020B0604030504040204" pitchFamily="34" charset="0"/>
-              </a:rPr>
-              <a:t> Economic Crisis?</a:t>
+              <a:t> of Economic Crisis?</a:t>
             </a:r>
           </a:p>
           <a:p>
@@ -10562,6 +10445,9 @@
   <p:clrMapOvr>
     <a:masterClrMapping/>
   </p:clrMapOvr>
+  <p:transition spd="med">
+    <p:pull/>
+  </p:transition>
 </p:sld>
 </file>
 
@@ -10622,7 +10508,7 @@
         </p:spPr>
         <p:txBody>
           <a:bodyPr>
-            <a:normAutofit lnSpcReduction="10000"/>
+            <a:normAutofit fontScale="92500" lnSpcReduction="10000"/>
           </a:bodyPr>
           <a:lstStyle/>
           <a:p>
@@ -10740,7 +10626,39 @@
                 <a:ea typeface="Verdana" panose="020B0604030504040204" pitchFamily="34" charset="0"/>
                 <a:cs typeface="Verdana" panose="020B0604030504040204" pitchFamily="34" charset="0"/>
               </a:rPr>
-              <a:t> is a financial crisis in which individuals who is living in that country, are unbalanced spending and overtaking extremly borrowing </a:t>
+              <a:t> is a financial crisis in which individuals who is living in that country, are unbalanced spending and </a:t>
+            </a:r>
+            <a:r>
+              <a:rPr lang="tr-TR" sz="2800" dirty="0" err="1">
+                <a:latin typeface="Verdana" panose="020B0604030504040204" pitchFamily="34" charset="0"/>
+                <a:ea typeface="Verdana" panose="020B0604030504040204" pitchFamily="34" charset="0"/>
+                <a:cs typeface="Verdana" panose="020B0604030504040204" pitchFamily="34" charset="0"/>
+              </a:rPr>
+              <a:t>overtaking</a:t>
+            </a:r>
+            <a:r>
+              <a:rPr lang="tr-TR" sz="2800" dirty="0">
+                <a:latin typeface="Verdana" panose="020B0604030504040204" pitchFamily="34" charset="0"/>
+                <a:ea typeface="Verdana" panose="020B0604030504040204" pitchFamily="34" charset="0"/>
+                <a:cs typeface="Verdana" panose="020B0604030504040204" pitchFamily="34" charset="0"/>
+              </a:rPr>
+              <a:t> </a:t>
+            </a:r>
+            <a:r>
+              <a:rPr lang="tr-TR" sz="2800" dirty="0" err="1">
+                <a:latin typeface="Verdana" panose="020B0604030504040204" pitchFamily="34" charset="0"/>
+                <a:ea typeface="Verdana" panose="020B0604030504040204" pitchFamily="34" charset="0"/>
+                <a:cs typeface="Verdana" panose="020B0604030504040204" pitchFamily="34" charset="0"/>
+              </a:rPr>
+              <a:t>extremely</a:t>
+            </a:r>
+            <a:r>
+              <a:rPr lang="tr-TR" sz="2800" dirty="0">
+                <a:latin typeface="Verdana" panose="020B0604030504040204" pitchFamily="34" charset="0"/>
+                <a:ea typeface="Verdana" panose="020B0604030504040204" pitchFamily="34" charset="0"/>
+                <a:cs typeface="Verdana" panose="020B0604030504040204" pitchFamily="34" charset="0"/>
+              </a:rPr>
+              <a:t> borrowing </a:t>
             </a:r>
           </a:p>
           <a:p>
@@ -10876,6 +10794,9 @@
   <p:clrMapOvr>
     <a:masterClrMapping/>
   </p:clrMapOvr>
+  <p:transition spd="med">
+    <p:pull/>
+  </p:transition>
 </p:sld>
 </file>
 
@@ -11694,7 +11615,7 @@
       </p:graphicFrame>
       <p:pic>
         <p:nvPicPr>
-          <p:cNvPr id="13" name="Resim 12"/>
+          <p:cNvPr id="2" name="Resim 1"/>
           <p:cNvPicPr>
             <a:picLocks noChangeAspect="1"/>
           </p:cNvPicPr>
@@ -11714,8 +11635,8 @@
         </p:blipFill>
         <p:spPr>
           <a:xfrm>
-            <a:off x="3846089" y="1844824"/>
-            <a:ext cx="5298904" cy="3235864"/>
+            <a:off x="3707905" y="1544230"/>
+            <a:ext cx="5400600" cy="3612962"/>
           </a:xfrm>
           <a:prstGeom prst="rect">
             <a:avLst/>
@@ -11727,6 +11648,9 @@
   <p:clrMapOvr>
     <a:masterClrMapping/>
   </p:clrMapOvr>
+  <p:transition spd="med">
+    <p:pull/>
+  </p:transition>
 </p:sld>
 </file>
 
@@ -26909,6 +26833,9 @@
   <p:clrMapOvr>
     <a:masterClrMapping/>
   </p:clrMapOvr>
+  <p:transition spd="med">
+    <p:pull/>
+  </p:transition>
 </p:sld>
 </file>
 

--- a/Documents/DUYARLIOL.pptx
+++ b/Documents/DUYARLIOL.pptx
@@ -4,6 +4,9 @@
   <p:sldMasterIdLst>
     <p:sldMasterId id="2147483648" r:id="rId1"/>
   </p:sldMasterIdLst>
+  <p:notesMasterIdLst>
+    <p:notesMasterId r:id="rId21"/>
+  </p:notesMasterIdLst>
   <p:sldIdLst>
     <p:sldId id="256" r:id="rId2"/>
     <p:sldId id="258" r:id="rId3"/>
@@ -141,6 +144,440 @@
 </p:presentation>
 </file>
 
+<file path=ppt/notesMasters/notesMaster1.xml><?xml version="1.0" encoding="utf-8"?>
+<p:notesMaster xmlns:a="http://schemas.openxmlformats.org/drawingml/2006/main" xmlns:r="http://schemas.openxmlformats.org/officeDocument/2006/relationships" xmlns:p="http://schemas.openxmlformats.org/presentationml/2006/main">
+  <p:cSld>
+    <p:bg>
+      <p:bgRef idx="1001">
+        <a:schemeClr val="bg1"/>
+      </p:bgRef>
+    </p:bg>
+    <p:spTree>
+      <p:nvGrpSpPr>
+        <p:cNvPr id="1" name=""/>
+        <p:cNvGrpSpPr/>
+        <p:nvPr/>
+      </p:nvGrpSpPr>
+      <p:grpSpPr>
+        <a:xfrm>
+          <a:off x="0" y="0"/>
+          <a:ext cx="0" cy="0"/>
+          <a:chOff x="0" y="0"/>
+          <a:chExt cx="0" cy="0"/>
+        </a:xfrm>
+      </p:grpSpPr>
+      <p:sp>
+        <p:nvSpPr>
+          <p:cNvPr id="2" name="Üst Bilgi Yer Tutucusu 1"/>
+          <p:cNvSpPr>
+            <a:spLocks noGrp="1"/>
+          </p:cNvSpPr>
+          <p:nvPr>
+            <p:ph type="hdr" sz="quarter"/>
+          </p:nvPr>
+        </p:nvSpPr>
+        <p:spPr>
+          <a:xfrm>
+            <a:off x="0" y="0"/>
+            <a:ext cx="2971800" cy="458788"/>
+          </a:xfrm>
+          <a:prstGeom prst="rect">
+            <a:avLst/>
+          </a:prstGeom>
+        </p:spPr>
+        <p:txBody>
+          <a:bodyPr vert="horz" lIns="91440" tIns="45720" rIns="91440" bIns="45720" rtlCol="0"/>
+          <a:lstStyle>
+            <a:lvl1pPr algn="l">
+              <a:defRPr sz="1200"/>
+            </a:lvl1pPr>
+          </a:lstStyle>
+          <a:p>
+            <a:endParaRPr lang="tr-TR"/>
+          </a:p>
+        </p:txBody>
+      </p:sp>
+      <p:sp>
+        <p:nvSpPr>
+          <p:cNvPr id="3" name="Veri Yer Tutucusu 2"/>
+          <p:cNvSpPr>
+            <a:spLocks noGrp="1"/>
+          </p:cNvSpPr>
+          <p:nvPr>
+            <p:ph type="dt" idx="1"/>
+          </p:nvPr>
+        </p:nvSpPr>
+        <p:spPr>
+          <a:xfrm>
+            <a:off x="3884613" y="0"/>
+            <a:ext cx="2971800" cy="458788"/>
+          </a:xfrm>
+          <a:prstGeom prst="rect">
+            <a:avLst/>
+          </a:prstGeom>
+        </p:spPr>
+        <p:txBody>
+          <a:bodyPr vert="horz" lIns="91440" tIns="45720" rIns="91440" bIns="45720" rtlCol="0"/>
+          <a:lstStyle>
+            <a:lvl1pPr algn="r">
+              <a:defRPr sz="1200"/>
+            </a:lvl1pPr>
+          </a:lstStyle>
+          <a:p>
+            <a:fld id="{F0713772-A09E-488C-B4F5-1D7453998C73}" type="datetimeFigureOut">
+              <a:rPr lang="tr-TR" smtClean="0"/>
+              <a:t>27.3.2017</a:t>
+            </a:fld>
+            <a:endParaRPr lang="tr-TR"/>
+          </a:p>
+        </p:txBody>
+      </p:sp>
+      <p:sp>
+        <p:nvSpPr>
+          <p:cNvPr id="4" name="Slayt Görüntüsü Yer Tutucusu 3"/>
+          <p:cNvSpPr>
+            <a:spLocks noGrp="1" noRot="1" noChangeAspect="1"/>
+          </p:cNvSpPr>
+          <p:nvPr>
+            <p:ph type="sldImg" idx="2"/>
+          </p:nvPr>
+        </p:nvSpPr>
+        <p:spPr>
+          <a:xfrm>
+            <a:off x="1371600" y="1143000"/>
+            <a:ext cx="4114800" cy="3086100"/>
+          </a:xfrm>
+          <a:prstGeom prst="rect">
+            <a:avLst/>
+          </a:prstGeom>
+          <a:noFill/>
+          <a:ln w="12700">
+            <a:solidFill>
+              <a:prstClr val="black"/>
+            </a:solidFill>
+          </a:ln>
+        </p:spPr>
+        <p:txBody>
+          <a:bodyPr vert="horz" lIns="91440" tIns="45720" rIns="91440" bIns="45720" rtlCol="0" anchor="ctr"/>
+          <a:lstStyle/>
+          <a:p>
+            <a:endParaRPr lang="tr-TR"/>
+          </a:p>
+        </p:txBody>
+      </p:sp>
+      <p:sp>
+        <p:nvSpPr>
+          <p:cNvPr id="5" name="Not Yer Tutucusu 4"/>
+          <p:cNvSpPr>
+            <a:spLocks noGrp="1"/>
+          </p:cNvSpPr>
+          <p:nvPr>
+            <p:ph type="body" sz="quarter" idx="3"/>
+          </p:nvPr>
+        </p:nvSpPr>
+        <p:spPr>
+          <a:xfrm>
+            <a:off x="685800" y="4400550"/>
+            <a:ext cx="5486400" cy="3600450"/>
+          </a:xfrm>
+          <a:prstGeom prst="rect">
+            <a:avLst/>
+          </a:prstGeom>
+        </p:spPr>
+        <p:txBody>
+          <a:bodyPr vert="horz" lIns="91440" tIns="45720" rIns="91440" bIns="45720" rtlCol="0"/>
+          <a:lstStyle/>
+          <a:p>
+            <a:pPr lvl="0"/>
+            <a:r>
+              <a:rPr lang="tr-TR"/>
+              <a:t>Asıl metin stillerini düzenle</a:t>
+            </a:r>
+          </a:p>
+          <a:p>
+            <a:pPr lvl="1"/>
+            <a:r>
+              <a:rPr lang="tr-TR"/>
+              <a:t>İkinci düzey</a:t>
+            </a:r>
+          </a:p>
+          <a:p>
+            <a:pPr lvl="2"/>
+            <a:r>
+              <a:rPr lang="tr-TR"/>
+              <a:t>Üçüncü düzey</a:t>
+            </a:r>
+          </a:p>
+          <a:p>
+            <a:pPr lvl="3"/>
+            <a:r>
+              <a:rPr lang="tr-TR"/>
+              <a:t>Dördüncü düzey</a:t>
+            </a:r>
+          </a:p>
+          <a:p>
+            <a:pPr lvl="4"/>
+            <a:r>
+              <a:rPr lang="tr-TR"/>
+              <a:t>Beşinci düzey</a:t>
+            </a:r>
+            <a:endParaRPr lang="tr-TR"/>
+          </a:p>
+        </p:txBody>
+      </p:sp>
+      <p:sp>
+        <p:nvSpPr>
+          <p:cNvPr id="6" name="Alt Bilgi Yer Tutucusu 5"/>
+          <p:cNvSpPr>
+            <a:spLocks noGrp="1"/>
+          </p:cNvSpPr>
+          <p:nvPr>
+            <p:ph type="ftr" sz="quarter" idx="4"/>
+          </p:nvPr>
+        </p:nvSpPr>
+        <p:spPr>
+          <a:xfrm>
+            <a:off x="0" y="8685213"/>
+            <a:ext cx="2971800" cy="458787"/>
+          </a:xfrm>
+          <a:prstGeom prst="rect">
+            <a:avLst/>
+          </a:prstGeom>
+        </p:spPr>
+        <p:txBody>
+          <a:bodyPr vert="horz" lIns="91440" tIns="45720" rIns="91440" bIns="45720" rtlCol="0" anchor="b"/>
+          <a:lstStyle>
+            <a:lvl1pPr algn="l">
+              <a:defRPr sz="1200"/>
+            </a:lvl1pPr>
+          </a:lstStyle>
+          <a:p>
+            <a:endParaRPr lang="tr-TR"/>
+          </a:p>
+        </p:txBody>
+      </p:sp>
+      <p:sp>
+        <p:nvSpPr>
+          <p:cNvPr id="7" name="Slayt Numarası Yer Tutucusu 6"/>
+          <p:cNvSpPr>
+            <a:spLocks noGrp="1"/>
+          </p:cNvSpPr>
+          <p:nvPr>
+            <p:ph type="sldNum" sz="quarter" idx="5"/>
+          </p:nvPr>
+        </p:nvSpPr>
+        <p:spPr>
+          <a:xfrm>
+            <a:off x="3884613" y="8685213"/>
+            <a:ext cx="2971800" cy="458787"/>
+          </a:xfrm>
+          <a:prstGeom prst="rect">
+            <a:avLst/>
+          </a:prstGeom>
+        </p:spPr>
+        <p:txBody>
+          <a:bodyPr vert="horz" lIns="91440" tIns="45720" rIns="91440" bIns="45720" rtlCol="0" anchor="b"/>
+          <a:lstStyle>
+            <a:lvl1pPr algn="r">
+              <a:defRPr sz="1200"/>
+            </a:lvl1pPr>
+          </a:lstStyle>
+          <a:p>
+            <a:fld id="{97646ACD-7C8C-44CE-8406-FC391884E7FB}" type="slidenum">
+              <a:rPr lang="tr-TR" smtClean="0"/>
+              <a:t>‹#›</a:t>
+            </a:fld>
+            <a:endParaRPr lang="tr-TR"/>
+          </a:p>
+        </p:txBody>
+      </p:sp>
+    </p:spTree>
+    <p:extLst>
+      <p:ext uri="{BB962C8B-B14F-4D97-AF65-F5344CB8AC3E}">
+        <p14:creationId xmlns:p14="http://schemas.microsoft.com/office/powerpoint/2010/main" val="1108241826"/>
+      </p:ext>
+    </p:extLst>
+  </p:cSld>
+  <p:clrMap bg1="lt1" tx1="dk1" bg2="lt2" tx2="dk2" accent1="accent1" accent2="accent2" accent3="accent3" accent4="accent4" accent5="accent5" accent6="accent6" hlink="hlink" folHlink="folHlink"/>
+  <p:notesStyle>
+    <a:lvl1pPr marL="0" algn="l" defTabSz="914400" rtl="0" eaLnBrk="1" latinLnBrk="0" hangingPunct="1">
+      <a:defRPr sz="1200" kern="1200">
+        <a:solidFill>
+          <a:schemeClr val="tx1"/>
+        </a:solidFill>
+        <a:latin typeface="+mn-lt"/>
+        <a:ea typeface="+mn-ea"/>
+        <a:cs typeface="+mn-cs"/>
+      </a:defRPr>
+    </a:lvl1pPr>
+    <a:lvl2pPr marL="457200" algn="l" defTabSz="914400" rtl="0" eaLnBrk="1" latinLnBrk="0" hangingPunct="1">
+      <a:defRPr sz="1200" kern="1200">
+        <a:solidFill>
+          <a:schemeClr val="tx1"/>
+        </a:solidFill>
+        <a:latin typeface="+mn-lt"/>
+        <a:ea typeface="+mn-ea"/>
+        <a:cs typeface="+mn-cs"/>
+      </a:defRPr>
+    </a:lvl2pPr>
+    <a:lvl3pPr marL="914400" algn="l" defTabSz="914400" rtl="0" eaLnBrk="1" latinLnBrk="0" hangingPunct="1">
+      <a:defRPr sz="1200" kern="1200">
+        <a:solidFill>
+          <a:schemeClr val="tx1"/>
+        </a:solidFill>
+        <a:latin typeface="+mn-lt"/>
+        <a:ea typeface="+mn-ea"/>
+        <a:cs typeface="+mn-cs"/>
+      </a:defRPr>
+    </a:lvl3pPr>
+    <a:lvl4pPr marL="1371600" algn="l" defTabSz="914400" rtl="0" eaLnBrk="1" latinLnBrk="0" hangingPunct="1">
+      <a:defRPr sz="1200" kern="1200">
+        <a:solidFill>
+          <a:schemeClr val="tx1"/>
+        </a:solidFill>
+        <a:latin typeface="+mn-lt"/>
+        <a:ea typeface="+mn-ea"/>
+        <a:cs typeface="+mn-cs"/>
+      </a:defRPr>
+    </a:lvl4pPr>
+    <a:lvl5pPr marL="1828800" algn="l" defTabSz="914400" rtl="0" eaLnBrk="1" latinLnBrk="0" hangingPunct="1">
+      <a:defRPr sz="1200" kern="1200">
+        <a:solidFill>
+          <a:schemeClr val="tx1"/>
+        </a:solidFill>
+        <a:latin typeface="+mn-lt"/>
+        <a:ea typeface="+mn-ea"/>
+        <a:cs typeface="+mn-cs"/>
+      </a:defRPr>
+    </a:lvl5pPr>
+    <a:lvl6pPr marL="2286000" algn="l" defTabSz="914400" rtl="0" eaLnBrk="1" latinLnBrk="0" hangingPunct="1">
+      <a:defRPr sz="1200" kern="1200">
+        <a:solidFill>
+          <a:schemeClr val="tx1"/>
+        </a:solidFill>
+        <a:latin typeface="+mn-lt"/>
+        <a:ea typeface="+mn-ea"/>
+        <a:cs typeface="+mn-cs"/>
+      </a:defRPr>
+    </a:lvl6pPr>
+    <a:lvl7pPr marL="2743200" algn="l" defTabSz="914400" rtl="0" eaLnBrk="1" latinLnBrk="0" hangingPunct="1">
+      <a:defRPr sz="1200" kern="1200">
+        <a:solidFill>
+          <a:schemeClr val="tx1"/>
+        </a:solidFill>
+        <a:latin typeface="+mn-lt"/>
+        <a:ea typeface="+mn-ea"/>
+        <a:cs typeface="+mn-cs"/>
+      </a:defRPr>
+    </a:lvl7pPr>
+    <a:lvl8pPr marL="3200400" algn="l" defTabSz="914400" rtl="0" eaLnBrk="1" latinLnBrk="0" hangingPunct="1">
+      <a:defRPr sz="1200" kern="1200">
+        <a:solidFill>
+          <a:schemeClr val="tx1"/>
+        </a:solidFill>
+        <a:latin typeface="+mn-lt"/>
+        <a:ea typeface="+mn-ea"/>
+        <a:cs typeface="+mn-cs"/>
+      </a:defRPr>
+    </a:lvl8pPr>
+    <a:lvl9pPr marL="3657600" algn="l" defTabSz="914400" rtl="0" eaLnBrk="1" latinLnBrk="0" hangingPunct="1">
+      <a:defRPr sz="1200" kern="1200">
+        <a:solidFill>
+          <a:schemeClr val="tx1"/>
+        </a:solidFill>
+        <a:latin typeface="+mn-lt"/>
+        <a:ea typeface="+mn-ea"/>
+        <a:cs typeface="+mn-cs"/>
+      </a:defRPr>
+    </a:lvl9pPr>
+  </p:notesStyle>
+</p:notesMaster>
+</file>
+
+<file path=ppt/notesSlides/notesSlide1.xml><?xml version="1.0" encoding="utf-8"?>
+<p:notes xmlns:a="http://schemas.openxmlformats.org/drawingml/2006/main" xmlns:r="http://schemas.openxmlformats.org/officeDocument/2006/relationships" xmlns:p="http://schemas.openxmlformats.org/presentationml/2006/main">
+  <p:cSld>
+    <p:spTree>
+      <p:nvGrpSpPr>
+        <p:cNvPr id="1" name=""/>
+        <p:cNvGrpSpPr/>
+        <p:nvPr/>
+      </p:nvGrpSpPr>
+      <p:grpSpPr>
+        <a:xfrm>
+          <a:off x="0" y="0"/>
+          <a:ext cx="0" cy="0"/>
+          <a:chOff x="0" y="0"/>
+          <a:chExt cx="0" cy="0"/>
+        </a:xfrm>
+      </p:grpSpPr>
+      <p:sp>
+        <p:nvSpPr>
+          <p:cNvPr id="2" name="Slayt Görüntüsü Yer Tutucusu 1"/>
+          <p:cNvSpPr>
+            <a:spLocks noGrp="1" noRot="1" noChangeAspect="1"/>
+          </p:cNvSpPr>
+          <p:nvPr>
+            <p:ph type="sldImg"/>
+          </p:nvPr>
+        </p:nvSpPr>
+        <p:spPr/>
+      </p:sp>
+      <p:sp>
+        <p:nvSpPr>
+          <p:cNvPr id="3" name="Not Yer Tutucusu 2"/>
+          <p:cNvSpPr>
+            <a:spLocks noGrp="1"/>
+          </p:cNvSpPr>
+          <p:nvPr>
+            <p:ph type="body" idx="1"/>
+          </p:nvPr>
+        </p:nvSpPr>
+        <p:spPr/>
+        <p:txBody>
+          <a:bodyPr/>
+          <a:lstStyle/>
+          <a:p>
+            <a:endParaRPr lang="tr-TR" dirty="0"/>
+          </a:p>
+        </p:txBody>
+      </p:sp>
+      <p:sp>
+        <p:nvSpPr>
+          <p:cNvPr id="4" name="Slayt Numarası Yer Tutucusu 3"/>
+          <p:cNvSpPr>
+            <a:spLocks noGrp="1"/>
+          </p:cNvSpPr>
+          <p:nvPr>
+            <p:ph type="sldNum" sz="quarter" idx="10"/>
+          </p:nvPr>
+        </p:nvSpPr>
+        <p:spPr/>
+        <p:txBody>
+          <a:bodyPr/>
+          <a:lstStyle/>
+          <a:p>
+            <a:fld id="{97646ACD-7C8C-44CE-8406-FC391884E7FB}" type="slidenum">
+              <a:rPr lang="tr-TR" smtClean="0"/>
+              <a:t>9</a:t>
+            </a:fld>
+            <a:endParaRPr lang="tr-TR"/>
+          </a:p>
+        </p:txBody>
+      </p:sp>
+    </p:spTree>
+    <p:extLst>
+      <p:ext uri="{BB962C8B-B14F-4D97-AF65-F5344CB8AC3E}">
+        <p14:creationId xmlns:p14="http://schemas.microsoft.com/office/powerpoint/2010/main" val="2871746863"/>
+      </p:ext>
+    </p:extLst>
+  </p:cSld>
+  <p:clrMapOvr>
+    <a:masterClrMapping/>
+  </p:clrMapOvr>
+</p:notes>
+</file>
+
 <file path=ppt/slideLayouts/slideLayout1.xml><?xml version="1.0" encoding="utf-8"?>
 <p:sldLayout xmlns:a="http://schemas.openxmlformats.org/drawingml/2006/main" xmlns:r="http://schemas.openxmlformats.org/officeDocument/2006/relationships" xmlns:p="http://schemas.openxmlformats.org/presentationml/2006/main" type="title" preserve="1">
   <p:cSld name="Başlık Slaydı">
@@ -321,7 +758,7 @@
             <a:fld id="{9215268A-ECED-40C2-BA3B-556FDB639813}" type="datetimeFigureOut">
               <a:rPr lang="tr-TR" smtClean="0"/>
               <a:pPr/>
-              <a:t>26.3.2017</a:t>
+              <a:t>27.3.2017</a:t>
             </a:fld>
             <a:endParaRPr lang="tr-TR"/>
           </a:p>
@@ -489,7 +926,7 @@
             <a:fld id="{9215268A-ECED-40C2-BA3B-556FDB639813}" type="datetimeFigureOut">
               <a:rPr lang="tr-TR" smtClean="0"/>
               <a:pPr/>
-              <a:t>26.3.2017</a:t>
+              <a:t>27.3.2017</a:t>
             </a:fld>
             <a:endParaRPr lang="tr-TR"/>
           </a:p>
@@ -667,7 +1104,7 @@
             <a:fld id="{9215268A-ECED-40C2-BA3B-556FDB639813}" type="datetimeFigureOut">
               <a:rPr lang="tr-TR" smtClean="0"/>
               <a:pPr/>
-              <a:t>26.3.2017</a:t>
+              <a:t>27.3.2017</a:t>
             </a:fld>
             <a:endParaRPr lang="tr-TR"/>
           </a:p>
@@ -835,7 +1272,7 @@
             <a:fld id="{9215268A-ECED-40C2-BA3B-556FDB639813}" type="datetimeFigureOut">
               <a:rPr lang="tr-TR" smtClean="0"/>
               <a:pPr/>
-              <a:t>26.3.2017</a:t>
+              <a:t>27.3.2017</a:t>
             </a:fld>
             <a:endParaRPr lang="tr-TR"/>
           </a:p>
@@ -1080,7 +1517,7 @@
             <a:fld id="{9215268A-ECED-40C2-BA3B-556FDB639813}" type="datetimeFigureOut">
               <a:rPr lang="tr-TR" smtClean="0"/>
               <a:pPr/>
-              <a:t>26.3.2017</a:t>
+              <a:t>27.3.2017</a:t>
             </a:fld>
             <a:endParaRPr lang="tr-TR"/>
           </a:p>
@@ -1365,7 +1802,7 @@
             <a:fld id="{9215268A-ECED-40C2-BA3B-556FDB639813}" type="datetimeFigureOut">
               <a:rPr lang="tr-TR" smtClean="0"/>
               <a:pPr/>
-              <a:t>26.3.2017</a:t>
+              <a:t>27.3.2017</a:t>
             </a:fld>
             <a:endParaRPr lang="tr-TR"/>
           </a:p>
@@ -1784,7 +2221,7 @@
             <a:fld id="{9215268A-ECED-40C2-BA3B-556FDB639813}" type="datetimeFigureOut">
               <a:rPr lang="tr-TR" smtClean="0"/>
               <a:pPr/>
-              <a:t>26.3.2017</a:t>
+              <a:t>27.3.2017</a:t>
             </a:fld>
             <a:endParaRPr lang="tr-TR"/>
           </a:p>
@@ -1901,7 +2338,7 @@
             <a:fld id="{9215268A-ECED-40C2-BA3B-556FDB639813}" type="datetimeFigureOut">
               <a:rPr lang="tr-TR" smtClean="0"/>
               <a:pPr/>
-              <a:t>26.3.2017</a:t>
+              <a:t>27.3.2017</a:t>
             </a:fld>
             <a:endParaRPr lang="tr-TR"/>
           </a:p>
@@ -1996,7 +2433,7 @@
             <a:fld id="{9215268A-ECED-40C2-BA3B-556FDB639813}" type="datetimeFigureOut">
               <a:rPr lang="tr-TR" smtClean="0"/>
               <a:pPr/>
-              <a:t>26.3.2017</a:t>
+              <a:t>27.3.2017</a:t>
             </a:fld>
             <a:endParaRPr lang="tr-TR"/>
           </a:p>
@@ -2271,7 +2708,7 @@
             <a:fld id="{9215268A-ECED-40C2-BA3B-556FDB639813}" type="datetimeFigureOut">
               <a:rPr lang="tr-TR" smtClean="0"/>
               <a:pPr/>
-              <a:t>26.3.2017</a:t>
+              <a:t>27.3.2017</a:t>
             </a:fld>
             <a:endParaRPr lang="tr-TR"/>
           </a:p>
@@ -2523,7 +2960,7 @@
             <a:fld id="{9215268A-ECED-40C2-BA3B-556FDB639813}" type="datetimeFigureOut">
               <a:rPr lang="tr-TR" smtClean="0"/>
               <a:pPr/>
-              <a:t>26.3.2017</a:t>
+              <a:t>27.3.2017</a:t>
             </a:fld>
             <a:endParaRPr lang="tr-TR"/>
           </a:p>
@@ -2734,7 +3171,7 @@
             <a:fld id="{9215268A-ECED-40C2-BA3B-556FDB639813}" type="datetimeFigureOut">
               <a:rPr lang="tr-TR" smtClean="0"/>
               <a:pPr/>
-              <a:t>26.3.2017</a:t>
+              <a:t>27.3.2017</a:t>
             </a:fld>
             <a:endParaRPr lang="tr-TR"/>
           </a:p>
@@ -3290,18 +3727,18 @@
         </p:nvSpPr>
         <p:spPr>
           <a:xfrm>
-            <a:off x="4575951" y="1284581"/>
-            <a:ext cx="4320480" cy="398426"/>
+            <a:off x="4575950" y="1284581"/>
+            <a:ext cx="4532553" cy="398426"/>
           </a:xfrm>
         </p:spPr>
         <p:txBody>
           <a:bodyPr>
-            <a:normAutofit fontScale="92500"/>
+            <a:noAutofit/>
           </a:bodyPr>
           <a:lstStyle/>
           <a:p>
             <a:r>
-              <a:rPr lang="tr-TR" sz="1800" dirty="0">
+              <a:rPr lang="tr-TR" sz="1600" b="1" dirty="0">
                 <a:latin typeface="Verdana" panose="020B0604030504040204" pitchFamily="34" charset="0"/>
                 <a:ea typeface="Verdana" panose="020B0604030504040204" pitchFamily="34" charset="0"/>
                 <a:cs typeface="Verdana" panose="020B0604030504040204" pitchFamily="34" charset="0"/>
@@ -3309,7 +3746,7 @@
               <a:t>Credit </a:t>
             </a:r>
             <a:r>
-              <a:rPr lang="tr-TR" sz="1800" dirty="0" err="1">
+              <a:rPr lang="tr-TR" sz="1600" b="1" dirty="0" err="1">
                 <a:latin typeface="Verdana" panose="020B0604030504040204" pitchFamily="34" charset="0"/>
                 <a:ea typeface="Verdana" panose="020B0604030504040204" pitchFamily="34" charset="0"/>
                 <a:cs typeface="Verdana" panose="020B0604030504040204" pitchFamily="34" charset="0"/>
@@ -3317,7 +3754,7 @@
               <a:t>Card</a:t>
             </a:r>
             <a:r>
-              <a:rPr lang="tr-TR" sz="1800" dirty="0">
+              <a:rPr lang="tr-TR" sz="1600" b="1" dirty="0">
                 <a:latin typeface="Verdana" panose="020B0604030504040204" pitchFamily="34" charset="0"/>
                 <a:ea typeface="Verdana" panose="020B0604030504040204" pitchFamily="34" charset="0"/>
                 <a:cs typeface="Verdana" panose="020B0604030504040204" pitchFamily="34" charset="0"/>
@@ -3325,7 +3762,7 @@
               <a:t> </a:t>
             </a:r>
             <a:r>
-              <a:rPr lang="tr-TR" sz="1800" dirty="0" err="1">
+              <a:rPr lang="tr-TR" sz="1600" b="1" dirty="0" err="1">
                 <a:latin typeface="Verdana" panose="020B0604030504040204" pitchFamily="34" charset="0"/>
                 <a:ea typeface="Verdana" panose="020B0604030504040204" pitchFamily="34" charset="0"/>
                 <a:cs typeface="Verdana" panose="020B0604030504040204" pitchFamily="34" charset="0"/>
@@ -3333,7 +3770,7 @@
               <a:t>Debt</a:t>
             </a:r>
             <a:r>
-              <a:rPr lang="tr-TR" sz="1800" dirty="0">
+              <a:rPr lang="tr-TR" sz="1600" b="1" dirty="0">
                 <a:latin typeface="Verdana" panose="020B0604030504040204" pitchFamily="34" charset="0"/>
                 <a:ea typeface="Verdana" panose="020B0604030504040204" pitchFamily="34" charset="0"/>
                 <a:cs typeface="Verdana" panose="020B0604030504040204" pitchFamily="34" charset="0"/>
@@ -3341,7 +3778,7 @@
               <a:t> </a:t>
             </a:r>
             <a:r>
-              <a:rPr lang="tr-TR" sz="1800" dirty="0" err="1">
+              <a:rPr lang="tr-TR" sz="1600" b="1" dirty="0" err="1">
                 <a:latin typeface="Verdana" panose="020B0604030504040204" pitchFamily="34" charset="0"/>
                 <a:ea typeface="Verdana" panose="020B0604030504040204" pitchFamily="34" charset="0"/>
                 <a:cs typeface="Verdana" panose="020B0604030504040204" pitchFamily="34" charset="0"/>
@@ -3349,7 +3786,7 @@
               <a:t>Balance</a:t>
             </a:r>
             <a:r>
-              <a:rPr lang="tr-TR" sz="1800" dirty="0">
+              <a:rPr lang="tr-TR" sz="1600" b="1" dirty="0">
                 <a:latin typeface="Verdana" panose="020B0604030504040204" pitchFamily="34" charset="0"/>
                 <a:ea typeface="Verdana" panose="020B0604030504040204" pitchFamily="34" charset="0"/>
                 <a:cs typeface="Verdana" panose="020B0604030504040204" pitchFamily="34" charset="0"/>
@@ -3357,7 +3794,7 @@
               <a:t> (</a:t>
             </a:r>
             <a:r>
-              <a:rPr lang="tr-TR" sz="1800" dirty="0" err="1">
+              <a:rPr lang="tr-TR" sz="1600" b="1" dirty="0" err="1">
                 <a:latin typeface="Verdana" panose="020B0604030504040204" pitchFamily="34" charset="0"/>
                 <a:ea typeface="Verdana" panose="020B0604030504040204" pitchFamily="34" charset="0"/>
                 <a:cs typeface="Verdana" panose="020B0604030504040204" pitchFamily="34" charset="0"/>
@@ -3365,7 +3802,7 @@
               <a:t>Billion</a:t>
             </a:r>
             <a:r>
-              <a:rPr lang="tr-TR" sz="1800" dirty="0">
+              <a:rPr lang="tr-TR" sz="1600" b="1" dirty="0">
                 <a:latin typeface="Verdana" panose="020B0604030504040204" pitchFamily="34" charset="0"/>
                 <a:ea typeface="Verdana" panose="020B0604030504040204" pitchFamily="34" charset="0"/>
                 <a:cs typeface="Verdana" panose="020B0604030504040204" pitchFamily="34" charset="0"/>
@@ -3469,14 +3906,14 @@
           <p:nvPr>
             <p:extLst>
               <p:ext uri="{D42A27DB-BD31-4B8C-83A1-F6EECF244321}">
-                <p14:modId xmlns:p14="http://schemas.microsoft.com/office/powerpoint/2010/main" val="386293357"/>
+                <p14:modId xmlns:p14="http://schemas.microsoft.com/office/powerpoint/2010/main" val="735645217"/>
               </p:ext>
             </p:extLst>
           </p:nvPr>
         </p:nvGraphicFramePr>
         <p:xfrm>
           <a:off x="4716016" y="1772816"/>
-          <a:ext cx="3744416" cy="4097771"/>
+          <a:ext cx="3744416" cy="4011179"/>
         </p:xfrm>
         <a:graphic>
           <a:graphicData uri="http://schemas.openxmlformats.org/drawingml/2006/table">
@@ -3520,10 +3957,13 @@
                     <a:bodyPr/>
                     <a:lstStyle/>
                     <a:p>
-                      <a:endParaRPr lang="tr-TR" sz="1400" dirty="0">
+                      <a:endParaRPr lang="tr-TR" sz="1200" dirty="0">
                         <a:solidFill>
                           <a:srgbClr val="002060"/>
                         </a:solidFill>
+                        <a:latin typeface="Verdana" panose="020B0604030504040204" pitchFamily="34" charset="0"/>
+                        <a:ea typeface="Verdana" panose="020B0604030504040204" pitchFamily="34" charset="0"/>
+                        <a:cs typeface="Verdana" panose="020B0604030504040204" pitchFamily="34" charset="0"/>
                       </a:endParaRPr>
                     </a:p>
                   </a:txBody>
@@ -3539,10 +3979,13 @@
                     <a:lstStyle/>
                     <a:p>
                       <a:r>
-                        <a:rPr lang="tr-TR" sz="1400" dirty="0">
+                        <a:rPr lang="tr-TR" sz="1200" dirty="0">
                           <a:solidFill>
                             <a:schemeClr val="bg1"/>
                           </a:solidFill>
+                          <a:latin typeface="Verdana" panose="020B0604030504040204" pitchFamily="34" charset="0"/>
+                          <a:ea typeface="Verdana" panose="020B0604030504040204" pitchFamily="34" charset="0"/>
+                          <a:cs typeface="Verdana" panose="020B0604030504040204" pitchFamily="34" charset="0"/>
                         </a:rPr>
                         <a:t>Bireysel</a:t>
                       </a:r>
@@ -3560,10 +4003,13 @@
                     <a:lstStyle/>
                     <a:p>
                       <a:r>
-                        <a:rPr lang="tr-TR" sz="1400" dirty="0">
+                        <a:rPr lang="tr-TR" sz="1200" dirty="0">
                           <a:solidFill>
                             <a:schemeClr val="bg1"/>
                           </a:solidFill>
+                          <a:latin typeface="Verdana" panose="020B0604030504040204" pitchFamily="34" charset="0"/>
+                          <a:ea typeface="Verdana" panose="020B0604030504040204" pitchFamily="34" charset="0"/>
+                          <a:cs typeface="Verdana" panose="020B0604030504040204" pitchFamily="34" charset="0"/>
                         </a:rPr>
                         <a:t>Kurumsal</a:t>
                       </a:r>
@@ -3581,10 +4027,13 @@
                     <a:lstStyle/>
                     <a:p>
                       <a:r>
-                        <a:rPr lang="tr-TR" sz="1400" dirty="0">
+                        <a:rPr lang="tr-TR" sz="1200" dirty="0">
                           <a:solidFill>
                             <a:schemeClr val="bg1"/>
                           </a:solidFill>
+                          <a:latin typeface="Verdana" panose="020B0604030504040204" pitchFamily="34" charset="0"/>
+                          <a:ea typeface="Verdana" panose="020B0604030504040204" pitchFamily="34" charset="0"/>
+                          <a:cs typeface="Verdana" panose="020B0604030504040204" pitchFamily="34" charset="0"/>
                         </a:rPr>
                         <a:t>Toplam</a:t>
                       </a:r>
@@ -3609,7 +4058,11 @@
                     <a:lstStyle/>
                     <a:p>
                       <a:r>
-                        <a:rPr lang="tr-TR" sz="1400" dirty="0"/>
+                        <a:rPr lang="tr-TR" sz="1200" b="1" dirty="0">
+                          <a:latin typeface="Verdana" panose="020B0604030504040204" pitchFamily="34" charset="0"/>
+                          <a:ea typeface="Verdana" panose="020B0604030504040204" pitchFamily="34" charset="0"/>
+                          <a:cs typeface="Verdana" panose="020B0604030504040204" pitchFamily="34" charset="0"/>
+                        </a:rPr>
                         <a:t>2002</a:t>
                       </a:r>
                     </a:p>
@@ -3622,7 +4075,11 @@
                     <a:lstStyle/>
                     <a:p>
                       <a:r>
-                        <a:rPr lang="tr-TR" sz="1400" dirty="0"/>
+                        <a:rPr lang="tr-TR" sz="1200" dirty="0">
+                          <a:latin typeface="Verdana" panose="020B0604030504040204" pitchFamily="34" charset="0"/>
+                          <a:ea typeface="Verdana" panose="020B0604030504040204" pitchFamily="34" charset="0"/>
+                          <a:cs typeface="Verdana" panose="020B0604030504040204" pitchFamily="34" charset="0"/>
+                        </a:rPr>
                         <a:t>4.335</a:t>
                       </a:r>
                     </a:p>
@@ -3635,7 +4092,11 @@
                     <a:lstStyle/>
                     <a:p>
                       <a:r>
-                        <a:rPr lang="tr-TR" sz="1400" dirty="0"/>
+                        <a:rPr lang="tr-TR" sz="1200" dirty="0">
+                          <a:latin typeface="Verdana" panose="020B0604030504040204" pitchFamily="34" charset="0"/>
+                          <a:ea typeface="Verdana" panose="020B0604030504040204" pitchFamily="34" charset="0"/>
+                          <a:cs typeface="Verdana" panose="020B0604030504040204" pitchFamily="34" charset="0"/>
+                        </a:rPr>
                         <a:t>-</a:t>
                       </a:r>
                     </a:p>
@@ -3648,7 +4109,11 @@
                     <a:lstStyle/>
                     <a:p>
                       <a:r>
-                        <a:rPr lang="tr-TR" sz="1400" dirty="0"/>
+                        <a:rPr lang="tr-TR" sz="1200" dirty="0">
+                          <a:latin typeface="Verdana" panose="020B0604030504040204" pitchFamily="34" charset="0"/>
+                          <a:ea typeface="Verdana" panose="020B0604030504040204" pitchFamily="34" charset="0"/>
+                          <a:cs typeface="Verdana" panose="020B0604030504040204" pitchFamily="34" charset="0"/>
+                        </a:rPr>
                         <a:t>4.335</a:t>
                       </a:r>
                     </a:p>
@@ -3668,7 +4133,11 @@
                     <a:lstStyle/>
                     <a:p>
                       <a:r>
-                        <a:rPr lang="tr-TR" sz="1400" dirty="0"/>
+                        <a:rPr lang="tr-TR" sz="1200" b="1" dirty="0">
+                          <a:latin typeface="Verdana" panose="020B0604030504040204" pitchFamily="34" charset="0"/>
+                          <a:ea typeface="Verdana" panose="020B0604030504040204" pitchFamily="34" charset="0"/>
+                          <a:cs typeface="Verdana" panose="020B0604030504040204" pitchFamily="34" charset="0"/>
+                        </a:rPr>
                         <a:t>2003</a:t>
                       </a:r>
                     </a:p>
@@ -3681,7 +4150,11 @@
                     <a:lstStyle/>
                     <a:p>
                       <a:r>
-                        <a:rPr lang="tr-TR" sz="1400" dirty="0"/>
+                        <a:rPr lang="tr-TR" sz="1200" dirty="0">
+                          <a:latin typeface="Verdana" panose="020B0604030504040204" pitchFamily="34" charset="0"/>
+                          <a:ea typeface="Verdana" panose="020B0604030504040204" pitchFamily="34" charset="0"/>
+                          <a:cs typeface="Verdana" panose="020B0604030504040204" pitchFamily="34" charset="0"/>
+                        </a:rPr>
                         <a:t>7.030</a:t>
                       </a:r>
                     </a:p>
@@ -3694,7 +4167,11 @@
                     <a:lstStyle/>
                     <a:p>
                       <a:r>
-                        <a:rPr lang="tr-TR" sz="1400" dirty="0"/>
+                        <a:rPr lang="tr-TR" sz="1200" dirty="0">
+                          <a:latin typeface="Verdana" panose="020B0604030504040204" pitchFamily="34" charset="0"/>
+                          <a:ea typeface="Verdana" panose="020B0604030504040204" pitchFamily="34" charset="0"/>
+                          <a:cs typeface="Verdana" panose="020B0604030504040204" pitchFamily="34" charset="0"/>
+                        </a:rPr>
                         <a:t>-</a:t>
                       </a:r>
                     </a:p>
@@ -3707,7 +4184,11 @@
                     <a:lstStyle/>
                     <a:p>
                       <a:r>
-                        <a:rPr lang="tr-TR" sz="1400" dirty="0"/>
+                        <a:rPr lang="tr-TR" sz="1200" dirty="0">
+                          <a:latin typeface="Verdana" panose="020B0604030504040204" pitchFamily="34" charset="0"/>
+                          <a:ea typeface="Verdana" panose="020B0604030504040204" pitchFamily="34" charset="0"/>
+                          <a:cs typeface="Verdana" panose="020B0604030504040204" pitchFamily="34" charset="0"/>
+                        </a:rPr>
                         <a:t>7.030</a:t>
                       </a:r>
                     </a:p>
@@ -3727,7 +4208,11 @@
                     <a:lstStyle/>
                     <a:p>
                       <a:r>
-                        <a:rPr lang="tr-TR" sz="1400" dirty="0"/>
+                        <a:rPr lang="tr-TR" sz="1200" b="1" dirty="0">
+                          <a:latin typeface="Verdana" panose="020B0604030504040204" pitchFamily="34" charset="0"/>
+                          <a:ea typeface="Verdana" panose="020B0604030504040204" pitchFamily="34" charset="0"/>
+                          <a:cs typeface="Verdana" panose="020B0604030504040204" pitchFamily="34" charset="0"/>
+                        </a:rPr>
                         <a:t>2004</a:t>
                       </a:r>
                     </a:p>
@@ -3740,7 +4225,11 @@
                     <a:lstStyle/>
                     <a:p>
                       <a:r>
-                        <a:rPr lang="tr-TR" sz="1400" dirty="0"/>
+                        <a:rPr lang="tr-TR" sz="1200" dirty="0">
+                          <a:latin typeface="Verdana" panose="020B0604030504040204" pitchFamily="34" charset="0"/>
+                          <a:ea typeface="Verdana" panose="020B0604030504040204" pitchFamily="34" charset="0"/>
+                          <a:cs typeface="Verdana" panose="020B0604030504040204" pitchFamily="34" charset="0"/>
+                        </a:rPr>
                         <a:t>12.717</a:t>
                       </a:r>
                     </a:p>
@@ -3753,7 +4242,11 @@
                     <a:lstStyle/>
                     <a:p>
                       <a:r>
-                        <a:rPr lang="tr-TR" sz="1400" dirty="0"/>
+                        <a:rPr lang="tr-TR" sz="1200" dirty="0">
+                          <a:latin typeface="Verdana" panose="020B0604030504040204" pitchFamily="34" charset="0"/>
+                          <a:ea typeface="Verdana" panose="020B0604030504040204" pitchFamily="34" charset="0"/>
+                          <a:cs typeface="Verdana" panose="020B0604030504040204" pitchFamily="34" charset="0"/>
+                        </a:rPr>
                         <a:t>203</a:t>
                       </a:r>
                     </a:p>
@@ -3766,7 +4259,11 @@
                     <a:lstStyle/>
                     <a:p>
                       <a:r>
-                        <a:rPr lang="tr-TR" sz="1400" dirty="0"/>
+                        <a:rPr lang="tr-TR" sz="1200" dirty="0">
+                          <a:latin typeface="Verdana" panose="020B0604030504040204" pitchFamily="34" charset="0"/>
+                          <a:ea typeface="Verdana" panose="020B0604030504040204" pitchFamily="34" charset="0"/>
+                          <a:cs typeface="Verdana" panose="020B0604030504040204" pitchFamily="34" charset="0"/>
+                        </a:rPr>
                         <a:t>12.920</a:t>
                       </a:r>
                     </a:p>
@@ -3786,7 +4283,11 @@
                     <a:lstStyle/>
                     <a:p>
                       <a:r>
-                        <a:rPr lang="tr-TR" sz="1400" dirty="0"/>
+                        <a:rPr lang="tr-TR" sz="1200" b="1" dirty="0">
+                          <a:latin typeface="Verdana" panose="020B0604030504040204" pitchFamily="34" charset="0"/>
+                          <a:ea typeface="Verdana" panose="020B0604030504040204" pitchFamily="34" charset="0"/>
+                          <a:cs typeface="Verdana" panose="020B0604030504040204" pitchFamily="34" charset="0"/>
+                        </a:rPr>
                         <a:t>2005</a:t>
                       </a:r>
                     </a:p>
@@ -3799,7 +4300,11 @@
                     <a:lstStyle/>
                     <a:p>
                       <a:r>
-                        <a:rPr lang="tr-TR" sz="1400" dirty="0"/>
+                        <a:rPr lang="tr-TR" sz="1200" dirty="0">
+                          <a:latin typeface="Verdana" panose="020B0604030504040204" pitchFamily="34" charset="0"/>
+                          <a:ea typeface="Verdana" panose="020B0604030504040204" pitchFamily="34" charset="0"/>
+                          <a:cs typeface="Verdana" panose="020B0604030504040204" pitchFamily="34" charset="0"/>
+                        </a:rPr>
                         <a:t>12.227</a:t>
                       </a:r>
                     </a:p>
@@ -3812,7 +4317,11 @@
                     <a:lstStyle/>
                     <a:p>
                       <a:r>
-                        <a:rPr lang="tr-TR" sz="1400" dirty="0"/>
+                        <a:rPr lang="tr-TR" sz="1200" dirty="0">
+                          <a:latin typeface="Verdana" panose="020B0604030504040204" pitchFamily="34" charset="0"/>
+                          <a:ea typeface="Verdana" panose="020B0604030504040204" pitchFamily="34" charset="0"/>
+                          <a:cs typeface="Verdana" panose="020B0604030504040204" pitchFamily="34" charset="0"/>
+                        </a:rPr>
                         <a:t>313</a:t>
                       </a:r>
                     </a:p>
@@ -3825,7 +4334,11 @@
                     <a:lstStyle/>
                     <a:p>
                       <a:r>
-                        <a:rPr lang="tr-TR" sz="1400" dirty="0"/>
+                        <a:rPr lang="tr-TR" sz="1200" dirty="0">
+                          <a:latin typeface="Verdana" panose="020B0604030504040204" pitchFamily="34" charset="0"/>
+                          <a:ea typeface="Verdana" panose="020B0604030504040204" pitchFamily="34" charset="0"/>
+                          <a:cs typeface="Verdana" panose="020B0604030504040204" pitchFamily="34" charset="0"/>
+                        </a:rPr>
                         <a:t>17.540</a:t>
                       </a:r>
                     </a:p>
@@ -3845,7 +4358,11 @@
                     <a:lstStyle/>
                     <a:p>
                       <a:r>
-                        <a:rPr lang="tr-TR" sz="1400" dirty="0"/>
+                        <a:rPr lang="tr-TR" sz="1200" b="1" dirty="0">
+                          <a:latin typeface="Verdana" panose="020B0604030504040204" pitchFamily="34" charset="0"/>
+                          <a:ea typeface="Verdana" panose="020B0604030504040204" pitchFamily="34" charset="0"/>
+                          <a:cs typeface="Verdana" panose="020B0604030504040204" pitchFamily="34" charset="0"/>
+                        </a:rPr>
                         <a:t>2006</a:t>
                       </a:r>
                     </a:p>
@@ -3858,7 +4375,11 @@
                     <a:lstStyle/>
                     <a:p>
                       <a:r>
-                        <a:rPr lang="tr-TR" sz="1400" dirty="0"/>
+                        <a:rPr lang="tr-TR" sz="1200" dirty="0">
+                          <a:latin typeface="Verdana" panose="020B0604030504040204" pitchFamily="34" charset="0"/>
+                          <a:ea typeface="Verdana" panose="020B0604030504040204" pitchFamily="34" charset="0"/>
+                          <a:cs typeface="Verdana" panose="020B0604030504040204" pitchFamily="34" charset="0"/>
+                        </a:rPr>
                         <a:t>21.466</a:t>
                       </a:r>
                     </a:p>
@@ -3871,7 +4392,11 @@
                     <a:lstStyle/>
                     <a:p>
                       <a:r>
-                        <a:rPr lang="tr-TR" sz="1400" dirty="0"/>
+                        <a:rPr lang="tr-TR" sz="1200" dirty="0">
+                          <a:latin typeface="Verdana" panose="020B0604030504040204" pitchFamily="34" charset="0"/>
+                          <a:ea typeface="Verdana" panose="020B0604030504040204" pitchFamily="34" charset="0"/>
+                          <a:cs typeface="Verdana" panose="020B0604030504040204" pitchFamily="34" charset="0"/>
+                        </a:rPr>
                         <a:t>476</a:t>
                       </a:r>
                     </a:p>
@@ -3884,7 +4409,11 @@
                     <a:lstStyle/>
                     <a:p>
                       <a:r>
-                        <a:rPr lang="tr-TR" sz="1400" dirty="0"/>
+                        <a:rPr lang="tr-TR" sz="1200" dirty="0">
+                          <a:latin typeface="Verdana" panose="020B0604030504040204" pitchFamily="34" charset="0"/>
+                          <a:ea typeface="Verdana" panose="020B0604030504040204" pitchFamily="34" charset="0"/>
+                          <a:cs typeface="Verdana" panose="020B0604030504040204" pitchFamily="34" charset="0"/>
+                        </a:rPr>
                         <a:t>21.942</a:t>
                       </a:r>
                     </a:p>
@@ -3904,7 +4433,11 @@
                     <a:lstStyle/>
                     <a:p>
                       <a:r>
-                        <a:rPr lang="tr-TR" sz="1400" dirty="0"/>
+                        <a:rPr lang="tr-TR" sz="1200" b="1" dirty="0">
+                          <a:latin typeface="Verdana" panose="020B0604030504040204" pitchFamily="34" charset="0"/>
+                          <a:ea typeface="Verdana" panose="020B0604030504040204" pitchFamily="34" charset="0"/>
+                          <a:cs typeface="Verdana" panose="020B0604030504040204" pitchFamily="34" charset="0"/>
+                        </a:rPr>
                         <a:t>2007</a:t>
                       </a:r>
                     </a:p>
@@ -3917,7 +4450,11 @@
                     <a:lstStyle/>
                     <a:p>
                       <a:r>
-                        <a:rPr lang="tr-TR" sz="1400" dirty="0"/>
+                        <a:rPr lang="tr-TR" sz="1200" dirty="0">
+                          <a:latin typeface="Verdana" panose="020B0604030504040204" pitchFamily="34" charset="0"/>
+                          <a:ea typeface="Verdana" panose="020B0604030504040204" pitchFamily="34" charset="0"/>
+                          <a:cs typeface="Verdana" panose="020B0604030504040204" pitchFamily="34" charset="0"/>
+                        </a:rPr>
                         <a:t>26.301</a:t>
                       </a:r>
                     </a:p>
@@ -3930,7 +4467,11 @@
                     <a:lstStyle/>
                     <a:p>
                       <a:r>
-                        <a:rPr lang="tr-TR" sz="1400" dirty="0"/>
+                        <a:rPr lang="tr-TR" sz="1200" dirty="0">
+                          <a:latin typeface="Verdana" panose="020B0604030504040204" pitchFamily="34" charset="0"/>
+                          <a:ea typeface="Verdana" panose="020B0604030504040204" pitchFamily="34" charset="0"/>
+                          <a:cs typeface="Verdana" panose="020B0604030504040204" pitchFamily="34" charset="0"/>
+                        </a:rPr>
                         <a:t>648</a:t>
                       </a:r>
                     </a:p>
@@ -3943,7 +4484,11 @@
                     <a:lstStyle/>
                     <a:p>
                       <a:r>
-                        <a:rPr lang="tr-TR" sz="1400" dirty="0"/>
+                        <a:rPr lang="tr-TR" sz="1200" dirty="0">
+                          <a:latin typeface="Verdana" panose="020B0604030504040204" pitchFamily="34" charset="0"/>
+                          <a:ea typeface="Verdana" panose="020B0604030504040204" pitchFamily="34" charset="0"/>
+                          <a:cs typeface="Verdana" panose="020B0604030504040204" pitchFamily="34" charset="0"/>
+                        </a:rPr>
                         <a:t>26.949</a:t>
                       </a:r>
                     </a:p>
@@ -3963,7 +4508,11 @@
                     <a:lstStyle/>
                     <a:p>
                       <a:r>
-                        <a:rPr lang="tr-TR" sz="1400" dirty="0"/>
+                        <a:rPr lang="tr-TR" sz="1200" b="1" dirty="0">
+                          <a:latin typeface="Verdana" panose="020B0604030504040204" pitchFamily="34" charset="0"/>
+                          <a:ea typeface="Verdana" panose="020B0604030504040204" pitchFamily="34" charset="0"/>
+                          <a:cs typeface="Verdana" panose="020B0604030504040204" pitchFamily="34" charset="0"/>
+                        </a:rPr>
                         <a:t>2008</a:t>
                       </a:r>
                     </a:p>
@@ -3976,7 +4525,11 @@
                     <a:lstStyle/>
                     <a:p>
                       <a:r>
-                        <a:rPr lang="tr-TR" sz="1400" dirty="0"/>
+                        <a:rPr lang="tr-TR" sz="1200" dirty="0">
+                          <a:latin typeface="Verdana" panose="020B0604030504040204" pitchFamily="34" charset="0"/>
+                          <a:ea typeface="Verdana" panose="020B0604030504040204" pitchFamily="34" charset="0"/>
+                          <a:cs typeface="Verdana" panose="020B0604030504040204" pitchFamily="34" charset="0"/>
+                        </a:rPr>
                         <a:t>33.419</a:t>
                       </a:r>
                     </a:p>
@@ -3989,7 +4542,11 @@
                     <a:lstStyle/>
                     <a:p>
                       <a:r>
-                        <a:rPr lang="tr-TR" sz="1400" dirty="0"/>
+                        <a:rPr lang="tr-TR" sz="1200" dirty="0">
+                          <a:latin typeface="Verdana" panose="020B0604030504040204" pitchFamily="34" charset="0"/>
+                          <a:ea typeface="Verdana" panose="020B0604030504040204" pitchFamily="34" charset="0"/>
+                          <a:cs typeface="Verdana" panose="020B0604030504040204" pitchFamily="34" charset="0"/>
+                        </a:rPr>
                         <a:t>811</a:t>
                       </a:r>
                     </a:p>
@@ -4002,7 +4559,11 @@
                     <a:lstStyle/>
                     <a:p>
                       <a:r>
-                        <a:rPr lang="tr-TR" sz="1400" dirty="0"/>
+                        <a:rPr lang="tr-TR" sz="1200" dirty="0">
+                          <a:latin typeface="Verdana" panose="020B0604030504040204" pitchFamily="34" charset="0"/>
+                          <a:ea typeface="Verdana" panose="020B0604030504040204" pitchFamily="34" charset="0"/>
+                          <a:cs typeface="Verdana" panose="020B0604030504040204" pitchFamily="34" charset="0"/>
+                        </a:rPr>
                         <a:t>34.230</a:t>
                       </a:r>
                     </a:p>
@@ -4022,7 +4583,11 @@
                     <a:lstStyle/>
                     <a:p>
                       <a:r>
-                        <a:rPr lang="tr-TR" sz="1400" dirty="0"/>
+                        <a:rPr lang="tr-TR" sz="1200" b="1" dirty="0">
+                          <a:latin typeface="Verdana" panose="020B0604030504040204" pitchFamily="34" charset="0"/>
+                          <a:ea typeface="Verdana" panose="020B0604030504040204" pitchFamily="34" charset="0"/>
+                          <a:cs typeface="Verdana" panose="020B0604030504040204" pitchFamily="34" charset="0"/>
+                        </a:rPr>
                         <a:t>2009</a:t>
                       </a:r>
                     </a:p>
@@ -4035,7 +4600,11 @@
                     <a:lstStyle/>
                     <a:p>
                       <a:r>
-                        <a:rPr lang="tr-TR" sz="1400" dirty="0"/>
+                        <a:rPr lang="tr-TR" sz="1200" dirty="0">
+                          <a:latin typeface="Verdana" panose="020B0604030504040204" pitchFamily="34" charset="0"/>
+                          <a:ea typeface="Verdana" panose="020B0604030504040204" pitchFamily="34" charset="0"/>
+                          <a:cs typeface="Verdana" panose="020B0604030504040204" pitchFamily="34" charset="0"/>
+                        </a:rPr>
                         <a:t>36.464</a:t>
                       </a:r>
                     </a:p>
@@ -4048,7 +4617,11 @@
                     <a:lstStyle/>
                     <a:p>
                       <a:r>
-                        <a:rPr lang="tr-TR" sz="1400" dirty="0"/>
+                        <a:rPr lang="tr-TR" sz="1200" dirty="0">
+                          <a:latin typeface="Verdana" panose="020B0604030504040204" pitchFamily="34" charset="0"/>
+                          <a:ea typeface="Verdana" panose="020B0604030504040204" pitchFamily="34" charset="0"/>
+                          <a:cs typeface="Verdana" panose="020B0604030504040204" pitchFamily="34" charset="0"/>
+                        </a:rPr>
                         <a:t>1.014</a:t>
                       </a:r>
                     </a:p>
@@ -4061,7 +4634,11 @@
                     <a:lstStyle/>
                     <a:p>
                       <a:r>
-                        <a:rPr lang="tr-TR" sz="1400" dirty="0"/>
+                        <a:rPr lang="tr-TR" sz="1200" dirty="0">
+                          <a:latin typeface="Verdana" panose="020B0604030504040204" pitchFamily="34" charset="0"/>
+                          <a:ea typeface="Verdana" panose="020B0604030504040204" pitchFamily="34" charset="0"/>
+                          <a:cs typeface="Verdana" panose="020B0604030504040204" pitchFamily="34" charset="0"/>
+                        </a:rPr>
                         <a:t>37.478</a:t>
                       </a:r>
                     </a:p>
@@ -4081,7 +4658,11 @@
                     <a:lstStyle/>
                     <a:p>
                       <a:r>
-                        <a:rPr lang="tr-TR" sz="1400" dirty="0"/>
+                        <a:rPr lang="tr-TR" sz="1200" b="1" dirty="0">
+                          <a:latin typeface="Verdana" panose="020B0604030504040204" pitchFamily="34" charset="0"/>
+                          <a:ea typeface="Verdana" panose="020B0604030504040204" pitchFamily="34" charset="0"/>
+                          <a:cs typeface="Verdana" panose="020B0604030504040204" pitchFamily="34" charset="0"/>
+                        </a:rPr>
                         <a:t>2010</a:t>
                       </a:r>
                     </a:p>
@@ -4094,7 +4675,11 @@
                     <a:lstStyle/>
                     <a:p>
                       <a:r>
-                        <a:rPr lang="tr-TR" sz="1400" dirty="0"/>
+                        <a:rPr lang="tr-TR" sz="1200" dirty="0">
+                          <a:latin typeface="Verdana" panose="020B0604030504040204" pitchFamily="34" charset="0"/>
+                          <a:ea typeface="Verdana" panose="020B0604030504040204" pitchFamily="34" charset="0"/>
+                          <a:cs typeface="Verdana" panose="020B0604030504040204" pitchFamily="34" charset="0"/>
+                        </a:rPr>
                         <a:t>43.582</a:t>
                       </a:r>
                     </a:p>
@@ -4107,7 +4692,11 @@
                     <a:lstStyle/>
                     <a:p>
                       <a:r>
-                        <a:rPr lang="tr-TR" sz="1400" dirty="0"/>
+                        <a:rPr lang="tr-TR" sz="1200" dirty="0">
+                          <a:latin typeface="Verdana" panose="020B0604030504040204" pitchFamily="34" charset="0"/>
+                          <a:ea typeface="Verdana" panose="020B0604030504040204" pitchFamily="34" charset="0"/>
+                          <a:cs typeface="Verdana" panose="020B0604030504040204" pitchFamily="34" charset="0"/>
+                        </a:rPr>
                         <a:t>1.609</a:t>
                       </a:r>
                     </a:p>
@@ -4120,7 +4709,11 @@
                     <a:lstStyle/>
                     <a:p>
                       <a:r>
-                        <a:rPr lang="tr-TR" sz="1400" dirty="0"/>
+                        <a:rPr lang="tr-TR" sz="1200" dirty="0">
+                          <a:latin typeface="Verdana" panose="020B0604030504040204" pitchFamily="34" charset="0"/>
+                          <a:ea typeface="Verdana" panose="020B0604030504040204" pitchFamily="34" charset="0"/>
+                          <a:cs typeface="Verdana" panose="020B0604030504040204" pitchFamily="34" charset="0"/>
+                        </a:rPr>
                         <a:t>45.191</a:t>
                       </a:r>
                     </a:p>
@@ -4140,7 +4733,11 @@
                     <a:lstStyle/>
                     <a:p>
                       <a:r>
-                        <a:rPr lang="tr-TR" sz="1400" dirty="0"/>
+                        <a:rPr lang="tr-TR" sz="1200" b="1" dirty="0">
+                          <a:latin typeface="Verdana" panose="020B0604030504040204" pitchFamily="34" charset="0"/>
+                          <a:ea typeface="Verdana" panose="020B0604030504040204" pitchFamily="34" charset="0"/>
+                          <a:cs typeface="Verdana" panose="020B0604030504040204" pitchFamily="34" charset="0"/>
+                        </a:rPr>
                         <a:t>2011</a:t>
                       </a:r>
                     </a:p>
@@ -4153,7 +4750,11 @@
                     <a:lstStyle/>
                     <a:p>
                       <a:r>
-                        <a:rPr lang="tr-TR" sz="1400" dirty="0"/>
+                        <a:rPr lang="tr-TR" sz="1200" dirty="0">
+                          <a:latin typeface="Verdana" panose="020B0604030504040204" pitchFamily="34" charset="0"/>
+                          <a:ea typeface="Verdana" panose="020B0604030504040204" pitchFamily="34" charset="0"/>
+                          <a:cs typeface="Verdana" panose="020B0604030504040204" pitchFamily="34" charset="0"/>
+                        </a:rPr>
                         <a:t>54.987</a:t>
                       </a:r>
                     </a:p>
@@ -4166,7 +4767,11 @@
                     <a:lstStyle/>
                     <a:p>
                       <a:r>
-                        <a:rPr lang="tr-TR" sz="1400" dirty="0"/>
+                        <a:rPr lang="tr-TR" sz="1200" dirty="0">
+                          <a:latin typeface="Verdana" panose="020B0604030504040204" pitchFamily="34" charset="0"/>
+                          <a:ea typeface="Verdana" panose="020B0604030504040204" pitchFamily="34" charset="0"/>
+                          <a:cs typeface="Verdana" panose="020B0604030504040204" pitchFamily="34" charset="0"/>
+                        </a:rPr>
                         <a:t>2.954</a:t>
                       </a:r>
                     </a:p>
@@ -4179,7 +4784,11 @@
                     <a:lstStyle/>
                     <a:p>
                       <a:r>
-                        <a:rPr lang="tr-TR" sz="1400" dirty="0"/>
+                        <a:rPr lang="tr-TR" sz="1200" dirty="0">
+                          <a:latin typeface="Verdana" panose="020B0604030504040204" pitchFamily="34" charset="0"/>
+                          <a:ea typeface="Verdana" panose="020B0604030504040204" pitchFamily="34" charset="0"/>
+                          <a:cs typeface="Verdana" panose="020B0604030504040204" pitchFamily="34" charset="0"/>
+                        </a:rPr>
                         <a:t>57.941</a:t>
                       </a:r>
                     </a:p>
@@ -4199,7 +4808,11 @@
                     <a:lstStyle/>
                     <a:p>
                       <a:r>
-                        <a:rPr lang="tr-TR" sz="1400" dirty="0"/>
+                        <a:rPr lang="tr-TR" sz="1200" b="1" dirty="0">
+                          <a:latin typeface="Verdana" panose="020B0604030504040204" pitchFamily="34" charset="0"/>
+                          <a:ea typeface="Verdana" panose="020B0604030504040204" pitchFamily="34" charset="0"/>
+                          <a:cs typeface="Verdana" panose="020B0604030504040204" pitchFamily="34" charset="0"/>
+                        </a:rPr>
                         <a:t>2012</a:t>
                       </a:r>
                     </a:p>
@@ -4212,7 +4825,11 @@
                     <a:lstStyle/>
                     <a:p>
                       <a:r>
-                        <a:rPr lang="tr-TR" sz="1400" dirty="0"/>
+                        <a:rPr lang="tr-TR" sz="1200" dirty="0">
+                          <a:latin typeface="Verdana" panose="020B0604030504040204" pitchFamily="34" charset="0"/>
+                          <a:ea typeface="Verdana" panose="020B0604030504040204" pitchFamily="34" charset="0"/>
+                          <a:cs typeface="Verdana" panose="020B0604030504040204" pitchFamily="34" charset="0"/>
+                        </a:rPr>
                         <a:t>70.435</a:t>
                       </a:r>
                     </a:p>
@@ -4225,7 +4842,11 @@
                     <a:lstStyle/>
                     <a:p>
                       <a:r>
-                        <a:rPr lang="tr-TR" sz="1400" dirty="0"/>
+                        <a:rPr lang="tr-TR" sz="1200" dirty="0">
+                          <a:latin typeface="Verdana" panose="020B0604030504040204" pitchFamily="34" charset="0"/>
+                          <a:ea typeface="Verdana" panose="020B0604030504040204" pitchFamily="34" charset="0"/>
+                          <a:cs typeface="Verdana" panose="020B0604030504040204" pitchFamily="34" charset="0"/>
+                        </a:rPr>
                         <a:t>5.701</a:t>
                       </a:r>
                     </a:p>
@@ -4238,7 +4859,11 @@
                     <a:lstStyle/>
                     <a:p>
                       <a:r>
-                        <a:rPr lang="tr-TR" sz="1400" dirty="0"/>
+                        <a:rPr lang="tr-TR" sz="1200" dirty="0">
+                          <a:latin typeface="Verdana" panose="020B0604030504040204" pitchFamily="34" charset="0"/>
+                          <a:ea typeface="Verdana" panose="020B0604030504040204" pitchFamily="34" charset="0"/>
+                          <a:cs typeface="Verdana" panose="020B0604030504040204" pitchFamily="34" charset="0"/>
+                        </a:rPr>
                         <a:t>76.136</a:t>
                       </a:r>
                     </a:p>
@@ -4258,7 +4883,11 @@
                     <a:lstStyle/>
                     <a:p>
                       <a:r>
-                        <a:rPr lang="tr-TR" sz="1400" dirty="0"/>
+                        <a:rPr lang="tr-TR" sz="1200" b="1" dirty="0">
+                          <a:latin typeface="Verdana" panose="020B0604030504040204" pitchFamily="34" charset="0"/>
+                          <a:ea typeface="Verdana" panose="020B0604030504040204" pitchFamily="34" charset="0"/>
+                          <a:cs typeface="Verdana" panose="020B0604030504040204" pitchFamily="34" charset="0"/>
+                        </a:rPr>
                         <a:t>2013</a:t>
                       </a:r>
                     </a:p>
@@ -4271,7 +4900,11 @@
                     <a:lstStyle/>
                     <a:p>
                       <a:r>
-                        <a:rPr lang="tr-TR" sz="1400" dirty="0"/>
+                        <a:rPr lang="tr-TR" sz="1200" dirty="0">
+                          <a:latin typeface="Verdana" panose="020B0604030504040204" pitchFamily="34" charset="0"/>
+                          <a:ea typeface="Verdana" panose="020B0604030504040204" pitchFamily="34" charset="0"/>
+                          <a:cs typeface="Verdana" panose="020B0604030504040204" pitchFamily="34" charset="0"/>
+                        </a:rPr>
                         <a:t>83.806</a:t>
                       </a:r>
                     </a:p>
@@ -4284,7 +4917,11 @@
                     <a:lstStyle/>
                     <a:p>
                       <a:r>
-                        <a:rPr lang="tr-TR" sz="1400" dirty="0"/>
+                        <a:rPr lang="tr-TR" sz="1200" dirty="0">
+                          <a:latin typeface="Verdana" panose="020B0604030504040204" pitchFamily="34" charset="0"/>
+                          <a:ea typeface="Verdana" panose="020B0604030504040204" pitchFamily="34" charset="0"/>
+                          <a:cs typeface="Verdana" panose="020B0604030504040204" pitchFamily="34" charset="0"/>
+                        </a:rPr>
                         <a:t>11.136</a:t>
                       </a:r>
                     </a:p>
@@ -4297,7 +4934,11 @@
                     <a:lstStyle/>
                     <a:p>
                       <a:r>
-                        <a:rPr lang="tr-TR" sz="1400" dirty="0"/>
+                        <a:rPr lang="tr-TR" sz="1200" dirty="0">
+                          <a:latin typeface="Verdana" panose="020B0604030504040204" pitchFamily="34" charset="0"/>
+                          <a:ea typeface="Verdana" panose="020B0604030504040204" pitchFamily="34" charset="0"/>
+                          <a:cs typeface="Verdana" panose="020B0604030504040204" pitchFamily="34" charset="0"/>
+                        </a:rPr>
                         <a:t>94.942</a:t>
                       </a:r>
                     </a:p>
@@ -11635,8 +12276,8 @@
         </p:blipFill>
         <p:spPr>
           <a:xfrm>
-            <a:off x="3707905" y="1544230"/>
-            <a:ext cx="5400600" cy="3612962"/>
+            <a:off x="3714798" y="1524746"/>
+            <a:ext cx="5400600" cy="3672408"/>
           </a:xfrm>
           <a:prstGeom prst="rect">
             <a:avLst/>
@@ -11680,13 +12321,13 @@
           <p:nvPr>
             <p:extLst>
               <p:ext uri="{D42A27DB-BD31-4B8C-83A1-F6EECF244321}">
-                <p14:modId xmlns:p14="http://schemas.microsoft.com/office/powerpoint/2010/main" val="3191594202"/>
+                <p14:modId xmlns:p14="http://schemas.microsoft.com/office/powerpoint/2010/main" val="1409351909"/>
               </p:ext>
             </p:extLst>
           </p:nvPr>
         </p:nvGraphicFramePr>
         <p:xfrm>
-          <a:off x="0" y="620692"/>
+          <a:off x="0" y="980728"/>
           <a:ext cx="9144000" cy="5544612"/>
         </p:xfrm>
         <a:graphic>
@@ -11794,12 +12435,14 @@
                     <a:p>
                       <a:pPr algn="ctr" fontAlgn="ctr"/>
                       <a:r>
-                        <a:rPr lang="tr-TR" sz="700" b="1" i="0" u="none" strike="noStrike">
+                        <a:rPr lang="tr-TR" sz="700" b="1" i="0" u="none" strike="noStrike" dirty="0">
                           <a:solidFill>
                             <a:srgbClr val="000000"/>
                           </a:solidFill>
                           <a:effectLst/>
-                          <a:latin typeface="Tahoma" panose="020B0604030504040204" pitchFamily="34" charset="0"/>
+                          <a:latin typeface="Verdana" panose="020B0604030504040204" pitchFamily="34" charset="0"/>
+                          <a:ea typeface="Verdana" panose="020B0604030504040204" pitchFamily="34" charset="0"/>
+                          <a:cs typeface="Verdana" panose="020B0604030504040204" pitchFamily="34" charset="0"/>
                         </a:rPr>
                         <a:t>2016 YILI</a:t>
                       </a:r>
@@ -11983,7 +12626,9 @@
                             <a:srgbClr val="000000"/>
                           </a:solidFill>
                           <a:effectLst/>
-                          <a:latin typeface="Tahoma" panose="020B0604030504040204" pitchFamily="34" charset="0"/>
+                          <a:latin typeface="Verdana" panose="020B0604030504040204" pitchFamily="34" charset="0"/>
+                          <a:ea typeface="Verdana" panose="020B0604030504040204" pitchFamily="34" charset="0"/>
+                          <a:cs typeface="Verdana" panose="020B0604030504040204" pitchFamily="34" charset="0"/>
                         </a:rPr>
                         <a:t>Session</a:t>
                       </a:r>
@@ -11992,7 +12637,9 @@
                           <a:srgbClr val="000000"/>
                         </a:solidFill>
                         <a:effectLst/>
-                        <a:latin typeface="Tahoma" panose="020B0604030504040204" pitchFamily="34" charset="0"/>
+                        <a:latin typeface="Verdana" panose="020B0604030504040204" pitchFamily="34" charset="0"/>
+                        <a:ea typeface="Verdana" panose="020B0604030504040204" pitchFamily="34" charset="0"/>
+                        <a:cs typeface="Verdana" panose="020B0604030504040204" pitchFamily="34" charset="0"/>
                       </a:endParaRPr>
                     </a:p>
                   </a:txBody>
@@ -12035,129 +12682,271 @@
                     </a:lnB>
                   </a:tcPr>
                 </a:tc>
-                <a:tc gridSpan="6">
+                <a:tc gridSpan="12">
                   <a:txBody>
                     <a:bodyPr/>
                     <a:lstStyle/>
                     <a:p>
                       <a:pPr algn="ctr" fontAlgn="ctr"/>
                       <a:r>
-                        <a:rPr lang="tr-TR" sz="700" b="1" i="0" u="none" strike="noStrike">
+                        <a:rPr lang="tr-TR" sz="900" b="1" i="0" u="none" strike="noStrike" dirty="0" err="1">
                           <a:solidFill>
                             <a:srgbClr val="000000"/>
                           </a:solidFill>
                           <a:effectLst/>
-                          <a:latin typeface="Tahoma" panose="020B0604030504040204" pitchFamily="34" charset="0"/>
-                        </a:rPr>
-                        <a:t>İşlem Adedi</a:t>
-                      </a:r>
-                    </a:p>
-                  </a:txBody>
-                  <a:tcPr marL="5715" marR="5715" marT="5715" marB="0" anchor="ctr">
-                    <a:lnL w="12700" cap="flat" cmpd="sng" algn="ctr">
-                      <a:solidFill>
-                        <a:srgbClr val="CCCCCC"/>
-                      </a:solidFill>
-                      <a:prstDash val="solid"/>
-                      <a:round/>
-                      <a:headEnd type="none" w="med" len="med"/>
-                      <a:tailEnd type="none" w="med" len="med"/>
-                    </a:lnL>
-                    <a:lnR w="12700" cap="flat" cmpd="sng" algn="ctr">
-                      <a:solidFill>
-                        <a:srgbClr val="CCCCCC"/>
-                      </a:solidFill>
-                      <a:prstDash val="solid"/>
-                      <a:round/>
-                      <a:headEnd type="none" w="med" len="med"/>
-                      <a:tailEnd type="none" w="med" len="med"/>
-                    </a:lnR>
-                    <a:lnT w="12700" cap="flat" cmpd="sng" algn="ctr">
-                      <a:solidFill>
-                        <a:srgbClr val="CCCCCC"/>
-                      </a:solidFill>
-                      <a:prstDash val="solid"/>
-                      <a:round/>
-                      <a:headEnd type="none" w="med" len="med"/>
-                      <a:tailEnd type="none" w="med" len="med"/>
-                    </a:lnT>
-                    <a:lnB w="12700" cap="flat" cmpd="sng" algn="ctr">
-                      <a:solidFill>
-                        <a:srgbClr val="CCCCCC"/>
-                      </a:solidFill>
-                      <a:prstDash val="solid"/>
-                      <a:round/>
-                      <a:headEnd type="none" w="med" len="med"/>
-                      <a:tailEnd type="none" w="med" len="med"/>
-                    </a:lnB>
-                  </a:tcPr>
-                </a:tc>
-                <a:tc hMerge="1">
-                  <a:txBody>
-                    <a:bodyPr/>
-                    <a:lstStyle/>
-                    <a:p>
-                      <a:endParaRPr lang="tr-TR"/>
-                    </a:p>
-                  </a:txBody>
-                  <a:tcPr/>
-                </a:tc>
-                <a:tc hMerge="1">
-                  <a:txBody>
-                    <a:bodyPr/>
-                    <a:lstStyle/>
-                    <a:p>
-                      <a:endParaRPr lang="tr-TR"/>
-                    </a:p>
-                  </a:txBody>
-                  <a:tcPr/>
-                </a:tc>
-                <a:tc hMerge="1">
-                  <a:txBody>
-                    <a:bodyPr/>
-                    <a:lstStyle/>
-                    <a:p>
-                      <a:endParaRPr lang="tr-TR"/>
-                    </a:p>
-                  </a:txBody>
-                  <a:tcPr/>
-                </a:tc>
-                <a:tc hMerge="1">
-                  <a:txBody>
-                    <a:bodyPr/>
-                    <a:lstStyle/>
-                    <a:p>
-                      <a:endParaRPr lang="tr-TR"/>
-                    </a:p>
-                  </a:txBody>
-                  <a:tcPr/>
-                </a:tc>
-                <a:tc hMerge="1">
-                  <a:txBody>
-                    <a:bodyPr/>
-                    <a:lstStyle/>
-                    <a:p>
-                      <a:endParaRPr lang="tr-TR"/>
-                    </a:p>
-                  </a:txBody>
-                  <a:tcPr/>
-                </a:tc>
-                <a:tc gridSpan="6">
-                  <a:txBody>
-                    <a:bodyPr/>
-                    <a:lstStyle/>
-                    <a:p>
-                      <a:pPr algn="ctr" fontAlgn="ctr"/>
-                      <a:r>
-                        <a:rPr lang="tr-TR" sz="700" b="1" i="0" u="none" strike="noStrike">
+                          <a:latin typeface="Verdana" panose="020B0604030504040204" pitchFamily="34" charset="0"/>
+                          <a:ea typeface="Verdana" panose="020B0604030504040204" pitchFamily="34" charset="0"/>
+                          <a:cs typeface="Verdana" panose="020B0604030504040204" pitchFamily="34" charset="0"/>
+                        </a:rPr>
+                        <a:t>Local</a:t>
+                      </a:r>
+                      <a:r>
+                        <a:rPr lang="tr-TR" sz="900" b="1" i="0" u="none" strike="noStrike" baseline="0" dirty="0">
                           <a:solidFill>
                             <a:srgbClr val="000000"/>
                           </a:solidFill>
                           <a:effectLst/>
-                          <a:latin typeface="Tahoma" panose="020B0604030504040204" pitchFamily="34" charset="0"/>
-                        </a:rPr>
-                        <a:t>İşlem Tutarı (Milyon TL)</a:t>
-                      </a:r>
+                          <a:latin typeface="Verdana" panose="020B0604030504040204" pitchFamily="34" charset="0"/>
+                          <a:ea typeface="Verdana" panose="020B0604030504040204" pitchFamily="34" charset="0"/>
+                          <a:cs typeface="Verdana" panose="020B0604030504040204" pitchFamily="34" charset="0"/>
+                        </a:rPr>
+                        <a:t> </a:t>
+                      </a:r>
+                      <a:r>
+                        <a:rPr lang="tr-TR" sz="900" b="1" i="0" u="none" strike="noStrike" baseline="0" dirty="0" err="1">
+                          <a:solidFill>
+                            <a:srgbClr val="000000"/>
+                          </a:solidFill>
+                          <a:effectLst/>
+                          <a:latin typeface="Verdana" panose="020B0604030504040204" pitchFamily="34" charset="0"/>
+                          <a:ea typeface="Verdana" panose="020B0604030504040204" pitchFamily="34" charset="0"/>
+                          <a:cs typeface="Verdana" panose="020B0604030504040204" pitchFamily="34" charset="0"/>
+                        </a:rPr>
+                        <a:t>Use</a:t>
+                      </a:r>
+                      <a:r>
+                        <a:rPr lang="tr-TR" sz="900" b="1" i="0" u="none" strike="noStrike" baseline="0" dirty="0">
+                          <a:solidFill>
+                            <a:srgbClr val="000000"/>
+                          </a:solidFill>
+                          <a:effectLst/>
+                          <a:latin typeface="Verdana" panose="020B0604030504040204" pitchFamily="34" charset="0"/>
+                          <a:ea typeface="Verdana" panose="020B0604030504040204" pitchFamily="34" charset="0"/>
+                          <a:cs typeface="Verdana" panose="020B0604030504040204" pitchFamily="34" charset="0"/>
+                        </a:rPr>
+                        <a:t> of </a:t>
+                      </a:r>
+                      <a:r>
+                        <a:rPr lang="tr-TR" sz="900" b="1" i="0" u="none" strike="noStrike" baseline="0" dirty="0" err="1">
+                          <a:solidFill>
+                            <a:srgbClr val="000000"/>
+                          </a:solidFill>
+                          <a:effectLst/>
+                          <a:latin typeface="Verdana" panose="020B0604030504040204" pitchFamily="34" charset="0"/>
+                          <a:ea typeface="Verdana" panose="020B0604030504040204" pitchFamily="34" charset="0"/>
+                          <a:cs typeface="Verdana" panose="020B0604030504040204" pitchFamily="34" charset="0"/>
+                        </a:rPr>
+                        <a:t>Foreign</a:t>
+                      </a:r>
+                      <a:r>
+                        <a:rPr lang="tr-TR" sz="900" b="1" i="0" u="none" strike="noStrike" baseline="0" dirty="0">
+                          <a:solidFill>
+                            <a:srgbClr val="000000"/>
+                          </a:solidFill>
+                          <a:effectLst/>
+                          <a:latin typeface="Verdana" panose="020B0604030504040204" pitchFamily="34" charset="0"/>
+                          <a:ea typeface="Verdana" panose="020B0604030504040204" pitchFamily="34" charset="0"/>
+                          <a:cs typeface="Verdana" panose="020B0604030504040204" pitchFamily="34" charset="0"/>
+                        </a:rPr>
+                        <a:t> </a:t>
+                      </a:r>
+                      <a:r>
+                        <a:rPr lang="tr-TR" sz="900" b="1" i="0" u="none" strike="noStrike" baseline="0" dirty="0" err="1">
+                          <a:solidFill>
+                            <a:srgbClr val="000000"/>
+                          </a:solidFill>
+                          <a:effectLst/>
+                          <a:latin typeface="Verdana" panose="020B0604030504040204" pitchFamily="34" charset="0"/>
+                          <a:ea typeface="Verdana" panose="020B0604030504040204" pitchFamily="34" charset="0"/>
+                          <a:cs typeface="Verdana" panose="020B0604030504040204" pitchFamily="34" charset="0"/>
+                        </a:rPr>
+                        <a:t>and</a:t>
+                      </a:r>
+                      <a:r>
+                        <a:rPr lang="tr-TR" sz="900" b="1" i="0" u="none" strike="noStrike" baseline="0" dirty="0">
+                          <a:solidFill>
+                            <a:srgbClr val="000000"/>
+                          </a:solidFill>
+                          <a:effectLst/>
+                          <a:latin typeface="Verdana" panose="020B0604030504040204" pitchFamily="34" charset="0"/>
+                          <a:ea typeface="Verdana" panose="020B0604030504040204" pitchFamily="34" charset="0"/>
+                          <a:cs typeface="Verdana" panose="020B0604030504040204" pitchFamily="34" charset="0"/>
+                        </a:rPr>
+                        <a:t> </a:t>
+                      </a:r>
+                      <a:r>
+                        <a:rPr lang="tr-TR" sz="900" b="1" i="0" u="none" strike="noStrike" baseline="0" dirty="0" err="1">
+                          <a:solidFill>
+                            <a:srgbClr val="000000"/>
+                          </a:solidFill>
+                          <a:effectLst/>
+                          <a:latin typeface="Verdana" panose="020B0604030504040204" pitchFamily="34" charset="0"/>
+                          <a:ea typeface="Verdana" panose="020B0604030504040204" pitchFamily="34" charset="0"/>
+                          <a:cs typeface="Verdana" panose="020B0604030504040204" pitchFamily="34" charset="0"/>
+                        </a:rPr>
+                        <a:t>Local</a:t>
+                      </a:r>
+                      <a:r>
+                        <a:rPr lang="tr-TR" sz="900" b="1" i="0" u="none" strike="noStrike" baseline="0" dirty="0">
+                          <a:solidFill>
+                            <a:srgbClr val="000000"/>
+                          </a:solidFill>
+                          <a:effectLst/>
+                          <a:latin typeface="Verdana" panose="020B0604030504040204" pitchFamily="34" charset="0"/>
+                          <a:ea typeface="Verdana" panose="020B0604030504040204" pitchFamily="34" charset="0"/>
+                          <a:cs typeface="Verdana" panose="020B0604030504040204" pitchFamily="34" charset="0"/>
+                        </a:rPr>
+                        <a:t> </a:t>
+                      </a:r>
+                      <a:r>
+                        <a:rPr lang="tr-TR" sz="900" b="1" i="0" u="none" strike="noStrike" baseline="0" dirty="0" err="1">
+                          <a:solidFill>
+                            <a:srgbClr val="000000"/>
+                          </a:solidFill>
+                          <a:effectLst/>
+                          <a:latin typeface="Verdana" panose="020B0604030504040204" pitchFamily="34" charset="0"/>
+                          <a:ea typeface="Verdana" panose="020B0604030504040204" pitchFamily="34" charset="0"/>
+                          <a:cs typeface="Verdana" panose="020B0604030504040204" pitchFamily="34" charset="0"/>
+                        </a:rPr>
+                        <a:t>Card</a:t>
+                      </a:r>
+                      <a:r>
+                        <a:rPr lang="tr-TR" sz="900" b="1" i="0" u="none" strike="noStrike" baseline="0" dirty="0">
+                          <a:solidFill>
+                            <a:srgbClr val="000000"/>
+                          </a:solidFill>
+                          <a:effectLst/>
+                          <a:latin typeface="Verdana" panose="020B0604030504040204" pitchFamily="34" charset="0"/>
+                          <a:ea typeface="Verdana" panose="020B0604030504040204" pitchFamily="34" charset="0"/>
+                          <a:cs typeface="Verdana" panose="020B0604030504040204" pitchFamily="34" charset="0"/>
+                        </a:rPr>
+                        <a:t> In Turkey </a:t>
+                      </a:r>
+                      <a:endParaRPr lang="tr-TR" sz="900" b="1" i="0" u="none" strike="noStrike" dirty="0">
+                        <a:solidFill>
+                          <a:srgbClr val="000000"/>
+                        </a:solidFill>
+                        <a:effectLst/>
+                        <a:latin typeface="Verdana" panose="020B0604030504040204" pitchFamily="34" charset="0"/>
+                        <a:ea typeface="Verdana" panose="020B0604030504040204" pitchFamily="34" charset="0"/>
+                        <a:cs typeface="Verdana" panose="020B0604030504040204" pitchFamily="34" charset="0"/>
+                      </a:endParaRPr>
+                    </a:p>
+                  </a:txBody>
+                  <a:tcPr marL="5715" marR="5715" marT="5715" marB="0" anchor="ctr">
+                    <a:lnL w="12700" cap="flat" cmpd="sng" algn="ctr">
+                      <a:solidFill>
+                        <a:srgbClr val="CCCCCC"/>
+                      </a:solidFill>
+                      <a:prstDash val="solid"/>
+                      <a:round/>
+                      <a:headEnd type="none" w="med" len="med"/>
+                      <a:tailEnd type="none" w="med" len="med"/>
+                    </a:lnL>
+                    <a:lnR w="12700" cap="flat" cmpd="sng" algn="ctr">
+                      <a:solidFill>
+                        <a:srgbClr val="CCCCCC"/>
+                      </a:solidFill>
+                      <a:prstDash val="solid"/>
+                      <a:round/>
+                      <a:headEnd type="none" w="med" len="med"/>
+                      <a:tailEnd type="none" w="med" len="med"/>
+                    </a:lnR>
+                    <a:lnT w="12700" cap="flat" cmpd="sng" algn="ctr">
+                      <a:solidFill>
+                        <a:srgbClr val="CCCCCC"/>
+                      </a:solidFill>
+                      <a:prstDash val="solid"/>
+                      <a:round/>
+                      <a:headEnd type="none" w="med" len="med"/>
+                      <a:tailEnd type="none" w="med" len="med"/>
+                    </a:lnT>
+                    <a:lnB w="12700" cap="flat" cmpd="sng" algn="ctr">
+                      <a:solidFill>
+                        <a:srgbClr val="CCCCCC"/>
+                      </a:solidFill>
+                      <a:prstDash val="solid"/>
+                      <a:round/>
+                      <a:headEnd type="none" w="med" len="med"/>
+                      <a:tailEnd type="none" w="med" len="med"/>
+                    </a:lnB>
+                  </a:tcPr>
+                </a:tc>
+                <a:tc hMerge="1">
+                  <a:txBody>
+                    <a:bodyPr/>
+                    <a:lstStyle/>
+                    <a:p>
+                      <a:endParaRPr lang="tr-TR"/>
+                    </a:p>
+                  </a:txBody>
+                  <a:tcPr/>
+                </a:tc>
+                <a:tc hMerge="1">
+                  <a:txBody>
+                    <a:bodyPr/>
+                    <a:lstStyle/>
+                    <a:p>
+                      <a:endParaRPr lang="tr-TR"/>
+                    </a:p>
+                  </a:txBody>
+                  <a:tcPr/>
+                </a:tc>
+                <a:tc hMerge="1">
+                  <a:txBody>
+                    <a:bodyPr/>
+                    <a:lstStyle/>
+                    <a:p>
+                      <a:endParaRPr lang="tr-TR"/>
+                    </a:p>
+                  </a:txBody>
+                  <a:tcPr/>
+                </a:tc>
+                <a:tc hMerge="1">
+                  <a:txBody>
+                    <a:bodyPr/>
+                    <a:lstStyle/>
+                    <a:p>
+                      <a:endParaRPr lang="tr-TR"/>
+                    </a:p>
+                  </a:txBody>
+                  <a:tcPr/>
+                </a:tc>
+                <a:tc hMerge="1">
+                  <a:txBody>
+                    <a:bodyPr/>
+                    <a:lstStyle/>
+                    <a:p>
+                      <a:endParaRPr lang="tr-TR"/>
+                    </a:p>
+                  </a:txBody>
+                  <a:tcPr/>
+                </a:tc>
+                <a:tc hMerge="1">
+                  <a:txBody>
+                    <a:bodyPr/>
+                    <a:lstStyle/>
+                    <a:p>
+                      <a:pPr algn="ctr" fontAlgn="ctr"/>
+                      <a:endParaRPr lang="tr-TR" sz="700" b="1" i="0" u="none" strike="noStrike" dirty="0">
+                        <a:solidFill>
+                          <a:srgbClr val="000000"/>
+                        </a:solidFill>
+                        <a:effectLst/>
+                        <a:latin typeface="Verdana" panose="020B0604030504040204" pitchFamily="34" charset="0"/>
+                        <a:ea typeface="Verdana" panose="020B0604030504040204" pitchFamily="34" charset="0"/>
+                        <a:cs typeface="Verdana" panose="020B0604030504040204" pitchFamily="34" charset="0"/>
+                      </a:endParaRPr>
                     </a:p>
                   </a:txBody>
                   <a:tcPr marL="5715" marR="5715" marT="5715" marB="0" anchor="ctr">
@@ -12273,15 +13062,26 @@
                     <a:p>
                       <a:pPr algn="ctr" fontAlgn="ctr"/>
                       <a:r>
-                        <a:rPr lang="en-US" sz="700" b="1" i="0" u="none" strike="noStrike" dirty="0">
+                        <a:rPr lang="tr-TR" sz="700" b="1" i="0" u="none" strike="noStrike" dirty="0">
                           <a:solidFill>
                             <a:srgbClr val="000000"/>
                           </a:solidFill>
                           <a:effectLst/>
-                          <a:latin typeface="Tahoma" panose="020B0604030504040204" pitchFamily="34" charset="0"/>
-                        </a:rPr>
-                        <a:t>Domestic and International Use of Local Cards</a:t>
-                      </a:r>
+                          <a:latin typeface="Verdana" panose="020B0604030504040204" pitchFamily="34" charset="0"/>
+                          <a:ea typeface="Verdana" panose="020B0604030504040204" pitchFamily="34" charset="0"/>
+                          <a:cs typeface="Verdana" panose="020B0604030504040204" pitchFamily="34" charset="0"/>
+                        </a:rPr>
+                        <a:t>2012</a:t>
+                      </a:r>
+                      <a:endParaRPr lang="en-US" sz="700" b="1" i="0" u="none" strike="noStrike" dirty="0">
+                        <a:solidFill>
+                          <a:srgbClr val="000000"/>
+                        </a:solidFill>
+                        <a:effectLst/>
+                        <a:latin typeface="Verdana" panose="020B0604030504040204" pitchFamily="34" charset="0"/>
+                        <a:ea typeface="Verdana" panose="020B0604030504040204" pitchFamily="34" charset="0"/>
+                        <a:cs typeface="Verdana" panose="020B0604030504040204" pitchFamily="34" charset="0"/>
+                      </a:endParaRPr>
                     </a:p>
                   </a:txBody>
                   <a:tcPr marL="5715" marR="5715" marT="5715" marB="0" anchor="ctr">
@@ -12350,15 +13150,26 @@
                     <a:p>
                       <a:pPr algn="ctr" fontAlgn="ctr"/>
                       <a:r>
-                        <a:rPr lang="en-US" sz="700" b="1" i="0" u="none" strike="noStrike" dirty="0">
+                        <a:rPr lang="tr-TR" sz="700" b="1" i="0" u="none" strike="noStrike" dirty="0">
                           <a:solidFill>
                             <a:srgbClr val="000000"/>
                           </a:solidFill>
                           <a:effectLst/>
-                          <a:latin typeface="Tahoma" panose="020B0604030504040204" pitchFamily="34" charset="0"/>
-                        </a:rPr>
-                        <a:t>Domestic Use of Domestic and Foreign Cards</a:t>
-                      </a:r>
+                          <a:latin typeface="Verdana" panose="020B0604030504040204" pitchFamily="34" charset="0"/>
+                          <a:ea typeface="Verdana" panose="020B0604030504040204" pitchFamily="34" charset="0"/>
+                          <a:cs typeface="Verdana" panose="020B0604030504040204" pitchFamily="34" charset="0"/>
+                        </a:rPr>
+                        <a:t>2013</a:t>
+                      </a:r>
+                      <a:endParaRPr lang="en-US" sz="700" b="1" i="0" u="none" strike="noStrike" dirty="0">
+                        <a:solidFill>
+                          <a:srgbClr val="000000"/>
+                        </a:solidFill>
+                        <a:effectLst/>
+                        <a:latin typeface="Verdana" panose="020B0604030504040204" pitchFamily="34" charset="0"/>
+                        <a:ea typeface="Verdana" panose="020B0604030504040204" pitchFamily="34" charset="0"/>
+                        <a:cs typeface="Verdana" panose="020B0604030504040204" pitchFamily="34" charset="0"/>
+                      </a:endParaRPr>
                     </a:p>
                   </a:txBody>
                   <a:tcPr marL="5715" marR="5715" marT="5715" marB="0" anchor="ctr">
@@ -12427,15 +13238,26 @@
                     <a:p>
                       <a:pPr algn="ctr" fontAlgn="ctr"/>
                       <a:r>
-                        <a:rPr lang="en-US" sz="700" b="1" i="0" u="none" strike="noStrike" dirty="0">
+                        <a:rPr lang="tr-TR" sz="700" b="1" i="0" u="none" strike="noStrike" dirty="0">
                           <a:solidFill>
                             <a:srgbClr val="000000"/>
                           </a:solidFill>
                           <a:effectLst/>
-                          <a:latin typeface="Tahoma" panose="020B0604030504040204" pitchFamily="34" charset="0"/>
-                        </a:rPr>
-                        <a:t>Domestic and International Use of Local Cards</a:t>
-                      </a:r>
+                          <a:latin typeface="Verdana" panose="020B0604030504040204" pitchFamily="34" charset="0"/>
+                          <a:ea typeface="Verdana" panose="020B0604030504040204" pitchFamily="34" charset="0"/>
+                          <a:cs typeface="Verdana" panose="020B0604030504040204" pitchFamily="34" charset="0"/>
+                        </a:rPr>
+                        <a:t>2015</a:t>
+                      </a:r>
+                      <a:endParaRPr lang="en-US" sz="700" b="1" i="0" u="none" strike="noStrike" dirty="0">
+                        <a:solidFill>
+                          <a:srgbClr val="000000"/>
+                        </a:solidFill>
+                        <a:effectLst/>
+                        <a:latin typeface="Verdana" panose="020B0604030504040204" pitchFamily="34" charset="0"/>
+                        <a:ea typeface="Verdana" panose="020B0604030504040204" pitchFamily="34" charset="0"/>
+                        <a:cs typeface="Verdana" panose="020B0604030504040204" pitchFamily="34" charset="0"/>
+                      </a:endParaRPr>
                     </a:p>
                   </a:txBody>
                   <a:tcPr marL="5715" marR="5715" marT="5715" marB="0" anchor="ctr">
@@ -12504,15 +13326,26 @@
                     <a:p>
                       <a:pPr algn="ctr" fontAlgn="ctr"/>
                       <a:r>
-                        <a:rPr lang="en-US" sz="700" b="1" i="0" u="none" strike="noStrike" dirty="0">
+                        <a:rPr lang="tr-TR" sz="700" b="1" i="0" u="none" strike="noStrike" dirty="0">
                           <a:solidFill>
                             <a:srgbClr val="000000"/>
                           </a:solidFill>
                           <a:effectLst/>
-                          <a:latin typeface="Tahoma" panose="020B0604030504040204" pitchFamily="34" charset="0"/>
-                        </a:rPr>
-                        <a:t>Domestic Use of Domestic and Foreign Cards</a:t>
-                      </a:r>
+                          <a:latin typeface="Verdana" panose="020B0604030504040204" pitchFamily="34" charset="0"/>
+                          <a:ea typeface="Verdana" panose="020B0604030504040204" pitchFamily="34" charset="0"/>
+                          <a:cs typeface="Verdana" panose="020B0604030504040204" pitchFamily="34" charset="0"/>
+                        </a:rPr>
+                        <a:t>2016</a:t>
+                      </a:r>
+                      <a:endParaRPr lang="en-US" sz="700" b="1" i="0" u="none" strike="noStrike" dirty="0">
+                        <a:solidFill>
+                          <a:srgbClr val="000000"/>
+                        </a:solidFill>
+                        <a:effectLst/>
+                        <a:latin typeface="Verdana" panose="020B0604030504040204" pitchFamily="34" charset="0"/>
+                        <a:ea typeface="Verdana" panose="020B0604030504040204" pitchFamily="34" charset="0"/>
+                        <a:cs typeface="Verdana" panose="020B0604030504040204" pitchFamily="34" charset="0"/>
+                      </a:endParaRPr>
                     </a:p>
                   </a:txBody>
                   <a:tcPr marL="5715" marR="5715" marT="5715" marB="0" anchor="ctr">
@@ -12603,7 +13436,9 @@
                             <a:srgbClr val="000000"/>
                           </a:solidFill>
                           <a:effectLst/>
-                          <a:latin typeface="Tahoma" panose="020B0604030504040204" pitchFamily="34" charset="0"/>
+                          <a:latin typeface="Verdana" panose="020B0604030504040204" pitchFamily="34" charset="0"/>
+                          <a:ea typeface="Verdana" panose="020B0604030504040204" pitchFamily="34" charset="0"/>
+                          <a:cs typeface="Verdana" panose="020B0604030504040204" pitchFamily="34" charset="0"/>
                         </a:rPr>
                         <a:t>Domestic</a:t>
                       </a:r>
@@ -12612,7 +13447,9 @@
                           <a:srgbClr val="000000"/>
                         </a:solidFill>
                         <a:effectLst/>
-                        <a:latin typeface="Tahoma" panose="020B0604030504040204" pitchFamily="34" charset="0"/>
+                        <a:latin typeface="Verdana" panose="020B0604030504040204" pitchFamily="34" charset="0"/>
+                        <a:ea typeface="Verdana" panose="020B0604030504040204" pitchFamily="34" charset="0"/>
+                        <a:cs typeface="Verdana" panose="020B0604030504040204" pitchFamily="34" charset="0"/>
                       </a:endParaRPr>
                     </a:p>
                   </a:txBody>
@@ -12667,7 +13504,9 @@
                             <a:srgbClr val="000000"/>
                           </a:solidFill>
                           <a:effectLst/>
-                          <a:latin typeface="Tahoma" panose="020B0604030504040204" pitchFamily="34" charset="0"/>
+                          <a:latin typeface="Verdana" panose="020B0604030504040204" pitchFamily="34" charset="0"/>
+                          <a:ea typeface="Verdana" panose="020B0604030504040204" pitchFamily="34" charset="0"/>
+                          <a:cs typeface="Verdana" panose="020B0604030504040204" pitchFamily="34" charset="0"/>
                         </a:rPr>
                         <a:t>Abroad</a:t>
                       </a:r>
@@ -12676,7 +13515,9 @@
                           <a:srgbClr val="000000"/>
                         </a:solidFill>
                         <a:effectLst/>
-                        <a:latin typeface="Tahoma" panose="020B0604030504040204" pitchFamily="34" charset="0"/>
+                        <a:latin typeface="Verdana" panose="020B0604030504040204" pitchFamily="34" charset="0"/>
+                        <a:ea typeface="Verdana" panose="020B0604030504040204" pitchFamily="34" charset="0"/>
+                        <a:cs typeface="Verdana" panose="020B0604030504040204" pitchFamily="34" charset="0"/>
                       </a:endParaRPr>
                     </a:p>
                   </a:txBody>
@@ -12731,7 +13572,9 @@
                             <a:srgbClr val="000000"/>
                           </a:solidFill>
                           <a:effectLst/>
-                          <a:latin typeface="Tahoma" panose="020B0604030504040204" pitchFamily="34" charset="0"/>
+                          <a:latin typeface="Verdana" panose="020B0604030504040204" pitchFamily="34" charset="0"/>
+                          <a:ea typeface="Verdana" panose="020B0604030504040204" pitchFamily="34" charset="0"/>
+                          <a:cs typeface="Verdana" panose="020B0604030504040204" pitchFamily="34" charset="0"/>
                         </a:rPr>
                         <a:t>Total</a:t>
                       </a:r>
@@ -12788,7 +13631,9 @@
                             <a:srgbClr val="000000"/>
                           </a:solidFill>
                           <a:effectLst/>
-                          <a:latin typeface="Tahoma" panose="020B0604030504040204" pitchFamily="34" charset="0"/>
+                          <a:latin typeface="Verdana" panose="020B0604030504040204" pitchFamily="34" charset="0"/>
+                          <a:ea typeface="Verdana" panose="020B0604030504040204" pitchFamily="34" charset="0"/>
+                          <a:cs typeface="Verdana" panose="020B0604030504040204" pitchFamily="34" charset="0"/>
                         </a:rPr>
                         <a:t>Local</a:t>
                       </a:r>
@@ -12798,7 +13643,9 @@
                             <a:srgbClr val="000000"/>
                           </a:solidFill>
                           <a:effectLst/>
-                          <a:latin typeface="Tahoma" panose="020B0604030504040204" pitchFamily="34" charset="0"/>
+                          <a:latin typeface="Verdana" panose="020B0604030504040204" pitchFamily="34" charset="0"/>
+                          <a:ea typeface="Verdana" panose="020B0604030504040204" pitchFamily="34" charset="0"/>
+                          <a:cs typeface="Verdana" panose="020B0604030504040204" pitchFamily="34" charset="0"/>
                         </a:rPr>
                         <a:t> </a:t>
                       </a:r>
@@ -12808,7 +13655,9 @@
                             <a:srgbClr val="000000"/>
                           </a:solidFill>
                           <a:effectLst/>
-                          <a:latin typeface="Tahoma" panose="020B0604030504040204" pitchFamily="34" charset="0"/>
+                          <a:latin typeface="Verdana" panose="020B0604030504040204" pitchFamily="34" charset="0"/>
+                          <a:ea typeface="Verdana" panose="020B0604030504040204" pitchFamily="34" charset="0"/>
+                          <a:cs typeface="Verdana" panose="020B0604030504040204" pitchFamily="34" charset="0"/>
                         </a:rPr>
                         <a:t>Card</a:t>
                       </a:r>
@@ -12817,7 +13666,9 @@
                           <a:srgbClr val="000000"/>
                         </a:solidFill>
                         <a:effectLst/>
-                        <a:latin typeface="Tahoma" panose="020B0604030504040204" pitchFamily="34" charset="0"/>
+                        <a:latin typeface="Verdana" panose="020B0604030504040204" pitchFamily="34" charset="0"/>
+                        <a:ea typeface="Verdana" panose="020B0604030504040204" pitchFamily="34" charset="0"/>
+                        <a:cs typeface="Verdana" panose="020B0604030504040204" pitchFamily="34" charset="0"/>
                       </a:endParaRPr>
                     </a:p>
                   </a:txBody>
@@ -12872,7 +13723,9 @@
                             <a:srgbClr val="000000"/>
                           </a:solidFill>
                           <a:effectLst/>
-                          <a:latin typeface="Tahoma" panose="020B0604030504040204" pitchFamily="34" charset="0"/>
+                          <a:latin typeface="Verdana" panose="020B0604030504040204" pitchFamily="34" charset="0"/>
+                          <a:ea typeface="Verdana" panose="020B0604030504040204" pitchFamily="34" charset="0"/>
+                          <a:cs typeface="Verdana" panose="020B0604030504040204" pitchFamily="34" charset="0"/>
                         </a:rPr>
                         <a:t>Foreign</a:t>
                       </a:r>
@@ -12882,7 +13735,9 @@
                             <a:srgbClr val="000000"/>
                           </a:solidFill>
                           <a:effectLst/>
-                          <a:latin typeface="Tahoma" panose="020B0604030504040204" pitchFamily="34" charset="0"/>
+                          <a:latin typeface="Verdana" panose="020B0604030504040204" pitchFamily="34" charset="0"/>
+                          <a:ea typeface="Verdana" panose="020B0604030504040204" pitchFamily="34" charset="0"/>
+                          <a:cs typeface="Verdana" panose="020B0604030504040204" pitchFamily="34" charset="0"/>
                         </a:rPr>
                         <a:t> </a:t>
                       </a:r>
@@ -12892,7 +13747,9 @@
                             <a:srgbClr val="000000"/>
                           </a:solidFill>
                           <a:effectLst/>
-                          <a:latin typeface="Tahoma" panose="020B0604030504040204" pitchFamily="34" charset="0"/>
+                          <a:latin typeface="Verdana" panose="020B0604030504040204" pitchFamily="34" charset="0"/>
+                          <a:ea typeface="Verdana" panose="020B0604030504040204" pitchFamily="34" charset="0"/>
+                          <a:cs typeface="Verdana" panose="020B0604030504040204" pitchFamily="34" charset="0"/>
                         </a:rPr>
                         <a:t>Card</a:t>
                       </a:r>
@@ -12901,7 +13758,9 @@
                           <a:srgbClr val="000000"/>
                         </a:solidFill>
                         <a:effectLst/>
-                        <a:latin typeface="Tahoma" panose="020B0604030504040204" pitchFamily="34" charset="0"/>
+                        <a:latin typeface="Verdana" panose="020B0604030504040204" pitchFamily="34" charset="0"/>
+                        <a:ea typeface="Verdana" panose="020B0604030504040204" pitchFamily="34" charset="0"/>
+                        <a:cs typeface="Verdana" panose="020B0604030504040204" pitchFamily="34" charset="0"/>
                       </a:endParaRPr>
                     </a:p>
                   </a:txBody>
@@ -12956,7 +13815,9 @@
                             <a:srgbClr val="000000"/>
                           </a:solidFill>
                           <a:effectLst/>
-                          <a:latin typeface="Tahoma" panose="020B0604030504040204" pitchFamily="34" charset="0"/>
+                          <a:latin typeface="Verdana" panose="020B0604030504040204" pitchFamily="34" charset="0"/>
+                          <a:ea typeface="Verdana" panose="020B0604030504040204" pitchFamily="34" charset="0"/>
+                          <a:cs typeface="Verdana" panose="020B0604030504040204" pitchFamily="34" charset="0"/>
                         </a:rPr>
                         <a:t>Total</a:t>
                       </a:r>
@@ -13013,16 +13874,44 @@
                             <a:srgbClr val="000000"/>
                           </a:solidFill>
                           <a:effectLst/>
-                          <a:latin typeface="Tahoma" panose="020B0604030504040204" pitchFamily="34" charset="0"/>
-                        </a:rPr>
-                        <a:t>Domestic</a:t>
+                          <a:latin typeface="Verdana" panose="020B0604030504040204" pitchFamily="34" charset="0"/>
+                          <a:ea typeface="Verdana" panose="020B0604030504040204" pitchFamily="34" charset="0"/>
+                          <a:cs typeface="Verdana" panose="020B0604030504040204" pitchFamily="34" charset="0"/>
+                        </a:rPr>
+                        <a:t>Local</a:t>
+                      </a:r>
+                      <a:r>
+                        <a:rPr lang="tr-TR" sz="700" b="1" i="0" u="none" strike="noStrike" dirty="0">
+                          <a:solidFill>
+                            <a:srgbClr val="000000"/>
+                          </a:solidFill>
+                          <a:effectLst/>
+                          <a:latin typeface="Verdana" panose="020B0604030504040204" pitchFamily="34" charset="0"/>
+                          <a:ea typeface="Verdana" panose="020B0604030504040204" pitchFamily="34" charset="0"/>
+                          <a:cs typeface="Verdana" panose="020B0604030504040204" pitchFamily="34" charset="0"/>
+                        </a:rPr>
+                        <a:t> </a:t>
+                      </a:r>
+                      <a:r>
+                        <a:rPr lang="tr-TR" sz="700" b="1" i="0" u="none" strike="noStrike" dirty="0" err="1">
+                          <a:solidFill>
+                            <a:srgbClr val="000000"/>
+                          </a:solidFill>
+                          <a:effectLst/>
+                          <a:latin typeface="Verdana" panose="020B0604030504040204" pitchFamily="34" charset="0"/>
+                          <a:ea typeface="Verdana" panose="020B0604030504040204" pitchFamily="34" charset="0"/>
+                          <a:cs typeface="Verdana" panose="020B0604030504040204" pitchFamily="34" charset="0"/>
+                        </a:rPr>
+                        <a:t>Card</a:t>
                       </a:r>
                       <a:endParaRPr lang="tr-TR" sz="700" b="1" i="0" u="none" strike="noStrike" dirty="0">
                         <a:solidFill>
                           <a:srgbClr val="000000"/>
                         </a:solidFill>
                         <a:effectLst/>
-                        <a:latin typeface="Tahoma" panose="020B0604030504040204" pitchFamily="34" charset="0"/>
+                        <a:latin typeface="Verdana" panose="020B0604030504040204" pitchFamily="34" charset="0"/>
+                        <a:ea typeface="Verdana" panose="020B0604030504040204" pitchFamily="34" charset="0"/>
+                        <a:cs typeface="Verdana" panose="020B0604030504040204" pitchFamily="34" charset="0"/>
                       </a:endParaRPr>
                     </a:p>
                   </a:txBody>
@@ -13077,16 +13966,44 @@
                             <a:srgbClr val="000000"/>
                           </a:solidFill>
                           <a:effectLst/>
-                          <a:latin typeface="Tahoma" panose="020B0604030504040204" pitchFamily="34" charset="0"/>
-                        </a:rPr>
-                        <a:t>Abroad</a:t>
+                          <a:latin typeface="Verdana" panose="020B0604030504040204" pitchFamily="34" charset="0"/>
+                          <a:ea typeface="Verdana" panose="020B0604030504040204" pitchFamily="34" charset="0"/>
+                          <a:cs typeface="Verdana" panose="020B0604030504040204" pitchFamily="34" charset="0"/>
+                        </a:rPr>
+                        <a:t>Foreign</a:t>
+                      </a:r>
+                      <a:r>
+                        <a:rPr lang="tr-TR" sz="700" b="1" i="0" u="none" strike="noStrike" dirty="0">
+                          <a:solidFill>
+                            <a:srgbClr val="000000"/>
+                          </a:solidFill>
+                          <a:effectLst/>
+                          <a:latin typeface="Verdana" panose="020B0604030504040204" pitchFamily="34" charset="0"/>
+                          <a:ea typeface="Verdana" panose="020B0604030504040204" pitchFamily="34" charset="0"/>
+                          <a:cs typeface="Verdana" panose="020B0604030504040204" pitchFamily="34" charset="0"/>
+                        </a:rPr>
+                        <a:t> </a:t>
+                      </a:r>
+                      <a:r>
+                        <a:rPr lang="tr-TR" sz="700" b="1" i="0" u="none" strike="noStrike" dirty="0" err="1">
+                          <a:solidFill>
+                            <a:srgbClr val="000000"/>
+                          </a:solidFill>
+                          <a:effectLst/>
+                          <a:latin typeface="Verdana" panose="020B0604030504040204" pitchFamily="34" charset="0"/>
+                          <a:ea typeface="Verdana" panose="020B0604030504040204" pitchFamily="34" charset="0"/>
+                          <a:cs typeface="Verdana" panose="020B0604030504040204" pitchFamily="34" charset="0"/>
+                        </a:rPr>
+                        <a:t>Card</a:t>
                       </a:r>
                       <a:endParaRPr lang="tr-TR" sz="700" b="1" i="0" u="none" strike="noStrike" dirty="0">
                         <a:solidFill>
                           <a:srgbClr val="000000"/>
                         </a:solidFill>
                         <a:effectLst/>
-                        <a:latin typeface="Tahoma" panose="020B0604030504040204" pitchFamily="34" charset="0"/>
+                        <a:latin typeface="Verdana" panose="020B0604030504040204" pitchFamily="34" charset="0"/>
+                        <a:ea typeface="Verdana" panose="020B0604030504040204" pitchFamily="34" charset="0"/>
+                        <a:cs typeface="Verdana" panose="020B0604030504040204" pitchFamily="34" charset="0"/>
                       </a:endParaRPr>
                     </a:p>
                   </a:txBody>
@@ -13141,7 +14058,9 @@
                             <a:srgbClr val="000000"/>
                           </a:solidFill>
                           <a:effectLst/>
-                          <a:latin typeface="Tahoma" panose="020B0604030504040204" pitchFamily="34" charset="0"/>
+                          <a:latin typeface="Verdana" panose="020B0604030504040204" pitchFamily="34" charset="0"/>
+                          <a:ea typeface="Verdana" panose="020B0604030504040204" pitchFamily="34" charset="0"/>
+                          <a:cs typeface="Verdana" panose="020B0604030504040204" pitchFamily="34" charset="0"/>
                         </a:rPr>
                         <a:t>Total</a:t>
                       </a:r>
@@ -13198,7 +14117,9 @@
                             <a:srgbClr val="000000"/>
                           </a:solidFill>
                           <a:effectLst/>
-                          <a:latin typeface="Tahoma" panose="020B0604030504040204" pitchFamily="34" charset="0"/>
+                          <a:latin typeface="Verdana" panose="020B0604030504040204" pitchFamily="34" charset="0"/>
+                          <a:ea typeface="Verdana" panose="020B0604030504040204" pitchFamily="34" charset="0"/>
+                          <a:cs typeface="Verdana" panose="020B0604030504040204" pitchFamily="34" charset="0"/>
                         </a:rPr>
                         <a:t>Local</a:t>
                       </a:r>
@@ -13208,7 +14129,9 @@
                             <a:srgbClr val="000000"/>
                           </a:solidFill>
                           <a:effectLst/>
-                          <a:latin typeface="Tahoma" panose="020B0604030504040204" pitchFamily="34" charset="0"/>
+                          <a:latin typeface="Verdana" panose="020B0604030504040204" pitchFamily="34" charset="0"/>
+                          <a:ea typeface="Verdana" panose="020B0604030504040204" pitchFamily="34" charset="0"/>
+                          <a:cs typeface="Verdana" panose="020B0604030504040204" pitchFamily="34" charset="0"/>
                         </a:rPr>
                         <a:t> </a:t>
                       </a:r>
@@ -13218,7 +14141,9 @@
                             <a:srgbClr val="000000"/>
                           </a:solidFill>
                           <a:effectLst/>
-                          <a:latin typeface="Tahoma" panose="020B0604030504040204" pitchFamily="34" charset="0"/>
+                          <a:latin typeface="Verdana" panose="020B0604030504040204" pitchFamily="34" charset="0"/>
+                          <a:ea typeface="Verdana" panose="020B0604030504040204" pitchFamily="34" charset="0"/>
+                          <a:cs typeface="Verdana" panose="020B0604030504040204" pitchFamily="34" charset="0"/>
                         </a:rPr>
                         <a:t>Card</a:t>
                       </a:r>
@@ -13227,7 +14152,9 @@
                           <a:srgbClr val="000000"/>
                         </a:solidFill>
                         <a:effectLst/>
-                        <a:latin typeface="Tahoma" panose="020B0604030504040204" pitchFamily="34" charset="0"/>
+                        <a:latin typeface="Verdana" panose="020B0604030504040204" pitchFamily="34" charset="0"/>
+                        <a:ea typeface="Verdana" panose="020B0604030504040204" pitchFamily="34" charset="0"/>
+                        <a:cs typeface="Verdana" panose="020B0604030504040204" pitchFamily="34" charset="0"/>
                       </a:endParaRPr>
                     </a:p>
                   </a:txBody>
@@ -13282,7 +14209,9 @@
                             <a:srgbClr val="000000"/>
                           </a:solidFill>
                           <a:effectLst/>
-                          <a:latin typeface="Tahoma" panose="020B0604030504040204" pitchFamily="34" charset="0"/>
+                          <a:latin typeface="Verdana" panose="020B0604030504040204" pitchFamily="34" charset="0"/>
+                          <a:ea typeface="Verdana" panose="020B0604030504040204" pitchFamily="34" charset="0"/>
+                          <a:cs typeface="Verdana" panose="020B0604030504040204" pitchFamily="34" charset="0"/>
                         </a:rPr>
                         <a:t>Foreign</a:t>
                       </a:r>
@@ -13292,7 +14221,9 @@
                             <a:srgbClr val="000000"/>
                           </a:solidFill>
                           <a:effectLst/>
-                          <a:latin typeface="Tahoma" panose="020B0604030504040204" pitchFamily="34" charset="0"/>
+                          <a:latin typeface="Verdana" panose="020B0604030504040204" pitchFamily="34" charset="0"/>
+                          <a:ea typeface="Verdana" panose="020B0604030504040204" pitchFamily="34" charset="0"/>
+                          <a:cs typeface="Verdana" panose="020B0604030504040204" pitchFamily="34" charset="0"/>
                         </a:rPr>
                         <a:t> </a:t>
                       </a:r>
@@ -13302,7 +14233,9 @@
                             <a:srgbClr val="000000"/>
                           </a:solidFill>
                           <a:effectLst/>
-                          <a:latin typeface="Tahoma" panose="020B0604030504040204" pitchFamily="34" charset="0"/>
+                          <a:latin typeface="Verdana" panose="020B0604030504040204" pitchFamily="34" charset="0"/>
+                          <a:ea typeface="Verdana" panose="020B0604030504040204" pitchFamily="34" charset="0"/>
+                          <a:cs typeface="Verdana" panose="020B0604030504040204" pitchFamily="34" charset="0"/>
                         </a:rPr>
                         <a:t>Card</a:t>
                       </a:r>
@@ -13311,7 +14244,9 @@
                           <a:srgbClr val="000000"/>
                         </a:solidFill>
                         <a:effectLst/>
-                        <a:latin typeface="Tahoma" panose="020B0604030504040204" pitchFamily="34" charset="0"/>
+                        <a:latin typeface="Verdana" panose="020B0604030504040204" pitchFamily="34" charset="0"/>
+                        <a:ea typeface="Verdana" panose="020B0604030504040204" pitchFamily="34" charset="0"/>
+                        <a:cs typeface="Verdana" panose="020B0604030504040204" pitchFamily="34" charset="0"/>
                       </a:endParaRPr>
                     </a:p>
                   </a:txBody>
@@ -13366,7 +14301,9 @@
                             <a:srgbClr val="000000"/>
                           </a:solidFill>
                           <a:effectLst/>
-                          <a:latin typeface="Tahoma" panose="020B0604030504040204" pitchFamily="34" charset="0"/>
+                          <a:latin typeface="Verdana" panose="020B0604030504040204" pitchFamily="34" charset="0"/>
+                          <a:ea typeface="Verdana" panose="020B0604030504040204" pitchFamily="34" charset="0"/>
+                          <a:cs typeface="Verdana" panose="020B0604030504040204" pitchFamily="34" charset="0"/>
                         </a:rPr>
                         <a:t>Total</a:t>
                       </a:r>
@@ -13425,15 +14362,26 @@
                     <a:p>
                       <a:pPr algn="ctr" fontAlgn="b"/>
                       <a:r>
-                        <a:rPr lang="tr-TR" sz="500" b="0" i="0" u="none" strike="noStrike">
+                        <a:rPr lang="tr-TR" sz="700" b="0" i="0" u="none" strike="noStrike" dirty="0" err="1">
                           <a:solidFill>
                             <a:srgbClr val="000000"/>
                           </a:solidFill>
                           <a:effectLst/>
-                          <a:latin typeface="Tahoma" panose="020B0604030504040204" pitchFamily="34" charset="0"/>
-                        </a:rPr>
-                        <a:t>OCAK</a:t>
-                      </a:r>
+                          <a:latin typeface="Verdana" panose="020B0604030504040204" pitchFamily="34" charset="0"/>
+                          <a:ea typeface="Verdana" panose="020B0604030504040204" pitchFamily="34" charset="0"/>
+                          <a:cs typeface="Verdana" panose="020B0604030504040204" pitchFamily="34" charset="0"/>
+                        </a:rPr>
+                        <a:t>January</a:t>
+                      </a:r>
+                      <a:endParaRPr lang="tr-TR" sz="700" b="0" i="0" u="none" strike="noStrike" dirty="0">
+                        <a:solidFill>
+                          <a:srgbClr val="000000"/>
+                        </a:solidFill>
+                        <a:effectLst/>
+                        <a:latin typeface="Verdana" panose="020B0604030504040204" pitchFamily="34" charset="0"/>
+                        <a:ea typeface="Verdana" panose="020B0604030504040204" pitchFamily="34" charset="0"/>
+                        <a:cs typeface="Verdana" panose="020B0604030504040204" pitchFamily="34" charset="0"/>
+                      </a:endParaRPr>
                     </a:p>
                   </a:txBody>
                   <a:tcPr marL="5715" marR="5715" marT="5715" marB="0" anchor="b">
@@ -13482,18 +14430,20 @@
                     <a:p>
                       <a:pPr algn="l" fontAlgn="b"/>
                       <a:r>
-                        <a:rPr lang="tr-TR" sz="500" b="0" i="0" u="none" strike="noStrike">
+                        <a:rPr lang="tr-TR" sz="700" b="0" i="0" u="none" strike="noStrike" dirty="0">
                           <a:solidFill>
                             <a:srgbClr val="000000"/>
                           </a:solidFill>
                           <a:effectLst/>
-                          <a:latin typeface="Tahoma" panose="020B0604030504040204" pitchFamily="34" charset="0"/>
-                        </a:rPr>
-                        <a:t>21.585.017</a:t>
-                      </a:r>
-                    </a:p>
-                  </a:txBody>
-                  <a:tcPr marL="51435" marR="5715" marT="5715" marB="0" anchor="b">
+                          <a:latin typeface="Verdana" panose="020B0604030504040204" pitchFamily="34" charset="0"/>
+                          <a:ea typeface="Verdana" panose="020B0604030504040204" pitchFamily="34" charset="0"/>
+                          <a:cs typeface="Verdana" panose="020B0604030504040204" pitchFamily="34" charset="0"/>
+                        </a:rPr>
+                        <a:t>2.121,57</a:t>
+                      </a:r>
+                    </a:p>
+                  </a:txBody>
+                  <a:tcPr marL="85725" marR="9525" marT="9525" marB="0" anchor="b">
                     <a:lnL w="12700" cap="flat" cmpd="sng" algn="ctr">
                       <a:solidFill>
                         <a:srgbClr val="CCCCCC"/>
@@ -13542,18 +14492,20 @@
                     <a:p>
                       <a:pPr algn="l" fontAlgn="b"/>
                       <a:r>
-                        <a:rPr lang="tr-TR" sz="500" b="0" i="0" u="none" strike="noStrike">
+                        <a:rPr lang="tr-TR" sz="700" b="0" i="0" u="none" strike="noStrike">
                           <a:solidFill>
                             <a:srgbClr val="000000"/>
                           </a:solidFill>
                           <a:effectLst/>
-                          <a:latin typeface="Tahoma" panose="020B0604030504040204" pitchFamily="34" charset="0"/>
-                        </a:rPr>
-                        <a:t>3.981.356</a:t>
-                      </a:r>
-                    </a:p>
-                  </a:txBody>
-                  <a:tcPr marL="51435" marR="5715" marT="5715" marB="0" anchor="b">
+                          <a:latin typeface="Verdana" panose="020B0604030504040204" pitchFamily="34" charset="0"/>
+                          <a:ea typeface="Verdana" panose="020B0604030504040204" pitchFamily="34" charset="0"/>
+                          <a:cs typeface="Verdana" panose="020B0604030504040204" pitchFamily="34" charset="0"/>
+                        </a:rPr>
+                        <a:t>127,33</a:t>
+                      </a:r>
+                    </a:p>
+                  </a:txBody>
+                  <a:tcPr marL="85725" marR="9525" marT="9525" marB="0" anchor="b">
                     <a:lnL w="12700" cap="flat" cmpd="sng" algn="ctr">
                       <a:solidFill>
                         <a:srgbClr val="CCCCCC"/>
@@ -13602,18 +14554,20 @@
                     <a:p>
                       <a:pPr algn="l" fontAlgn="b"/>
                       <a:r>
-                        <a:rPr lang="tr-TR" sz="500" b="0" i="0" u="none" strike="noStrike">
+                        <a:rPr lang="tr-TR" sz="700" b="0" i="0" u="none" strike="noStrike">
                           <a:solidFill>
                             <a:srgbClr val="000000"/>
                           </a:solidFill>
                           <a:effectLst/>
-                          <a:latin typeface="Tahoma" panose="020B0604030504040204" pitchFamily="34" charset="0"/>
-                        </a:rPr>
-                        <a:t>25.566.373</a:t>
-                      </a:r>
-                    </a:p>
-                  </a:txBody>
-                  <a:tcPr marL="51435" marR="5715" marT="5715" marB="0" anchor="b">
+                          <a:latin typeface="Verdana" panose="020B0604030504040204" pitchFamily="34" charset="0"/>
+                          <a:ea typeface="Verdana" panose="020B0604030504040204" pitchFamily="34" charset="0"/>
+                          <a:cs typeface="Verdana" panose="020B0604030504040204" pitchFamily="34" charset="0"/>
+                        </a:rPr>
+                        <a:t>2.248,90</a:t>
+                      </a:r>
+                    </a:p>
+                  </a:txBody>
+                  <a:tcPr marL="85725" marR="9525" marT="9525" marB="0" anchor="b">
                     <a:lnL w="12700" cap="flat" cmpd="sng" algn="ctr">
                       <a:solidFill>
                         <a:srgbClr val="CCCCCC"/>
@@ -13662,18 +14616,20 @@
                     <a:p>
                       <a:pPr algn="l" fontAlgn="b"/>
                       <a:r>
-                        <a:rPr lang="tr-TR" sz="500" b="0" i="0" u="none" strike="noStrike">
+                        <a:rPr lang="tr-TR" sz="700" b="0" i="0" u="none" strike="noStrike" dirty="0">
                           <a:solidFill>
                             <a:srgbClr val="000000"/>
                           </a:solidFill>
                           <a:effectLst/>
-                          <a:latin typeface="Tahoma" panose="020B0604030504040204" pitchFamily="34" charset="0"/>
-                        </a:rPr>
-                        <a:t>21.585.017</a:t>
-                      </a:r>
-                    </a:p>
-                  </a:txBody>
-                  <a:tcPr marL="51435" marR="5715" marT="5715" marB="0" anchor="b">
+                          <a:latin typeface="Verdana" panose="020B0604030504040204" pitchFamily="34" charset="0"/>
+                          <a:ea typeface="Verdana" panose="020B0604030504040204" pitchFamily="34" charset="0"/>
+                          <a:cs typeface="Verdana" panose="020B0604030504040204" pitchFamily="34" charset="0"/>
+                        </a:rPr>
+                        <a:t>3.196,50</a:t>
+                      </a:r>
+                    </a:p>
+                  </a:txBody>
+                  <a:tcPr marL="85725" marR="9525" marT="9525" marB="0" anchor="b">
                     <a:lnL w="12700" cap="flat" cmpd="sng" algn="ctr">
                       <a:solidFill>
                         <a:srgbClr val="CCCCCC"/>
@@ -13722,18 +14678,20 @@
                     <a:p>
                       <a:pPr algn="l" fontAlgn="b"/>
                       <a:r>
-                        <a:rPr lang="tr-TR" sz="500" b="0" i="0" u="none" strike="noStrike">
+                        <a:rPr lang="tr-TR" sz="700" b="0" i="0" u="none" strike="noStrike">
                           <a:solidFill>
                             <a:srgbClr val="000000"/>
                           </a:solidFill>
                           <a:effectLst/>
-                          <a:latin typeface="Tahoma" panose="020B0604030504040204" pitchFamily="34" charset="0"/>
-                        </a:rPr>
-                        <a:t>674.890</a:t>
-                      </a:r>
-                    </a:p>
-                  </a:txBody>
-                  <a:tcPr marL="51435" marR="5715" marT="5715" marB="0" anchor="b">
+                          <a:latin typeface="Verdana" panose="020B0604030504040204" pitchFamily="34" charset="0"/>
+                          <a:ea typeface="Verdana" panose="020B0604030504040204" pitchFamily="34" charset="0"/>
+                          <a:cs typeface="Verdana" panose="020B0604030504040204" pitchFamily="34" charset="0"/>
+                        </a:rPr>
+                        <a:t>177,47</a:t>
+                      </a:r>
+                    </a:p>
+                  </a:txBody>
+                  <a:tcPr marL="85725" marR="9525" marT="9525" marB="0" anchor="b">
                     <a:lnL w="12700" cap="flat" cmpd="sng" algn="ctr">
                       <a:solidFill>
                         <a:srgbClr val="CCCCCC"/>
@@ -13782,18 +14740,20 @@
                     <a:p>
                       <a:pPr algn="l" fontAlgn="b"/>
                       <a:r>
-                        <a:rPr lang="tr-TR" sz="500" b="0" i="0" u="none" strike="noStrike">
+                        <a:rPr lang="tr-TR" sz="700" b="0" i="0" u="none" strike="noStrike">
                           <a:solidFill>
                             <a:srgbClr val="000000"/>
                           </a:solidFill>
                           <a:effectLst/>
-                          <a:latin typeface="Tahoma" panose="020B0604030504040204" pitchFamily="34" charset="0"/>
-                        </a:rPr>
-                        <a:t>22.259.907</a:t>
-                      </a:r>
-                    </a:p>
-                  </a:txBody>
-                  <a:tcPr marL="51435" marR="5715" marT="5715" marB="0" anchor="b">
+                          <a:latin typeface="Verdana" panose="020B0604030504040204" pitchFamily="34" charset="0"/>
+                          <a:ea typeface="Verdana" panose="020B0604030504040204" pitchFamily="34" charset="0"/>
+                          <a:cs typeface="Verdana" panose="020B0604030504040204" pitchFamily="34" charset="0"/>
+                        </a:rPr>
+                        <a:t>3.373,96</a:t>
+                      </a:r>
+                    </a:p>
+                  </a:txBody>
+                  <a:tcPr marL="85725" marR="9525" marT="9525" marB="0" anchor="b">
                     <a:lnL w="12700" cap="flat" cmpd="sng" algn="ctr">
                       <a:solidFill>
                         <a:srgbClr val="CCCCCC"/>
@@ -13842,18 +14802,20 @@
                     <a:p>
                       <a:pPr algn="l" fontAlgn="b"/>
                       <a:r>
-                        <a:rPr lang="tr-TR" sz="500" b="0" i="0" u="none" strike="noStrike">
+                        <a:rPr lang="tr-TR" sz="700" b="0" i="0" u="none" strike="noStrike" dirty="0">
                           <a:solidFill>
                             <a:srgbClr val="000000"/>
                           </a:solidFill>
                           <a:effectLst/>
-                          <a:latin typeface="Tahoma" panose="020B0604030504040204" pitchFamily="34" charset="0"/>
-                        </a:rPr>
-                        <a:t>5.066,46</a:t>
-                      </a:r>
-                    </a:p>
-                  </a:txBody>
-                  <a:tcPr marL="51435" marR="5715" marT="5715" marB="0" anchor="b">
+                          <a:latin typeface="Verdana" panose="020B0604030504040204" pitchFamily="34" charset="0"/>
+                          <a:ea typeface="Verdana" panose="020B0604030504040204" pitchFamily="34" charset="0"/>
+                          <a:cs typeface="Verdana" panose="020B0604030504040204" pitchFamily="34" charset="0"/>
+                        </a:rPr>
+                        <a:t>4.207,59</a:t>
+                      </a:r>
+                    </a:p>
+                  </a:txBody>
+                  <a:tcPr marL="85725" marR="9525" marT="9525" marB="0" anchor="b">
                     <a:lnL w="12700" cap="flat" cmpd="sng" algn="ctr">
                       <a:solidFill>
                         <a:srgbClr val="CCCCCC"/>
@@ -13902,18 +14864,20 @@
                     <a:p>
                       <a:pPr algn="l" fontAlgn="b"/>
                       <a:r>
-                        <a:rPr lang="tr-TR" sz="500" b="0" i="0" u="none" strike="noStrike">
+                        <a:rPr lang="tr-TR" sz="700" b="0" i="0" u="none" strike="noStrike">
                           <a:solidFill>
                             <a:srgbClr val="000000"/>
                           </a:solidFill>
                           <a:effectLst/>
-                          <a:latin typeface="Tahoma" panose="020B0604030504040204" pitchFamily="34" charset="0"/>
-                        </a:rPr>
-                        <a:t>480,12</a:t>
-                      </a:r>
-                    </a:p>
-                  </a:txBody>
-                  <a:tcPr marL="51435" marR="5715" marT="5715" marB="0" anchor="b">
+                          <a:latin typeface="Verdana" panose="020B0604030504040204" pitchFamily="34" charset="0"/>
+                          <a:ea typeface="Verdana" panose="020B0604030504040204" pitchFamily="34" charset="0"/>
+                          <a:cs typeface="Verdana" panose="020B0604030504040204" pitchFamily="34" charset="0"/>
+                        </a:rPr>
+                        <a:t>291,71</a:t>
+                      </a:r>
+                    </a:p>
+                  </a:txBody>
+                  <a:tcPr marL="85725" marR="9525" marT="9525" marB="0" anchor="b">
                     <a:lnL w="12700" cap="flat" cmpd="sng" algn="ctr">
                       <a:solidFill>
                         <a:srgbClr val="CCCCCC"/>
@@ -13962,18 +14926,20 @@
                     <a:p>
                       <a:pPr algn="l" fontAlgn="b"/>
                       <a:r>
-                        <a:rPr lang="tr-TR" sz="500" b="0" i="0" u="none" strike="noStrike">
+                        <a:rPr lang="tr-TR" sz="700" b="0" i="0" u="none" strike="noStrike">
                           <a:solidFill>
                             <a:srgbClr val="000000"/>
                           </a:solidFill>
                           <a:effectLst/>
-                          <a:latin typeface="Tahoma" panose="020B0604030504040204" pitchFamily="34" charset="0"/>
-                        </a:rPr>
-                        <a:t>5.546,58</a:t>
-                      </a:r>
-                    </a:p>
-                  </a:txBody>
-                  <a:tcPr marL="51435" marR="5715" marT="5715" marB="0" anchor="b">
+                          <a:latin typeface="Verdana" panose="020B0604030504040204" pitchFamily="34" charset="0"/>
+                          <a:ea typeface="Verdana" panose="020B0604030504040204" pitchFamily="34" charset="0"/>
+                          <a:cs typeface="Verdana" panose="020B0604030504040204" pitchFamily="34" charset="0"/>
+                        </a:rPr>
+                        <a:t>4.499,31</a:t>
+                      </a:r>
+                    </a:p>
+                  </a:txBody>
+                  <a:tcPr marL="85725" marR="9525" marT="9525" marB="0" anchor="b">
                     <a:lnL w="12700" cap="flat" cmpd="sng" algn="ctr">
                       <a:solidFill>
                         <a:srgbClr val="CCCCCC"/>
@@ -14022,12 +14988,14 @@
                     <a:p>
                       <a:pPr algn="l" fontAlgn="b"/>
                       <a:r>
-                        <a:rPr lang="tr-TR" sz="500" b="0" i="0" u="none" strike="noStrike">
+                        <a:rPr lang="tr-TR" sz="700" b="0" i="0" u="none" strike="noStrike">
                           <a:solidFill>
                             <a:srgbClr val="000000"/>
                           </a:solidFill>
                           <a:effectLst/>
-                          <a:latin typeface="Tahoma" panose="020B0604030504040204" pitchFamily="34" charset="0"/>
+                          <a:latin typeface="Verdana" panose="020B0604030504040204" pitchFamily="34" charset="0"/>
+                          <a:ea typeface="Verdana" panose="020B0604030504040204" pitchFamily="34" charset="0"/>
+                          <a:cs typeface="Verdana" panose="020B0604030504040204" pitchFamily="34" charset="0"/>
                         </a:rPr>
                         <a:t>5.066,46</a:t>
                       </a:r>
@@ -14082,12 +15050,14 @@
                     <a:p>
                       <a:pPr algn="l" fontAlgn="b"/>
                       <a:r>
-                        <a:rPr lang="tr-TR" sz="500" b="0" i="0" u="none" strike="noStrike">
+                        <a:rPr lang="tr-TR" sz="700" b="0" i="0" u="none" strike="noStrike">
                           <a:solidFill>
                             <a:srgbClr val="000000"/>
                           </a:solidFill>
                           <a:effectLst/>
-                          <a:latin typeface="Tahoma" panose="020B0604030504040204" pitchFamily="34" charset="0"/>
+                          <a:latin typeface="Verdana" panose="020B0604030504040204" pitchFamily="34" charset="0"/>
+                          <a:ea typeface="Verdana" panose="020B0604030504040204" pitchFamily="34" charset="0"/>
+                          <a:cs typeface="Verdana" panose="020B0604030504040204" pitchFamily="34" charset="0"/>
                         </a:rPr>
                         <a:t>382,14</a:t>
                       </a:r>
@@ -14142,12 +15112,14 @@
                     <a:p>
                       <a:pPr algn="l" fontAlgn="b"/>
                       <a:r>
-                        <a:rPr lang="tr-TR" sz="500" b="0" i="0" u="none" strike="noStrike">
+                        <a:rPr lang="tr-TR" sz="700" b="0" i="0" u="none" strike="noStrike">
                           <a:solidFill>
                             <a:srgbClr val="000000"/>
                           </a:solidFill>
                           <a:effectLst/>
-                          <a:latin typeface="Tahoma" panose="020B0604030504040204" pitchFamily="34" charset="0"/>
+                          <a:latin typeface="Verdana" panose="020B0604030504040204" pitchFamily="34" charset="0"/>
+                          <a:ea typeface="Verdana" panose="020B0604030504040204" pitchFamily="34" charset="0"/>
+                          <a:cs typeface="Verdana" panose="020B0604030504040204" pitchFamily="34" charset="0"/>
                         </a:rPr>
                         <a:t>5.448,60</a:t>
                       </a:r>
@@ -14209,15 +15181,26 @@
                     <a:p>
                       <a:pPr algn="ctr" fontAlgn="b"/>
                       <a:r>
-                        <a:rPr lang="tr-TR" sz="500" b="0" i="0" u="none" strike="noStrike">
+                        <a:rPr lang="tr-TR" sz="700" b="0" i="0" u="none" strike="noStrike" dirty="0" err="1">
                           <a:solidFill>
                             <a:srgbClr val="000000"/>
                           </a:solidFill>
                           <a:effectLst/>
-                          <a:latin typeface="Tahoma" panose="020B0604030504040204" pitchFamily="34" charset="0"/>
-                        </a:rPr>
-                        <a:t>ŞUBAT</a:t>
-                      </a:r>
+                          <a:latin typeface="Verdana" panose="020B0604030504040204" pitchFamily="34" charset="0"/>
+                          <a:ea typeface="Verdana" panose="020B0604030504040204" pitchFamily="34" charset="0"/>
+                          <a:cs typeface="Verdana" panose="020B0604030504040204" pitchFamily="34" charset="0"/>
+                        </a:rPr>
+                        <a:t>February</a:t>
+                      </a:r>
+                      <a:endParaRPr lang="tr-TR" sz="700" b="0" i="0" u="none" strike="noStrike" dirty="0">
+                        <a:solidFill>
+                          <a:srgbClr val="000000"/>
+                        </a:solidFill>
+                        <a:effectLst/>
+                        <a:latin typeface="Verdana" panose="020B0604030504040204" pitchFamily="34" charset="0"/>
+                        <a:ea typeface="Verdana" panose="020B0604030504040204" pitchFamily="34" charset="0"/>
+                        <a:cs typeface="Verdana" panose="020B0604030504040204" pitchFamily="34" charset="0"/>
+                      </a:endParaRPr>
                     </a:p>
                   </a:txBody>
                   <a:tcPr marL="5715" marR="5715" marT="5715" marB="0" anchor="b">
@@ -14266,18 +15249,20 @@
                     <a:p>
                       <a:pPr algn="l" fontAlgn="b"/>
                       <a:r>
-                        <a:rPr lang="tr-TR" sz="500" b="0" i="0" u="none" strike="noStrike">
+                        <a:rPr lang="tr-TR" sz="700" b="0" i="0" u="none" strike="noStrike">
                           <a:solidFill>
                             <a:srgbClr val="000000"/>
                           </a:solidFill>
                           <a:effectLst/>
-                          <a:latin typeface="Tahoma" panose="020B0604030504040204" pitchFamily="34" charset="0"/>
-                        </a:rPr>
-                        <a:t>20.436.710</a:t>
-                      </a:r>
-                    </a:p>
-                  </a:txBody>
-                  <a:tcPr marL="51435" marR="5715" marT="5715" marB="0" anchor="b">
+                          <a:latin typeface="Verdana" panose="020B0604030504040204" pitchFamily="34" charset="0"/>
+                          <a:ea typeface="Verdana" panose="020B0604030504040204" pitchFamily="34" charset="0"/>
+                          <a:cs typeface="Verdana" panose="020B0604030504040204" pitchFamily="34" charset="0"/>
+                        </a:rPr>
+                        <a:t>1.530,33</a:t>
+                      </a:r>
+                    </a:p>
+                  </a:txBody>
+                  <a:tcPr marL="85725" marR="9525" marT="9525" marB="0" anchor="b">
                     <a:lnL w="12700" cap="flat" cmpd="sng" algn="ctr">
                       <a:solidFill>
                         <a:srgbClr val="CCCCCC"/>
@@ -14326,18 +15311,20 @@
                     <a:p>
                       <a:pPr algn="l" fontAlgn="b"/>
                       <a:r>
-                        <a:rPr lang="tr-TR" sz="500" b="0" i="0" u="none" strike="noStrike">
+                        <a:rPr lang="tr-TR" sz="700" b="0" i="0" u="none" strike="noStrike">
                           <a:solidFill>
                             <a:srgbClr val="000000"/>
                           </a:solidFill>
                           <a:effectLst/>
-                          <a:latin typeface="Tahoma" panose="020B0604030504040204" pitchFamily="34" charset="0"/>
-                        </a:rPr>
-                        <a:t>3.934.457</a:t>
-                      </a:r>
-                    </a:p>
-                  </a:txBody>
-                  <a:tcPr marL="51435" marR="5715" marT="5715" marB="0" anchor="b">
+                          <a:latin typeface="Verdana" panose="020B0604030504040204" pitchFamily="34" charset="0"/>
+                          <a:ea typeface="Verdana" panose="020B0604030504040204" pitchFamily="34" charset="0"/>
+                          <a:cs typeface="Verdana" panose="020B0604030504040204" pitchFamily="34" charset="0"/>
+                        </a:rPr>
+                        <a:t>132,83</a:t>
+                      </a:r>
+                    </a:p>
+                  </a:txBody>
+                  <a:tcPr marL="85725" marR="9525" marT="9525" marB="0" anchor="b">
                     <a:lnL w="12700" cap="flat" cmpd="sng" algn="ctr">
                       <a:solidFill>
                         <a:srgbClr val="CCCCCC"/>
@@ -14386,18 +15373,20 @@
                     <a:p>
                       <a:pPr algn="l" fontAlgn="b"/>
                       <a:r>
-                        <a:rPr lang="tr-TR" sz="500" b="0" i="0" u="none" strike="noStrike">
+                        <a:rPr lang="tr-TR" sz="700" b="0" i="0" u="none" strike="noStrike">
                           <a:solidFill>
                             <a:srgbClr val="000000"/>
                           </a:solidFill>
                           <a:effectLst/>
-                          <a:latin typeface="Tahoma" panose="020B0604030504040204" pitchFamily="34" charset="0"/>
-                        </a:rPr>
-                        <a:t>24.371.167</a:t>
-                      </a:r>
-                    </a:p>
-                  </a:txBody>
-                  <a:tcPr marL="51435" marR="5715" marT="5715" marB="0" anchor="b">
+                          <a:latin typeface="Verdana" panose="020B0604030504040204" pitchFamily="34" charset="0"/>
+                          <a:ea typeface="Verdana" panose="020B0604030504040204" pitchFamily="34" charset="0"/>
+                          <a:cs typeface="Verdana" panose="020B0604030504040204" pitchFamily="34" charset="0"/>
+                        </a:rPr>
+                        <a:t>1.663,16</a:t>
+                      </a:r>
+                    </a:p>
+                  </a:txBody>
+                  <a:tcPr marL="85725" marR="9525" marT="9525" marB="0" anchor="b">
                     <a:lnL w="12700" cap="flat" cmpd="sng" algn="ctr">
                       <a:solidFill>
                         <a:srgbClr val="CCCCCC"/>
@@ -14446,18 +15435,20 @@
                     <a:p>
                       <a:pPr algn="l" fontAlgn="b"/>
                       <a:r>
-                        <a:rPr lang="tr-TR" sz="500" b="0" i="0" u="none" strike="noStrike">
+                        <a:rPr lang="tr-TR" sz="700" b="0" i="0" u="none" strike="noStrike">
                           <a:solidFill>
                             <a:srgbClr val="000000"/>
                           </a:solidFill>
                           <a:effectLst/>
-                          <a:latin typeface="Tahoma" panose="020B0604030504040204" pitchFamily="34" charset="0"/>
-                        </a:rPr>
-                        <a:t>20.436.710</a:t>
-                      </a:r>
-                    </a:p>
-                  </a:txBody>
-                  <a:tcPr marL="51435" marR="5715" marT="5715" marB="0" anchor="b">
+                          <a:latin typeface="Verdana" panose="020B0604030504040204" pitchFamily="34" charset="0"/>
+                          <a:ea typeface="Verdana" panose="020B0604030504040204" pitchFamily="34" charset="0"/>
+                          <a:cs typeface="Verdana" panose="020B0604030504040204" pitchFamily="34" charset="0"/>
+                        </a:rPr>
+                        <a:t>2.007,04</a:t>
+                      </a:r>
+                    </a:p>
+                  </a:txBody>
+                  <a:tcPr marL="85725" marR="9525" marT="9525" marB="0" anchor="b">
                     <a:lnL w="12700" cap="flat" cmpd="sng" algn="ctr">
                       <a:solidFill>
                         <a:srgbClr val="CCCCCC"/>
@@ -14506,18 +15497,20 @@
                     <a:p>
                       <a:pPr algn="l" fontAlgn="b"/>
                       <a:r>
-                        <a:rPr lang="tr-TR" sz="500" b="0" i="0" u="none" strike="noStrike">
+                        <a:rPr lang="tr-TR" sz="700" b="0" i="0" u="none" strike="noStrike">
                           <a:solidFill>
                             <a:srgbClr val="000000"/>
                           </a:solidFill>
                           <a:effectLst/>
-                          <a:latin typeface="Tahoma" panose="020B0604030504040204" pitchFamily="34" charset="0"/>
-                        </a:rPr>
-                        <a:t>464.809</a:t>
-                      </a:r>
-                    </a:p>
-                  </a:txBody>
-                  <a:tcPr marL="51435" marR="5715" marT="5715" marB="0" anchor="b">
+                          <a:latin typeface="Verdana" panose="020B0604030504040204" pitchFamily="34" charset="0"/>
+                          <a:ea typeface="Verdana" panose="020B0604030504040204" pitchFamily="34" charset="0"/>
+                          <a:cs typeface="Verdana" panose="020B0604030504040204" pitchFamily="34" charset="0"/>
+                        </a:rPr>
+                        <a:t>183,32</a:t>
+                      </a:r>
+                    </a:p>
+                  </a:txBody>
+                  <a:tcPr marL="85725" marR="9525" marT="9525" marB="0" anchor="b">
                     <a:lnL w="12700" cap="flat" cmpd="sng" algn="ctr">
                       <a:solidFill>
                         <a:srgbClr val="CCCCCC"/>
@@ -14566,18 +15559,20 @@
                     <a:p>
                       <a:pPr algn="l" fontAlgn="b"/>
                       <a:r>
-                        <a:rPr lang="tr-TR" sz="500" b="0" i="0" u="none" strike="noStrike">
+                        <a:rPr lang="tr-TR" sz="700" b="0" i="0" u="none" strike="noStrike">
                           <a:solidFill>
                             <a:srgbClr val="000000"/>
                           </a:solidFill>
                           <a:effectLst/>
-                          <a:latin typeface="Tahoma" panose="020B0604030504040204" pitchFamily="34" charset="0"/>
-                        </a:rPr>
-                        <a:t>20.901.519</a:t>
-                      </a:r>
-                    </a:p>
-                  </a:txBody>
-                  <a:tcPr marL="51435" marR="5715" marT="5715" marB="0" anchor="b">
+                          <a:latin typeface="Verdana" panose="020B0604030504040204" pitchFamily="34" charset="0"/>
+                          <a:ea typeface="Verdana" panose="020B0604030504040204" pitchFamily="34" charset="0"/>
+                          <a:cs typeface="Verdana" panose="020B0604030504040204" pitchFamily="34" charset="0"/>
+                        </a:rPr>
+                        <a:t>2.190,36</a:t>
+                      </a:r>
+                    </a:p>
+                  </a:txBody>
+                  <a:tcPr marL="85725" marR="9525" marT="9525" marB="0" anchor="b">
                     <a:lnL w="12700" cap="flat" cmpd="sng" algn="ctr">
                       <a:solidFill>
                         <a:srgbClr val="CCCCCC"/>
@@ -14626,18 +15621,20 @@
                     <a:p>
                       <a:pPr algn="l" fontAlgn="b"/>
                       <a:r>
-                        <a:rPr lang="tr-TR" sz="500" b="0" i="0" u="none" strike="noStrike">
+                        <a:rPr lang="tr-TR" sz="700" b="0" i="0" u="none" strike="noStrike">
                           <a:solidFill>
                             <a:srgbClr val="000000"/>
                           </a:solidFill>
                           <a:effectLst/>
-                          <a:latin typeface="Tahoma" panose="020B0604030504040204" pitchFamily="34" charset="0"/>
-                        </a:rPr>
-                        <a:t>4.590,60</a:t>
-                      </a:r>
-                    </a:p>
-                  </a:txBody>
-                  <a:tcPr marL="51435" marR="5715" marT="5715" marB="0" anchor="b">
+                          <a:latin typeface="Verdana" panose="020B0604030504040204" pitchFamily="34" charset="0"/>
+                          <a:ea typeface="Verdana" panose="020B0604030504040204" pitchFamily="34" charset="0"/>
+                          <a:cs typeface="Verdana" panose="020B0604030504040204" pitchFamily="34" charset="0"/>
+                        </a:rPr>
+                        <a:t>3.436,29</a:t>
+                      </a:r>
+                    </a:p>
+                  </a:txBody>
+                  <a:tcPr marL="85725" marR="9525" marT="9525" marB="0" anchor="b">
                     <a:lnL w="12700" cap="flat" cmpd="sng" algn="ctr">
                       <a:solidFill>
                         <a:srgbClr val="CCCCCC"/>
@@ -14686,18 +15683,20 @@
                     <a:p>
                       <a:pPr algn="l" fontAlgn="b"/>
                       <a:r>
-                        <a:rPr lang="tr-TR" sz="500" b="0" i="0" u="none" strike="noStrike">
+                        <a:rPr lang="tr-TR" sz="700" b="0" i="0" u="none" strike="noStrike">
                           <a:solidFill>
                             <a:srgbClr val="000000"/>
                           </a:solidFill>
                           <a:effectLst/>
-                          <a:latin typeface="Tahoma" panose="020B0604030504040204" pitchFamily="34" charset="0"/>
-                        </a:rPr>
-                        <a:t>422,84</a:t>
-                      </a:r>
-                    </a:p>
-                  </a:txBody>
-                  <a:tcPr marL="51435" marR="5715" marT="5715" marB="0" anchor="b">
+                          <a:latin typeface="Verdana" panose="020B0604030504040204" pitchFamily="34" charset="0"/>
+                          <a:ea typeface="Verdana" panose="020B0604030504040204" pitchFamily="34" charset="0"/>
+                          <a:cs typeface="Verdana" panose="020B0604030504040204" pitchFamily="34" charset="0"/>
+                        </a:rPr>
+                        <a:t>303,24</a:t>
+                      </a:r>
+                    </a:p>
+                  </a:txBody>
+                  <a:tcPr marL="85725" marR="9525" marT="9525" marB="0" anchor="b">
                     <a:lnL w="12700" cap="flat" cmpd="sng" algn="ctr">
                       <a:solidFill>
                         <a:srgbClr val="CCCCCC"/>
@@ -14746,18 +15745,20 @@
                     <a:p>
                       <a:pPr algn="l" fontAlgn="b"/>
                       <a:r>
-                        <a:rPr lang="tr-TR" sz="500" b="0" i="0" u="none" strike="noStrike">
+                        <a:rPr lang="tr-TR" sz="700" b="0" i="0" u="none" strike="noStrike">
                           <a:solidFill>
                             <a:srgbClr val="000000"/>
                           </a:solidFill>
                           <a:effectLst/>
-                          <a:latin typeface="Tahoma" panose="020B0604030504040204" pitchFamily="34" charset="0"/>
-                        </a:rPr>
-                        <a:t>5.013,44</a:t>
-                      </a:r>
-                    </a:p>
-                  </a:txBody>
-                  <a:tcPr marL="51435" marR="5715" marT="5715" marB="0" anchor="b">
+                          <a:latin typeface="Verdana" panose="020B0604030504040204" pitchFamily="34" charset="0"/>
+                          <a:ea typeface="Verdana" panose="020B0604030504040204" pitchFamily="34" charset="0"/>
+                          <a:cs typeface="Verdana" panose="020B0604030504040204" pitchFamily="34" charset="0"/>
+                        </a:rPr>
+                        <a:t>3.739,53</a:t>
+                      </a:r>
+                    </a:p>
+                  </a:txBody>
+                  <a:tcPr marL="85725" marR="9525" marT="9525" marB="0" anchor="b">
                     <a:lnL w="12700" cap="flat" cmpd="sng" algn="ctr">
                       <a:solidFill>
                         <a:srgbClr val="CCCCCC"/>
@@ -14806,12 +15807,14 @@
                     <a:p>
                       <a:pPr algn="l" fontAlgn="b"/>
                       <a:r>
-                        <a:rPr lang="tr-TR" sz="500" b="0" i="0" u="none" strike="noStrike">
+                        <a:rPr lang="tr-TR" sz="700" b="0" i="0" u="none" strike="noStrike">
                           <a:solidFill>
                             <a:srgbClr val="000000"/>
                           </a:solidFill>
                           <a:effectLst/>
-                          <a:latin typeface="Tahoma" panose="020B0604030504040204" pitchFamily="34" charset="0"/>
+                          <a:latin typeface="Verdana" panose="020B0604030504040204" pitchFamily="34" charset="0"/>
+                          <a:ea typeface="Verdana" panose="020B0604030504040204" pitchFamily="34" charset="0"/>
+                          <a:cs typeface="Verdana" panose="020B0604030504040204" pitchFamily="34" charset="0"/>
                         </a:rPr>
                         <a:t>4.590,60</a:t>
                       </a:r>
@@ -14866,12 +15869,14 @@
                     <a:p>
                       <a:pPr algn="l" fontAlgn="b"/>
                       <a:r>
-                        <a:rPr lang="tr-TR" sz="500" b="0" i="0" u="none" strike="noStrike">
+                        <a:rPr lang="tr-TR" sz="700" b="0" i="0" u="none" strike="noStrike">
                           <a:solidFill>
                             <a:srgbClr val="000000"/>
                           </a:solidFill>
                           <a:effectLst/>
-                          <a:latin typeface="Tahoma" panose="020B0604030504040204" pitchFamily="34" charset="0"/>
+                          <a:latin typeface="Verdana" panose="020B0604030504040204" pitchFamily="34" charset="0"/>
+                          <a:ea typeface="Verdana" panose="020B0604030504040204" pitchFamily="34" charset="0"/>
+                          <a:cs typeface="Verdana" panose="020B0604030504040204" pitchFamily="34" charset="0"/>
                         </a:rPr>
                         <a:t>348,3</a:t>
                       </a:r>
@@ -14926,12 +15931,14 @@
                     <a:p>
                       <a:pPr algn="l" fontAlgn="b"/>
                       <a:r>
-                        <a:rPr lang="tr-TR" sz="500" b="0" i="0" u="none" strike="noStrike">
+                        <a:rPr lang="tr-TR" sz="700" b="0" i="0" u="none" strike="noStrike">
                           <a:solidFill>
                             <a:srgbClr val="000000"/>
                           </a:solidFill>
                           <a:effectLst/>
-                          <a:latin typeface="Tahoma" panose="020B0604030504040204" pitchFamily="34" charset="0"/>
+                          <a:latin typeface="Verdana" panose="020B0604030504040204" pitchFamily="34" charset="0"/>
+                          <a:ea typeface="Verdana" panose="020B0604030504040204" pitchFamily="34" charset="0"/>
+                          <a:cs typeface="Verdana" panose="020B0604030504040204" pitchFamily="34" charset="0"/>
                         </a:rPr>
                         <a:t>4.938,91</a:t>
                       </a:r>
@@ -14993,15 +16000,26 @@
                     <a:p>
                       <a:pPr algn="ctr" fontAlgn="b"/>
                       <a:r>
-                        <a:rPr lang="tr-TR" sz="500" b="0" i="0" u="none" strike="noStrike">
+                        <a:rPr lang="tr-TR" sz="700" b="0" i="0" u="none" strike="noStrike" dirty="0" err="1">
                           <a:solidFill>
                             <a:srgbClr val="000000"/>
                           </a:solidFill>
                           <a:effectLst/>
-                          <a:latin typeface="Tahoma" panose="020B0604030504040204" pitchFamily="34" charset="0"/>
-                        </a:rPr>
-                        <a:t>MART</a:t>
-                      </a:r>
+                          <a:latin typeface="Verdana" panose="020B0604030504040204" pitchFamily="34" charset="0"/>
+                          <a:ea typeface="Verdana" panose="020B0604030504040204" pitchFamily="34" charset="0"/>
+                          <a:cs typeface="Verdana" panose="020B0604030504040204" pitchFamily="34" charset="0"/>
+                        </a:rPr>
+                        <a:t>March</a:t>
+                      </a:r>
+                      <a:endParaRPr lang="tr-TR" sz="700" b="0" i="0" u="none" strike="noStrike" dirty="0">
+                        <a:solidFill>
+                          <a:srgbClr val="000000"/>
+                        </a:solidFill>
+                        <a:effectLst/>
+                        <a:latin typeface="Verdana" panose="020B0604030504040204" pitchFamily="34" charset="0"/>
+                        <a:ea typeface="Verdana" panose="020B0604030504040204" pitchFamily="34" charset="0"/>
+                        <a:cs typeface="Verdana" panose="020B0604030504040204" pitchFamily="34" charset="0"/>
+                      </a:endParaRPr>
                     </a:p>
                   </a:txBody>
                   <a:tcPr marL="5715" marR="5715" marT="5715" marB="0" anchor="b">
@@ -15050,18 +16068,20 @@
                     <a:p>
                       <a:pPr algn="l" fontAlgn="b"/>
                       <a:r>
-                        <a:rPr lang="tr-TR" sz="500" b="0" i="0" u="none" strike="noStrike">
+                        <a:rPr lang="tr-TR" sz="700" b="0" i="0" u="none" strike="noStrike">
                           <a:solidFill>
                             <a:srgbClr val="000000"/>
                           </a:solidFill>
                           <a:effectLst/>
-                          <a:latin typeface="Tahoma" panose="020B0604030504040204" pitchFamily="34" charset="0"/>
-                        </a:rPr>
-                        <a:t>22.375.845</a:t>
-                      </a:r>
-                    </a:p>
-                  </a:txBody>
-                  <a:tcPr marL="51435" marR="5715" marT="5715" marB="0" anchor="b">
+                          <a:latin typeface="Verdana" panose="020B0604030504040204" pitchFamily="34" charset="0"/>
+                          <a:ea typeface="Verdana" panose="020B0604030504040204" pitchFamily="34" charset="0"/>
+                          <a:cs typeface="Verdana" panose="020B0604030504040204" pitchFamily="34" charset="0"/>
+                        </a:rPr>
+                        <a:t>1.750,62</a:t>
+                      </a:r>
+                    </a:p>
+                  </a:txBody>
+                  <a:tcPr marL="85725" marR="9525" marT="9525" marB="0" anchor="b">
                     <a:lnL w="12700" cap="flat" cmpd="sng" algn="ctr">
                       <a:solidFill>
                         <a:srgbClr val="CCCCCC"/>
@@ -15110,18 +16130,20 @@
                     <a:p>
                       <a:pPr algn="l" fontAlgn="b"/>
                       <a:r>
-                        <a:rPr lang="tr-TR" sz="500" b="0" i="0" u="none" strike="noStrike">
+                        <a:rPr lang="tr-TR" sz="700" b="0" i="0" u="none" strike="noStrike">
                           <a:solidFill>
                             <a:srgbClr val="000000"/>
                           </a:solidFill>
                           <a:effectLst/>
-                          <a:latin typeface="Tahoma" panose="020B0604030504040204" pitchFamily="34" charset="0"/>
-                        </a:rPr>
-                        <a:t>4.287.095</a:t>
-                      </a:r>
-                    </a:p>
-                  </a:txBody>
-                  <a:tcPr marL="51435" marR="5715" marT="5715" marB="0" anchor="b">
+                          <a:latin typeface="Verdana" panose="020B0604030504040204" pitchFamily="34" charset="0"/>
+                          <a:ea typeface="Verdana" panose="020B0604030504040204" pitchFamily="34" charset="0"/>
+                          <a:cs typeface="Verdana" panose="020B0604030504040204" pitchFamily="34" charset="0"/>
+                        </a:rPr>
+                        <a:t>112,75</a:t>
+                      </a:r>
+                    </a:p>
+                  </a:txBody>
+                  <a:tcPr marL="85725" marR="9525" marT="9525" marB="0" anchor="b">
                     <a:lnL w="12700" cap="flat" cmpd="sng" algn="ctr">
                       <a:solidFill>
                         <a:srgbClr val="CCCCCC"/>
@@ -15170,18 +16192,20 @@
                     <a:p>
                       <a:pPr algn="l" fontAlgn="b"/>
                       <a:r>
-                        <a:rPr lang="tr-TR" sz="500" b="0" i="0" u="none" strike="noStrike">
+                        <a:rPr lang="tr-TR" sz="700" b="0" i="0" u="none" strike="noStrike">
                           <a:solidFill>
                             <a:srgbClr val="000000"/>
                           </a:solidFill>
                           <a:effectLst/>
-                          <a:latin typeface="Tahoma" panose="020B0604030504040204" pitchFamily="34" charset="0"/>
-                        </a:rPr>
-                        <a:t>26.662.940</a:t>
-                      </a:r>
-                    </a:p>
-                  </a:txBody>
-                  <a:tcPr marL="51435" marR="5715" marT="5715" marB="0" anchor="b">
+                          <a:latin typeface="Verdana" panose="020B0604030504040204" pitchFamily="34" charset="0"/>
+                          <a:ea typeface="Verdana" panose="020B0604030504040204" pitchFamily="34" charset="0"/>
+                          <a:cs typeface="Verdana" panose="020B0604030504040204" pitchFamily="34" charset="0"/>
+                        </a:rPr>
+                        <a:t>1.863,37</a:t>
+                      </a:r>
+                    </a:p>
+                  </a:txBody>
+                  <a:tcPr marL="85725" marR="9525" marT="9525" marB="0" anchor="b">
                     <a:lnL w="12700" cap="flat" cmpd="sng" algn="ctr">
                       <a:solidFill>
                         <a:srgbClr val="CCCCCC"/>
@@ -15230,18 +16254,20 @@
                     <a:p>
                       <a:pPr algn="l" fontAlgn="b"/>
                       <a:r>
-                        <a:rPr lang="tr-TR" sz="500" b="0" i="0" u="none" strike="noStrike">
+                        <a:rPr lang="tr-TR" sz="700" b="0" i="0" u="none" strike="noStrike">
                           <a:solidFill>
                             <a:srgbClr val="000000"/>
                           </a:solidFill>
                           <a:effectLst/>
-                          <a:latin typeface="Tahoma" panose="020B0604030504040204" pitchFamily="34" charset="0"/>
-                        </a:rPr>
-                        <a:t>22.375.845</a:t>
-                      </a:r>
-                    </a:p>
-                  </a:txBody>
-                  <a:tcPr marL="51435" marR="5715" marT="5715" marB="0" anchor="b">
+                          <a:latin typeface="Verdana" panose="020B0604030504040204" pitchFamily="34" charset="0"/>
+                          <a:ea typeface="Verdana" panose="020B0604030504040204" pitchFamily="34" charset="0"/>
+                          <a:cs typeface="Verdana" panose="020B0604030504040204" pitchFamily="34" charset="0"/>
+                        </a:rPr>
+                        <a:t>2.208,89</a:t>
+                      </a:r>
+                    </a:p>
+                  </a:txBody>
+                  <a:tcPr marL="85725" marR="9525" marT="9525" marB="0" anchor="b">
                     <a:lnL w="12700" cap="flat" cmpd="sng" algn="ctr">
                       <a:solidFill>
                         <a:srgbClr val="CCCCCC"/>
@@ -15290,18 +16316,20 @@
                     <a:p>
                       <a:pPr algn="l" fontAlgn="b"/>
                       <a:r>
-                        <a:rPr lang="tr-TR" sz="500" b="0" i="0" u="none" strike="noStrike">
+                        <a:rPr lang="tr-TR" sz="700" b="0" i="0" u="none" strike="noStrike">
                           <a:solidFill>
                             <a:srgbClr val="000000"/>
                           </a:solidFill>
                           <a:effectLst/>
-                          <a:latin typeface="Tahoma" panose="020B0604030504040204" pitchFamily="34" charset="0"/>
-                        </a:rPr>
-                        <a:t>541.047</a:t>
-                      </a:r>
-                    </a:p>
-                  </a:txBody>
-                  <a:tcPr marL="51435" marR="5715" marT="5715" marB="0" anchor="b">
+                          <a:latin typeface="Verdana" panose="020B0604030504040204" pitchFamily="34" charset="0"/>
+                          <a:ea typeface="Verdana" panose="020B0604030504040204" pitchFamily="34" charset="0"/>
+                          <a:cs typeface="Verdana" panose="020B0604030504040204" pitchFamily="34" charset="0"/>
+                        </a:rPr>
+                        <a:t>223,95</a:t>
+                      </a:r>
+                    </a:p>
+                  </a:txBody>
+                  <a:tcPr marL="85725" marR="9525" marT="9525" marB="0" anchor="b">
                     <a:lnL w="12700" cap="flat" cmpd="sng" algn="ctr">
                       <a:solidFill>
                         <a:srgbClr val="CCCCCC"/>
@@ -15350,18 +16378,20 @@
                     <a:p>
                       <a:pPr algn="l" fontAlgn="b"/>
                       <a:r>
-                        <a:rPr lang="tr-TR" sz="500" b="0" i="0" u="none" strike="noStrike">
+                        <a:rPr lang="tr-TR" sz="700" b="0" i="0" u="none" strike="noStrike">
                           <a:solidFill>
                             <a:srgbClr val="000000"/>
                           </a:solidFill>
                           <a:effectLst/>
-                          <a:latin typeface="Tahoma" panose="020B0604030504040204" pitchFamily="34" charset="0"/>
-                        </a:rPr>
-                        <a:t>22.916.892</a:t>
-                      </a:r>
-                    </a:p>
-                  </a:txBody>
-                  <a:tcPr marL="51435" marR="5715" marT="5715" marB="0" anchor="b">
+                          <a:latin typeface="Verdana" panose="020B0604030504040204" pitchFamily="34" charset="0"/>
+                          <a:ea typeface="Verdana" panose="020B0604030504040204" pitchFamily="34" charset="0"/>
+                          <a:cs typeface="Verdana" panose="020B0604030504040204" pitchFamily="34" charset="0"/>
+                        </a:rPr>
+                        <a:t>2.432,84</a:t>
+                      </a:r>
+                    </a:p>
+                  </a:txBody>
+                  <a:tcPr marL="85725" marR="9525" marT="9525" marB="0" anchor="b">
                     <a:lnL w="12700" cap="flat" cmpd="sng" algn="ctr">
                       <a:solidFill>
                         <a:srgbClr val="CCCCCC"/>
@@ -15410,18 +16440,20 @@
                     <a:p>
                       <a:pPr algn="l" fontAlgn="b"/>
                       <a:r>
-                        <a:rPr lang="tr-TR" sz="500" b="0" i="0" u="none" strike="noStrike">
+                        <a:rPr lang="tr-TR" sz="700" b="0" i="0" u="none" strike="noStrike">
                           <a:solidFill>
                             <a:srgbClr val="000000"/>
                           </a:solidFill>
                           <a:effectLst/>
-                          <a:latin typeface="Tahoma" panose="020B0604030504040204" pitchFamily="34" charset="0"/>
-                        </a:rPr>
-                        <a:t>4.981,53</a:t>
-                      </a:r>
-                    </a:p>
-                  </a:txBody>
-                  <a:tcPr marL="51435" marR="5715" marT="5715" marB="0" anchor="b">
+                          <a:latin typeface="Verdana" panose="020B0604030504040204" pitchFamily="34" charset="0"/>
+                          <a:ea typeface="Verdana" panose="020B0604030504040204" pitchFamily="34" charset="0"/>
+                          <a:cs typeface="Verdana" panose="020B0604030504040204" pitchFamily="34" charset="0"/>
+                        </a:rPr>
+                        <a:t>3.862,03</a:t>
+                      </a:r>
+                    </a:p>
+                  </a:txBody>
+                  <a:tcPr marL="85725" marR="9525" marT="9525" marB="0" anchor="b">
                     <a:lnL w="12700" cap="flat" cmpd="sng" algn="ctr">
                       <a:solidFill>
                         <a:srgbClr val="CCCCCC"/>
@@ -15470,18 +16502,20 @@
                     <a:p>
                       <a:pPr algn="l" fontAlgn="b"/>
                       <a:r>
-                        <a:rPr lang="tr-TR" sz="500" b="0" i="0" u="none" strike="noStrike">
+                        <a:rPr lang="tr-TR" sz="700" b="0" i="0" u="none" strike="noStrike">
                           <a:solidFill>
                             <a:srgbClr val="000000"/>
                           </a:solidFill>
                           <a:effectLst/>
-                          <a:latin typeface="Tahoma" panose="020B0604030504040204" pitchFamily="34" charset="0"/>
-                        </a:rPr>
-                        <a:t>463,42</a:t>
-                      </a:r>
-                    </a:p>
-                  </a:txBody>
-                  <a:tcPr marL="51435" marR="5715" marT="5715" marB="0" anchor="b">
+                          <a:latin typeface="Verdana" panose="020B0604030504040204" pitchFamily="34" charset="0"/>
+                          <a:ea typeface="Verdana" panose="020B0604030504040204" pitchFamily="34" charset="0"/>
+                          <a:cs typeface="Verdana" panose="020B0604030504040204" pitchFamily="34" charset="0"/>
+                        </a:rPr>
+                        <a:t>523,09</a:t>
+                      </a:r>
+                    </a:p>
+                  </a:txBody>
+                  <a:tcPr marL="85725" marR="9525" marT="9525" marB="0" anchor="b">
                     <a:lnL w="12700" cap="flat" cmpd="sng" algn="ctr">
                       <a:solidFill>
                         <a:srgbClr val="CCCCCC"/>
@@ -15530,18 +16564,20 @@
                     <a:p>
                       <a:pPr algn="l" fontAlgn="b"/>
                       <a:r>
-                        <a:rPr lang="tr-TR" sz="500" b="0" i="0" u="none" strike="noStrike">
+                        <a:rPr lang="tr-TR" sz="700" b="0" i="0" u="none" strike="noStrike">
                           <a:solidFill>
                             <a:srgbClr val="000000"/>
                           </a:solidFill>
                           <a:effectLst/>
-                          <a:latin typeface="Tahoma" panose="020B0604030504040204" pitchFamily="34" charset="0"/>
-                        </a:rPr>
-                        <a:t>5.444,95</a:t>
-                      </a:r>
-                    </a:p>
-                  </a:txBody>
-                  <a:tcPr marL="51435" marR="5715" marT="5715" marB="0" anchor="b">
+                          <a:latin typeface="Verdana" panose="020B0604030504040204" pitchFamily="34" charset="0"/>
+                          <a:ea typeface="Verdana" panose="020B0604030504040204" pitchFamily="34" charset="0"/>
+                          <a:cs typeface="Verdana" panose="020B0604030504040204" pitchFamily="34" charset="0"/>
+                        </a:rPr>
+                        <a:t>4.385,12</a:t>
+                      </a:r>
+                    </a:p>
+                  </a:txBody>
+                  <a:tcPr marL="85725" marR="9525" marT="9525" marB="0" anchor="b">
                     <a:lnL w="12700" cap="flat" cmpd="sng" algn="ctr">
                       <a:solidFill>
                         <a:srgbClr val="CCCCCC"/>
@@ -15590,12 +16626,14 @@
                     <a:p>
                       <a:pPr algn="l" fontAlgn="b"/>
                       <a:r>
-                        <a:rPr lang="tr-TR" sz="500" b="0" i="0" u="none" strike="noStrike">
+                        <a:rPr lang="tr-TR" sz="700" b="0" i="0" u="none" strike="noStrike">
                           <a:solidFill>
                             <a:srgbClr val="000000"/>
                           </a:solidFill>
                           <a:effectLst/>
-                          <a:latin typeface="Tahoma" panose="020B0604030504040204" pitchFamily="34" charset="0"/>
+                          <a:latin typeface="Verdana" panose="020B0604030504040204" pitchFamily="34" charset="0"/>
+                          <a:ea typeface="Verdana" panose="020B0604030504040204" pitchFamily="34" charset="0"/>
+                          <a:cs typeface="Verdana" panose="020B0604030504040204" pitchFamily="34" charset="0"/>
                         </a:rPr>
                         <a:t>4.981,53</a:t>
                       </a:r>
@@ -15650,12 +16688,14 @@
                     <a:p>
                       <a:pPr algn="l" fontAlgn="b"/>
                       <a:r>
-                        <a:rPr lang="tr-TR" sz="500" b="0" i="0" u="none" strike="noStrike">
+                        <a:rPr lang="tr-TR" sz="700" b="0" i="0" u="none" strike="noStrike">
                           <a:solidFill>
                             <a:srgbClr val="000000"/>
                           </a:solidFill>
                           <a:effectLst/>
-                          <a:latin typeface="Tahoma" panose="020B0604030504040204" pitchFamily="34" charset="0"/>
+                          <a:latin typeface="Verdana" panose="020B0604030504040204" pitchFamily="34" charset="0"/>
+                          <a:ea typeface="Verdana" panose="020B0604030504040204" pitchFamily="34" charset="0"/>
+                          <a:cs typeface="Verdana" panose="020B0604030504040204" pitchFamily="34" charset="0"/>
                         </a:rPr>
                         <a:t>396,16</a:t>
                       </a:r>
@@ -15710,12 +16750,14 @@
                     <a:p>
                       <a:pPr algn="l" fontAlgn="b"/>
                       <a:r>
-                        <a:rPr lang="tr-TR" sz="500" b="0" i="0" u="none" strike="noStrike">
+                        <a:rPr lang="tr-TR" sz="700" b="0" i="0" u="none" strike="noStrike">
                           <a:solidFill>
                             <a:srgbClr val="000000"/>
                           </a:solidFill>
                           <a:effectLst/>
-                          <a:latin typeface="Tahoma" panose="020B0604030504040204" pitchFamily="34" charset="0"/>
+                          <a:latin typeface="Verdana" panose="020B0604030504040204" pitchFamily="34" charset="0"/>
+                          <a:ea typeface="Verdana" panose="020B0604030504040204" pitchFamily="34" charset="0"/>
+                          <a:cs typeface="Verdana" panose="020B0604030504040204" pitchFamily="34" charset="0"/>
                         </a:rPr>
                         <a:t>5.377,70</a:t>
                       </a:r>
@@ -15777,15 +16819,38 @@
                     <a:p>
                       <a:pPr algn="ctr" fontAlgn="b"/>
                       <a:r>
-                        <a:rPr lang="tr-TR" sz="500" b="0" i="0" u="none" strike="noStrike">
+                        <a:rPr lang="tr-TR" sz="700" b="0" i="0" u="none" strike="noStrike" dirty="0">
                           <a:solidFill>
                             <a:srgbClr val="000000"/>
                           </a:solidFill>
                           <a:effectLst/>
-                          <a:latin typeface="Tahoma" panose="020B0604030504040204" pitchFamily="34" charset="0"/>
-                        </a:rPr>
-                        <a:t>1. DÖNEM</a:t>
-                      </a:r>
+                          <a:latin typeface="Verdana" panose="020B0604030504040204" pitchFamily="34" charset="0"/>
+                          <a:ea typeface="Verdana" panose="020B0604030504040204" pitchFamily="34" charset="0"/>
+                          <a:cs typeface="Verdana" panose="020B0604030504040204" pitchFamily="34" charset="0"/>
+                        </a:rPr>
+                        <a:t>1. </a:t>
+                      </a:r>
+                      <a:r>
+                        <a:rPr lang="tr-TR" sz="700" b="0" i="0" u="none" strike="noStrike" dirty="0" err="1">
+                          <a:solidFill>
+                            <a:srgbClr val="000000"/>
+                          </a:solidFill>
+                          <a:effectLst/>
+                          <a:latin typeface="Verdana" panose="020B0604030504040204" pitchFamily="34" charset="0"/>
+                          <a:ea typeface="Verdana" panose="020B0604030504040204" pitchFamily="34" charset="0"/>
+                          <a:cs typeface="Verdana" panose="020B0604030504040204" pitchFamily="34" charset="0"/>
+                        </a:rPr>
+                        <a:t>Period</a:t>
+                      </a:r>
+                      <a:endParaRPr lang="tr-TR" sz="700" b="0" i="0" u="none" strike="noStrike" dirty="0">
+                        <a:solidFill>
+                          <a:srgbClr val="000000"/>
+                        </a:solidFill>
+                        <a:effectLst/>
+                        <a:latin typeface="Verdana" panose="020B0604030504040204" pitchFamily="34" charset="0"/>
+                        <a:ea typeface="Verdana" panose="020B0604030504040204" pitchFamily="34" charset="0"/>
+                        <a:cs typeface="Verdana" panose="020B0604030504040204" pitchFamily="34" charset="0"/>
+                      </a:endParaRPr>
                     </a:p>
                   </a:txBody>
                   <a:tcPr marL="5715" marR="5715" marT="5715" marB="0" anchor="b">
@@ -15834,18 +16899,20 @@
                     <a:p>
                       <a:pPr algn="l" fontAlgn="b"/>
                       <a:r>
-                        <a:rPr lang="tr-TR" sz="500" b="1" i="0" u="none" strike="noStrike">
+                        <a:rPr lang="tr-TR" sz="700" b="1" i="0" u="none" strike="noStrike">
                           <a:solidFill>
                             <a:srgbClr val="9E0E23"/>
                           </a:solidFill>
                           <a:effectLst/>
-                          <a:latin typeface="Tahoma" panose="020B0604030504040204" pitchFamily="34" charset="0"/>
-                        </a:rPr>
-                        <a:t>64.397.572</a:t>
-                      </a:r>
-                    </a:p>
-                  </a:txBody>
-                  <a:tcPr marL="51435" marR="5715" marT="5715" marB="0" anchor="b">
+                          <a:latin typeface="Verdana" panose="020B0604030504040204" pitchFamily="34" charset="0"/>
+                          <a:ea typeface="Verdana" panose="020B0604030504040204" pitchFamily="34" charset="0"/>
+                          <a:cs typeface="Verdana" panose="020B0604030504040204" pitchFamily="34" charset="0"/>
+                        </a:rPr>
+                        <a:t>5.402,52</a:t>
+                      </a:r>
+                    </a:p>
+                  </a:txBody>
+                  <a:tcPr marL="85725" marR="9525" marT="9525" marB="0" anchor="b">
                     <a:lnL w="12700" cap="flat" cmpd="sng" algn="ctr">
                       <a:solidFill>
                         <a:srgbClr val="CCCCCC"/>
@@ -15894,18 +16961,20 @@
                     <a:p>
                       <a:pPr algn="l" fontAlgn="b"/>
                       <a:r>
-                        <a:rPr lang="tr-TR" sz="500" b="1" i="0" u="none" strike="noStrike">
+                        <a:rPr lang="tr-TR" sz="700" b="1" i="0" u="none" strike="noStrike">
                           <a:solidFill>
                             <a:srgbClr val="9E0E23"/>
                           </a:solidFill>
                           <a:effectLst/>
-                          <a:latin typeface="Tahoma" panose="020B0604030504040204" pitchFamily="34" charset="0"/>
-                        </a:rPr>
-                        <a:t>12.202.908</a:t>
-                      </a:r>
-                    </a:p>
-                  </a:txBody>
-                  <a:tcPr marL="51435" marR="5715" marT="5715" marB="0" anchor="b">
+                          <a:latin typeface="Verdana" panose="020B0604030504040204" pitchFamily="34" charset="0"/>
+                          <a:ea typeface="Verdana" panose="020B0604030504040204" pitchFamily="34" charset="0"/>
+                          <a:cs typeface="Verdana" panose="020B0604030504040204" pitchFamily="34" charset="0"/>
+                        </a:rPr>
+                        <a:t>372,91</a:t>
+                      </a:r>
+                    </a:p>
+                  </a:txBody>
+                  <a:tcPr marL="85725" marR="9525" marT="9525" marB="0" anchor="b">
                     <a:lnL w="12700" cap="flat" cmpd="sng" algn="ctr">
                       <a:solidFill>
                         <a:srgbClr val="CCCCCC"/>
@@ -15954,18 +17023,20 @@
                     <a:p>
                       <a:pPr algn="l" fontAlgn="b"/>
                       <a:r>
-                        <a:rPr lang="tr-TR" sz="500" b="1" i="0" u="none" strike="noStrike">
+                        <a:rPr lang="tr-TR" sz="700" b="1" i="0" u="none" strike="noStrike">
                           <a:solidFill>
                             <a:srgbClr val="9E0E23"/>
                           </a:solidFill>
                           <a:effectLst/>
-                          <a:latin typeface="Tahoma" panose="020B0604030504040204" pitchFamily="34" charset="0"/>
-                        </a:rPr>
-                        <a:t>76.600.480</a:t>
-                      </a:r>
-                    </a:p>
-                  </a:txBody>
-                  <a:tcPr marL="51435" marR="5715" marT="5715" marB="0" anchor="b">
+                          <a:latin typeface="Verdana" panose="020B0604030504040204" pitchFamily="34" charset="0"/>
+                          <a:ea typeface="Verdana" panose="020B0604030504040204" pitchFamily="34" charset="0"/>
+                          <a:cs typeface="Verdana" panose="020B0604030504040204" pitchFamily="34" charset="0"/>
+                        </a:rPr>
+                        <a:t>5.775,43</a:t>
+                      </a:r>
+                    </a:p>
+                  </a:txBody>
+                  <a:tcPr marL="85725" marR="9525" marT="9525" marB="0" anchor="b">
                     <a:lnL w="12700" cap="flat" cmpd="sng" algn="ctr">
                       <a:solidFill>
                         <a:srgbClr val="CCCCCC"/>
@@ -16014,18 +17085,20 @@
                     <a:p>
                       <a:pPr algn="l" fontAlgn="b"/>
                       <a:r>
-                        <a:rPr lang="tr-TR" sz="500" b="1" i="0" u="none" strike="noStrike">
+                        <a:rPr lang="tr-TR" sz="700" b="1" i="0" u="none" strike="noStrike">
                           <a:solidFill>
                             <a:srgbClr val="9E0E23"/>
                           </a:solidFill>
                           <a:effectLst/>
-                          <a:latin typeface="Tahoma" panose="020B0604030504040204" pitchFamily="34" charset="0"/>
-                        </a:rPr>
-                        <a:t>64.397.572</a:t>
-                      </a:r>
-                    </a:p>
-                  </a:txBody>
-                  <a:tcPr marL="51435" marR="5715" marT="5715" marB="0" anchor="b">
+                          <a:latin typeface="Verdana" panose="020B0604030504040204" pitchFamily="34" charset="0"/>
+                          <a:ea typeface="Verdana" panose="020B0604030504040204" pitchFamily="34" charset="0"/>
+                          <a:cs typeface="Verdana" panose="020B0604030504040204" pitchFamily="34" charset="0"/>
+                        </a:rPr>
+                        <a:t>7.412,42</a:t>
+                      </a:r>
+                    </a:p>
+                  </a:txBody>
+                  <a:tcPr marL="85725" marR="9525" marT="9525" marB="0" anchor="b">
                     <a:lnL w="12700" cap="flat" cmpd="sng" algn="ctr">
                       <a:solidFill>
                         <a:srgbClr val="CCCCCC"/>
@@ -16074,18 +17147,20 @@
                     <a:p>
                       <a:pPr algn="l" fontAlgn="b"/>
                       <a:r>
-                        <a:rPr lang="tr-TR" sz="500" b="1" i="0" u="none" strike="noStrike">
+                        <a:rPr lang="tr-TR" sz="700" b="1" i="0" u="none" strike="noStrike" dirty="0">
                           <a:solidFill>
                             <a:srgbClr val="9E0E23"/>
                           </a:solidFill>
                           <a:effectLst/>
-                          <a:latin typeface="Tahoma" panose="020B0604030504040204" pitchFamily="34" charset="0"/>
-                        </a:rPr>
-                        <a:t>1.680.746</a:t>
-                      </a:r>
-                    </a:p>
-                  </a:txBody>
-                  <a:tcPr marL="51435" marR="5715" marT="5715" marB="0" anchor="b">
+                          <a:latin typeface="Verdana" panose="020B0604030504040204" pitchFamily="34" charset="0"/>
+                          <a:ea typeface="Verdana" panose="020B0604030504040204" pitchFamily="34" charset="0"/>
+                          <a:cs typeface="Verdana" panose="020B0604030504040204" pitchFamily="34" charset="0"/>
+                        </a:rPr>
+                        <a:t>584,74</a:t>
+                      </a:r>
+                    </a:p>
+                  </a:txBody>
+                  <a:tcPr marL="85725" marR="9525" marT="9525" marB="0" anchor="b">
                     <a:lnL w="12700" cap="flat" cmpd="sng" algn="ctr">
                       <a:solidFill>
                         <a:srgbClr val="CCCCCC"/>
@@ -16134,18 +17209,20 @@
                     <a:p>
                       <a:pPr algn="l" fontAlgn="b"/>
                       <a:r>
-                        <a:rPr lang="tr-TR" sz="500" b="1" i="0" u="none" strike="noStrike">
+                        <a:rPr lang="tr-TR" sz="700" b="1" i="0" u="none" strike="noStrike">
                           <a:solidFill>
                             <a:srgbClr val="9E0E23"/>
                           </a:solidFill>
                           <a:effectLst/>
-                          <a:latin typeface="Tahoma" panose="020B0604030504040204" pitchFamily="34" charset="0"/>
-                        </a:rPr>
-                        <a:t>66.078.318</a:t>
-                      </a:r>
-                    </a:p>
-                  </a:txBody>
-                  <a:tcPr marL="51435" marR="5715" marT="5715" marB="0" anchor="b">
+                          <a:latin typeface="Verdana" panose="020B0604030504040204" pitchFamily="34" charset="0"/>
+                          <a:ea typeface="Verdana" panose="020B0604030504040204" pitchFamily="34" charset="0"/>
+                          <a:cs typeface="Verdana" panose="020B0604030504040204" pitchFamily="34" charset="0"/>
+                        </a:rPr>
+                        <a:t>7.997,16</a:t>
+                      </a:r>
+                    </a:p>
+                  </a:txBody>
+                  <a:tcPr marL="85725" marR="9525" marT="9525" marB="0" anchor="b">
                     <a:lnL w="12700" cap="flat" cmpd="sng" algn="ctr">
                       <a:solidFill>
                         <a:srgbClr val="CCCCCC"/>
@@ -16194,18 +17271,20 @@
                     <a:p>
                       <a:pPr algn="l" fontAlgn="b"/>
                       <a:r>
-                        <a:rPr lang="tr-TR" sz="500" b="1" i="0" u="none" strike="noStrike">
+                        <a:rPr lang="tr-TR" sz="700" b="1" i="0" u="none" strike="noStrike">
                           <a:solidFill>
                             <a:srgbClr val="9E0E23"/>
                           </a:solidFill>
                           <a:effectLst/>
-                          <a:latin typeface="Tahoma" panose="020B0604030504040204" pitchFamily="34" charset="0"/>
-                        </a:rPr>
-                        <a:t>14.638,60</a:t>
-                      </a:r>
-                    </a:p>
-                  </a:txBody>
-                  <a:tcPr marL="51435" marR="5715" marT="5715" marB="0" anchor="b">
+                          <a:latin typeface="Verdana" panose="020B0604030504040204" pitchFamily="34" charset="0"/>
+                          <a:ea typeface="Verdana" panose="020B0604030504040204" pitchFamily="34" charset="0"/>
+                          <a:cs typeface="Verdana" panose="020B0604030504040204" pitchFamily="34" charset="0"/>
+                        </a:rPr>
+                        <a:t>11.505,91</a:t>
+                      </a:r>
+                    </a:p>
+                  </a:txBody>
+                  <a:tcPr marL="85725" marR="9525" marT="9525" marB="0" anchor="b">
                     <a:lnL w="12700" cap="flat" cmpd="sng" algn="ctr">
                       <a:solidFill>
                         <a:srgbClr val="CCCCCC"/>
@@ -16254,18 +17333,20 @@
                     <a:p>
                       <a:pPr algn="l" fontAlgn="b"/>
                       <a:r>
-                        <a:rPr lang="tr-TR" sz="500" b="1" i="0" u="none" strike="noStrike">
+                        <a:rPr lang="tr-TR" sz="700" b="1" i="0" u="none" strike="noStrike">
                           <a:solidFill>
                             <a:srgbClr val="9E0E23"/>
                           </a:solidFill>
                           <a:effectLst/>
-                          <a:latin typeface="Tahoma" panose="020B0604030504040204" pitchFamily="34" charset="0"/>
-                        </a:rPr>
-                        <a:t>1.366,38</a:t>
-                      </a:r>
-                    </a:p>
-                  </a:txBody>
-                  <a:tcPr marL="51435" marR="5715" marT="5715" marB="0" anchor="b">
+                          <a:latin typeface="Verdana" panose="020B0604030504040204" pitchFamily="34" charset="0"/>
+                          <a:ea typeface="Verdana" panose="020B0604030504040204" pitchFamily="34" charset="0"/>
+                          <a:cs typeface="Verdana" panose="020B0604030504040204" pitchFamily="34" charset="0"/>
+                        </a:rPr>
+                        <a:t>1.118,05</a:t>
+                      </a:r>
+                    </a:p>
+                  </a:txBody>
+                  <a:tcPr marL="85725" marR="9525" marT="9525" marB="0" anchor="b">
                     <a:lnL w="12700" cap="flat" cmpd="sng" algn="ctr">
                       <a:solidFill>
                         <a:srgbClr val="CCCCCC"/>
@@ -16314,18 +17395,20 @@
                     <a:p>
                       <a:pPr algn="l" fontAlgn="b"/>
                       <a:r>
-                        <a:rPr lang="tr-TR" sz="500" b="1" i="0" u="none" strike="noStrike">
+                        <a:rPr lang="tr-TR" sz="700" b="1" i="0" u="none" strike="noStrike">
                           <a:solidFill>
                             <a:srgbClr val="9E0E23"/>
                           </a:solidFill>
                           <a:effectLst/>
-                          <a:latin typeface="Tahoma" panose="020B0604030504040204" pitchFamily="34" charset="0"/>
-                        </a:rPr>
-                        <a:t>16.004,98</a:t>
-                      </a:r>
-                    </a:p>
-                  </a:txBody>
-                  <a:tcPr marL="51435" marR="5715" marT="5715" marB="0" anchor="b">
+                          <a:latin typeface="Verdana" panose="020B0604030504040204" pitchFamily="34" charset="0"/>
+                          <a:ea typeface="Verdana" panose="020B0604030504040204" pitchFamily="34" charset="0"/>
+                          <a:cs typeface="Verdana" panose="020B0604030504040204" pitchFamily="34" charset="0"/>
+                        </a:rPr>
+                        <a:t>12.623,96</a:t>
+                      </a:r>
+                    </a:p>
+                  </a:txBody>
+                  <a:tcPr marL="85725" marR="9525" marT="9525" marB="0" anchor="b">
                     <a:lnL w="12700" cap="flat" cmpd="sng" algn="ctr">
                       <a:solidFill>
                         <a:srgbClr val="CCCCCC"/>
@@ -16374,12 +17457,14 @@
                     <a:p>
                       <a:pPr algn="l" fontAlgn="b"/>
                       <a:r>
-                        <a:rPr lang="tr-TR" sz="500" b="1" i="0" u="none" strike="noStrike">
+                        <a:rPr lang="tr-TR" sz="700" b="1" i="0" u="none" strike="noStrike">
                           <a:solidFill>
                             <a:srgbClr val="9E0E23"/>
                           </a:solidFill>
                           <a:effectLst/>
-                          <a:latin typeface="Tahoma" panose="020B0604030504040204" pitchFamily="34" charset="0"/>
+                          <a:latin typeface="Verdana" panose="020B0604030504040204" pitchFamily="34" charset="0"/>
+                          <a:ea typeface="Verdana" panose="020B0604030504040204" pitchFamily="34" charset="0"/>
+                          <a:cs typeface="Verdana" panose="020B0604030504040204" pitchFamily="34" charset="0"/>
                         </a:rPr>
                         <a:t>14.638,60</a:t>
                       </a:r>
@@ -16434,12 +17519,14 @@
                     <a:p>
                       <a:pPr algn="l" fontAlgn="b"/>
                       <a:r>
-                        <a:rPr lang="tr-TR" sz="500" b="1" i="0" u="none" strike="noStrike">
+                        <a:rPr lang="tr-TR" sz="700" b="1" i="0" u="none" strike="noStrike">
                           <a:solidFill>
                             <a:srgbClr val="9E0E23"/>
                           </a:solidFill>
                           <a:effectLst/>
-                          <a:latin typeface="Tahoma" panose="020B0604030504040204" pitchFamily="34" charset="0"/>
+                          <a:latin typeface="Verdana" panose="020B0604030504040204" pitchFamily="34" charset="0"/>
+                          <a:ea typeface="Verdana" panose="020B0604030504040204" pitchFamily="34" charset="0"/>
+                          <a:cs typeface="Verdana" panose="020B0604030504040204" pitchFamily="34" charset="0"/>
                         </a:rPr>
                         <a:t>1.126,61</a:t>
                       </a:r>
@@ -16494,14 +17581,16 @@
                     <a:p>
                       <a:pPr algn="l" fontAlgn="b"/>
                       <a:r>
-                        <a:rPr lang="tr-TR" sz="500" b="1" i="0" u="none" strike="noStrike">
+                        <a:rPr lang="tr-TR" sz="700" b="1" i="0" u="none" strike="noStrike" dirty="0">
                           <a:solidFill>
                             <a:srgbClr val="9E0E23"/>
                           </a:solidFill>
                           <a:effectLst/>
-                          <a:latin typeface="Tahoma" panose="020B0604030504040204" pitchFamily="34" charset="0"/>
-                        </a:rPr>
-                        <a:t>15.765,21</a:t>
+                          <a:latin typeface="Verdana" panose="020B0604030504040204" pitchFamily="34" charset="0"/>
+                          <a:ea typeface="Verdana" panose="020B0604030504040204" pitchFamily="34" charset="0"/>
+                          <a:cs typeface="Verdana" panose="020B0604030504040204" pitchFamily="34" charset="0"/>
+                        </a:rPr>
+                        <a:t>15.765,2</a:t>
                       </a:r>
                     </a:p>
                   </a:txBody>
@@ -16561,14 +17650,16 @@
                     <a:p>
                       <a:pPr algn="ctr" fontAlgn="b"/>
                       <a:r>
-                        <a:rPr lang="tr-TR" sz="500" b="0" i="0" u="none" strike="noStrike">
+                        <a:rPr lang="tr-TR" sz="700" b="0" i="0" u="none" strike="noStrike" dirty="0">
                           <a:solidFill>
                             <a:srgbClr val="000000"/>
                           </a:solidFill>
                           <a:effectLst/>
-                          <a:latin typeface="Tahoma" panose="020B0604030504040204" pitchFamily="34" charset="0"/>
-                        </a:rPr>
-                        <a:t>NISAN</a:t>
+                          <a:latin typeface="Verdana" panose="020B0604030504040204" pitchFamily="34" charset="0"/>
+                          <a:ea typeface="Verdana" panose="020B0604030504040204" pitchFamily="34" charset="0"/>
+                          <a:cs typeface="Verdana" panose="020B0604030504040204" pitchFamily="34" charset="0"/>
+                        </a:rPr>
+                        <a:t>April</a:t>
                       </a:r>
                     </a:p>
                   </a:txBody>
@@ -16618,18 +17709,20 @@
                     <a:p>
                       <a:pPr algn="l" fontAlgn="b"/>
                       <a:r>
-                        <a:rPr lang="tr-TR" sz="500" b="0" i="0" u="none" strike="noStrike">
+                        <a:rPr lang="tr-TR" sz="700" b="0" i="0" u="none" strike="noStrike">
                           <a:solidFill>
                             <a:srgbClr val="000000"/>
                           </a:solidFill>
                           <a:effectLst/>
-                          <a:latin typeface="Tahoma" panose="020B0604030504040204" pitchFamily="34" charset="0"/>
-                        </a:rPr>
-                        <a:t>20.823.540</a:t>
-                      </a:r>
-                    </a:p>
-                  </a:txBody>
-                  <a:tcPr marL="51435" marR="5715" marT="5715" marB="0" anchor="b">
+                          <a:latin typeface="Verdana" panose="020B0604030504040204" pitchFamily="34" charset="0"/>
+                          <a:ea typeface="Verdana" panose="020B0604030504040204" pitchFamily="34" charset="0"/>
+                          <a:cs typeface="Verdana" panose="020B0604030504040204" pitchFamily="34" charset="0"/>
+                        </a:rPr>
+                        <a:t>1.660,62</a:t>
+                      </a:r>
+                    </a:p>
+                  </a:txBody>
+                  <a:tcPr marL="85725" marR="9525" marT="9525" marB="0" anchor="b">
                     <a:lnL w="12700" cap="flat" cmpd="sng" algn="ctr">
                       <a:solidFill>
                         <a:srgbClr val="CCCCCC"/>
@@ -16678,18 +17771,20 @@
                     <a:p>
                       <a:pPr algn="l" fontAlgn="b"/>
                       <a:r>
-                        <a:rPr lang="tr-TR" sz="500" b="0" i="0" u="none" strike="noStrike">
+                        <a:rPr lang="tr-TR" sz="700" b="0" i="0" u="none" strike="noStrike">
                           <a:solidFill>
                             <a:srgbClr val="000000"/>
                           </a:solidFill>
                           <a:effectLst/>
-                          <a:latin typeface="Tahoma" panose="020B0604030504040204" pitchFamily="34" charset="0"/>
-                        </a:rPr>
-                        <a:t>4.050.812</a:t>
-                      </a:r>
-                    </a:p>
-                  </a:txBody>
-                  <a:tcPr marL="51435" marR="5715" marT="5715" marB="0" anchor="b">
+                          <a:latin typeface="Verdana" panose="020B0604030504040204" pitchFamily="34" charset="0"/>
+                          <a:ea typeface="Verdana" panose="020B0604030504040204" pitchFamily="34" charset="0"/>
+                          <a:cs typeface="Verdana" panose="020B0604030504040204" pitchFamily="34" charset="0"/>
+                        </a:rPr>
+                        <a:t>201,19</a:t>
+                      </a:r>
+                    </a:p>
+                  </a:txBody>
+                  <a:tcPr marL="85725" marR="9525" marT="9525" marB="0" anchor="b">
                     <a:lnL w="12700" cap="flat" cmpd="sng" algn="ctr">
                       <a:solidFill>
                         <a:srgbClr val="CCCCCC"/>
@@ -16738,18 +17833,20 @@
                     <a:p>
                       <a:pPr algn="l" fontAlgn="b"/>
                       <a:r>
-                        <a:rPr lang="tr-TR" sz="500" b="0" i="0" u="none" strike="noStrike">
+                        <a:rPr lang="tr-TR" sz="700" b="0" i="0" u="none" strike="noStrike">
                           <a:solidFill>
                             <a:srgbClr val="000000"/>
                           </a:solidFill>
                           <a:effectLst/>
-                          <a:latin typeface="Tahoma" panose="020B0604030504040204" pitchFamily="34" charset="0"/>
-                        </a:rPr>
-                        <a:t>24.874.352</a:t>
-                      </a:r>
-                    </a:p>
-                  </a:txBody>
-                  <a:tcPr marL="51435" marR="5715" marT="5715" marB="0" anchor="b">
+                          <a:latin typeface="Verdana" panose="020B0604030504040204" pitchFamily="34" charset="0"/>
+                          <a:ea typeface="Verdana" panose="020B0604030504040204" pitchFamily="34" charset="0"/>
+                          <a:cs typeface="Verdana" panose="020B0604030504040204" pitchFamily="34" charset="0"/>
+                        </a:rPr>
+                        <a:t>1.861,81</a:t>
+                      </a:r>
+                    </a:p>
+                  </a:txBody>
+                  <a:tcPr marL="85725" marR="9525" marT="9525" marB="0" anchor="b">
                     <a:lnL w="12700" cap="flat" cmpd="sng" algn="ctr">
                       <a:solidFill>
                         <a:srgbClr val="CCCCCC"/>
@@ -16798,18 +17895,20 @@
                     <a:p>
                       <a:pPr algn="l" fontAlgn="b"/>
                       <a:r>
-                        <a:rPr lang="tr-TR" sz="500" b="0" i="0" u="none" strike="noStrike">
+                        <a:rPr lang="tr-TR" sz="700" b="0" i="0" u="none" strike="noStrike">
                           <a:solidFill>
                             <a:srgbClr val="000000"/>
                           </a:solidFill>
                           <a:effectLst/>
-                          <a:latin typeface="Tahoma" panose="020B0604030504040204" pitchFamily="34" charset="0"/>
-                        </a:rPr>
-                        <a:t>20.823.540</a:t>
-                      </a:r>
-                    </a:p>
-                  </a:txBody>
-                  <a:tcPr marL="51435" marR="5715" marT="5715" marB="0" anchor="b">
+                          <a:latin typeface="Verdana" panose="020B0604030504040204" pitchFamily="34" charset="0"/>
+                          <a:ea typeface="Verdana" panose="020B0604030504040204" pitchFamily="34" charset="0"/>
+                          <a:cs typeface="Verdana" panose="020B0604030504040204" pitchFamily="34" charset="0"/>
+                        </a:rPr>
+                        <a:t>2.262,63</a:t>
+                      </a:r>
+                    </a:p>
+                  </a:txBody>
+                  <a:tcPr marL="85725" marR="9525" marT="9525" marB="0" anchor="b">
                     <a:lnL w="12700" cap="flat" cmpd="sng" algn="ctr">
                       <a:solidFill>
                         <a:srgbClr val="CCCCCC"/>
@@ -16858,18 +17957,20 @@
                     <a:p>
                       <a:pPr algn="l" fontAlgn="b"/>
                       <a:r>
-                        <a:rPr lang="tr-TR" sz="500" b="0" i="0" u="none" strike="noStrike">
+                        <a:rPr lang="tr-TR" sz="700" b="0" i="0" u="none" strike="noStrike">
                           <a:solidFill>
                             <a:srgbClr val="000000"/>
                           </a:solidFill>
                           <a:effectLst/>
-                          <a:latin typeface="Tahoma" panose="020B0604030504040204" pitchFamily="34" charset="0"/>
-                        </a:rPr>
-                        <a:t>702.434</a:t>
-                      </a:r>
-                    </a:p>
-                  </a:txBody>
-                  <a:tcPr marL="51435" marR="5715" marT="5715" marB="0" anchor="b">
+                          <a:latin typeface="Verdana" panose="020B0604030504040204" pitchFamily="34" charset="0"/>
+                          <a:ea typeface="Verdana" panose="020B0604030504040204" pitchFamily="34" charset="0"/>
+                          <a:cs typeface="Verdana" panose="020B0604030504040204" pitchFamily="34" charset="0"/>
+                        </a:rPr>
+                        <a:t>238,61</a:t>
+                      </a:r>
+                    </a:p>
+                  </a:txBody>
+                  <a:tcPr marL="85725" marR="9525" marT="9525" marB="0" anchor="b">
                     <a:lnL w="12700" cap="flat" cmpd="sng" algn="ctr">
                       <a:solidFill>
                         <a:srgbClr val="CCCCCC"/>
@@ -16918,18 +18019,20 @@
                     <a:p>
                       <a:pPr algn="l" fontAlgn="b"/>
                       <a:r>
-                        <a:rPr lang="tr-TR" sz="500" b="0" i="0" u="none" strike="noStrike">
+                        <a:rPr lang="tr-TR" sz="700" b="0" i="0" u="none" strike="noStrike">
                           <a:solidFill>
                             <a:srgbClr val="000000"/>
                           </a:solidFill>
                           <a:effectLst/>
-                          <a:latin typeface="Tahoma" panose="020B0604030504040204" pitchFamily="34" charset="0"/>
-                        </a:rPr>
-                        <a:t>21.525.974</a:t>
-                      </a:r>
-                    </a:p>
-                  </a:txBody>
-                  <a:tcPr marL="51435" marR="5715" marT="5715" marB="0" anchor="b">
+                          <a:latin typeface="Verdana" panose="020B0604030504040204" pitchFamily="34" charset="0"/>
+                          <a:ea typeface="Verdana" panose="020B0604030504040204" pitchFamily="34" charset="0"/>
+                          <a:cs typeface="Verdana" panose="020B0604030504040204" pitchFamily="34" charset="0"/>
+                        </a:rPr>
+                        <a:t>2.501,25</a:t>
+                      </a:r>
+                    </a:p>
+                  </a:txBody>
+                  <a:tcPr marL="85725" marR="9525" marT="9525" marB="0" anchor="b">
                     <a:lnL w="12700" cap="flat" cmpd="sng" algn="ctr">
                       <a:solidFill>
                         <a:srgbClr val="CCCCCC"/>
@@ -16978,18 +18081,20 @@
                     <a:p>
                       <a:pPr algn="l" fontAlgn="b"/>
                       <a:r>
-                        <a:rPr lang="tr-TR" sz="500" b="0" i="0" u="none" strike="noStrike">
+                        <a:rPr lang="tr-TR" sz="700" b="0" i="0" u="none" strike="noStrike">
                           <a:solidFill>
                             <a:srgbClr val="000000"/>
                           </a:solidFill>
                           <a:effectLst/>
-                          <a:latin typeface="Tahoma" panose="020B0604030504040204" pitchFamily="34" charset="0"/>
-                        </a:rPr>
-                        <a:t>4.554,47</a:t>
-                      </a:r>
-                    </a:p>
-                  </a:txBody>
-                  <a:tcPr marL="51435" marR="5715" marT="5715" marB="0" anchor="b">
+                          <a:latin typeface="Verdana" panose="020B0604030504040204" pitchFamily="34" charset="0"/>
+                          <a:ea typeface="Verdana" panose="020B0604030504040204" pitchFamily="34" charset="0"/>
+                          <a:cs typeface="Verdana" panose="020B0604030504040204" pitchFamily="34" charset="0"/>
+                        </a:rPr>
+                        <a:t>3.718,79</a:t>
+                      </a:r>
+                    </a:p>
+                  </a:txBody>
+                  <a:tcPr marL="85725" marR="9525" marT="9525" marB="0" anchor="b">
                     <a:lnL w="12700" cap="flat" cmpd="sng" algn="ctr">
                       <a:solidFill>
                         <a:srgbClr val="CCCCCC"/>
@@ -17038,18 +18143,20 @@
                     <a:p>
                       <a:pPr algn="l" fontAlgn="b"/>
                       <a:r>
-                        <a:rPr lang="tr-TR" sz="500" b="0" i="0" u="none" strike="noStrike">
+                        <a:rPr lang="tr-TR" sz="700" b="0" i="0" u="none" strike="noStrike">
                           <a:solidFill>
                             <a:srgbClr val="000000"/>
                           </a:solidFill>
                           <a:effectLst/>
-                          <a:latin typeface="Tahoma" panose="020B0604030504040204" pitchFamily="34" charset="0"/>
-                        </a:rPr>
-                        <a:t>460,09</a:t>
-                      </a:r>
-                    </a:p>
-                  </a:txBody>
-                  <a:tcPr marL="51435" marR="5715" marT="5715" marB="0" anchor="b">
+                          <a:latin typeface="Verdana" panose="020B0604030504040204" pitchFamily="34" charset="0"/>
+                          <a:ea typeface="Verdana" panose="020B0604030504040204" pitchFamily="34" charset="0"/>
+                          <a:cs typeface="Verdana" panose="020B0604030504040204" pitchFamily="34" charset="0"/>
+                        </a:rPr>
+                        <a:t>357,39</a:t>
+                      </a:r>
+                    </a:p>
+                  </a:txBody>
+                  <a:tcPr marL="85725" marR="9525" marT="9525" marB="0" anchor="b">
                     <a:lnL w="12700" cap="flat" cmpd="sng" algn="ctr">
                       <a:solidFill>
                         <a:srgbClr val="CCCCCC"/>
@@ -17098,18 +18205,20 @@
                     <a:p>
                       <a:pPr algn="l" fontAlgn="b"/>
                       <a:r>
-                        <a:rPr lang="tr-TR" sz="500" b="0" i="0" u="none" strike="noStrike">
+                        <a:rPr lang="tr-TR" sz="700" b="0" i="0" u="none" strike="noStrike">
                           <a:solidFill>
                             <a:srgbClr val="000000"/>
                           </a:solidFill>
                           <a:effectLst/>
-                          <a:latin typeface="Tahoma" panose="020B0604030504040204" pitchFamily="34" charset="0"/>
-                        </a:rPr>
-                        <a:t>5.014,56</a:t>
-                      </a:r>
-                    </a:p>
-                  </a:txBody>
-                  <a:tcPr marL="51435" marR="5715" marT="5715" marB="0" anchor="b">
+                          <a:latin typeface="Verdana" panose="020B0604030504040204" pitchFamily="34" charset="0"/>
+                          <a:ea typeface="Verdana" panose="020B0604030504040204" pitchFamily="34" charset="0"/>
+                          <a:cs typeface="Verdana" panose="020B0604030504040204" pitchFamily="34" charset="0"/>
+                        </a:rPr>
+                        <a:t>4.076,18</a:t>
+                      </a:r>
+                    </a:p>
+                  </a:txBody>
+                  <a:tcPr marL="85725" marR="9525" marT="9525" marB="0" anchor="b">
                     <a:lnL w="12700" cap="flat" cmpd="sng" algn="ctr">
                       <a:solidFill>
                         <a:srgbClr val="CCCCCC"/>
@@ -17158,12 +18267,14 @@
                     <a:p>
                       <a:pPr algn="l" fontAlgn="b"/>
                       <a:r>
-                        <a:rPr lang="tr-TR" sz="500" b="0" i="0" u="none" strike="noStrike">
+                        <a:rPr lang="tr-TR" sz="700" b="0" i="0" u="none" strike="noStrike">
                           <a:solidFill>
                             <a:srgbClr val="000000"/>
                           </a:solidFill>
                           <a:effectLst/>
-                          <a:latin typeface="Tahoma" panose="020B0604030504040204" pitchFamily="34" charset="0"/>
+                          <a:latin typeface="Verdana" panose="020B0604030504040204" pitchFamily="34" charset="0"/>
+                          <a:ea typeface="Verdana" panose="020B0604030504040204" pitchFamily="34" charset="0"/>
+                          <a:cs typeface="Verdana" panose="020B0604030504040204" pitchFamily="34" charset="0"/>
                         </a:rPr>
                         <a:t>4.554,47</a:t>
                       </a:r>
@@ -17218,12 +18329,14 @@
                     <a:p>
                       <a:pPr algn="l" fontAlgn="b"/>
                       <a:r>
-                        <a:rPr lang="tr-TR" sz="500" b="0" i="0" u="none" strike="noStrike">
+                        <a:rPr lang="tr-TR" sz="700" b="0" i="0" u="none" strike="noStrike">
                           <a:solidFill>
                             <a:srgbClr val="000000"/>
                           </a:solidFill>
                           <a:effectLst/>
-                          <a:latin typeface="Tahoma" panose="020B0604030504040204" pitchFamily="34" charset="0"/>
+                          <a:latin typeface="Verdana" panose="020B0604030504040204" pitchFamily="34" charset="0"/>
+                          <a:ea typeface="Verdana" panose="020B0604030504040204" pitchFamily="34" charset="0"/>
+                          <a:cs typeface="Verdana" panose="020B0604030504040204" pitchFamily="34" charset="0"/>
                         </a:rPr>
                         <a:t>461,16</a:t>
                       </a:r>
@@ -17278,12 +18391,14 @@
                     <a:p>
                       <a:pPr algn="l" fontAlgn="b"/>
                       <a:r>
-                        <a:rPr lang="tr-TR" sz="500" b="0" i="0" u="none" strike="noStrike">
+                        <a:rPr lang="tr-TR" sz="700" b="0" i="0" u="none" strike="noStrike">
                           <a:solidFill>
                             <a:srgbClr val="000000"/>
                           </a:solidFill>
                           <a:effectLst/>
-                          <a:latin typeface="Tahoma" panose="020B0604030504040204" pitchFamily="34" charset="0"/>
+                          <a:latin typeface="Verdana" panose="020B0604030504040204" pitchFamily="34" charset="0"/>
+                          <a:ea typeface="Verdana" panose="020B0604030504040204" pitchFamily="34" charset="0"/>
+                          <a:cs typeface="Verdana" panose="020B0604030504040204" pitchFamily="34" charset="0"/>
                         </a:rPr>
                         <a:t>5.015,63</a:t>
                       </a:r>
@@ -17345,14 +18460,16 @@
                     <a:p>
                       <a:pPr algn="ctr" fontAlgn="b"/>
                       <a:r>
-                        <a:rPr lang="tr-TR" sz="500" b="0" i="0" u="none" strike="noStrike">
+                        <a:rPr lang="tr-TR" sz="700" b="0" i="0" u="none" strike="noStrike" dirty="0">
                           <a:solidFill>
                             <a:srgbClr val="000000"/>
                           </a:solidFill>
                           <a:effectLst/>
-                          <a:latin typeface="Tahoma" panose="020B0604030504040204" pitchFamily="34" charset="0"/>
-                        </a:rPr>
-                        <a:t>MAYIS</a:t>
+                          <a:latin typeface="Verdana" panose="020B0604030504040204" pitchFamily="34" charset="0"/>
+                          <a:ea typeface="Verdana" panose="020B0604030504040204" pitchFamily="34" charset="0"/>
+                          <a:cs typeface="Verdana" panose="020B0604030504040204" pitchFamily="34" charset="0"/>
+                        </a:rPr>
+                        <a:t>May</a:t>
                       </a:r>
                     </a:p>
                   </a:txBody>
@@ -17402,18 +18519,20 @@
                     <a:p>
                       <a:pPr algn="l" fontAlgn="b"/>
                       <a:r>
-                        <a:rPr lang="tr-TR" sz="500" b="0" i="0" u="none" strike="noStrike">
+                        <a:rPr lang="tr-TR" sz="700" b="0" i="0" u="none" strike="noStrike">
                           <a:solidFill>
                             <a:srgbClr val="000000"/>
                           </a:solidFill>
                           <a:effectLst/>
-                          <a:latin typeface="Tahoma" panose="020B0604030504040204" pitchFamily="34" charset="0"/>
-                        </a:rPr>
-                        <a:t>21.825.960</a:t>
-                      </a:r>
-                    </a:p>
-                  </a:txBody>
-                  <a:tcPr marL="51435" marR="5715" marT="5715" marB="0" anchor="b">
+                          <a:latin typeface="Verdana" panose="020B0604030504040204" pitchFamily="34" charset="0"/>
+                          <a:ea typeface="Verdana" panose="020B0604030504040204" pitchFamily="34" charset="0"/>
+                          <a:cs typeface="Verdana" panose="020B0604030504040204" pitchFamily="34" charset="0"/>
+                        </a:rPr>
+                        <a:t>1.829,08</a:t>
+                      </a:r>
+                    </a:p>
+                  </a:txBody>
+                  <a:tcPr marL="85725" marR="9525" marT="9525" marB="0" anchor="b">
                     <a:lnL w="12700" cap="flat" cmpd="sng" algn="ctr">
                       <a:solidFill>
                         <a:srgbClr val="CCCCCC"/>
@@ -17462,18 +18581,20 @@
                     <a:p>
                       <a:pPr algn="l" fontAlgn="b"/>
                       <a:r>
-                        <a:rPr lang="tr-TR" sz="500" b="0" i="0" u="none" strike="noStrike">
+                        <a:rPr lang="tr-TR" sz="700" b="0" i="0" u="none" strike="noStrike">
                           <a:solidFill>
                             <a:srgbClr val="000000"/>
                           </a:solidFill>
                           <a:effectLst/>
-                          <a:latin typeface="Tahoma" panose="020B0604030504040204" pitchFamily="34" charset="0"/>
-                        </a:rPr>
-                        <a:t>4.353.750</a:t>
-                      </a:r>
-                    </a:p>
-                  </a:txBody>
-                  <a:tcPr marL="51435" marR="5715" marT="5715" marB="0" anchor="b">
+                          <a:latin typeface="Verdana" panose="020B0604030504040204" pitchFamily="34" charset="0"/>
+                          <a:ea typeface="Verdana" panose="020B0604030504040204" pitchFamily="34" charset="0"/>
+                          <a:cs typeface="Verdana" panose="020B0604030504040204" pitchFamily="34" charset="0"/>
+                        </a:rPr>
+                        <a:t>298,9</a:t>
+                      </a:r>
+                    </a:p>
+                  </a:txBody>
+                  <a:tcPr marL="85725" marR="9525" marT="9525" marB="0" anchor="b">
                     <a:lnL w="12700" cap="flat" cmpd="sng" algn="ctr">
                       <a:solidFill>
                         <a:srgbClr val="CCCCCC"/>
@@ -17522,18 +18643,20 @@
                     <a:p>
                       <a:pPr algn="l" fontAlgn="b"/>
                       <a:r>
-                        <a:rPr lang="tr-TR" sz="500" b="0" i="0" u="none" strike="noStrike">
+                        <a:rPr lang="tr-TR" sz="700" b="0" i="0" u="none" strike="noStrike">
                           <a:solidFill>
                             <a:srgbClr val="000000"/>
                           </a:solidFill>
                           <a:effectLst/>
-                          <a:latin typeface="Tahoma" panose="020B0604030504040204" pitchFamily="34" charset="0"/>
-                        </a:rPr>
-                        <a:t>26.179.710</a:t>
-                      </a:r>
-                    </a:p>
-                  </a:txBody>
-                  <a:tcPr marL="51435" marR="5715" marT="5715" marB="0" anchor="b">
+                          <a:latin typeface="Verdana" panose="020B0604030504040204" pitchFamily="34" charset="0"/>
+                          <a:ea typeface="Verdana" panose="020B0604030504040204" pitchFamily="34" charset="0"/>
+                          <a:cs typeface="Verdana" panose="020B0604030504040204" pitchFamily="34" charset="0"/>
+                        </a:rPr>
+                        <a:t>2.127,98</a:t>
+                      </a:r>
+                    </a:p>
+                  </a:txBody>
+                  <a:tcPr marL="85725" marR="9525" marT="9525" marB="0" anchor="b">
                     <a:lnL w="12700" cap="flat" cmpd="sng" algn="ctr">
                       <a:solidFill>
                         <a:srgbClr val="CCCCCC"/>
@@ -17582,18 +18705,20 @@
                     <a:p>
                       <a:pPr algn="l" fontAlgn="b"/>
                       <a:r>
-                        <a:rPr lang="tr-TR" sz="500" b="0" i="0" u="none" strike="noStrike">
+                        <a:rPr lang="tr-TR" sz="700" b="0" i="0" u="none" strike="noStrike">
                           <a:solidFill>
                             <a:srgbClr val="000000"/>
                           </a:solidFill>
                           <a:effectLst/>
-                          <a:latin typeface="Tahoma" panose="020B0604030504040204" pitchFamily="34" charset="0"/>
-                        </a:rPr>
-                        <a:t>21.825.960</a:t>
-                      </a:r>
-                    </a:p>
-                  </a:txBody>
-                  <a:tcPr marL="51435" marR="5715" marT="5715" marB="0" anchor="b">
+                          <a:latin typeface="Verdana" panose="020B0604030504040204" pitchFamily="34" charset="0"/>
+                          <a:ea typeface="Verdana" panose="020B0604030504040204" pitchFamily="34" charset="0"/>
+                          <a:cs typeface="Verdana" panose="020B0604030504040204" pitchFamily="34" charset="0"/>
+                        </a:rPr>
+                        <a:t>2.642,24</a:t>
+                      </a:r>
+                    </a:p>
+                  </a:txBody>
+                  <a:tcPr marL="85725" marR="9525" marT="9525" marB="0" anchor="b">
                     <a:lnL w="12700" cap="flat" cmpd="sng" algn="ctr">
                       <a:solidFill>
                         <a:srgbClr val="CCCCCC"/>
@@ -17642,18 +18767,20 @@
                     <a:p>
                       <a:pPr algn="l" fontAlgn="b"/>
                       <a:r>
-                        <a:rPr lang="tr-TR" sz="500" b="0" i="0" u="none" strike="noStrike">
+                        <a:rPr lang="tr-TR" sz="700" b="0" i="0" u="none" strike="noStrike">
                           <a:solidFill>
                             <a:srgbClr val="000000"/>
                           </a:solidFill>
                           <a:effectLst/>
-                          <a:latin typeface="Tahoma" panose="020B0604030504040204" pitchFamily="34" charset="0"/>
-                        </a:rPr>
-                        <a:t>700.759</a:t>
-                      </a:r>
-                    </a:p>
-                  </a:txBody>
-                  <a:tcPr marL="51435" marR="5715" marT="5715" marB="0" anchor="b">
+                          <a:latin typeface="Verdana" panose="020B0604030504040204" pitchFamily="34" charset="0"/>
+                          <a:ea typeface="Verdana" panose="020B0604030504040204" pitchFamily="34" charset="0"/>
+                          <a:cs typeface="Verdana" panose="020B0604030504040204" pitchFamily="34" charset="0"/>
+                        </a:rPr>
+                        <a:t>242,34</a:t>
+                      </a:r>
+                    </a:p>
+                  </a:txBody>
+                  <a:tcPr marL="85725" marR="9525" marT="9525" marB="0" anchor="b">
                     <a:lnL w="12700" cap="flat" cmpd="sng" algn="ctr">
                       <a:solidFill>
                         <a:srgbClr val="CCCCCC"/>
@@ -17702,18 +18829,20 @@
                     <a:p>
                       <a:pPr algn="l" fontAlgn="b"/>
                       <a:r>
-                        <a:rPr lang="tr-TR" sz="500" b="0" i="0" u="none" strike="noStrike">
+                        <a:rPr lang="tr-TR" sz="700" b="0" i="0" u="none" strike="noStrike">
                           <a:solidFill>
                             <a:srgbClr val="000000"/>
                           </a:solidFill>
                           <a:effectLst/>
-                          <a:latin typeface="Tahoma" panose="020B0604030504040204" pitchFamily="34" charset="0"/>
-                        </a:rPr>
-                        <a:t>22.526.719</a:t>
-                      </a:r>
-                    </a:p>
-                  </a:txBody>
-                  <a:tcPr marL="51435" marR="5715" marT="5715" marB="0" anchor="b">
+                          <a:latin typeface="Verdana" panose="020B0604030504040204" pitchFamily="34" charset="0"/>
+                          <a:ea typeface="Verdana" panose="020B0604030504040204" pitchFamily="34" charset="0"/>
+                          <a:cs typeface="Verdana" panose="020B0604030504040204" pitchFamily="34" charset="0"/>
+                        </a:rPr>
+                        <a:t>2.884,58</a:t>
+                      </a:r>
+                    </a:p>
+                  </a:txBody>
+                  <a:tcPr marL="85725" marR="9525" marT="9525" marB="0" anchor="b">
                     <a:lnL w="12700" cap="flat" cmpd="sng" algn="ctr">
                       <a:solidFill>
                         <a:srgbClr val="CCCCCC"/>
@@ -17762,18 +18891,20 @@
                     <a:p>
                       <a:pPr algn="l" fontAlgn="b"/>
                       <a:r>
-                        <a:rPr lang="tr-TR" sz="500" b="0" i="0" u="none" strike="noStrike">
+                        <a:rPr lang="tr-TR" sz="700" b="0" i="0" u="none" strike="noStrike">
                           <a:solidFill>
                             <a:srgbClr val="000000"/>
                           </a:solidFill>
                           <a:effectLst/>
-                          <a:latin typeface="Tahoma" panose="020B0604030504040204" pitchFamily="34" charset="0"/>
-                        </a:rPr>
-                        <a:t>5.368,02</a:t>
-                      </a:r>
-                    </a:p>
-                  </a:txBody>
-                  <a:tcPr marL="51435" marR="5715" marT="5715" marB="0" anchor="b">
+                          <a:latin typeface="Verdana" panose="020B0604030504040204" pitchFamily="34" charset="0"/>
+                          <a:ea typeface="Verdana" panose="020B0604030504040204" pitchFamily="34" charset="0"/>
+                          <a:cs typeface="Verdana" panose="020B0604030504040204" pitchFamily="34" charset="0"/>
+                        </a:rPr>
+                        <a:t>4.082,39</a:t>
+                      </a:r>
+                    </a:p>
+                  </a:txBody>
+                  <a:tcPr marL="85725" marR="9525" marT="9525" marB="0" anchor="b">
                     <a:lnL w="12700" cap="flat" cmpd="sng" algn="ctr">
                       <a:solidFill>
                         <a:srgbClr val="CCCCCC"/>
@@ -17822,18 +18953,20 @@
                     <a:p>
                       <a:pPr algn="l" fontAlgn="b"/>
                       <a:r>
-                        <a:rPr lang="tr-TR" sz="500" b="0" i="0" u="none" strike="noStrike">
+                        <a:rPr lang="tr-TR" sz="700" b="0" i="0" u="none" strike="noStrike">
                           <a:solidFill>
                             <a:srgbClr val="000000"/>
                           </a:solidFill>
                           <a:effectLst/>
-                          <a:latin typeface="Tahoma" panose="020B0604030504040204" pitchFamily="34" charset="0"/>
-                        </a:rPr>
-                        <a:t>490,26</a:t>
-                      </a:r>
-                    </a:p>
-                  </a:txBody>
-                  <a:tcPr marL="51435" marR="5715" marT="5715" marB="0" anchor="b">
+                          <a:latin typeface="Verdana" panose="020B0604030504040204" pitchFamily="34" charset="0"/>
+                          <a:ea typeface="Verdana" panose="020B0604030504040204" pitchFamily="34" charset="0"/>
+                          <a:cs typeface="Verdana" panose="020B0604030504040204" pitchFamily="34" charset="0"/>
+                        </a:rPr>
+                        <a:t>389,81</a:t>
+                      </a:r>
+                    </a:p>
+                  </a:txBody>
+                  <a:tcPr marL="85725" marR="9525" marT="9525" marB="0" anchor="b">
                     <a:lnL w="12700" cap="flat" cmpd="sng" algn="ctr">
                       <a:solidFill>
                         <a:srgbClr val="CCCCCC"/>
@@ -17882,18 +19015,20 @@
                     <a:p>
                       <a:pPr algn="l" fontAlgn="b"/>
                       <a:r>
-                        <a:rPr lang="tr-TR" sz="500" b="0" i="0" u="none" strike="noStrike">
+                        <a:rPr lang="tr-TR" sz="700" b="0" i="0" u="none" strike="noStrike">
                           <a:solidFill>
                             <a:srgbClr val="000000"/>
                           </a:solidFill>
                           <a:effectLst/>
-                          <a:latin typeface="Tahoma" panose="020B0604030504040204" pitchFamily="34" charset="0"/>
-                        </a:rPr>
-                        <a:t>5.858,29</a:t>
-                      </a:r>
-                    </a:p>
-                  </a:txBody>
-                  <a:tcPr marL="51435" marR="5715" marT="5715" marB="0" anchor="b">
+                          <a:latin typeface="Verdana" panose="020B0604030504040204" pitchFamily="34" charset="0"/>
+                          <a:ea typeface="Verdana" panose="020B0604030504040204" pitchFamily="34" charset="0"/>
+                          <a:cs typeface="Verdana" panose="020B0604030504040204" pitchFamily="34" charset="0"/>
+                        </a:rPr>
+                        <a:t>4.472,20</a:t>
+                      </a:r>
+                    </a:p>
+                  </a:txBody>
+                  <a:tcPr marL="85725" marR="9525" marT="9525" marB="0" anchor="b">
                     <a:lnL w="12700" cap="flat" cmpd="sng" algn="ctr">
                       <a:solidFill>
                         <a:srgbClr val="CCCCCC"/>
@@ -17942,12 +19077,14 @@
                     <a:p>
                       <a:pPr algn="l" fontAlgn="b"/>
                       <a:r>
-                        <a:rPr lang="tr-TR" sz="500" b="0" i="0" u="none" strike="noStrike">
+                        <a:rPr lang="tr-TR" sz="700" b="0" i="0" u="none" strike="noStrike">
                           <a:solidFill>
                             <a:srgbClr val="000000"/>
                           </a:solidFill>
                           <a:effectLst/>
-                          <a:latin typeface="Tahoma" panose="020B0604030504040204" pitchFamily="34" charset="0"/>
+                          <a:latin typeface="Verdana" panose="020B0604030504040204" pitchFamily="34" charset="0"/>
+                          <a:ea typeface="Verdana" panose="020B0604030504040204" pitchFamily="34" charset="0"/>
+                          <a:cs typeface="Verdana" panose="020B0604030504040204" pitchFamily="34" charset="0"/>
                         </a:rPr>
                         <a:t>5.368,02</a:t>
                       </a:r>
@@ -18002,12 +19139,14 @@
                     <a:p>
                       <a:pPr algn="l" fontAlgn="b"/>
                       <a:r>
-                        <a:rPr lang="tr-TR" sz="500" b="0" i="0" u="none" strike="noStrike">
+                        <a:rPr lang="tr-TR" sz="700" b="0" i="0" u="none" strike="noStrike">
                           <a:solidFill>
                             <a:srgbClr val="000000"/>
                           </a:solidFill>
                           <a:effectLst/>
-                          <a:latin typeface="Tahoma" panose="020B0604030504040204" pitchFamily="34" charset="0"/>
+                          <a:latin typeface="Verdana" panose="020B0604030504040204" pitchFamily="34" charset="0"/>
+                          <a:ea typeface="Verdana" panose="020B0604030504040204" pitchFamily="34" charset="0"/>
+                          <a:cs typeface="Verdana" panose="020B0604030504040204" pitchFamily="34" charset="0"/>
                         </a:rPr>
                         <a:t>454,86</a:t>
                       </a:r>
@@ -18062,12 +19201,14 @@
                     <a:p>
                       <a:pPr algn="l" fontAlgn="b"/>
                       <a:r>
-                        <a:rPr lang="tr-TR" sz="500" b="0" i="0" u="none" strike="noStrike">
+                        <a:rPr lang="tr-TR" sz="700" b="0" i="0" u="none" strike="noStrike">
                           <a:solidFill>
                             <a:srgbClr val="000000"/>
                           </a:solidFill>
                           <a:effectLst/>
-                          <a:latin typeface="Tahoma" panose="020B0604030504040204" pitchFamily="34" charset="0"/>
+                          <a:latin typeface="Verdana" panose="020B0604030504040204" pitchFamily="34" charset="0"/>
+                          <a:ea typeface="Verdana" panose="020B0604030504040204" pitchFamily="34" charset="0"/>
+                          <a:cs typeface="Verdana" panose="020B0604030504040204" pitchFamily="34" charset="0"/>
                         </a:rPr>
                         <a:t>5.822,89</a:t>
                       </a:r>
@@ -18129,15 +19270,26 @@
                     <a:p>
                       <a:pPr algn="ctr" fontAlgn="b"/>
                       <a:r>
-                        <a:rPr lang="tr-TR" sz="500" b="0" i="0" u="none" strike="noStrike">
+                        <a:rPr lang="tr-TR" sz="700" b="0" i="0" u="none" strike="noStrike" dirty="0" err="1">
                           <a:solidFill>
                             <a:srgbClr val="000000"/>
                           </a:solidFill>
                           <a:effectLst/>
-                          <a:latin typeface="Tahoma" panose="020B0604030504040204" pitchFamily="34" charset="0"/>
-                        </a:rPr>
-                        <a:t>HAZIRAN</a:t>
-                      </a:r>
+                          <a:latin typeface="Verdana" panose="020B0604030504040204" pitchFamily="34" charset="0"/>
+                          <a:ea typeface="Verdana" panose="020B0604030504040204" pitchFamily="34" charset="0"/>
+                          <a:cs typeface="Verdana" panose="020B0604030504040204" pitchFamily="34" charset="0"/>
+                        </a:rPr>
+                        <a:t>June</a:t>
+                      </a:r>
+                      <a:endParaRPr lang="tr-TR" sz="700" b="0" i="0" u="none" strike="noStrike" dirty="0">
+                        <a:solidFill>
+                          <a:srgbClr val="000000"/>
+                        </a:solidFill>
+                        <a:effectLst/>
+                        <a:latin typeface="Verdana" panose="020B0604030504040204" pitchFamily="34" charset="0"/>
+                        <a:ea typeface="Verdana" panose="020B0604030504040204" pitchFamily="34" charset="0"/>
+                        <a:cs typeface="Verdana" panose="020B0604030504040204" pitchFamily="34" charset="0"/>
+                      </a:endParaRPr>
                     </a:p>
                   </a:txBody>
                   <a:tcPr marL="5715" marR="5715" marT="5715" marB="0" anchor="b">
@@ -18186,18 +19338,20 @@
                     <a:p>
                       <a:pPr algn="l" fontAlgn="b"/>
                       <a:r>
-                        <a:rPr lang="tr-TR" sz="500" b="0" i="0" u="none" strike="noStrike">
+                        <a:rPr lang="tr-TR" sz="700" b="0" i="0" u="none" strike="noStrike">
                           <a:solidFill>
                             <a:srgbClr val="000000"/>
                           </a:solidFill>
                           <a:effectLst/>
-                          <a:latin typeface="Tahoma" panose="020B0604030504040204" pitchFamily="34" charset="0"/>
-                        </a:rPr>
-                        <a:t>20.917.714</a:t>
-                      </a:r>
-                    </a:p>
-                  </a:txBody>
-                  <a:tcPr marL="51435" marR="5715" marT="5715" marB="0" anchor="b">
+                          <a:latin typeface="Verdana" panose="020B0604030504040204" pitchFamily="34" charset="0"/>
+                          <a:ea typeface="Verdana" panose="020B0604030504040204" pitchFamily="34" charset="0"/>
+                          <a:cs typeface="Verdana" panose="020B0604030504040204" pitchFamily="34" charset="0"/>
+                        </a:rPr>
+                        <a:t>1.831,30</a:t>
+                      </a:r>
+                    </a:p>
+                  </a:txBody>
+                  <a:tcPr marL="85725" marR="9525" marT="9525" marB="0" anchor="b">
                     <a:lnL w="12700" cap="flat" cmpd="sng" algn="ctr">
                       <a:solidFill>
                         <a:srgbClr val="CCCCCC"/>
@@ -18246,18 +19400,20 @@
                     <a:p>
                       <a:pPr algn="l" fontAlgn="b"/>
                       <a:r>
-                        <a:rPr lang="tr-TR" sz="500" b="0" i="0" u="none" strike="noStrike">
+                        <a:rPr lang="tr-TR" sz="700" b="0" i="0" u="none" strike="noStrike">
                           <a:solidFill>
                             <a:srgbClr val="000000"/>
                           </a:solidFill>
                           <a:effectLst/>
-                          <a:latin typeface="Tahoma" panose="020B0604030504040204" pitchFamily="34" charset="0"/>
-                        </a:rPr>
-                        <a:t>4.176.207</a:t>
-                      </a:r>
-                    </a:p>
-                  </a:txBody>
-                  <a:tcPr marL="51435" marR="5715" marT="5715" marB="0" anchor="b">
+                          <a:latin typeface="Verdana" panose="020B0604030504040204" pitchFamily="34" charset="0"/>
+                          <a:ea typeface="Verdana" panose="020B0604030504040204" pitchFamily="34" charset="0"/>
+                          <a:cs typeface="Verdana" panose="020B0604030504040204" pitchFamily="34" charset="0"/>
+                        </a:rPr>
+                        <a:t>252,34</a:t>
+                      </a:r>
+                    </a:p>
+                  </a:txBody>
+                  <a:tcPr marL="85725" marR="9525" marT="9525" marB="0" anchor="b">
                     <a:lnL w="12700" cap="flat" cmpd="sng" algn="ctr">
                       <a:solidFill>
                         <a:srgbClr val="CCCCCC"/>
@@ -18306,18 +19462,20 @@
                     <a:p>
                       <a:pPr algn="l" fontAlgn="b"/>
                       <a:r>
-                        <a:rPr lang="tr-TR" sz="500" b="0" i="0" u="none" strike="noStrike">
+                        <a:rPr lang="tr-TR" sz="700" b="0" i="0" u="none" strike="noStrike">
                           <a:solidFill>
                             <a:srgbClr val="000000"/>
                           </a:solidFill>
                           <a:effectLst/>
-                          <a:latin typeface="Tahoma" panose="020B0604030504040204" pitchFamily="34" charset="0"/>
-                        </a:rPr>
-                        <a:t>25.093.921</a:t>
-                      </a:r>
-                    </a:p>
-                  </a:txBody>
-                  <a:tcPr marL="51435" marR="5715" marT="5715" marB="0" anchor="b">
+                          <a:latin typeface="Verdana" panose="020B0604030504040204" pitchFamily="34" charset="0"/>
+                          <a:ea typeface="Verdana" panose="020B0604030504040204" pitchFamily="34" charset="0"/>
+                          <a:cs typeface="Verdana" panose="020B0604030504040204" pitchFamily="34" charset="0"/>
+                        </a:rPr>
+                        <a:t>2.083,64</a:t>
+                      </a:r>
+                    </a:p>
+                  </a:txBody>
+                  <a:tcPr marL="85725" marR="9525" marT="9525" marB="0" anchor="b">
                     <a:lnL w="12700" cap="flat" cmpd="sng" algn="ctr">
                       <a:solidFill>
                         <a:srgbClr val="CCCCCC"/>
@@ -18366,18 +19524,20 @@
                     <a:p>
                       <a:pPr algn="l" fontAlgn="b"/>
                       <a:r>
-                        <a:rPr lang="tr-TR" sz="500" b="0" i="0" u="none" strike="noStrike">
+                        <a:rPr lang="tr-TR" sz="700" b="0" i="0" u="none" strike="noStrike">
                           <a:solidFill>
                             <a:srgbClr val="000000"/>
                           </a:solidFill>
                           <a:effectLst/>
-                          <a:latin typeface="Tahoma" panose="020B0604030504040204" pitchFamily="34" charset="0"/>
-                        </a:rPr>
-                        <a:t>20.917.714</a:t>
-                      </a:r>
-                    </a:p>
-                  </a:txBody>
-                  <a:tcPr marL="51435" marR="5715" marT="5715" marB="0" anchor="b">
+                          <a:latin typeface="Verdana" panose="020B0604030504040204" pitchFamily="34" charset="0"/>
+                          <a:ea typeface="Verdana" panose="020B0604030504040204" pitchFamily="34" charset="0"/>
+                          <a:cs typeface="Verdana" panose="020B0604030504040204" pitchFamily="34" charset="0"/>
+                        </a:rPr>
+                        <a:t>2.398,13</a:t>
+                      </a:r>
+                    </a:p>
+                  </a:txBody>
+                  <a:tcPr marL="85725" marR="9525" marT="9525" marB="0" anchor="b">
                     <a:lnL w="12700" cap="flat" cmpd="sng" algn="ctr">
                       <a:solidFill>
                         <a:srgbClr val="CCCCCC"/>
@@ -18426,18 +19586,20 @@
                     <a:p>
                       <a:pPr algn="l" fontAlgn="b"/>
                       <a:r>
-                        <a:rPr lang="tr-TR" sz="500" b="0" i="0" u="none" strike="noStrike">
+                        <a:rPr lang="tr-TR" sz="700" b="0" i="0" u="none" strike="noStrike">
                           <a:solidFill>
                             <a:srgbClr val="000000"/>
                           </a:solidFill>
                           <a:effectLst/>
-                          <a:latin typeface="Tahoma" panose="020B0604030504040204" pitchFamily="34" charset="0"/>
-                        </a:rPr>
-                        <a:t>710.851</a:t>
-                      </a:r>
-                    </a:p>
-                  </a:txBody>
-                  <a:tcPr marL="51435" marR="5715" marT="5715" marB="0" anchor="b">
+                          <a:latin typeface="Verdana" panose="020B0604030504040204" pitchFamily="34" charset="0"/>
+                          <a:ea typeface="Verdana" panose="020B0604030504040204" pitchFamily="34" charset="0"/>
+                          <a:cs typeface="Verdana" panose="020B0604030504040204" pitchFamily="34" charset="0"/>
+                        </a:rPr>
+                        <a:t>219,16</a:t>
+                      </a:r>
+                    </a:p>
+                  </a:txBody>
+                  <a:tcPr marL="85725" marR="9525" marT="9525" marB="0" anchor="b">
                     <a:lnL w="12700" cap="flat" cmpd="sng" algn="ctr">
                       <a:solidFill>
                         <a:srgbClr val="CCCCCC"/>
@@ -18486,18 +19648,20 @@
                     <a:p>
                       <a:pPr algn="l" fontAlgn="b"/>
                       <a:r>
-                        <a:rPr lang="tr-TR" sz="500" b="0" i="0" u="none" strike="noStrike">
+                        <a:rPr lang="tr-TR" sz="700" b="0" i="0" u="none" strike="noStrike">
                           <a:solidFill>
                             <a:srgbClr val="000000"/>
                           </a:solidFill>
                           <a:effectLst/>
-                          <a:latin typeface="Tahoma" panose="020B0604030504040204" pitchFamily="34" charset="0"/>
-                        </a:rPr>
-                        <a:t>21.628.565</a:t>
-                      </a:r>
-                    </a:p>
-                  </a:txBody>
-                  <a:tcPr marL="51435" marR="5715" marT="5715" marB="0" anchor="b">
+                          <a:latin typeface="Verdana" panose="020B0604030504040204" pitchFamily="34" charset="0"/>
+                          <a:ea typeface="Verdana" panose="020B0604030504040204" pitchFamily="34" charset="0"/>
+                          <a:cs typeface="Verdana" panose="020B0604030504040204" pitchFamily="34" charset="0"/>
+                        </a:rPr>
+                        <a:t>2.617,29</a:t>
+                      </a:r>
+                    </a:p>
+                  </a:txBody>
+                  <a:tcPr marL="85725" marR="9525" marT="9525" marB="0" anchor="b">
                     <a:lnL w="12700" cap="flat" cmpd="sng" algn="ctr">
                       <a:solidFill>
                         <a:srgbClr val="CCCCCC"/>
@@ -18546,18 +19710,20 @@
                     <a:p>
                       <a:pPr algn="l" fontAlgn="b"/>
                       <a:r>
-                        <a:rPr lang="tr-TR" sz="500" b="0" i="0" u="none" strike="noStrike">
+                        <a:rPr lang="tr-TR" sz="700" b="0" i="0" u="none" strike="noStrike">
                           <a:solidFill>
                             <a:srgbClr val="000000"/>
                           </a:solidFill>
                           <a:effectLst/>
-                          <a:latin typeface="Tahoma" panose="020B0604030504040204" pitchFamily="34" charset="0"/>
-                        </a:rPr>
-                        <a:t>5.447,17</a:t>
-                      </a:r>
-                    </a:p>
-                  </a:txBody>
-                  <a:tcPr marL="51435" marR="5715" marT="5715" marB="0" anchor="b">
+                          <a:latin typeface="Verdana" panose="020B0604030504040204" pitchFamily="34" charset="0"/>
+                          <a:ea typeface="Verdana" panose="020B0604030504040204" pitchFamily="34" charset="0"/>
+                          <a:cs typeface="Verdana" panose="020B0604030504040204" pitchFamily="34" charset="0"/>
+                        </a:rPr>
+                        <a:t>4.259,37</a:t>
+                      </a:r>
+                    </a:p>
+                  </a:txBody>
+                  <a:tcPr marL="85725" marR="9525" marT="9525" marB="0" anchor="b">
                     <a:lnL w="12700" cap="flat" cmpd="sng" algn="ctr">
                       <a:solidFill>
                         <a:srgbClr val="CCCCCC"/>
@@ -18606,18 +19772,20 @@
                     <a:p>
                       <a:pPr algn="l" fontAlgn="b"/>
                       <a:r>
-                        <a:rPr lang="tr-TR" sz="500" b="0" i="0" u="none" strike="noStrike">
+                        <a:rPr lang="tr-TR" sz="700" b="0" i="0" u="none" strike="noStrike">
                           <a:solidFill>
                             <a:srgbClr val="000000"/>
                           </a:solidFill>
                           <a:effectLst/>
-                          <a:latin typeface="Tahoma" panose="020B0604030504040204" pitchFamily="34" charset="0"/>
-                        </a:rPr>
-                        <a:t>469,4</a:t>
-                      </a:r>
-                    </a:p>
-                  </a:txBody>
-                  <a:tcPr marL="51435" marR="5715" marT="5715" marB="0" anchor="b">
+                          <a:latin typeface="Verdana" panose="020B0604030504040204" pitchFamily="34" charset="0"/>
+                          <a:ea typeface="Verdana" panose="020B0604030504040204" pitchFamily="34" charset="0"/>
+                          <a:cs typeface="Verdana" panose="020B0604030504040204" pitchFamily="34" charset="0"/>
+                        </a:rPr>
+                        <a:t>391,69</a:t>
+                      </a:r>
+                    </a:p>
+                  </a:txBody>
+                  <a:tcPr marL="85725" marR="9525" marT="9525" marB="0" anchor="b">
                     <a:lnL w="12700" cap="flat" cmpd="sng" algn="ctr">
                       <a:solidFill>
                         <a:srgbClr val="CCCCCC"/>
@@ -18666,18 +19834,20 @@
                     <a:p>
                       <a:pPr algn="l" fontAlgn="b"/>
                       <a:r>
-                        <a:rPr lang="tr-TR" sz="500" b="0" i="0" u="none" strike="noStrike">
+                        <a:rPr lang="tr-TR" sz="700" b="0" i="0" u="none" strike="noStrike">
                           <a:solidFill>
                             <a:srgbClr val="000000"/>
                           </a:solidFill>
                           <a:effectLst/>
-                          <a:latin typeface="Tahoma" panose="020B0604030504040204" pitchFamily="34" charset="0"/>
-                        </a:rPr>
-                        <a:t>5.916,57</a:t>
-                      </a:r>
-                    </a:p>
-                  </a:txBody>
-                  <a:tcPr marL="51435" marR="5715" marT="5715" marB="0" anchor="b">
+                          <a:latin typeface="Verdana" panose="020B0604030504040204" pitchFamily="34" charset="0"/>
+                          <a:ea typeface="Verdana" panose="020B0604030504040204" pitchFamily="34" charset="0"/>
+                          <a:cs typeface="Verdana" panose="020B0604030504040204" pitchFamily="34" charset="0"/>
+                        </a:rPr>
+                        <a:t>4.651,05</a:t>
+                      </a:r>
+                    </a:p>
+                  </a:txBody>
+                  <a:tcPr marL="85725" marR="9525" marT="9525" marB="0" anchor="b">
                     <a:lnL w="12700" cap="flat" cmpd="sng" algn="ctr">
                       <a:solidFill>
                         <a:srgbClr val="CCCCCC"/>
@@ -18726,12 +19896,14 @@
                     <a:p>
                       <a:pPr algn="l" fontAlgn="b"/>
                       <a:r>
-                        <a:rPr lang="tr-TR" sz="500" b="0" i="0" u="none" strike="noStrike">
+                        <a:rPr lang="tr-TR" sz="700" b="0" i="0" u="none" strike="noStrike">
                           <a:solidFill>
                             <a:srgbClr val="000000"/>
                           </a:solidFill>
                           <a:effectLst/>
-                          <a:latin typeface="Tahoma" panose="020B0604030504040204" pitchFamily="34" charset="0"/>
+                          <a:latin typeface="Verdana" panose="020B0604030504040204" pitchFamily="34" charset="0"/>
+                          <a:ea typeface="Verdana" panose="020B0604030504040204" pitchFamily="34" charset="0"/>
+                          <a:cs typeface="Verdana" panose="020B0604030504040204" pitchFamily="34" charset="0"/>
                         </a:rPr>
                         <a:t>5.447,17</a:t>
                       </a:r>
@@ -18786,12 +19958,14 @@
                     <a:p>
                       <a:pPr algn="l" fontAlgn="b"/>
                       <a:r>
-                        <a:rPr lang="tr-TR" sz="500" b="0" i="0" u="none" strike="noStrike">
+                        <a:rPr lang="tr-TR" sz="700" b="0" i="0" u="none" strike="noStrike">
                           <a:solidFill>
                             <a:srgbClr val="000000"/>
                           </a:solidFill>
                           <a:effectLst/>
-                          <a:latin typeface="Tahoma" panose="020B0604030504040204" pitchFamily="34" charset="0"/>
+                          <a:latin typeface="Verdana" panose="020B0604030504040204" pitchFamily="34" charset="0"/>
+                          <a:ea typeface="Verdana" panose="020B0604030504040204" pitchFamily="34" charset="0"/>
+                          <a:cs typeface="Verdana" panose="020B0604030504040204" pitchFamily="34" charset="0"/>
                         </a:rPr>
                         <a:t>465,6</a:t>
                       </a:r>
@@ -18846,12 +20020,14 @@
                     <a:p>
                       <a:pPr algn="l" fontAlgn="b"/>
                       <a:r>
-                        <a:rPr lang="tr-TR" sz="500" b="0" i="0" u="none" strike="noStrike">
+                        <a:rPr lang="tr-TR" sz="700" b="0" i="0" u="none" strike="noStrike">
                           <a:solidFill>
                             <a:srgbClr val="000000"/>
                           </a:solidFill>
                           <a:effectLst/>
-                          <a:latin typeface="Tahoma" panose="020B0604030504040204" pitchFamily="34" charset="0"/>
+                          <a:latin typeface="Verdana" panose="020B0604030504040204" pitchFamily="34" charset="0"/>
+                          <a:ea typeface="Verdana" panose="020B0604030504040204" pitchFamily="34" charset="0"/>
+                          <a:cs typeface="Verdana" panose="020B0604030504040204" pitchFamily="34" charset="0"/>
                         </a:rPr>
                         <a:t>5.912,77</a:t>
                       </a:r>
@@ -18913,15 +20089,38 @@
                     <a:p>
                       <a:pPr algn="ctr" fontAlgn="b"/>
                       <a:r>
-                        <a:rPr lang="tr-TR" sz="500" b="0" i="0" u="none" strike="noStrike">
+                        <a:rPr lang="tr-TR" sz="700" b="0" i="0" u="none" strike="noStrike" dirty="0">
                           <a:solidFill>
                             <a:srgbClr val="000000"/>
                           </a:solidFill>
                           <a:effectLst/>
-                          <a:latin typeface="Tahoma" panose="020B0604030504040204" pitchFamily="34" charset="0"/>
-                        </a:rPr>
-                        <a:t>2. DÖNEM</a:t>
-                      </a:r>
+                          <a:latin typeface="Verdana" panose="020B0604030504040204" pitchFamily="34" charset="0"/>
+                          <a:ea typeface="Verdana" panose="020B0604030504040204" pitchFamily="34" charset="0"/>
+                          <a:cs typeface="Verdana" panose="020B0604030504040204" pitchFamily="34" charset="0"/>
+                        </a:rPr>
+                        <a:t>2. </a:t>
+                      </a:r>
+                      <a:r>
+                        <a:rPr lang="tr-TR" sz="700" b="0" i="0" u="none" strike="noStrike" dirty="0" err="1">
+                          <a:solidFill>
+                            <a:srgbClr val="000000"/>
+                          </a:solidFill>
+                          <a:effectLst/>
+                          <a:latin typeface="Verdana" panose="020B0604030504040204" pitchFamily="34" charset="0"/>
+                          <a:ea typeface="Verdana" panose="020B0604030504040204" pitchFamily="34" charset="0"/>
+                          <a:cs typeface="Verdana" panose="020B0604030504040204" pitchFamily="34" charset="0"/>
+                        </a:rPr>
+                        <a:t>Period</a:t>
+                      </a:r>
+                      <a:endParaRPr lang="tr-TR" sz="700" b="0" i="0" u="none" strike="noStrike" dirty="0">
+                        <a:solidFill>
+                          <a:srgbClr val="000000"/>
+                        </a:solidFill>
+                        <a:effectLst/>
+                        <a:latin typeface="Verdana" panose="020B0604030504040204" pitchFamily="34" charset="0"/>
+                        <a:ea typeface="Verdana" panose="020B0604030504040204" pitchFamily="34" charset="0"/>
+                        <a:cs typeface="Verdana" panose="020B0604030504040204" pitchFamily="34" charset="0"/>
+                      </a:endParaRPr>
                     </a:p>
                   </a:txBody>
                   <a:tcPr marL="5715" marR="5715" marT="5715" marB="0" anchor="b">
@@ -18970,18 +20169,20 @@
                     <a:p>
                       <a:pPr algn="l" fontAlgn="b"/>
                       <a:r>
-                        <a:rPr lang="tr-TR" sz="500" b="1" i="0" u="none" strike="noStrike">
+                        <a:rPr lang="tr-TR" sz="700" b="1" i="0" u="none" strike="noStrike">
                           <a:solidFill>
                             <a:srgbClr val="9E0E23"/>
                           </a:solidFill>
                           <a:effectLst/>
-                          <a:latin typeface="Tahoma" panose="020B0604030504040204" pitchFamily="34" charset="0"/>
-                        </a:rPr>
-                        <a:t>63.567.214</a:t>
-                      </a:r>
-                    </a:p>
-                  </a:txBody>
-                  <a:tcPr marL="51435" marR="5715" marT="5715" marB="0" anchor="b">
+                          <a:latin typeface="Verdana" panose="020B0604030504040204" pitchFamily="34" charset="0"/>
+                          <a:ea typeface="Verdana" panose="020B0604030504040204" pitchFamily="34" charset="0"/>
+                          <a:cs typeface="Verdana" panose="020B0604030504040204" pitchFamily="34" charset="0"/>
+                        </a:rPr>
+                        <a:t>5.321,00</a:t>
+                      </a:r>
+                    </a:p>
+                  </a:txBody>
+                  <a:tcPr marL="85725" marR="9525" marT="9525" marB="0" anchor="b">
                     <a:lnL w="12700" cap="flat" cmpd="sng" algn="ctr">
                       <a:solidFill>
                         <a:srgbClr val="CCCCCC"/>
@@ -19030,18 +20231,20 @@
                     <a:p>
                       <a:pPr algn="l" fontAlgn="b"/>
                       <a:r>
-                        <a:rPr lang="tr-TR" sz="500" b="1" i="0" u="none" strike="noStrike">
+                        <a:rPr lang="tr-TR" sz="700" b="1" i="0" u="none" strike="noStrike">
                           <a:solidFill>
                             <a:srgbClr val="9E0E23"/>
                           </a:solidFill>
                           <a:effectLst/>
-                          <a:latin typeface="Tahoma" panose="020B0604030504040204" pitchFamily="34" charset="0"/>
-                        </a:rPr>
-                        <a:t>12.580.769</a:t>
-                      </a:r>
-                    </a:p>
-                  </a:txBody>
-                  <a:tcPr marL="51435" marR="5715" marT="5715" marB="0" anchor="b">
+                          <a:latin typeface="Verdana" panose="020B0604030504040204" pitchFamily="34" charset="0"/>
+                          <a:ea typeface="Verdana" panose="020B0604030504040204" pitchFamily="34" charset="0"/>
+                          <a:cs typeface="Verdana" panose="020B0604030504040204" pitchFamily="34" charset="0"/>
+                        </a:rPr>
+                        <a:t>752,43</a:t>
+                      </a:r>
+                    </a:p>
+                  </a:txBody>
+                  <a:tcPr marL="85725" marR="9525" marT="9525" marB="0" anchor="b">
                     <a:lnL w="12700" cap="flat" cmpd="sng" algn="ctr">
                       <a:solidFill>
                         <a:srgbClr val="CCCCCC"/>
@@ -19090,18 +20293,20 @@
                     <a:p>
                       <a:pPr algn="l" fontAlgn="b"/>
                       <a:r>
-                        <a:rPr lang="tr-TR" sz="500" b="1" i="0" u="none" strike="noStrike">
+                        <a:rPr lang="tr-TR" sz="700" b="1" i="0" u="none" strike="noStrike">
                           <a:solidFill>
                             <a:srgbClr val="9E0E23"/>
                           </a:solidFill>
                           <a:effectLst/>
-                          <a:latin typeface="Tahoma" panose="020B0604030504040204" pitchFamily="34" charset="0"/>
-                        </a:rPr>
-                        <a:t>76.147.983</a:t>
-                      </a:r>
-                    </a:p>
-                  </a:txBody>
-                  <a:tcPr marL="51435" marR="5715" marT="5715" marB="0" anchor="b">
+                          <a:latin typeface="Verdana" panose="020B0604030504040204" pitchFamily="34" charset="0"/>
+                          <a:ea typeface="Verdana" panose="020B0604030504040204" pitchFamily="34" charset="0"/>
+                          <a:cs typeface="Verdana" panose="020B0604030504040204" pitchFamily="34" charset="0"/>
+                        </a:rPr>
+                        <a:t>6.073,43</a:t>
+                      </a:r>
+                    </a:p>
+                  </a:txBody>
+                  <a:tcPr marL="85725" marR="9525" marT="9525" marB="0" anchor="b">
                     <a:lnL w="12700" cap="flat" cmpd="sng" algn="ctr">
                       <a:solidFill>
                         <a:srgbClr val="CCCCCC"/>
@@ -19150,18 +20355,20 @@
                     <a:p>
                       <a:pPr algn="l" fontAlgn="b"/>
                       <a:r>
-                        <a:rPr lang="tr-TR" sz="500" b="1" i="0" u="none" strike="noStrike">
+                        <a:rPr lang="tr-TR" sz="700" b="1" i="0" u="none" strike="noStrike">
                           <a:solidFill>
                             <a:srgbClr val="9E0E23"/>
                           </a:solidFill>
                           <a:effectLst/>
-                          <a:latin typeface="Tahoma" panose="020B0604030504040204" pitchFamily="34" charset="0"/>
-                        </a:rPr>
-                        <a:t>63.567.214</a:t>
-                      </a:r>
-                    </a:p>
-                  </a:txBody>
-                  <a:tcPr marL="51435" marR="5715" marT="5715" marB="0" anchor="b">
+                          <a:latin typeface="Verdana" panose="020B0604030504040204" pitchFamily="34" charset="0"/>
+                          <a:ea typeface="Verdana" panose="020B0604030504040204" pitchFamily="34" charset="0"/>
+                          <a:cs typeface="Verdana" panose="020B0604030504040204" pitchFamily="34" charset="0"/>
+                        </a:rPr>
+                        <a:t>7.303,00</a:t>
+                      </a:r>
+                    </a:p>
+                  </a:txBody>
+                  <a:tcPr marL="85725" marR="9525" marT="9525" marB="0" anchor="b">
                     <a:lnL w="12700" cap="flat" cmpd="sng" algn="ctr">
                       <a:solidFill>
                         <a:srgbClr val="CCCCCC"/>
@@ -19210,18 +20417,20 @@
                     <a:p>
                       <a:pPr algn="l" fontAlgn="b"/>
                       <a:r>
-                        <a:rPr lang="tr-TR" sz="500" b="1" i="0" u="none" strike="noStrike">
+                        <a:rPr lang="tr-TR" sz="700" b="1" i="0" u="none" strike="noStrike">
                           <a:solidFill>
                             <a:srgbClr val="9E0E23"/>
                           </a:solidFill>
                           <a:effectLst/>
-                          <a:latin typeface="Tahoma" panose="020B0604030504040204" pitchFamily="34" charset="0"/>
-                        </a:rPr>
-                        <a:t>2.114.044</a:t>
-                      </a:r>
-                    </a:p>
-                  </a:txBody>
-                  <a:tcPr marL="51435" marR="5715" marT="5715" marB="0" anchor="b">
+                          <a:latin typeface="Verdana" panose="020B0604030504040204" pitchFamily="34" charset="0"/>
+                          <a:ea typeface="Verdana" panose="020B0604030504040204" pitchFamily="34" charset="0"/>
+                          <a:cs typeface="Verdana" panose="020B0604030504040204" pitchFamily="34" charset="0"/>
+                        </a:rPr>
+                        <a:t>700,12</a:t>
+                      </a:r>
+                    </a:p>
+                  </a:txBody>
+                  <a:tcPr marL="85725" marR="9525" marT="9525" marB="0" anchor="b">
                     <a:lnL w="12700" cap="flat" cmpd="sng" algn="ctr">
                       <a:solidFill>
                         <a:srgbClr val="CCCCCC"/>
@@ -19270,18 +20479,20 @@
                     <a:p>
                       <a:pPr algn="l" fontAlgn="b"/>
                       <a:r>
-                        <a:rPr lang="tr-TR" sz="500" b="1" i="0" u="none" strike="noStrike">
+                        <a:rPr lang="tr-TR" sz="700" b="1" i="0" u="none" strike="noStrike">
                           <a:solidFill>
                             <a:srgbClr val="9E0E23"/>
                           </a:solidFill>
                           <a:effectLst/>
-                          <a:latin typeface="Tahoma" panose="020B0604030504040204" pitchFamily="34" charset="0"/>
-                        </a:rPr>
-                        <a:t>65.681.258</a:t>
-                      </a:r>
-                    </a:p>
-                  </a:txBody>
-                  <a:tcPr marL="51435" marR="5715" marT="5715" marB="0" anchor="b">
+                          <a:latin typeface="Verdana" panose="020B0604030504040204" pitchFamily="34" charset="0"/>
+                          <a:ea typeface="Verdana" panose="020B0604030504040204" pitchFamily="34" charset="0"/>
+                          <a:cs typeface="Verdana" panose="020B0604030504040204" pitchFamily="34" charset="0"/>
+                        </a:rPr>
+                        <a:t>8.003,12</a:t>
+                      </a:r>
+                    </a:p>
+                  </a:txBody>
+                  <a:tcPr marL="85725" marR="9525" marT="9525" marB="0" anchor="b">
                     <a:lnL w="12700" cap="flat" cmpd="sng" algn="ctr">
                       <a:solidFill>
                         <a:srgbClr val="CCCCCC"/>
@@ -19330,18 +20541,20 @@
                     <a:p>
                       <a:pPr algn="l" fontAlgn="b"/>
                       <a:r>
-                        <a:rPr lang="tr-TR" sz="500" b="1" i="0" u="none" strike="noStrike">
+                        <a:rPr lang="tr-TR" sz="700" b="1" i="0" u="none" strike="noStrike">
                           <a:solidFill>
                             <a:srgbClr val="9E0E23"/>
                           </a:solidFill>
                           <a:effectLst/>
-                          <a:latin typeface="Tahoma" panose="020B0604030504040204" pitchFamily="34" charset="0"/>
-                        </a:rPr>
-                        <a:t>15.369,66</a:t>
-                      </a:r>
-                    </a:p>
-                  </a:txBody>
-                  <a:tcPr marL="51435" marR="5715" marT="5715" marB="0" anchor="b">
+                          <a:latin typeface="Verdana" panose="020B0604030504040204" pitchFamily="34" charset="0"/>
+                          <a:ea typeface="Verdana" panose="020B0604030504040204" pitchFamily="34" charset="0"/>
+                          <a:cs typeface="Verdana" panose="020B0604030504040204" pitchFamily="34" charset="0"/>
+                        </a:rPr>
+                        <a:t>12.060,55</a:t>
+                      </a:r>
+                    </a:p>
+                  </a:txBody>
+                  <a:tcPr marL="85725" marR="9525" marT="9525" marB="0" anchor="b">
                     <a:lnL w="12700" cap="flat" cmpd="sng" algn="ctr">
                       <a:solidFill>
                         <a:srgbClr val="CCCCCC"/>
@@ -19390,18 +20603,20 @@
                     <a:p>
                       <a:pPr algn="l" fontAlgn="b"/>
                       <a:r>
-                        <a:rPr lang="tr-TR" sz="500" b="1" i="0" u="none" strike="noStrike">
+                        <a:rPr lang="tr-TR" sz="700" b="1" i="0" u="none" strike="noStrike">
                           <a:solidFill>
                             <a:srgbClr val="9E0E23"/>
                           </a:solidFill>
                           <a:effectLst/>
-                          <a:latin typeface="Tahoma" panose="020B0604030504040204" pitchFamily="34" charset="0"/>
-                        </a:rPr>
-                        <a:t>1.419,75</a:t>
-                      </a:r>
-                    </a:p>
-                  </a:txBody>
-                  <a:tcPr marL="51435" marR="5715" marT="5715" marB="0" anchor="b">
+                          <a:latin typeface="Verdana" panose="020B0604030504040204" pitchFamily="34" charset="0"/>
+                          <a:ea typeface="Verdana" panose="020B0604030504040204" pitchFamily="34" charset="0"/>
+                          <a:cs typeface="Verdana" panose="020B0604030504040204" pitchFamily="34" charset="0"/>
+                        </a:rPr>
+                        <a:t>1.138,89</a:t>
+                      </a:r>
+                    </a:p>
+                  </a:txBody>
+                  <a:tcPr marL="85725" marR="9525" marT="9525" marB="0" anchor="b">
                     <a:lnL w="12700" cap="flat" cmpd="sng" algn="ctr">
                       <a:solidFill>
                         <a:srgbClr val="CCCCCC"/>
@@ -19450,18 +20665,20 @@
                     <a:p>
                       <a:pPr algn="l" fontAlgn="b"/>
                       <a:r>
-                        <a:rPr lang="tr-TR" sz="500" b="1" i="0" u="none" strike="noStrike">
+                        <a:rPr lang="tr-TR" sz="700" b="1" i="0" u="none" strike="noStrike">
                           <a:solidFill>
                             <a:srgbClr val="9E0E23"/>
                           </a:solidFill>
                           <a:effectLst/>
-                          <a:latin typeface="Tahoma" panose="020B0604030504040204" pitchFamily="34" charset="0"/>
-                        </a:rPr>
-                        <a:t>16.789,41</a:t>
-                      </a:r>
-                    </a:p>
-                  </a:txBody>
-                  <a:tcPr marL="51435" marR="5715" marT="5715" marB="0" anchor="b">
+                          <a:latin typeface="Verdana" panose="020B0604030504040204" pitchFamily="34" charset="0"/>
+                          <a:ea typeface="Verdana" panose="020B0604030504040204" pitchFamily="34" charset="0"/>
+                          <a:cs typeface="Verdana" panose="020B0604030504040204" pitchFamily="34" charset="0"/>
+                        </a:rPr>
+                        <a:t>13.199,44</a:t>
+                      </a:r>
+                    </a:p>
+                  </a:txBody>
+                  <a:tcPr marL="85725" marR="9525" marT="9525" marB="0" anchor="b">
                     <a:lnL w="12700" cap="flat" cmpd="sng" algn="ctr">
                       <a:solidFill>
                         <a:srgbClr val="CCCCCC"/>
@@ -19510,12 +20727,14 @@
                     <a:p>
                       <a:pPr algn="l" fontAlgn="b"/>
                       <a:r>
-                        <a:rPr lang="tr-TR" sz="500" b="1" i="0" u="none" strike="noStrike">
+                        <a:rPr lang="tr-TR" sz="700" b="1" i="0" u="none" strike="noStrike">
                           <a:solidFill>
                             <a:srgbClr val="9E0E23"/>
                           </a:solidFill>
                           <a:effectLst/>
-                          <a:latin typeface="Tahoma" panose="020B0604030504040204" pitchFamily="34" charset="0"/>
+                          <a:latin typeface="Verdana" panose="020B0604030504040204" pitchFamily="34" charset="0"/>
+                          <a:ea typeface="Verdana" panose="020B0604030504040204" pitchFamily="34" charset="0"/>
+                          <a:cs typeface="Verdana" panose="020B0604030504040204" pitchFamily="34" charset="0"/>
                         </a:rPr>
                         <a:t>15.369,66</a:t>
                       </a:r>
@@ -19570,12 +20789,14 @@
                     <a:p>
                       <a:pPr algn="l" fontAlgn="b"/>
                       <a:r>
-                        <a:rPr lang="tr-TR" sz="500" b="1" i="0" u="none" strike="noStrike">
+                        <a:rPr lang="tr-TR" sz="700" b="1" i="0" u="none" strike="noStrike">
                           <a:solidFill>
                             <a:srgbClr val="9E0E23"/>
                           </a:solidFill>
                           <a:effectLst/>
-                          <a:latin typeface="Tahoma" panose="020B0604030504040204" pitchFamily="34" charset="0"/>
+                          <a:latin typeface="Verdana" panose="020B0604030504040204" pitchFamily="34" charset="0"/>
+                          <a:ea typeface="Verdana" panose="020B0604030504040204" pitchFamily="34" charset="0"/>
+                          <a:cs typeface="Verdana" panose="020B0604030504040204" pitchFamily="34" charset="0"/>
                         </a:rPr>
                         <a:t>1.381,63</a:t>
                       </a:r>
@@ -19630,14 +20851,16 @@
                     <a:p>
                       <a:pPr algn="l" fontAlgn="b"/>
                       <a:r>
-                        <a:rPr lang="tr-TR" sz="500" b="1" i="0" u="none" strike="noStrike">
+                        <a:rPr lang="tr-TR" sz="700" b="1" i="0" u="none" strike="noStrike" dirty="0">
                           <a:solidFill>
                             <a:srgbClr val="9E0E23"/>
                           </a:solidFill>
                           <a:effectLst/>
-                          <a:latin typeface="Tahoma" panose="020B0604030504040204" pitchFamily="34" charset="0"/>
-                        </a:rPr>
-                        <a:t>16.751,29</a:t>
+                          <a:latin typeface="Verdana" panose="020B0604030504040204" pitchFamily="34" charset="0"/>
+                          <a:ea typeface="Verdana" panose="020B0604030504040204" pitchFamily="34" charset="0"/>
+                          <a:cs typeface="Verdana" panose="020B0604030504040204" pitchFamily="34" charset="0"/>
+                        </a:rPr>
+                        <a:t>16.751,2</a:t>
                       </a:r>
                     </a:p>
                   </a:txBody>
@@ -19697,15 +20920,26 @@
                     <a:p>
                       <a:pPr algn="ctr" fontAlgn="b"/>
                       <a:r>
-                        <a:rPr lang="tr-TR" sz="500" b="0" i="0" u="none" strike="noStrike">
+                        <a:rPr lang="tr-TR" sz="700" b="0" i="0" u="none" strike="noStrike" dirty="0" err="1">
                           <a:solidFill>
                             <a:srgbClr val="000000"/>
                           </a:solidFill>
                           <a:effectLst/>
-                          <a:latin typeface="Tahoma" panose="020B0604030504040204" pitchFamily="34" charset="0"/>
-                        </a:rPr>
-                        <a:t>TEMMUZ</a:t>
-                      </a:r>
+                          <a:latin typeface="Verdana" panose="020B0604030504040204" pitchFamily="34" charset="0"/>
+                          <a:ea typeface="Verdana" panose="020B0604030504040204" pitchFamily="34" charset="0"/>
+                          <a:cs typeface="Verdana" panose="020B0604030504040204" pitchFamily="34" charset="0"/>
+                        </a:rPr>
+                        <a:t>July</a:t>
+                      </a:r>
+                      <a:endParaRPr lang="tr-TR" sz="700" b="0" i="0" u="none" strike="noStrike" dirty="0">
+                        <a:solidFill>
+                          <a:srgbClr val="000000"/>
+                        </a:solidFill>
+                        <a:effectLst/>
+                        <a:latin typeface="Verdana" panose="020B0604030504040204" pitchFamily="34" charset="0"/>
+                        <a:ea typeface="Verdana" panose="020B0604030504040204" pitchFamily="34" charset="0"/>
+                        <a:cs typeface="Verdana" panose="020B0604030504040204" pitchFamily="34" charset="0"/>
+                      </a:endParaRPr>
                     </a:p>
                   </a:txBody>
                   <a:tcPr marL="5715" marR="5715" marT="5715" marB="0" anchor="b">
@@ -19754,18 +20988,20 @@
                     <a:p>
                       <a:pPr algn="l" fontAlgn="b"/>
                       <a:r>
-                        <a:rPr lang="tr-TR" sz="500" b="0" i="0" u="none" strike="noStrike">
+                        <a:rPr lang="tr-TR" sz="700" b="0" i="0" u="none" strike="noStrike">
                           <a:solidFill>
                             <a:srgbClr val="000000"/>
                           </a:solidFill>
                           <a:effectLst/>
-                          <a:latin typeface="Tahoma" panose="020B0604030504040204" pitchFamily="34" charset="0"/>
-                        </a:rPr>
-                        <a:t>19.346.080</a:t>
-                      </a:r>
-                    </a:p>
-                  </a:txBody>
-                  <a:tcPr marL="51435" marR="5715" marT="5715" marB="0" anchor="b">
+                          <a:latin typeface="Verdana" panose="020B0604030504040204" pitchFamily="34" charset="0"/>
+                          <a:ea typeface="Verdana" panose="020B0604030504040204" pitchFamily="34" charset="0"/>
+                          <a:cs typeface="Verdana" panose="020B0604030504040204" pitchFamily="34" charset="0"/>
+                        </a:rPr>
+                        <a:t>2.456,73</a:t>
+                      </a:r>
+                    </a:p>
+                  </a:txBody>
+                  <a:tcPr marL="85725" marR="9525" marT="9525" marB="0" anchor="b">
                     <a:lnL w="12700" cap="flat" cmpd="sng" algn="ctr">
                       <a:solidFill>
                         <a:srgbClr val="CCCCCC"/>
@@ -19814,18 +21050,20 @@
                     <a:p>
                       <a:pPr algn="l" fontAlgn="b"/>
                       <a:r>
-                        <a:rPr lang="tr-TR" sz="500" b="0" i="0" u="none" strike="noStrike">
+                        <a:rPr lang="tr-TR" sz="700" b="0" i="0" u="none" strike="noStrike">
                           <a:solidFill>
                             <a:srgbClr val="000000"/>
                           </a:solidFill>
                           <a:effectLst/>
-                          <a:latin typeface="Tahoma" panose="020B0604030504040204" pitchFamily="34" charset="0"/>
-                        </a:rPr>
-                        <a:t>3.790.408</a:t>
-                      </a:r>
-                    </a:p>
-                  </a:txBody>
-                  <a:tcPr marL="51435" marR="5715" marT="5715" marB="0" anchor="b">
+                          <a:latin typeface="Verdana" panose="020B0604030504040204" pitchFamily="34" charset="0"/>
+                          <a:ea typeface="Verdana" panose="020B0604030504040204" pitchFamily="34" charset="0"/>
+                          <a:cs typeface="Verdana" panose="020B0604030504040204" pitchFamily="34" charset="0"/>
+                        </a:rPr>
+                        <a:t>311,41</a:t>
+                      </a:r>
+                    </a:p>
+                  </a:txBody>
+                  <a:tcPr marL="85725" marR="9525" marT="9525" marB="0" anchor="b">
                     <a:lnL w="12700" cap="flat" cmpd="sng" algn="ctr">
                       <a:solidFill>
                         <a:srgbClr val="CCCCCC"/>
@@ -19874,18 +21112,20 @@
                     <a:p>
                       <a:pPr algn="l" fontAlgn="b"/>
                       <a:r>
-                        <a:rPr lang="tr-TR" sz="500" b="0" i="0" u="none" strike="noStrike">
+                        <a:rPr lang="tr-TR" sz="700" b="0" i="0" u="none" strike="noStrike">
                           <a:solidFill>
                             <a:srgbClr val="000000"/>
                           </a:solidFill>
                           <a:effectLst/>
-                          <a:latin typeface="Tahoma" panose="020B0604030504040204" pitchFamily="34" charset="0"/>
-                        </a:rPr>
-                        <a:t>23.136.488</a:t>
-                      </a:r>
-                    </a:p>
-                  </a:txBody>
-                  <a:tcPr marL="51435" marR="5715" marT="5715" marB="0" anchor="b">
+                          <a:latin typeface="Verdana" panose="020B0604030504040204" pitchFamily="34" charset="0"/>
+                          <a:ea typeface="Verdana" panose="020B0604030504040204" pitchFamily="34" charset="0"/>
+                          <a:cs typeface="Verdana" panose="020B0604030504040204" pitchFamily="34" charset="0"/>
+                        </a:rPr>
+                        <a:t>2.768,14</a:t>
+                      </a:r>
+                    </a:p>
+                  </a:txBody>
+                  <a:tcPr marL="85725" marR="9525" marT="9525" marB="0" anchor="b">
                     <a:lnL w="12700" cap="flat" cmpd="sng" algn="ctr">
                       <a:solidFill>
                         <a:srgbClr val="CCCCCC"/>
@@ -19934,18 +21174,20 @@
                     <a:p>
                       <a:pPr algn="l" fontAlgn="b"/>
                       <a:r>
-                        <a:rPr lang="tr-TR" sz="500" b="0" i="0" u="none" strike="noStrike">
+                        <a:rPr lang="tr-TR" sz="700" b="0" i="0" u="none" strike="noStrike">
                           <a:solidFill>
                             <a:srgbClr val="000000"/>
                           </a:solidFill>
                           <a:effectLst/>
-                          <a:latin typeface="Tahoma" panose="020B0604030504040204" pitchFamily="34" charset="0"/>
-                        </a:rPr>
-                        <a:t>19.346.080</a:t>
-                      </a:r>
-                    </a:p>
-                  </a:txBody>
-                  <a:tcPr marL="51435" marR="5715" marT="5715" marB="0" anchor="b">
+                          <a:latin typeface="Verdana" panose="020B0604030504040204" pitchFamily="34" charset="0"/>
+                          <a:ea typeface="Verdana" panose="020B0604030504040204" pitchFamily="34" charset="0"/>
+                          <a:cs typeface="Verdana" panose="020B0604030504040204" pitchFamily="34" charset="0"/>
+                        </a:rPr>
+                        <a:t>3.637,65</a:t>
+                      </a:r>
+                    </a:p>
+                  </a:txBody>
+                  <a:tcPr marL="85725" marR="9525" marT="9525" marB="0" anchor="b">
                     <a:lnL w="12700" cap="flat" cmpd="sng" algn="ctr">
                       <a:solidFill>
                         <a:srgbClr val="CCCCCC"/>
@@ -19994,18 +21236,20 @@
                     <a:p>
                       <a:pPr algn="l" fontAlgn="b"/>
                       <a:r>
-                        <a:rPr lang="tr-TR" sz="500" b="0" i="0" u="none" strike="noStrike">
+                        <a:rPr lang="tr-TR" sz="700" b="0" i="0" u="none" strike="noStrike">
                           <a:solidFill>
                             <a:srgbClr val="000000"/>
                           </a:solidFill>
                           <a:effectLst/>
-                          <a:latin typeface="Tahoma" panose="020B0604030504040204" pitchFamily="34" charset="0"/>
-                        </a:rPr>
-                        <a:t>688.591</a:t>
-                      </a:r>
-                    </a:p>
-                  </a:txBody>
-                  <a:tcPr marL="51435" marR="5715" marT="5715" marB="0" anchor="b">
+                          <a:latin typeface="Verdana" panose="020B0604030504040204" pitchFamily="34" charset="0"/>
+                          <a:ea typeface="Verdana" panose="020B0604030504040204" pitchFamily="34" charset="0"/>
+                          <a:cs typeface="Verdana" panose="020B0604030504040204" pitchFamily="34" charset="0"/>
+                        </a:rPr>
+                        <a:t>251,52</a:t>
+                      </a:r>
+                    </a:p>
+                  </a:txBody>
+                  <a:tcPr marL="85725" marR="9525" marT="9525" marB="0" anchor="b">
                     <a:lnL w="12700" cap="flat" cmpd="sng" algn="ctr">
                       <a:solidFill>
                         <a:srgbClr val="CCCCCC"/>
@@ -20054,18 +21298,20 @@
                     <a:p>
                       <a:pPr algn="l" fontAlgn="b"/>
                       <a:r>
-                        <a:rPr lang="tr-TR" sz="500" b="0" i="0" u="none" strike="noStrike">
+                        <a:rPr lang="tr-TR" sz="700" b="0" i="0" u="none" strike="noStrike">
                           <a:solidFill>
                             <a:srgbClr val="000000"/>
                           </a:solidFill>
                           <a:effectLst/>
-                          <a:latin typeface="Tahoma" panose="020B0604030504040204" pitchFamily="34" charset="0"/>
-                        </a:rPr>
-                        <a:t>20.034.671</a:t>
-                      </a:r>
-                    </a:p>
-                  </a:txBody>
-                  <a:tcPr marL="51435" marR="5715" marT="5715" marB="0" anchor="b">
+                          <a:latin typeface="Verdana" panose="020B0604030504040204" pitchFamily="34" charset="0"/>
+                          <a:ea typeface="Verdana" panose="020B0604030504040204" pitchFamily="34" charset="0"/>
+                          <a:cs typeface="Verdana" panose="020B0604030504040204" pitchFamily="34" charset="0"/>
+                        </a:rPr>
+                        <a:t>3.889,16</a:t>
+                      </a:r>
+                    </a:p>
+                  </a:txBody>
+                  <a:tcPr marL="85725" marR="9525" marT="9525" marB="0" anchor="b">
                     <a:lnL w="12700" cap="flat" cmpd="sng" algn="ctr">
                       <a:solidFill>
                         <a:srgbClr val="CCCCCC"/>
@@ -20114,18 +21360,20 @@
                     <a:p>
                       <a:pPr algn="l" fontAlgn="b"/>
                       <a:r>
-                        <a:rPr lang="tr-TR" sz="500" b="0" i="0" u="none" strike="noStrike">
+                        <a:rPr lang="tr-TR" sz="700" b="0" i="0" u="none" strike="noStrike">
                           <a:solidFill>
                             <a:srgbClr val="000000"/>
                           </a:solidFill>
                           <a:effectLst/>
-                          <a:latin typeface="Tahoma" panose="020B0604030504040204" pitchFamily="34" charset="0"/>
-                        </a:rPr>
-                        <a:t>5.270,10</a:t>
-                      </a:r>
-                    </a:p>
-                  </a:txBody>
-                  <a:tcPr marL="51435" marR="5715" marT="5715" marB="0" anchor="b">
+                          <a:latin typeface="Verdana" panose="020B0604030504040204" pitchFamily="34" charset="0"/>
+                          <a:ea typeface="Verdana" panose="020B0604030504040204" pitchFamily="34" charset="0"/>
+                          <a:cs typeface="Verdana" panose="020B0604030504040204" pitchFamily="34" charset="0"/>
+                        </a:rPr>
+                        <a:t>5.156,64</a:t>
+                      </a:r>
+                    </a:p>
+                  </a:txBody>
+                  <a:tcPr marL="85725" marR="9525" marT="9525" marB="0" anchor="b">
                     <a:lnL w="12700" cap="flat" cmpd="sng" algn="ctr">
                       <a:solidFill>
                         <a:srgbClr val="CCCCCC"/>
@@ -20174,18 +21422,20 @@
                     <a:p>
                       <a:pPr algn="l" fontAlgn="b"/>
                       <a:r>
-                        <a:rPr lang="tr-TR" sz="500" b="0" i="0" u="none" strike="noStrike">
+                        <a:rPr lang="tr-TR" sz="700" b="0" i="0" u="none" strike="noStrike">
                           <a:solidFill>
                             <a:srgbClr val="000000"/>
                           </a:solidFill>
                           <a:effectLst/>
-                          <a:latin typeface="Tahoma" panose="020B0604030504040204" pitchFamily="34" charset="0"/>
-                        </a:rPr>
-                        <a:t>385,15</a:t>
-                      </a:r>
-                    </a:p>
-                  </a:txBody>
-                  <a:tcPr marL="51435" marR="5715" marT="5715" marB="0" anchor="b">
+                          <a:latin typeface="Verdana" panose="020B0604030504040204" pitchFamily="34" charset="0"/>
+                          <a:ea typeface="Verdana" panose="020B0604030504040204" pitchFamily="34" charset="0"/>
+                          <a:cs typeface="Verdana" panose="020B0604030504040204" pitchFamily="34" charset="0"/>
+                        </a:rPr>
+                        <a:t>507,56</a:t>
+                      </a:r>
+                    </a:p>
+                  </a:txBody>
+                  <a:tcPr marL="85725" marR="9525" marT="9525" marB="0" anchor="b">
                     <a:lnL w="12700" cap="flat" cmpd="sng" algn="ctr">
                       <a:solidFill>
                         <a:srgbClr val="CCCCCC"/>
@@ -20234,18 +21484,20 @@
                     <a:p>
                       <a:pPr algn="l" fontAlgn="b"/>
                       <a:r>
-                        <a:rPr lang="tr-TR" sz="500" b="0" i="0" u="none" strike="noStrike">
+                        <a:rPr lang="tr-TR" sz="700" b="0" i="0" u="none" strike="noStrike">
                           <a:solidFill>
                             <a:srgbClr val="000000"/>
                           </a:solidFill>
                           <a:effectLst/>
-                          <a:latin typeface="Tahoma" panose="020B0604030504040204" pitchFamily="34" charset="0"/>
-                        </a:rPr>
-                        <a:t>5.655,25</a:t>
-                      </a:r>
-                    </a:p>
-                  </a:txBody>
-                  <a:tcPr marL="51435" marR="5715" marT="5715" marB="0" anchor="b">
+                          <a:latin typeface="Verdana" panose="020B0604030504040204" pitchFamily="34" charset="0"/>
+                          <a:ea typeface="Verdana" panose="020B0604030504040204" pitchFamily="34" charset="0"/>
+                          <a:cs typeface="Verdana" panose="020B0604030504040204" pitchFamily="34" charset="0"/>
+                        </a:rPr>
+                        <a:t>5.664,20</a:t>
+                      </a:r>
+                    </a:p>
+                  </a:txBody>
+                  <a:tcPr marL="85725" marR="9525" marT="9525" marB="0" anchor="b">
                     <a:lnL w="12700" cap="flat" cmpd="sng" algn="ctr">
                       <a:solidFill>
                         <a:srgbClr val="CCCCCC"/>
@@ -20294,12 +21546,14 @@
                     <a:p>
                       <a:pPr algn="l" fontAlgn="b"/>
                       <a:r>
-                        <a:rPr lang="tr-TR" sz="500" b="0" i="0" u="none" strike="noStrike">
+                        <a:rPr lang="tr-TR" sz="700" b="0" i="0" u="none" strike="noStrike">
                           <a:solidFill>
                             <a:srgbClr val="000000"/>
                           </a:solidFill>
                           <a:effectLst/>
-                          <a:latin typeface="Tahoma" panose="020B0604030504040204" pitchFamily="34" charset="0"/>
+                          <a:latin typeface="Verdana" panose="020B0604030504040204" pitchFamily="34" charset="0"/>
+                          <a:ea typeface="Verdana" panose="020B0604030504040204" pitchFamily="34" charset="0"/>
+                          <a:cs typeface="Verdana" panose="020B0604030504040204" pitchFamily="34" charset="0"/>
                         </a:rPr>
                         <a:t>5.270,10</a:t>
                       </a:r>
@@ -20354,12 +21608,14 @@
                     <a:p>
                       <a:pPr algn="l" fontAlgn="b"/>
                       <a:r>
-                        <a:rPr lang="tr-TR" sz="500" b="0" i="0" u="none" strike="noStrike">
+                        <a:rPr lang="tr-TR" sz="700" b="0" i="0" u="none" strike="noStrike">
                           <a:solidFill>
                             <a:srgbClr val="000000"/>
                           </a:solidFill>
                           <a:effectLst/>
-                          <a:latin typeface="Tahoma" panose="020B0604030504040204" pitchFamily="34" charset="0"/>
+                          <a:latin typeface="Verdana" panose="020B0604030504040204" pitchFamily="34" charset="0"/>
+                          <a:ea typeface="Verdana" panose="020B0604030504040204" pitchFamily="34" charset="0"/>
+                          <a:cs typeface="Verdana" panose="020B0604030504040204" pitchFamily="34" charset="0"/>
                         </a:rPr>
                         <a:t>448,54</a:t>
                       </a:r>
@@ -20414,12 +21670,14 @@
                     <a:p>
                       <a:pPr algn="l" fontAlgn="b"/>
                       <a:r>
-                        <a:rPr lang="tr-TR" sz="500" b="0" i="0" u="none" strike="noStrike">
+                        <a:rPr lang="tr-TR" sz="700" b="0" i="0" u="none" strike="noStrike">
                           <a:solidFill>
                             <a:srgbClr val="000000"/>
                           </a:solidFill>
                           <a:effectLst/>
-                          <a:latin typeface="Tahoma" panose="020B0604030504040204" pitchFamily="34" charset="0"/>
+                          <a:latin typeface="Verdana" panose="020B0604030504040204" pitchFamily="34" charset="0"/>
+                          <a:ea typeface="Verdana" panose="020B0604030504040204" pitchFamily="34" charset="0"/>
+                          <a:cs typeface="Verdana" panose="020B0604030504040204" pitchFamily="34" charset="0"/>
                         </a:rPr>
                         <a:t>5.718,65</a:t>
                       </a:r>
@@ -20481,15 +21739,26 @@
                     <a:p>
                       <a:pPr algn="ctr" fontAlgn="b"/>
                       <a:r>
-                        <a:rPr lang="tr-TR" sz="500" b="0" i="0" u="none" strike="noStrike">
+                        <a:rPr lang="tr-TR" sz="700" b="0" i="0" u="none" strike="noStrike" dirty="0" err="1">
                           <a:solidFill>
                             <a:srgbClr val="000000"/>
                           </a:solidFill>
                           <a:effectLst/>
-                          <a:latin typeface="Tahoma" panose="020B0604030504040204" pitchFamily="34" charset="0"/>
-                        </a:rPr>
-                        <a:t>AĞUSTOS</a:t>
-                      </a:r>
+                          <a:latin typeface="Verdana" panose="020B0604030504040204" pitchFamily="34" charset="0"/>
+                          <a:ea typeface="Verdana" panose="020B0604030504040204" pitchFamily="34" charset="0"/>
+                          <a:cs typeface="Verdana" panose="020B0604030504040204" pitchFamily="34" charset="0"/>
+                        </a:rPr>
+                        <a:t>August</a:t>
+                      </a:r>
+                      <a:endParaRPr lang="tr-TR" sz="700" b="0" i="0" u="none" strike="noStrike" dirty="0">
+                        <a:solidFill>
+                          <a:srgbClr val="000000"/>
+                        </a:solidFill>
+                        <a:effectLst/>
+                        <a:latin typeface="Verdana" panose="020B0604030504040204" pitchFamily="34" charset="0"/>
+                        <a:ea typeface="Verdana" panose="020B0604030504040204" pitchFamily="34" charset="0"/>
+                        <a:cs typeface="Verdana" panose="020B0604030504040204" pitchFamily="34" charset="0"/>
+                      </a:endParaRPr>
                     </a:p>
                   </a:txBody>
                   <a:tcPr marL="5715" marR="5715" marT="5715" marB="0" anchor="b">
@@ -20538,18 +21807,20 @@
                     <a:p>
                       <a:pPr algn="l" fontAlgn="b"/>
                       <a:r>
-                        <a:rPr lang="tr-TR" sz="500" b="0" i="0" u="none" strike="noStrike">
+                        <a:rPr lang="tr-TR" sz="700" b="0" i="0" u="none" strike="noStrike">
                           <a:solidFill>
                             <a:srgbClr val="000000"/>
                           </a:solidFill>
                           <a:effectLst/>
-                          <a:latin typeface="Tahoma" panose="020B0604030504040204" pitchFamily="34" charset="0"/>
-                        </a:rPr>
-                        <a:t>22.364.239</a:t>
-                      </a:r>
-                    </a:p>
-                  </a:txBody>
-                  <a:tcPr marL="51435" marR="5715" marT="5715" marB="0" anchor="b">
+                          <a:latin typeface="Verdana" panose="020B0604030504040204" pitchFamily="34" charset="0"/>
+                          <a:ea typeface="Verdana" panose="020B0604030504040204" pitchFamily="34" charset="0"/>
+                          <a:cs typeface="Verdana" panose="020B0604030504040204" pitchFamily="34" charset="0"/>
+                        </a:rPr>
+                        <a:t>2.010,45</a:t>
+                      </a:r>
+                    </a:p>
+                  </a:txBody>
+                  <a:tcPr marL="85725" marR="9525" marT="9525" marB="0" anchor="b">
                     <a:lnL w="12700" cap="flat" cmpd="sng" algn="ctr">
                       <a:solidFill>
                         <a:srgbClr val="CCCCCC"/>
@@ -20598,18 +21869,20 @@
                     <a:p>
                       <a:pPr algn="l" fontAlgn="b"/>
                       <a:r>
-                        <a:rPr lang="tr-TR" sz="500" b="0" i="0" u="none" strike="noStrike">
+                        <a:rPr lang="tr-TR" sz="700" b="0" i="0" u="none" strike="noStrike">
                           <a:solidFill>
                             <a:srgbClr val="000000"/>
                           </a:solidFill>
                           <a:effectLst/>
-                          <a:latin typeface="Tahoma" panose="020B0604030504040204" pitchFamily="34" charset="0"/>
-                        </a:rPr>
-                        <a:t>4.088.895</a:t>
-                      </a:r>
-                    </a:p>
-                  </a:txBody>
-                  <a:tcPr marL="51435" marR="5715" marT="5715" marB="0" anchor="b">
+                          <a:latin typeface="Verdana" panose="020B0604030504040204" pitchFamily="34" charset="0"/>
+                          <a:ea typeface="Verdana" panose="020B0604030504040204" pitchFamily="34" charset="0"/>
+                          <a:cs typeface="Verdana" panose="020B0604030504040204" pitchFamily="34" charset="0"/>
+                        </a:rPr>
+                        <a:t>290,66</a:t>
+                      </a:r>
+                    </a:p>
+                  </a:txBody>
+                  <a:tcPr marL="85725" marR="9525" marT="9525" marB="0" anchor="b">
                     <a:lnL w="12700" cap="flat" cmpd="sng" algn="ctr">
                       <a:solidFill>
                         <a:srgbClr val="CCCCCC"/>
@@ -20658,18 +21931,20 @@
                     <a:p>
                       <a:pPr algn="l" fontAlgn="b"/>
                       <a:r>
-                        <a:rPr lang="tr-TR" sz="500" b="0" i="0" u="none" strike="noStrike">
+                        <a:rPr lang="tr-TR" sz="700" b="0" i="0" u="none" strike="noStrike">
                           <a:solidFill>
                             <a:srgbClr val="000000"/>
                           </a:solidFill>
                           <a:effectLst/>
-                          <a:latin typeface="Tahoma" panose="020B0604030504040204" pitchFamily="34" charset="0"/>
-                        </a:rPr>
-                        <a:t>26.453.134</a:t>
-                      </a:r>
-                    </a:p>
-                  </a:txBody>
-                  <a:tcPr marL="51435" marR="5715" marT="5715" marB="0" anchor="b">
+                          <a:latin typeface="Verdana" panose="020B0604030504040204" pitchFamily="34" charset="0"/>
+                          <a:ea typeface="Verdana" panose="020B0604030504040204" pitchFamily="34" charset="0"/>
+                          <a:cs typeface="Verdana" panose="020B0604030504040204" pitchFamily="34" charset="0"/>
+                        </a:rPr>
+                        <a:t>2.301,11</a:t>
+                      </a:r>
+                    </a:p>
+                  </a:txBody>
+                  <a:tcPr marL="85725" marR="9525" marT="9525" marB="0" anchor="b">
                     <a:lnL w="12700" cap="flat" cmpd="sng" algn="ctr">
                       <a:solidFill>
                         <a:srgbClr val="CCCCCC"/>
@@ -20718,18 +21993,20 @@
                     <a:p>
                       <a:pPr algn="l" fontAlgn="b"/>
                       <a:r>
-                        <a:rPr lang="tr-TR" sz="500" b="0" i="0" u="none" strike="noStrike">
+                        <a:rPr lang="tr-TR" sz="700" b="0" i="0" u="none" strike="noStrike">
                           <a:solidFill>
                             <a:srgbClr val="000000"/>
                           </a:solidFill>
                           <a:effectLst/>
-                          <a:latin typeface="Tahoma" panose="020B0604030504040204" pitchFamily="34" charset="0"/>
-                        </a:rPr>
-                        <a:t>22.364.239</a:t>
-                      </a:r>
-                    </a:p>
-                  </a:txBody>
-                  <a:tcPr marL="51435" marR="5715" marT="5715" marB="0" anchor="b">
+                          <a:latin typeface="Verdana" panose="020B0604030504040204" pitchFamily="34" charset="0"/>
+                          <a:ea typeface="Verdana" panose="020B0604030504040204" pitchFamily="34" charset="0"/>
+                          <a:cs typeface="Verdana" panose="020B0604030504040204" pitchFamily="34" charset="0"/>
+                        </a:rPr>
+                        <a:t>2.638,87</a:t>
+                      </a:r>
+                    </a:p>
+                  </a:txBody>
+                  <a:tcPr marL="85725" marR="9525" marT="9525" marB="0" anchor="b">
                     <a:lnL w="12700" cap="flat" cmpd="sng" algn="ctr">
                       <a:solidFill>
                         <a:srgbClr val="CCCCCC"/>
@@ -20778,18 +22055,20 @@
                     <a:p>
                       <a:pPr algn="l" fontAlgn="b"/>
                       <a:r>
-                        <a:rPr lang="tr-TR" sz="500" b="0" i="0" u="none" strike="noStrike">
+                        <a:rPr lang="tr-TR" sz="700" b="0" i="0" u="none" strike="noStrike">
                           <a:solidFill>
                             <a:srgbClr val="000000"/>
                           </a:solidFill>
                           <a:effectLst/>
-                          <a:latin typeface="Tahoma" panose="020B0604030504040204" pitchFamily="34" charset="0"/>
-                        </a:rPr>
-                        <a:t>773.097</a:t>
-                      </a:r>
-                    </a:p>
-                  </a:txBody>
-                  <a:tcPr marL="51435" marR="5715" marT="5715" marB="0" anchor="b">
+                          <a:latin typeface="Verdana" panose="020B0604030504040204" pitchFamily="34" charset="0"/>
+                          <a:ea typeface="Verdana" panose="020B0604030504040204" pitchFamily="34" charset="0"/>
+                          <a:cs typeface="Verdana" panose="020B0604030504040204" pitchFamily="34" charset="0"/>
+                        </a:rPr>
+                        <a:t>250,96</a:t>
+                      </a:r>
+                    </a:p>
+                  </a:txBody>
+                  <a:tcPr marL="85725" marR="9525" marT="9525" marB="0" anchor="b">
                     <a:lnL w="12700" cap="flat" cmpd="sng" algn="ctr">
                       <a:solidFill>
                         <a:srgbClr val="CCCCCC"/>
@@ -20838,18 +22117,20 @@
                     <a:p>
                       <a:pPr algn="l" fontAlgn="b"/>
                       <a:r>
-                        <a:rPr lang="tr-TR" sz="500" b="0" i="0" u="none" strike="noStrike">
+                        <a:rPr lang="tr-TR" sz="700" b="0" i="0" u="none" strike="noStrike">
                           <a:solidFill>
                             <a:srgbClr val="000000"/>
                           </a:solidFill>
                           <a:effectLst/>
-                          <a:latin typeface="Tahoma" panose="020B0604030504040204" pitchFamily="34" charset="0"/>
-                        </a:rPr>
-                        <a:t>23.137.336</a:t>
-                      </a:r>
-                    </a:p>
-                  </a:txBody>
-                  <a:tcPr marL="51435" marR="5715" marT="5715" marB="0" anchor="b">
+                          <a:latin typeface="Verdana" panose="020B0604030504040204" pitchFamily="34" charset="0"/>
+                          <a:ea typeface="Verdana" panose="020B0604030504040204" pitchFamily="34" charset="0"/>
+                          <a:cs typeface="Verdana" panose="020B0604030504040204" pitchFamily="34" charset="0"/>
+                        </a:rPr>
+                        <a:t>2.889,82</a:t>
+                      </a:r>
+                    </a:p>
+                  </a:txBody>
+                  <a:tcPr marL="85725" marR="9525" marT="9525" marB="0" anchor="b">
                     <a:lnL w="12700" cap="flat" cmpd="sng" algn="ctr">
                       <a:solidFill>
                         <a:srgbClr val="CCCCCC"/>
@@ -20898,18 +22179,20 @@
                     <a:p>
                       <a:pPr algn="l" fontAlgn="b"/>
                       <a:r>
-                        <a:rPr lang="tr-TR" sz="500" b="0" i="0" u="none" strike="noStrike">
+                        <a:rPr lang="tr-TR" sz="700" b="0" i="0" u="none" strike="noStrike">
                           <a:solidFill>
                             <a:srgbClr val="000000"/>
                           </a:solidFill>
                           <a:effectLst/>
-                          <a:latin typeface="Tahoma" panose="020B0604030504040204" pitchFamily="34" charset="0"/>
-                        </a:rPr>
-                        <a:t>6.157,22</a:t>
-                      </a:r>
-                    </a:p>
-                  </a:txBody>
-                  <a:tcPr marL="51435" marR="5715" marT="5715" marB="0" anchor="b">
+                          <a:latin typeface="Verdana" panose="020B0604030504040204" pitchFamily="34" charset="0"/>
+                          <a:ea typeface="Verdana" panose="020B0604030504040204" pitchFamily="34" charset="0"/>
+                          <a:cs typeface="Verdana" panose="020B0604030504040204" pitchFamily="34" charset="0"/>
+                        </a:rPr>
+                        <a:t>4.668,07</a:t>
+                      </a:r>
+                    </a:p>
+                  </a:txBody>
+                  <a:tcPr marL="85725" marR="9525" marT="9525" marB="0" anchor="b">
                     <a:lnL w="12700" cap="flat" cmpd="sng" algn="ctr">
                       <a:solidFill>
                         <a:srgbClr val="CCCCCC"/>
@@ -20958,18 +22241,20 @@
                     <a:p>
                       <a:pPr algn="l" fontAlgn="b"/>
                       <a:r>
-                        <a:rPr lang="tr-TR" sz="500" b="0" i="0" u="none" strike="noStrike">
+                        <a:rPr lang="tr-TR" sz="700" b="0" i="0" u="none" strike="noStrike">
                           <a:solidFill>
                             <a:srgbClr val="000000"/>
                           </a:solidFill>
                           <a:effectLst/>
-                          <a:latin typeface="Tahoma" panose="020B0604030504040204" pitchFamily="34" charset="0"/>
-                        </a:rPr>
-                        <a:t>449,3</a:t>
-                      </a:r>
-                    </a:p>
-                  </a:txBody>
-                  <a:tcPr marL="51435" marR="5715" marT="5715" marB="0" anchor="b">
+                          <a:latin typeface="Verdana" panose="020B0604030504040204" pitchFamily="34" charset="0"/>
+                          <a:ea typeface="Verdana" panose="020B0604030504040204" pitchFamily="34" charset="0"/>
+                          <a:cs typeface="Verdana" panose="020B0604030504040204" pitchFamily="34" charset="0"/>
+                        </a:rPr>
+                        <a:t>455,43</a:t>
+                      </a:r>
+                    </a:p>
+                  </a:txBody>
+                  <a:tcPr marL="85725" marR="9525" marT="9525" marB="0" anchor="b">
                     <a:lnL w="12700" cap="flat" cmpd="sng" algn="ctr">
                       <a:solidFill>
                         <a:srgbClr val="CCCCCC"/>
@@ -21018,18 +22303,20 @@
                     <a:p>
                       <a:pPr algn="l" fontAlgn="b"/>
                       <a:r>
-                        <a:rPr lang="tr-TR" sz="500" b="0" i="0" u="none" strike="noStrike">
+                        <a:rPr lang="tr-TR" sz="700" b="0" i="0" u="none" strike="noStrike">
                           <a:solidFill>
                             <a:srgbClr val="000000"/>
                           </a:solidFill>
                           <a:effectLst/>
-                          <a:latin typeface="Tahoma" panose="020B0604030504040204" pitchFamily="34" charset="0"/>
-                        </a:rPr>
-                        <a:t>6.606,52</a:t>
-                      </a:r>
-                    </a:p>
-                  </a:txBody>
-                  <a:tcPr marL="51435" marR="5715" marT="5715" marB="0" anchor="b">
+                          <a:latin typeface="Verdana" panose="020B0604030504040204" pitchFamily="34" charset="0"/>
+                          <a:ea typeface="Verdana" panose="020B0604030504040204" pitchFamily="34" charset="0"/>
+                          <a:cs typeface="Verdana" panose="020B0604030504040204" pitchFamily="34" charset="0"/>
+                        </a:rPr>
+                        <a:t>5.123,51</a:t>
+                      </a:r>
+                    </a:p>
+                  </a:txBody>
+                  <a:tcPr marL="85725" marR="9525" marT="9525" marB="0" anchor="b">
                     <a:lnL w="12700" cap="flat" cmpd="sng" algn="ctr">
                       <a:solidFill>
                         <a:srgbClr val="CCCCCC"/>
@@ -21078,12 +22365,14 @@
                     <a:p>
                       <a:pPr algn="l" fontAlgn="b"/>
                       <a:r>
-                        <a:rPr lang="tr-TR" sz="500" b="0" i="0" u="none" strike="noStrike">
+                        <a:rPr lang="tr-TR" sz="700" b="0" i="0" u="none" strike="noStrike">
                           <a:solidFill>
                             <a:srgbClr val="000000"/>
                           </a:solidFill>
                           <a:effectLst/>
-                          <a:latin typeface="Tahoma" panose="020B0604030504040204" pitchFamily="34" charset="0"/>
+                          <a:latin typeface="Verdana" panose="020B0604030504040204" pitchFamily="34" charset="0"/>
+                          <a:ea typeface="Verdana" panose="020B0604030504040204" pitchFamily="34" charset="0"/>
+                          <a:cs typeface="Verdana" panose="020B0604030504040204" pitchFamily="34" charset="0"/>
                         </a:rPr>
                         <a:t>6.157,22</a:t>
                       </a:r>
@@ -21138,12 +22427,14 @@
                     <a:p>
                       <a:pPr algn="l" fontAlgn="b"/>
                       <a:r>
-                        <a:rPr lang="tr-TR" sz="500" b="0" i="0" u="none" strike="noStrike">
+                        <a:rPr lang="tr-TR" sz="700" b="0" i="0" u="none" strike="noStrike">
                           <a:solidFill>
                             <a:srgbClr val="000000"/>
                           </a:solidFill>
                           <a:effectLst/>
-                          <a:latin typeface="Tahoma" panose="020B0604030504040204" pitchFamily="34" charset="0"/>
+                          <a:latin typeface="Verdana" panose="020B0604030504040204" pitchFamily="34" charset="0"/>
+                          <a:ea typeface="Verdana" panose="020B0604030504040204" pitchFamily="34" charset="0"/>
+                          <a:cs typeface="Verdana" panose="020B0604030504040204" pitchFamily="34" charset="0"/>
                         </a:rPr>
                         <a:t>499,32</a:t>
                       </a:r>
@@ -21198,12 +22489,14 @@
                     <a:p>
                       <a:pPr algn="l" fontAlgn="b"/>
                       <a:r>
-                        <a:rPr lang="tr-TR" sz="500" b="0" i="0" u="none" strike="noStrike">
+                        <a:rPr lang="tr-TR" sz="700" b="0" i="0" u="none" strike="noStrike">
                           <a:solidFill>
                             <a:srgbClr val="000000"/>
                           </a:solidFill>
                           <a:effectLst/>
-                          <a:latin typeface="Tahoma" panose="020B0604030504040204" pitchFamily="34" charset="0"/>
+                          <a:latin typeface="Verdana" panose="020B0604030504040204" pitchFamily="34" charset="0"/>
+                          <a:ea typeface="Verdana" panose="020B0604030504040204" pitchFamily="34" charset="0"/>
+                          <a:cs typeface="Verdana" panose="020B0604030504040204" pitchFamily="34" charset="0"/>
                         </a:rPr>
                         <a:t>6.656,54</a:t>
                       </a:r>
@@ -21265,15 +22558,26 @@
                     <a:p>
                       <a:pPr algn="ctr" fontAlgn="b"/>
                       <a:r>
-                        <a:rPr lang="tr-TR" sz="500" b="0" i="0" u="none" strike="noStrike">
+                        <a:rPr lang="tr-TR" sz="700" b="0" i="0" u="none" strike="noStrike" dirty="0" err="1">
                           <a:solidFill>
                             <a:srgbClr val="000000"/>
                           </a:solidFill>
                           <a:effectLst/>
-                          <a:latin typeface="Tahoma" panose="020B0604030504040204" pitchFamily="34" charset="0"/>
-                        </a:rPr>
-                        <a:t>EYLÜL</a:t>
-                      </a:r>
+                          <a:latin typeface="Verdana" panose="020B0604030504040204" pitchFamily="34" charset="0"/>
+                          <a:ea typeface="Verdana" panose="020B0604030504040204" pitchFamily="34" charset="0"/>
+                          <a:cs typeface="Verdana" panose="020B0604030504040204" pitchFamily="34" charset="0"/>
+                        </a:rPr>
+                        <a:t>September</a:t>
+                      </a:r>
+                      <a:endParaRPr lang="tr-TR" sz="700" b="0" i="0" u="none" strike="noStrike" dirty="0">
+                        <a:solidFill>
+                          <a:srgbClr val="000000"/>
+                        </a:solidFill>
+                        <a:effectLst/>
+                        <a:latin typeface="Verdana" panose="020B0604030504040204" pitchFamily="34" charset="0"/>
+                        <a:ea typeface="Verdana" panose="020B0604030504040204" pitchFamily="34" charset="0"/>
+                        <a:cs typeface="Verdana" panose="020B0604030504040204" pitchFamily="34" charset="0"/>
+                      </a:endParaRPr>
                     </a:p>
                   </a:txBody>
                   <a:tcPr marL="5715" marR="5715" marT="5715" marB="0" anchor="b">
@@ -21322,18 +22626,20 @@
                     <a:p>
                       <a:pPr algn="l" fontAlgn="b"/>
                       <a:r>
-                        <a:rPr lang="tr-TR" sz="500" b="0" i="0" u="none" strike="noStrike">
+                        <a:rPr lang="tr-TR" sz="700" b="0" i="0" u="none" strike="noStrike">
                           <a:solidFill>
                             <a:srgbClr val="000000"/>
                           </a:solidFill>
                           <a:effectLst/>
-                          <a:latin typeface="Tahoma" panose="020B0604030504040204" pitchFamily="34" charset="0"/>
-                        </a:rPr>
-                        <a:t>19.450.096</a:t>
-                      </a:r>
-                    </a:p>
-                  </a:txBody>
-                  <a:tcPr marL="51435" marR="5715" marT="5715" marB="0" anchor="b">
+                          <a:latin typeface="Verdana" panose="020B0604030504040204" pitchFamily="34" charset="0"/>
+                          <a:ea typeface="Verdana" panose="020B0604030504040204" pitchFamily="34" charset="0"/>
+                          <a:cs typeface="Verdana" panose="020B0604030504040204" pitchFamily="34" charset="0"/>
+                        </a:rPr>
+                        <a:t>1.854,60</a:t>
+                      </a:r>
+                    </a:p>
+                  </a:txBody>
+                  <a:tcPr marL="85725" marR="9525" marT="9525" marB="0" anchor="b">
                     <a:lnL w="12700" cap="flat" cmpd="sng" algn="ctr">
                       <a:solidFill>
                         <a:srgbClr val="CCCCCC"/>
@@ -21382,18 +22688,20 @@
                     <a:p>
                       <a:pPr algn="l" fontAlgn="b"/>
                       <a:r>
-                        <a:rPr lang="tr-TR" sz="500" b="0" i="0" u="none" strike="noStrike">
+                        <a:rPr lang="tr-TR" sz="700" b="0" i="0" u="none" strike="noStrike">
                           <a:solidFill>
                             <a:srgbClr val="000000"/>
                           </a:solidFill>
                           <a:effectLst/>
-                          <a:latin typeface="Tahoma" panose="020B0604030504040204" pitchFamily="34" charset="0"/>
-                        </a:rPr>
-                        <a:t>4.113.612</a:t>
-                      </a:r>
-                    </a:p>
-                  </a:txBody>
-                  <a:tcPr marL="51435" marR="5715" marT="5715" marB="0" anchor="b">
+                          <a:latin typeface="Verdana" panose="020B0604030504040204" pitchFamily="34" charset="0"/>
+                          <a:ea typeface="Verdana" panose="020B0604030504040204" pitchFamily="34" charset="0"/>
+                          <a:cs typeface="Verdana" panose="020B0604030504040204" pitchFamily="34" charset="0"/>
+                        </a:rPr>
+                        <a:t>155,75</a:t>
+                      </a:r>
+                    </a:p>
+                  </a:txBody>
+                  <a:tcPr marL="85725" marR="9525" marT="9525" marB="0" anchor="b">
                     <a:lnL w="12700" cap="flat" cmpd="sng" algn="ctr">
                       <a:solidFill>
                         <a:srgbClr val="CCCCCC"/>
@@ -21442,18 +22750,20 @@
                     <a:p>
                       <a:pPr algn="l" fontAlgn="b"/>
                       <a:r>
-                        <a:rPr lang="tr-TR" sz="500" b="0" i="0" u="none" strike="noStrike">
+                        <a:rPr lang="tr-TR" sz="700" b="0" i="0" u="none" strike="noStrike">
                           <a:solidFill>
                             <a:srgbClr val="000000"/>
                           </a:solidFill>
                           <a:effectLst/>
-                          <a:latin typeface="Tahoma" panose="020B0604030504040204" pitchFamily="34" charset="0"/>
-                        </a:rPr>
-                        <a:t>23.563.708</a:t>
-                      </a:r>
-                    </a:p>
-                  </a:txBody>
-                  <a:tcPr marL="51435" marR="5715" marT="5715" marB="0" anchor="b">
+                          <a:latin typeface="Verdana" panose="020B0604030504040204" pitchFamily="34" charset="0"/>
+                          <a:ea typeface="Verdana" panose="020B0604030504040204" pitchFamily="34" charset="0"/>
+                          <a:cs typeface="Verdana" panose="020B0604030504040204" pitchFamily="34" charset="0"/>
+                        </a:rPr>
+                        <a:t>2.010,35</a:t>
+                      </a:r>
+                    </a:p>
+                  </a:txBody>
+                  <a:tcPr marL="85725" marR="9525" marT="9525" marB="0" anchor="b">
                     <a:lnL w="12700" cap="flat" cmpd="sng" algn="ctr">
                       <a:solidFill>
                         <a:srgbClr val="CCCCCC"/>
@@ -21502,18 +22812,20 @@
                     <a:p>
                       <a:pPr algn="l" fontAlgn="b"/>
                       <a:r>
-                        <a:rPr lang="tr-TR" sz="500" b="0" i="0" u="none" strike="noStrike">
+                        <a:rPr lang="tr-TR" sz="700" b="0" i="0" u="none" strike="noStrike">
                           <a:solidFill>
                             <a:srgbClr val="000000"/>
                           </a:solidFill>
                           <a:effectLst/>
-                          <a:latin typeface="Tahoma" panose="020B0604030504040204" pitchFamily="34" charset="0"/>
-                        </a:rPr>
-                        <a:t>19.450.096</a:t>
-                      </a:r>
-                    </a:p>
-                  </a:txBody>
-                  <a:tcPr marL="51435" marR="5715" marT="5715" marB="0" anchor="b">
+                          <a:latin typeface="Verdana" panose="020B0604030504040204" pitchFamily="34" charset="0"/>
+                          <a:ea typeface="Verdana" panose="020B0604030504040204" pitchFamily="34" charset="0"/>
+                          <a:cs typeface="Verdana" panose="020B0604030504040204" pitchFamily="34" charset="0"/>
+                        </a:rPr>
+                        <a:t>2.806,08</a:t>
+                      </a:r>
+                    </a:p>
+                  </a:txBody>
+                  <a:tcPr marL="85725" marR="9525" marT="9525" marB="0" anchor="b">
                     <a:lnL w="12700" cap="flat" cmpd="sng" algn="ctr">
                       <a:solidFill>
                         <a:srgbClr val="CCCCCC"/>
@@ -21562,18 +22874,20 @@
                     <a:p>
                       <a:pPr algn="l" fontAlgn="b"/>
                       <a:r>
-                        <a:rPr lang="tr-TR" sz="500" b="0" i="0" u="none" strike="noStrike">
+                        <a:rPr lang="tr-TR" sz="700" b="0" i="0" u="none" strike="noStrike">
                           <a:solidFill>
                             <a:srgbClr val="000000"/>
                           </a:solidFill>
                           <a:effectLst/>
-                          <a:latin typeface="Tahoma" panose="020B0604030504040204" pitchFamily="34" charset="0"/>
-                        </a:rPr>
-                        <a:t>694.093</a:t>
-                      </a:r>
-                    </a:p>
-                  </a:txBody>
-                  <a:tcPr marL="51435" marR="5715" marT="5715" marB="0" anchor="b">
+                          <a:latin typeface="Verdana" panose="020B0604030504040204" pitchFamily="34" charset="0"/>
+                          <a:ea typeface="Verdana" panose="020B0604030504040204" pitchFamily="34" charset="0"/>
+                          <a:cs typeface="Verdana" panose="020B0604030504040204" pitchFamily="34" charset="0"/>
+                        </a:rPr>
+                        <a:t>267,17</a:t>
+                      </a:r>
+                    </a:p>
+                  </a:txBody>
+                  <a:tcPr marL="85725" marR="9525" marT="9525" marB="0" anchor="b">
                     <a:lnL w="12700" cap="flat" cmpd="sng" algn="ctr">
                       <a:solidFill>
                         <a:srgbClr val="CCCCCC"/>
@@ -21622,18 +22936,20 @@
                     <a:p>
                       <a:pPr algn="l" fontAlgn="b"/>
                       <a:r>
-                        <a:rPr lang="tr-TR" sz="500" b="0" i="0" u="none" strike="noStrike">
+                        <a:rPr lang="tr-TR" sz="700" b="0" i="0" u="none" strike="noStrike">
                           <a:solidFill>
                             <a:srgbClr val="000000"/>
                           </a:solidFill>
                           <a:effectLst/>
-                          <a:latin typeface="Tahoma" panose="020B0604030504040204" pitchFamily="34" charset="0"/>
-                        </a:rPr>
-                        <a:t>20.144.189</a:t>
-                      </a:r>
-                    </a:p>
-                  </a:txBody>
-                  <a:tcPr marL="51435" marR="5715" marT="5715" marB="0" anchor="b">
+                          <a:latin typeface="Verdana" panose="020B0604030504040204" pitchFamily="34" charset="0"/>
+                          <a:ea typeface="Verdana" panose="020B0604030504040204" pitchFamily="34" charset="0"/>
+                          <a:cs typeface="Verdana" panose="020B0604030504040204" pitchFamily="34" charset="0"/>
+                        </a:rPr>
+                        <a:t>3.073,24</a:t>
+                      </a:r>
+                    </a:p>
+                  </a:txBody>
+                  <a:tcPr marL="85725" marR="9525" marT="9525" marB="0" anchor="b">
                     <a:lnL w="12700" cap="flat" cmpd="sng" algn="ctr">
                       <a:solidFill>
                         <a:srgbClr val="CCCCCC"/>
@@ -21682,18 +22998,20 @@
                     <a:p>
                       <a:pPr algn="l" fontAlgn="b"/>
                       <a:r>
-                        <a:rPr lang="tr-TR" sz="500" b="0" i="0" u="none" strike="noStrike">
+                        <a:rPr lang="tr-TR" sz="700" b="0" i="0" u="none" strike="noStrike">
                           <a:solidFill>
                             <a:srgbClr val="000000"/>
                           </a:solidFill>
                           <a:effectLst/>
-                          <a:latin typeface="Tahoma" panose="020B0604030504040204" pitchFamily="34" charset="0"/>
-                        </a:rPr>
-                        <a:t>5.050,72</a:t>
-                      </a:r>
-                    </a:p>
-                  </a:txBody>
-                  <a:tcPr marL="51435" marR="5715" marT="5715" marB="0" anchor="b">
+                          <a:latin typeface="Verdana" panose="020B0604030504040204" pitchFamily="34" charset="0"/>
+                          <a:ea typeface="Verdana" panose="020B0604030504040204" pitchFamily="34" charset="0"/>
+                          <a:cs typeface="Verdana" panose="020B0604030504040204" pitchFamily="34" charset="0"/>
+                        </a:rPr>
+                        <a:t>4.244,89</a:t>
+                      </a:r>
+                    </a:p>
+                  </a:txBody>
+                  <a:tcPr marL="85725" marR="9525" marT="9525" marB="0" anchor="b">
                     <a:lnL w="12700" cap="flat" cmpd="sng" algn="ctr">
                       <a:solidFill>
                         <a:srgbClr val="CCCCCC"/>
@@ -21742,18 +23060,20 @@
                     <a:p>
                       <a:pPr algn="l" fontAlgn="b"/>
                       <a:r>
-                        <a:rPr lang="tr-TR" sz="500" b="0" i="0" u="none" strike="noStrike">
+                        <a:rPr lang="tr-TR" sz="700" b="0" i="0" u="none" strike="noStrike">
                           <a:solidFill>
                             <a:srgbClr val="000000"/>
                           </a:solidFill>
                           <a:effectLst/>
-                          <a:latin typeface="Tahoma" panose="020B0604030504040204" pitchFamily="34" charset="0"/>
-                        </a:rPr>
-                        <a:t>423,01</a:t>
-                      </a:r>
-                    </a:p>
-                  </a:txBody>
-                  <a:tcPr marL="51435" marR="5715" marT="5715" marB="0" anchor="b">
+                          <a:latin typeface="Verdana" panose="020B0604030504040204" pitchFamily="34" charset="0"/>
+                          <a:ea typeface="Verdana" panose="020B0604030504040204" pitchFamily="34" charset="0"/>
+                          <a:cs typeface="Verdana" panose="020B0604030504040204" pitchFamily="34" charset="0"/>
+                        </a:rPr>
+                        <a:t>440,26</a:t>
+                      </a:r>
+                    </a:p>
+                  </a:txBody>
+                  <a:tcPr marL="85725" marR="9525" marT="9525" marB="0" anchor="b">
                     <a:lnL w="12700" cap="flat" cmpd="sng" algn="ctr">
                       <a:solidFill>
                         <a:srgbClr val="CCCCCC"/>
@@ -21802,18 +23122,20 @@
                     <a:p>
                       <a:pPr algn="l" fontAlgn="b"/>
                       <a:r>
-                        <a:rPr lang="tr-TR" sz="500" b="0" i="0" u="none" strike="noStrike">
+                        <a:rPr lang="tr-TR" sz="700" b="0" i="0" u="none" strike="noStrike">
                           <a:solidFill>
                             <a:srgbClr val="000000"/>
                           </a:solidFill>
                           <a:effectLst/>
-                          <a:latin typeface="Tahoma" panose="020B0604030504040204" pitchFamily="34" charset="0"/>
-                        </a:rPr>
-                        <a:t>5.473,73</a:t>
-                      </a:r>
-                    </a:p>
-                  </a:txBody>
-                  <a:tcPr marL="51435" marR="5715" marT="5715" marB="0" anchor="b">
+                          <a:latin typeface="Verdana" panose="020B0604030504040204" pitchFamily="34" charset="0"/>
+                          <a:ea typeface="Verdana" panose="020B0604030504040204" pitchFamily="34" charset="0"/>
+                          <a:cs typeface="Verdana" panose="020B0604030504040204" pitchFamily="34" charset="0"/>
+                        </a:rPr>
+                        <a:t>4.685,15</a:t>
+                      </a:r>
+                    </a:p>
+                  </a:txBody>
+                  <a:tcPr marL="85725" marR="9525" marT="9525" marB="0" anchor="b">
                     <a:lnL w="12700" cap="flat" cmpd="sng" algn="ctr">
                       <a:solidFill>
                         <a:srgbClr val="CCCCCC"/>
@@ -21862,12 +23184,14 @@
                     <a:p>
                       <a:pPr algn="l" fontAlgn="b"/>
                       <a:r>
-                        <a:rPr lang="tr-TR" sz="500" b="0" i="0" u="none" strike="noStrike">
+                        <a:rPr lang="tr-TR" sz="700" b="0" i="0" u="none" strike="noStrike">
                           <a:solidFill>
                             <a:srgbClr val="000000"/>
                           </a:solidFill>
                           <a:effectLst/>
-                          <a:latin typeface="Tahoma" panose="020B0604030504040204" pitchFamily="34" charset="0"/>
+                          <a:latin typeface="Verdana" panose="020B0604030504040204" pitchFamily="34" charset="0"/>
+                          <a:ea typeface="Verdana" panose="020B0604030504040204" pitchFamily="34" charset="0"/>
+                          <a:cs typeface="Verdana" panose="020B0604030504040204" pitchFamily="34" charset="0"/>
                         </a:rPr>
                         <a:t>5.050,72</a:t>
                       </a:r>
@@ -21922,12 +23246,14 @@
                     <a:p>
                       <a:pPr algn="l" fontAlgn="b"/>
                       <a:r>
-                        <a:rPr lang="tr-TR" sz="500" b="0" i="0" u="none" strike="noStrike">
+                        <a:rPr lang="tr-TR" sz="700" b="0" i="0" u="none" strike="noStrike">
                           <a:solidFill>
                             <a:srgbClr val="000000"/>
                           </a:solidFill>
                           <a:effectLst/>
-                          <a:latin typeface="Tahoma" panose="020B0604030504040204" pitchFamily="34" charset="0"/>
+                          <a:latin typeface="Verdana" panose="020B0604030504040204" pitchFamily="34" charset="0"/>
+                          <a:ea typeface="Verdana" panose="020B0604030504040204" pitchFamily="34" charset="0"/>
+                          <a:cs typeface="Verdana" panose="020B0604030504040204" pitchFamily="34" charset="0"/>
                         </a:rPr>
                         <a:t>402,69</a:t>
                       </a:r>
@@ -21982,12 +23308,14 @@
                     <a:p>
                       <a:pPr algn="l" fontAlgn="b"/>
                       <a:r>
-                        <a:rPr lang="tr-TR" sz="500" b="0" i="0" u="none" strike="noStrike">
+                        <a:rPr lang="tr-TR" sz="700" b="0" i="0" u="none" strike="noStrike">
                           <a:solidFill>
                             <a:srgbClr val="000000"/>
                           </a:solidFill>
                           <a:effectLst/>
-                          <a:latin typeface="Tahoma" panose="020B0604030504040204" pitchFamily="34" charset="0"/>
+                          <a:latin typeface="Verdana" panose="020B0604030504040204" pitchFamily="34" charset="0"/>
+                          <a:ea typeface="Verdana" panose="020B0604030504040204" pitchFamily="34" charset="0"/>
+                          <a:cs typeface="Verdana" panose="020B0604030504040204" pitchFamily="34" charset="0"/>
                         </a:rPr>
                         <a:t>5.453,40</a:t>
                       </a:r>
@@ -22049,15 +23377,38 @@
                     <a:p>
                       <a:pPr algn="ctr" fontAlgn="b"/>
                       <a:r>
-                        <a:rPr lang="tr-TR" sz="500" b="0" i="0" u="none" strike="noStrike">
+                        <a:rPr lang="tr-TR" sz="700" b="0" i="0" u="none" strike="noStrike" dirty="0">
                           <a:solidFill>
                             <a:srgbClr val="000000"/>
                           </a:solidFill>
                           <a:effectLst/>
-                          <a:latin typeface="Tahoma" panose="020B0604030504040204" pitchFamily="34" charset="0"/>
-                        </a:rPr>
-                        <a:t>3. DÖNEM</a:t>
-                      </a:r>
+                          <a:latin typeface="Verdana" panose="020B0604030504040204" pitchFamily="34" charset="0"/>
+                          <a:ea typeface="Verdana" panose="020B0604030504040204" pitchFamily="34" charset="0"/>
+                          <a:cs typeface="Verdana" panose="020B0604030504040204" pitchFamily="34" charset="0"/>
+                        </a:rPr>
+                        <a:t>3. </a:t>
+                      </a:r>
+                      <a:r>
+                        <a:rPr lang="tr-TR" sz="700" b="0" i="0" u="none" strike="noStrike" dirty="0" err="1">
+                          <a:solidFill>
+                            <a:srgbClr val="000000"/>
+                          </a:solidFill>
+                          <a:effectLst/>
+                          <a:latin typeface="Verdana" panose="020B0604030504040204" pitchFamily="34" charset="0"/>
+                          <a:ea typeface="Verdana" panose="020B0604030504040204" pitchFamily="34" charset="0"/>
+                          <a:cs typeface="Verdana" panose="020B0604030504040204" pitchFamily="34" charset="0"/>
+                        </a:rPr>
+                        <a:t>Period</a:t>
+                      </a:r>
+                      <a:endParaRPr lang="tr-TR" sz="700" b="0" i="0" u="none" strike="noStrike" dirty="0">
+                        <a:solidFill>
+                          <a:srgbClr val="000000"/>
+                        </a:solidFill>
+                        <a:effectLst/>
+                        <a:latin typeface="Verdana" panose="020B0604030504040204" pitchFamily="34" charset="0"/>
+                        <a:ea typeface="Verdana" panose="020B0604030504040204" pitchFamily="34" charset="0"/>
+                        <a:cs typeface="Verdana" panose="020B0604030504040204" pitchFamily="34" charset="0"/>
+                      </a:endParaRPr>
                     </a:p>
                   </a:txBody>
                   <a:tcPr marL="5715" marR="5715" marT="5715" marB="0" anchor="b">
@@ -22106,18 +23457,20 @@
                     <a:p>
                       <a:pPr algn="l" fontAlgn="b"/>
                       <a:r>
-                        <a:rPr lang="tr-TR" sz="500" b="1" i="0" u="none" strike="noStrike">
+                        <a:rPr lang="tr-TR" sz="700" b="1" i="0" u="none" strike="noStrike">
                           <a:solidFill>
                             <a:srgbClr val="9E0E23"/>
                           </a:solidFill>
                           <a:effectLst/>
-                          <a:latin typeface="Tahoma" panose="020B0604030504040204" pitchFamily="34" charset="0"/>
-                        </a:rPr>
-                        <a:t>61.160.415</a:t>
-                      </a:r>
-                    </a:p>
-                  </a:txBody>
-                  <a:tcPr marL="51435" marR="5715" marT="5715" marB="0" anchor="b">
+                          <a:latin typeface="Verdana" panose="020B0604030504040204" pitchFamily="34" charset="0"/>
+                          <a:ea typeface="Verdana" panose="020B0604030504040204" pitchFamily="34" charset="0"/>
+                          <a:cs typeface="Verdana" panose="020B0604030504040204" pitchFamily="34" charset="0"/>
+                        </a:rPr>
+                        <a:t>6.321,78</a:t>
+                      </a:r>
+                    </a:p>
+                  </a:txBody>
+                  <a:tcPr marL="85725" marR="9525" marT="9525" marB="0" anchor="b">
                     <a:lnL w="12700" cap="flat" cmpd="sng" algn="ctr">
                       <a:solidFill>
                         <a:srgbClr val="CCCCCC"/>
@@ -22166,18 +23519,20 @@
                     <a:p>
                       <a:pPr algn="l" fontAlgn="b"/>
                       <a:r>
-                        <a:rPr lang="tr-TR" sz="500" b="1" i="0" u="none" strike="noStrike">
+                        <a:rPr lang="tr-TR" sz="700" b="1" i="0" u="none" strike="noStrike">
                           <a:solidFill>
                             <a:srgbClr val="9E0E23"/>
                           </a:solidFill>
                           <a:effectLst/>
-                          <a:latin typeface="Tahoma" panose="020B0604030504040204" pitchFamily="34" charset="0"/>
-                        </a:rPr>
-                        <a:t>11.992.915</a:t>
-                      </a:r>
-                    </a:p>
-                  </a:txBody>
-                  <a:tcPr marL="51435" marR="5715" marT="5715" marB="0" anchor="b">
+                          <a:latin typeface="Verdana" panose="020B0604030504040204" pitchFamily="34" charset="0"/>
+                          <a:ea typeface="Verdana" panose="020B0604030504040204" pitchFamily="34" charset="0"/>
+                          <a:cs typeface="Verdana" panose="020B0604030504040204" pitchFamily="34" charset="0"/>
+                        </a:rPr>
+                        <a:t>757,82</a:t>
+                      </a:r>
+                    </a:p>
+                  </a:txBody>
+                  <a:tcPr marL="85725" marR="9525" marT="9525" marB="0" anchor="b">
                     <a:lnL w="12700" cap="flat" cmpd="sng" algn="ctr">
                       <a:solidFill>
                         <a:srgbClr val="CCCCCC"/>
@@ -22226,18 +23581,20 @@
                     <a:p>
                       <a:pPr algn="l" fontAlgn="b"/>
                       <a:r>
-                        <a:rPr lang="tr-TR" sz="500" b="1" i="0" u="none" strike="noStrike">
+                        <a:rPr lang="tr-TR" sz="700" b="1" i="0" u="none" strike="noStrike">
                           <a:solidFill>
                             <a:srgbClr val="9E0E23"/>
                           </a:solidFill>
                           <a:effectLst/>
-                          <a:latin typeface="Tahoma" panose="020B0604030504040204" pitchFamily="34" charset="0"/>
-                        </a:rPr>
-                        <a:t>73.153.330</a:t>
-                      </a:r>
-                    </a:p>
-                  </a:txBody>
-                  <a:tcPr marL="51435" marR="5715" marT="5715" marB="0" anchor="b">
+                          <a:latin typeface="Verdana" panose="020B0604030504040204" pitchFamily="34" charset="0"/>
+                          <a:ea typeface="Verdana" panose="020B0604030504040204" pitchFamily="34" charset="0"/>
+                          <a:cs typeface="Verdana" panose="020B0604030504040204" pitchFamily="34" charset="0"/>
+                        </a:rPr>
+                        <a:t>7.079,60</a:t>
+                      </a:r>
+                    </a:p>
+                  </a:txBody>
+                  <a:tcPr marL="85725" marR="9525" marT="9525" marB="0" anchor="b">
                     <a:lnL w="12700" cap="flat" cmpd="sng" algn="ctr">
                       <a:solidFill>
                         <a:srgbClr val="CCCCCC"/>
@@ -22286,18 +23643,20 @@
                     <a:p>
                       <a:pPr algn="l" fontAlgn="b"/>
                       <a:r>
-                        <a:rPr lang="tr-TR" sz="500" b="1" i="0" u="none" strike="noStrike">
+                        <a:rPr lang="tr-TR" sz="700" b="1" i="0" u="none" strike="noStrike">
                           <a:solidFill>
                             <a:srgbClr val="9E0E23"/>
                           </a:solidFill>
                           <a:effectLst/>
-                          <a:latin typeface="Tahoma" panose="020B0604030504040204" pitchFamily="34" charset="0"/>
-                        </a:rPr>
-                        <a:t>61.160.415</a:t>
-                      </a:r>
-                    </a:p>
-                  </a:txBody>
-                  <a:tcPr marL="51435" marR="5715" marT="5715" marB="0" anchor="b">
+                          <a:latin typeface="Verdana" panose="020B0604030504040204" pitchFamily="34" charset="0"/>
+                          <a:ea typeface="Verdana" panose="020B0604030504040204" pitchFamily="34" charset="0"/>
+                          <a:cs typeface="Verdana" panose="020B0604030504040204" pitchFamily="34" charset="0"/>
+                        </a:rPr>
+                        <a:t>9.082,59</a:t>
+                      </a:r>
+                    </a:p>
+                  </a:txBody>
+                  <a:tcPr marL="85725" marR="9525" marT="9525" marB="0" anchor="b">
                     <a:lnL w="12700" cap="flat" cmpd="sng" algn="ctr">
                       <a:solidFill>
                         <a:srgbClr val="CCCCCC"/>
@@ -22346,18 +23705,20 @@
                     <a:p>
                       <a:pPr algn="l" fontAlgn="b"/>
                       <a:r>
-                        <a:rPr lang="tr-TR" sz="500" b="1" i="0" u="none" strike="noStrike">
+                        <a:rPr lang="tr-TR" sz="700" b="1" i="0" u="none" strike="noStrike">
                           <a:solidFill>
                             <a:srgbClr val="9E0E23"/>
                           </a:solidFill>
                           <a:effectLst/>
-                          <a:latin typeface="Tahoma" panose="020B0604030504040204" pitchFamily="34" charset="0"/>
-                        </a:rPr>
-                        <a:t>2.155.781</a:t>
-                      </a:r>
-                    </a:p>
-                  </a:txBody>
-                  <a:tcPr marL="51435" marR="5715" marT="5715" marB="0" anchor="b">
+                          <a:latin typeface="Verdana" panose="020B0604030504040204" pitchFamily="34" charset="0"/>
+                          <a:ea typeface="Verdana" panose="020B0604030504040204" pitchFamily="34" charset="0"/>
+                          <a:cs typeface="Verdana" panose="020B0604030504040204" pitchFamily="34" charset="0"/>
+                        </a:rPr>
+                        <a:t>769,64</a:t>
+                      </a:r>
+                    </a:p>
+                  </a:txBody>
+                  <a:tcPr marL="85725" marR="9525" marT="9525" marB="0" anchor="b">
                     <a:lnL w="12700" cap="flat" cmpd="sng" algn="ctr">
                       <a:solidFill>
                         <a:srgbClr val="CCCCCC"/>
@@ -22406,18 +23767,20 @@
                     <a:p>
                       <a:pPr algn="l" fontAlgn="b"/>
                       <a:r>
-                        <a:rPr lang="tr-TR" sz="500" b="1" i="0" u="none" strike="noStrike">
+                        <a:rPr lang="tr-TR" sz="700" b="1" i="0" u="none" strike="noStrike">
                           <a:solidFill>
                             <a:srgbClr val="9E0E23"/>
                           </a:solidFill>
                           <a:effectLst/>
-                          <a:latin typeface="Tahoma" panose="020B0604030504040204" pitchFamily="34" charset="0"/>
-                        </a:rPr>
-                        <a:t>63.316.196</a:t>
-                      </a:r>
-                    </a:p>
-                  </a:txBody>
-                  <a:tcPr marL="51435" marR="5715" marT="5715" marB="0" anchor="b">
+                          <a:latin typeface="Verdana" panose="020B0604030504040204" pitchFamily="34" charset="0"/>
+                          <a:ea typeface="Verdana" panose="020B0604030504040204" pitchFamily="34" charset="0"/>
+                          <a:cs typeface="Verdana" panose="020B0604030504040204" pitchFamily="34" charset="0"/>
+                        </a:rPr>
+                        <a:t>9.852,23</a:t>
+                      </a:r>
+                    </a:p>
+                  </a:txBody>
+                  <a:tcPr marL="85725" marR="9525" marT="9525" marB="0" anchor="b">
                     <a:lnL w="12700" cap="flat" cmpd="sng" algn="ctr">
                       <a:solidFill>
                         <a:srgbClr val="CCCCCC"/>
@@ -22466,18 +23829,20 @@
                     <a:p>
                       <a:pPr algn="l" fontAlgn="b"/>
                       <a:r>
-                        <a:rPr lang="tr-TR" sz="500" b="1" i="0" u="none" strike="noStrike">
+                        <a:rPr lang="tr-TR" sz="700" b="1" i="0" u="none" strike="noStrike">
                           <a:solidFill>
                             <a:srgbClr val="9E0E23"/>
                           </a:solidFill>
                           <a:effectLst/>
-                          <a:latin typeface="Tahoma" panose="020B0604030504040204" pitchFamily="34" charset="0"/>
-                        </a:rPr>
-                        <a:t>16.478,04</a:t>
-                      </a:r>
-                    </a:p>
-                  </a:txBody>
-                  <a:tcPr marL="51435" marR="5715" marT="5715" marB="0" anchor="b">
+                          <a:latin typeface="Verdana" panose="020B0604030504040204" pitchFamily="34" charset="0"/>
+                          <a:ea typeface="Verdana" panose="020B0604030504040204" pitchFamily="34" charset="0"/>
+                          <a:cs typeface="Verdana" panose="020B0604030504040204" pitchFamily="34" charset="0"/>
+                        </a:rPr>
+                        <a:t>14.069,60</a:t>
+                      </a:r>
+                    </a:p>
+                  </a:txBody>
+                  <a:tcPr marL="85725" marR="9525" marT="9525" marB="0" anchor="b">
                     <a:lnL w="12700" cap="flat" cmpd="sng" algn="ctr">
                       <a:solidFill>
                         <a:srgbClr val="CCCCCC"/>
@@ -22526,18 +23891,20 @@
                     <a:p>
                       <a:pPr algn="l" fontAlgn="b"/>
                       <a:r>
-                        <a:rPr lang="tr-TR" sz="500" b="1" i="0" u="none" strike="noStrike">
+                        <a:rPr lang="tr-TR" sz="700" b="1" i="0" u="none" strike="noStrike">
                           <a:solidFill>
                             <a:srgbClr val="9E0E23"/>
                           </a:solidFill>
                           <a:effectLst/>
-                          <a:latin typeface="Tahoma" panose="020B0604030504040204" pitchFamily="34" charset="0"/>
-                        </a:rPr>
-                        <a:t>1.257,47</a:t>
-                      </a:r>
-                    </a:p>
-                  </a:txBody>
-                  <a:tcPr marL="51435" marR="5715" marT="5715" marB="0" anchor="b">
+                          <a:latin typeface="Verdana" panose="020B0604030504040204" pitchFamily="34" charset="0"/>
+                          <a:ea typeface="Verdana" panose="020B0604030504040204" pitchFamily="34" charset="0"/>
+                          <a:cs typeface="Verdana" panose="020B0604030504040204" pitchFamily="34" charset="0"/>
+                        </a:rPr>
+                        <a:t>1.403,25</a:t>
+                      </a:r>
+                    </a:p>
+                  </a:txBody>
+                  <a:tcPr marL="85725" marR="9525" marT="9525" marB="0" anchor="b">
                     <a:lnL w="12700" cap="flat" cmpd="sng" algn="ctr">
                       <a:solidFill>
                         <a:srgbClr val="CCCCCC"/>
@@ -22586,18 +23953,20 @@
                     <a:p>
                       <a:pPr algn="l" fontAlgn="b"/>
                       <a:r>
-                        <a:rPr lang="tr-TR" sz="500" b="1" i="0" u="none" strike="noStrike">
+                        <a:rPr lang="tr-TR" sz="700" b="1" i="0" u="none" strike="noStrike">
                           <a:solidFill>
                             <a:srgbClr val="9E0E23"/>
                           </a:solidFill>
                           <a:effectLst/>
-                          <a:latin typeface="Tahoma" panose="020B0604030504040204" pitchFamily="34" charset="0"/>
-                        </a:rPr>
-                        <a:t>17.735,51</a:t>
-                      </a:r>
-                    </a:p>
-                  </a:txBody>
-                  <a:tcPr marL="51435" marR="5715" marT="5715" marB="0" anchor="b">
+                          <a:latin typeface="Verdana" panose="020B0604030504040204" pitchFamily="34" charset="0"/>
+                          <a:ea typeface="Verdana" panose="020B0604030504040204" pitchFamily="34" charset="0"/>
+                          <a:cs typeface="Verdana" panose="020B0604030504040204" pitchFamily="34" charset="0"/>
+                        </a:rPr>
+                        <a:t>15.472,86</a:t>
+                      </a:r>
+                    </a:p>
+                  </a:txBody>
+                  <a:tcPr marL="85725" marR="9525" marT="9525" marB="0" anchor="b">
                     <a:lnL w="12700" cap="flat" cmpd="sng" algn="ctr">
                       <a:solidFill>
                         <a:srgbClr val="CCCCCC"/>
@@ -22646,12 +24015,14 @@
                     <a:p>
                       <a:pPr algn="l" fontAlgn="b"/>
                       <a:r>
-                        <a:rPr lang="tr-TR" sz="500" b="1" i="0" u="none" strike="noStrike">
+                        <a:rPr lang="tr-TR" sz="700" b="1" i="0" u="none" strike="noStrike">
                           <a:solidFill>
                             <a:srgbClr val="9E0E23"/>
                           </a:solidFill>
                           <a:effectLst/>
-                          <a:latin typeface="Tahoma" panose="020B0604030504040204" pitchFamily="34" charset="0"/>
+                          <a:latin typeface="Verdana" panose="020B0604030504040204" pitchFamily="34" charset="0"/>
+                          <a:ea typeface="Verdana" panose="020B0604030504040204" pitchFamily="34" charset="0"/>
+                          <a:cs typeface="Verdana" panose="020B0604030504040204" pitchFamily="34" charset="0"/>
                         </a:rPr>
                         <a:t>16.478,04</a:t>
                       </a:r>
@@ -22706,12 +24077,14 @@
                     <a:p>
                       <a:pPr algn="l" fontAlgn="b"/>
                       <a:r>
-                        <a:rPr lang="tr-TR" sz="500" b="1" i="0" u="none" strike="noStrike">
+                        <a:rPr lang="tr-TR" sz="700" b="1" i="0" u="none" strike="noStrike">
                           <a:solidFill>
                             <a:srgbClr val="9E0E23"/>
                           </a:solidFill>
                           <a:effectLst/>
-                          <a:latin typeface="Tahoma" panose="020B0604030504040204" pitchFamily="34" charset="0"/>
+                          <a:latin typeface="Verdana" panose="020B0604030504040204" pitchFamily="34" charset="0"/>
+                          <a:ea typeface="Verdana" panose="020B0604030504040204" pitchFamily="34" charset="0"/>
+                          <a:cs typeface="Verdana" panose="020B0604030504040204" pitchFamily="34" charset="0"/>
                         </a:rPr>
                         <a:t>1.350,55</a:t>
                       </a:r>
@@ -22766,14 +24139,16 @@
                     <a:p>
                       <a:pPr algn="l" fontAlgn="b"/>
                       <a:r>
-                        <a:rPr lang="tr-TR" sz="500" b="1" i="0" u="none" strike="noStrike">
+                        <a:rPr lang="tr-TR" sz="700" b="1" i="0" u="none" strike="noStrike" dirty="0">
                           <a:solidFill>
                             <a:srgbClr val="9E0E23"/>
                           </a:solidFill>
                           <a:effectLst/>
-                          <a:latin typeface="Tahoma" panose="020B0604030504040204" pitchFamily="34" charset="0"/>
-                        </a:rPr>
-                        <a:t>17.828,59</a:t>
+                          <a:latin typeface="Verdana" panose="020B0604030504040204" pitchFamily="34" charset="0"/>
+                          <a:ea typeface="Verdana" panose="020B0604030504040204" pitchFamily="34" charset="0"/>
+                          <a:cs typeface="Verdana" panose="020B0604030504040204" pitchFamily="34" charset="0"/>
+                        </a:rPr>
+                        <a:t>17.828,5</a:t>
                       </a:r>
                     </a:p>
                   </a:txBody>
@@ -22833,15 +24208,26 @@
                     <a:p>
                       <a:pPr algn="ctr" fontAlgn="b"/>
                       <a:r>
-                        <a:rPr lang="tr-TR" sz="500" b="0" i="0" u="none" strike="noStrike">
+                        <a:rPr lang="tr-TR" sz="700" b="0" i="0" u="none" strike="noStrike" dirty="0" err="1">
                           <a:solidFill>
                             <a:srgbClr val="000000"/>
                           </a:solidFill>
                           <a:effectLst/>
-                          <a:latin typeface="Tahoma" panose="020B0604030504040204" pitchFamily="34" charset="0"/>
-                        </a:rPr>
-                        <a:t>EKIM</a:t>
-                      </a:r>
+                          <a:latin typeface="Verdana" panose="020B0604030504040204" pitchFamily="34" charset="0"/>
+                          <a:ea typeface="Verdana" panose="020B0604030504040204" pitchFamily="34" charset="0"/>
+                          <a:cs typeface="Verdana" panose="020B0604030504040204" pitchFamily="34" charset="0"/>
+                        </a:rPr>
+                        <a:t>October</a:t>
+                      </a:r>
+                      <a:endParaRPr lang="tr-TR" sz="700" b="0" i="0" u="none" strike="noStrike" dirty="0">
+                        <a:solidFill>
+                          <a:srgbClr val="000000"/>
+                        </a:solidFill>
+                        <a:effectLst/>
+                        <a:latin typeface="Verdana" panose="020B0604030504040204" pitchFamily="34" charset="0"/>
+                        <a:ea typeface="Verdana" panose="020B0604030504040204" pitchFamily="34" charset="0"/>
+                        <a:cs typeface="Verdana" panose="020B0604030504040204" pitchFamily="34" charset="0"/>
+                      </a:endParaRPr>
                     </a:p>
                   </a:txBody>
                   <a:tcPr marL="5715" marR="5715" marT="5715" marB="0" anchor="b">
@@ -22890,18 +24276,20 @@
                     <a:p>
                       <a:pPr algn="l" fontAlgn="b"/>
                       <a:r>
-                        <a:rPr lang="tr-TR" sz="500" b="0" i="0" u="none" strike="noStrike">
+                        <a:rPr lang="tr-TR" sz="700" b="0" i="0" u="none" strike="noStrike">
                           <a:solidFill>
                             <a:srgbClr val="000000"/>
                           </a:solidFill>
                           <a:effectLst/>
-                          <a:latin typeface="Tahoma" panose="020B0604030504040204" pitchFamily="34" charset="0"/>
-                        </a:rPr>
-                        <a:t>21.588.654</a:t>
-                      </a:r>
-                    </a:p>
-                  </a:txBody>
-                  <a:tcPr marL="51435" marR="5715" marT="5715" marB="0" anchor="b">
+                          <a:latin typeface="Verdana" panose="020B0604030504040204" pitchFamily="34" charset="0"/>
+                          <a:ea typeface="Verdana" panose="020B0604030504040204" pitchFamily="34" charset="0"/>
+                          <a:cs typeface="Verdana" panose="020B0604030504040204" pitchFamily="34" charset="0"/>
+                        </a:rPr>
+                        <a:t>1.857,09</a:t>
+                      </a:r>
+                    </a:p>
+                  </a:txBody>
+                  <a:tcPr marL="85725" marR="9525" marT="9525" marB="0" anchor="b">
                     <a:lnL w="12700" cap="flat" cmpd="sng" algn="ctr">
                       <a:solidFill>
                         <a:srgbClr val="CCCCCC"/>
@@ -22950,18 +24338,20 @@
                     <a:p>
                       <a:pPr algn="l" fontAlgn="b"/>
                       <a:r>
-                        <a:rPr lang="tr-TR" sz="500" b="0" i="0" u="none" strike="noStrike">
+                        <a:rPr lang="tr-TR" sz="700" b="0" i="0" u="none" strike="noStrike">
                           <a:solidFill>
                             <a:srgbClr val="000000"/>
                           </a:solidFill>
                           <a:effectLst/>
-                          <a:latin typeface="Tahoma" panose="020B0604030504040204" pitchFamily="34" charset="0"/>
-                        </a:rPr>
-                        <a:t>4.543.561</a:t>
-                      </a:r>
-                    </a:p>
-                  </a:txBody>
-                  <a:tcPr marL="51435" marR="5715" marT="5715" marB="0" anchor="b">
+                          <a:latin typeface="Verdana" panose="020B0604030504040204" pitchFamily="34" charset="0"/>
+                          <a:ea typeface="Verdana" panose="020B0604030504040204" pitchFamily="34" charset="0"/>
+                          <a:cs typeface="Verdana" panose="020B0604030504040204" pitchFamily="34" charset="0"/>
+                        </a:rPr>
+                        <a:t>147,85</a:t>
+                      </a:r>
+                    </a:p>
+                  </a:txBody>
+                  <a:tcPr marL="85725" marR="9525" marT="9525" marB="0" anchor="b">
                     <a:lnL w="12700" cap="flat" cmpd="sng" algn="ctr">
                       <a:solidFill>
                         <a:srgbClr val="CCCCCC"/>
@@ -23010,18 +24400,20 @@
                     <a:p>
                       <a:pPr algn="l" fontAlgn="b"/>
                       <a:r>
-                        <a:rPr lang="tr-TR" sz="500" b="0" i="0" u="none" strike="noStrike">
+                        <a:rPr lang="tr-TR" sz="700" b="0" i="0" u="none" strike="noStrike">
                           <a:solidFill>
                             <a:srgbClr val="000000"/>
                           </a:solidFill>
                           <a:effectLst/>
-                          <a:latin typeface="Tahoma" panose="020B0604030504040204" pitchFamily="34" charset="0"/>
-                        </a:rPr>
-                        <a:t>26.132.215</a:t>
-                      </a:r>
-                    </a:p>
-                  </a:txBody>
-                  <a:tcPr marL="51435" marR="5715" marT="5715" marB="0" anchor="b">
+                          <a:latin typeface="Verdana" panose="020B0604030504040204" pitchFamily="34" charset="0"/>
+                          <a:ea typeface="Verdana" panose="020B0604030504040204" pitchFamily="34" charset="0"/>
+                          <a:cs typeface="Verdana" panose="020B0604030504040204" pitchFamily="34" charset="0"/>
+                        </a:rPr>
+                        <a:t>2.004,94</a:t>
+                      </a:r>
+                    </a:p>
+                  </a:txBody>
+                  <a:tcPr marL="85725" marR="9525" marT="9525" marB="0" anchor="b">
                     <a:lnL w="12700" cap="flat" cmpd="sng" algn="ctr">
                       <a:solidFill>
                         <a:srgbClr val="CCCCCC"/>
@@ -23070,18 +24462,20 @@
                     <a:p>
                       <a:pPr algn="l" fontAlgn="b"/>
                       <a:r>
-                        <a:rPr lang="tr-TR" sz="500" b="0" i="0" u="none" strike="noStrike">
+                        <a:rPr lang="tr-TR" sz="700" b="0" i="0" u="none" strike="noStrike">
                           <a:solidFill>
                             <a:srgbClr val="000000"/>
                           </a:solidFill>
                           <a:effectLst/>
-                          <a:latin typeface="Tahoma" panose="020B0604030504040204" pitchFamily="34" charset="0"/>
-                        </a:rPr>
-                        <a:t>21.588.654</a:t>
-                      </a:r>
-                    </a:p>
-                  </a:txBody>
-                  <a:tcPr marL="51435" marR="5715" marT="5715" marB="0" anchor="b">
+                          <a:latin typeface="Verdana" panose="020B0604030504040204" pitchFamily="34" charset="0"/>
+                          <a:ea typeface="Verdana" panose="020B0604030504040204" pitchFamily="34" charset="0"/>
+                          <a:cs typeface="Verdana" panose="020B0604030504040204" pitchFamily="34" charset="0"/>
+                        </a:rPr>
+                        <a:t>2.443,79</a:t>
+                      </a:r>
+                    </a:p>
+                  </a:txBody>
+                  <a:tcPr marL="85725" marR="9525" marT="9525" marB="0" anchor="b">
                     <a:lnL w="12700" cap="flat" cmpd="sng" algn="ctr">
                       <a:solidFill>
                         <a:srgbClr val="CCCCCC"/>
@@ -23130,18 +24524,20 @@
                     <a:p>
                       <a:pPr algn="l" fontAlgn="b"/>
                       <a:r>
-                        <a:rPr lang="tr-TR" sz="500" b="0" i="0" u="none" strike="noStrike">
+                        <a:rPr lang="tr-TR" sz="700" b="0" i="0" u="none" strike="noStrike">
                           <a:solidFill>
                             <a:srgbClr val="000000"/>
                           </a:solidFill>
                           <a:effectLst/>
-                          <a:latin typeface="Tahoma" panose="020B0604030504040204" pitchFamily="34" charset="0"/>
-                        </a:rPr>
-                        <a:t>593.477</a:t>
-                      </a:r>
-                    </a:p>
-                  </a:txBody>
-                  <a:tcPr marL="51435" marR="5715" marT="5715" marB="0" anchor="b">
+                          <a:latin typeface="Verdana" panose="020B0604030504040204" pitchFamily="34" charset="0"/>
+                          <a:ea typeface="Verdana" panose="020B0604030504040204" pitchFamily="34" charset="0"/>
+                          <a:cs typeface="Verdana" panose="020B0604030504040204" pitchFamily="34" charset="0"/>
+                        </a:rPr>
+                        <a:t>267,92</a:t>
+                      </a:r>
+                    </a:p>
+                  </a:txBody>
+                  <a:tcPr marL="85725" marR="9525" marT="9525" marB="0" anchor="b">
                     <a:lnL w="12700" cap="flat" cmpd="sng" algn="ctr">
                       <a:solidFill>
                         <a:srgbClr val="CCCCCC"/>
@@ -23190,18 +24586,20 @@
                     <a:p>
                       <a:pPr algn="l" fontAlgn="b"/>
                       <a:r>
-                        <a:rPr lang="tr-TR" sz="500" b="0" i="0" u="none" strike="noStrike">
+                        <a:rPr lang="tr-TR" sz="700" b="0" i="0" u="none" strike="noStrike">
                           <a:solidFill>
                             <a:srgbClr val="000000"/>
                           </a:solidFill>
                           <a:effectLst/>
-                          <a:latin typeface="Tahoma" panose="020B0604030504040204" pitchFamily="34" charset="0"/>
-                        </a:rPr>
-                        <a:t>22.182.131</a:t>
-                      </a:r>
-                    </a:p>
-                  </a:txBody>
-                  <a:tcPr marL="51435" marR="5715" marT="5715" marB="0" anchor="b">
+                          <a:latin typeface="Verdana" panose="020B0604030504040204" pitchFamily="34" charset="0"/>
+                          <a:ea typeface="Verdana" panose="020B0604030504040204" pitchFamily="34" charset="0"/>
+                          <a:cs typeface="Verdana" panose="020B0604030504040204" pitchFamily="34" charset="0"/>
+                        </a:rPr>
+                        <a:t>2.711,71</a:t>
+                      </a:r>
+                    </a:p>
+                  </a:txBody>
+                  <a:tcPr marL="85725" marR="9525" marT="9525" marB="0" anchor="b">
                     <a:lnL w="12700" cap="flat" cmpd="sng" algn="ctr">
                       <a:solidFill>
                         <a:srgbClr val="CCCCCC"/>
@@ -23250,18 +24648,20 @@
                     <a:p>
                       <a:pPr algn="l" fontAlgn="b"/>
                       <a:r>
-                        <a:rPr lang="tr-TR" sz="500" b="0" i="0" u="none" strike="noStrike">
+                        <a:rPr lang="tr-TR" sz="700" b="0" i="0" u="none" strike="noStrike">
                           <a:solidFill>
                             <a:srgbClr val="000000"/>
                           </a:solidFill>
                           <a:effectLst/>
-                          <a:latin typeface="Tahoma" panose="020B0604030504040204" pitchFamily="34" charset="0"/>
-                        </a:rPr>
-                        <a:t>5.112,98</a:t>
-                      </a:r>
-                    </a:p>
-                  </a:txBody>
-                  <a:tcPr marL="51435" marR="5715" marT="5715" marB="0" anchor="b">
+                          <a:latin typeface="Verdana" panose="020B0604030504040204" pitchFamily="34" charset="0"/>
+                          <a:ea typeface="Verdana" panose="020B0604030504040204" pitchFamily="34" charset="0"/>
+                          <a:cs typeface="Verdana" panose="020B0604030504040204" pitchFamily="34" charset="0"/>
+                        </a:rPr>
+                        <a:t>4.146,72</a:t>
+                      </a:r>
+                    </a:p>
+                  </a:txBody>
+                  <a:tcPr marL="85725" marR="9525" marT="9525" marB="0" anchor="b">
                     <a:lnL w="12700" cap="flat" cmpd="sng" algn="ctr">
                       <a:solidFill>
                         <a:srgbClr val="CCCCCC"/>
@@ -23310,18 +24710,20 @@
                     <a:p>
                       <a:pPr algn="l" fontAlgn="b"/>
                       <a:r>
-                        <a:rPr lang="tr-TR" sz="500" b="0" i="0" u="none" strike="noStrike">
+                        <a:rPr lang="tr-TR" sz="700" b="0" i="0" u="none" strike="noStrike">
                           <a:solidFill>
                             <a:srgbClr val="000000"/>
                           </a:solidFill>
                           <a:effectLst/>
-                          <a:latin typeface="Tahoma" panose="020B0604030504040204" pitchFamily="34" charset="0"/>
-                        </a:rPr>
-                        <a:t>457,5</a:t>
-                      </a:r>
-                    </a:p>
-                  </a:txBody>
-                  <a:tcPr marL="51435" marR="5715" marT="5715" marB="0" anchor="b">
+                          <a:latin typeface="Verdana" panose="020B0604030504040204" pitchFamily="34" charset="0"/>
+                          <a:ea typeface="Verdana" panose="020B0604030504040204" pitchFamily="34" charset="0"/>
+                          <a:cs typeface="Verdana" panose="020B0604030504040204" pitchFamily="34" charset="0"/>
+                        </a:rPr>
+                        <a:t>410,73</a:t>
+                      </a:r>
+                    </a:p>
+                  </a:txBody>
+                  <a:tcPr marL="85725" marR="9525" marT="9525" marB="0" anchor="b">
                     <a:lnL w="12700" cap="flat" cmpd="sng" algn="ctr">
                       <a:solidFill>
                         <a:srgbClr val="CCCCCC"/>
@@ -23370,18 +24772,20 @@
                     <a:p>
                       <a:pPr algn="l" fontAlgn="b"/>
                       <a:r>
-                        <a:rPr lang="tr-TR" sz="500" b="0" i="0" u="none" strike="noStrike">
+                        <a:rPr lang="tr-TR" sz="700" b="0" i="0" u="none" strike="noStrike">
                           <a:solidFill>
                             <a:srgbClr val="000000"/>
                           </a:solidFill>
                           <a:effectLst/>
-                          <a:latin typeface="Tahoma" panose="020B0604030504040204" pitchFamily="34" charset="0"/>
-                        </a:rPr>
-                        <a:t>5.570,48</a:t>
-                      </a:r>
-                    </a:p>
-                  </a:txBody>
-                  <a:tcPr marL="51435" marR="5715" marT="5715" marB="0" anchor="b">
+                          <a:latin typeface="Verdana" panose="020B0604030504040204" pitchFamily="34" charset="0"/>
+                          <a:ea typeface="Verdana" panose="020B0604030504040204" pitchFamily="34" charset="0"/>
+                          <a:cs typeface="Verdana" panose="020B0604030504040204" pitchFamily="34" charset="0"/>
+                        </a:rPr>
+                        <a:t>4.557,45</a:t>
+                      </a:r>
+                    </a:p>
+                  </a:txBody>
+                  <a:tcPr marL="85725" marR="9525" marT="9525" marB="0" anchor="b">
                     <a:lnL w="12700" cap="flat" cmpd="sng" algn="ctr">
                       <a:solidFill>
                         <a:srgbClr val="CCCCCC"/>
@@ -23430,12 +24834,14 @@
                     <a:p>
                       <a:pPr algn="l" fontAlgn="b"/>
                       <a:r>
-                        <a:rPr lang="tr-TR" sz="500" b="0" i="0" u="none" strike="noStrike">
+                        <a:rPr lang="tr-TR" sz="700" b="0" i="0" u="none" strike="noStrike">
                           <a:solidFill>
                             <a:srgbClr val="000000"/>
                           </a:solidFill>
                           <a:effectLst/>
-                          <a:latin typeface="Tahoma" panose="020B0604030504040204" pitchFamily="34" charset="0"/>
+                          <a:latin typeface="Verdana" panose="020B0604030504040204" pitchFamily="34" charset="0"/>
+                          <a:ea typeface="Verdana" panose="020B0604030504040204" pitchFamily="34" charset="0"/>
+                          <a:cs typeface="Verdana" panose="020B0604030504040204" pitchFamily="34" charset="0"/>
                         </a:rPr>
                         <a:t>5.112,98</a:t>
                       </a:r>
@@ -23490,12 +24896,14 @@
                     <a:p>
                       <a:pPr algn="l" fontAlgn="b"/>
                       <a:r>
-                        <a:rPr lang="tr-TR" sz="500" b="0" i="0" u="none" strike="noStrike">
+                        <a:rPr lang="tr-TR" sz="700" b="0" i="0" u="none" strike="noStrike">
                           <a:solidFill>
                             <a:srgbClr val="000000"/>
                           </a:solidFill>
                           <a:effectLst/>
-                          <a:latin typeface="Tahoma" panose="020B0604030504040204" pitchFamily="34" charset="0"/>
+                          <a:latin typeface="Verdana" panose="020B0604030504040204" pitchFamily="34" charset="0"/>
+                          <a:ea typeface="Verdana" panose="020B0604030504040204" pitchFamily="34" charset="0"/>
+                          <a:cs typeface="Verdana" panose="020B0604030504040204" pitchFamily="34" charset="0"/>
                         </a:rPr>
                         <a:t>355,41</a:t>
                       </a:r>
@@ -23550,12 +24958,14 @@
                     <a:p>
                       <a:pPr algn="l" fontAlgn="b"/>
                       <a:r>
-                        <a:rPr lang="tr-TR" sz="500" b="0" i="0" u="none" strike="noStrike">
+                        <a:rPr lang="tr-TR" sz="700" b="0" i="0" u="none" strike="noStrike">
                           <a:solidFill>
                             <a:srgbClr val="000000"/>
                           </a:solidFill>
                           <a:effectLst/>
-                          <a:latin typeface="Tahoma" panose="020B0604030504040204" pitchFamily="34" charset="0"/>
+                          <a:latin typeface="Verdana" panose="020B0604030504040204" pitchFamily="34" charset="0"/>
+                          <a:ea typeface="Verdana" panose="020B0604030504040204" pitchFamily="34" charset="0"/>
+                          <a:cs typeface="Verdana" panose="020B0604030504040204" pitchFamily="34" charset="0"/>
                         </a:rPr>
                         <a:t>5.468,39</a:t>
                       </a:r>
@@ -23617,15 +25027,26 @@
                     <a:p>
                       <a:pPr algn="ctr" fontAlgn="b"/>
                       <a:r>
-                        <a:rPr lang="tr-TR" sz="500" b="0" i="0" u="none" strike="noStrike">
+                        <a:rPr lang="tr-TR" sz="700" b="0" i="0" u="none" strike="noStrike" dirty="0" err="1">
                           <a:solidFill>
                             <a:srgbClr val="000000"/>
                           </a:solidFill>
                           <a:effectLst/>
-                          <a:latin typeface="Tahoma" panose="020B0604030504040204" pitchFamily="34" charset="0"/>
-                        </a:rPr>
-                        <a:t>KASIM</a:t>
-                      </a:r>
+                          <a:latin typeface="Verdana" panose="020B0604030504040204" pitchFamily="34" charset="0"/>
+                          <a:ea typeface="Verdana" panose="020B0604030504040204" pitchFamily="34" charset="0"/>
+                          <a:cs typeface="Verdana" panose="020B0604030504040204" pitchFamily="34" charset="0"/>
+                        </a:rPr>
+                        <a:t>November</a:t>
+                      </a:r>
+                      <a:endParaRPr lang="tr-TR" sz="700" b="0" i="0" u="none" strike="noStrike" dirty="0">
+                        <a:solidFill>
+                          <a:srgbClr val="000000"/>
+                        </a:solidFill>
+                        <a:effectLst/>
+                        <a:latin typeface="Verdana" panose="020B0604030504040204" pitchFamily="34" charset="0"/>
+                        <a:ea typeface="Verdana" panose="020B0604030504040204" pitchFamily="34" charset="0"/>
+                        <a:cs typeface="Verdana" panose="020B0604030504040204" pitchFamily="34" charset="0"/>
+                      </a:endParaRPr>
                     </a:p>
                   </a:txBody>
                   <a:tcPr marL="5715" marR="5715" marT="5715" marB="0" anchor="b">
@@ -23674,18 +25095,20 @@
                     <a:p>
                       <a:pPr algn="l" fontAlgn="b"/>
                       <a:r>
-                        <a:rPr lang="tr-TR" sz="500" b="0" i="0" u="none" strike="noStrike">
+                        <a:rPr lang="tr-TR" sz="700" b="0" i="0" u="none" strike="noStrike">
                           <a:solidFill>
                             <a:srgbClr val="000000"/>
                           </a:solidFill>
                           <a:effectLst/>
-                          <a:latin typeface="Tahoma" panose="020B0604030504040204" pitchFamily="34" charset="0"/>
-                        </a:rPr>
-                        <a:t>23.122.472</a:t>
-                      </a:r>
-                    </a:p>
-                  </a:txBody>
-                  <a:tcPr marL="51435" marR="5715" marT="5715" marB="0" anchor="b">
+                          <a:latin typeface="Verdana" panose="020B0604030504040204" pitchFamily="34" charset="0"/>
+                          <a:ea typeface="Verdana" panose="020B0604030504040204" pitchFamily="34" charset="0"/>
+                          <a:cs typeface="Verdana" panose="020B0604030504040204" pitchFamily="34" charset="0"/>
+                        </a:rPr>
+                        <a:t>1.960,81</a:t>
+                      </a:r>
+                    </a:p>
+                  </a:txBody>
+                  <a:tcPr marL="85725" marR="9525" marT="9525" marB="0" anchor="b">
                     <a:lnL w="12700" cap="flat" cmpd="sng" algn="ctr">
                       <a:solidFill>
                         <a:srgbClr val="CCCCCC"/>
@@ -23734,18 +25157,20 @@
                     <a:p>
                       <a:pPr algn="l" fontAlgn="b"/>
                       <a:r>
-                        <a:rPr lang="tr-TR" sz="500" b="0" i="0" u="none" strike="noStrike">
+                        <a:rPr lang="tr-TR" sz="700" b="0" i="0" u="none" strike="noStrike">
                           <a:solidFill>
                             <a:srgbClr val="000000"/>
                           </a:solidFill>
                           <a:effectLst/>
-                          <a:latin typeface="Tahoma" panose="020B0604030504040204" pitchFamily="34" charset="0"/>
-                        </a:rPr>
-                        <a:t>4.645.148</a:t>
-                      </a:r>
-                    </a:p>
-                  </a:txBody>
-                  <a:tcPr marL="51435" marR="5715" marT="5715" marB="0" anchor="b">
+                          <a:latin typeface="Verdana" panose="020B0604030504040204" pitchFamily="34" charset="0"/>
+                          <a:ea typeface="Verdana" panose="020B0604030504040204" pitchFamily="34" charset="0"/>
+                          <a:cs typeface="Verdana" panose="020B0604030504040204" pitchFamily="34" charset="0"/>
+                        </a:rPr>
+                        <a:t>135,83</a:t>
+                      </a:r>
+                    </a:p>
+                  </a:txBody>
+                  <a:tcPr marL="85725" marR="9525" marT="9525" marB="0" anchor="b">
                     <a:lnL w="12700" cap="flat" cmpd="sng" algn="ctr">
                       <a:solidFill>
                         <a:srgbClr val="CCCCCC"/>
@@ -23794,18 +25219,20 @@
                     <a:p>
                       <a:pPr algn="l" fontAlgn="b"/>
                       <a:r>
-                        <a:rPr lang="tr-TR" sz="500" b="0" i="0" u="none" strike="noStrike">
+                        <a:rPr lang="tr-TR" sz="700" b="0" i="0" u="none" strike="noStrike">
                           <a:solidFill>
                             <a:srgbClr val="000000"/>
                           </a:solidFill>
                           <a:effectLst/>
-                          <a:latin typeface="Tahoma" panose="020B0604030504040204" pitchFamily="34" charset="0"/>
-                        </a:rPr>
-                        <a:t>27.767.620</a:t>
-                      </a:r>
-                    </a:p>
-                  </a:txBody>
-                  <a:tcPr marL="51435" marR="5715" marT="5715" marB="0" anchor="b">
+                          <a:latin typeface="Verdana" panose="020B0604030504040204" pitchFamily="34" charset="0"/>
+                          <a:ea typeface="Verdana" panose="020B0604030504040204" pitchFamily="34" charset="0"/>
+                          <a:cs typeface="Verdana" panose="020B0604030504040204" pitchFamily="34" charset="0"/>
+                        </a:rPr>
+                        <a:t>2.096,64</a:t>
+                      </a:r>
+                    </a:p>
+                  </a:txBody>
+                  <a:tcPr marL="85725" marR="9525" marT="9525" marB="0" anchor="b">
                     <a:lnL w="12700" cap="flat" cmpd="sng" algn="ctr">
                       <a:solidFill>
                         <a:srgbClr val="CCCCCC"/>
@@ -23854,18 +25281,20 @@
                     <a:p>
                       <a:pPr algn="l" fontAlgn="b"/>
                       <a:r>
-                        <a:rPr lang="tr-TR" sz="500" b="0" i="0" u="none" strike="noStrike">
+                        <a:rPr lang="tr-TR" sz="700" b="0" i="0" u="none" strike="noStrike">
                           <a:solidFill>
                             <a:srgbClr val="000000"/>
                           </a:solidFill>
                           <a:effectLst/>
-                          <a:latin typeface="Tahoma" panose="020B0604030504040204" pitchFamily="34" charset="0"/>
-                        </a:rPr>
-                        <a:t>23.122.472</a:t>
-                      </a:r>
-                    </a:p>
-                  </a:txBody>
-                  <a:tcPr marL="51435" marR="5715" marT="5715" marB="0" anchor="b">
+                          <a:latin typeface="Verdana" panose="020B0604030504040204" pitchFamily="34" charset="0"/>
+                          <a:ea typeface="Verdana" panose="020B0604030504040204" pitchFamily="34" charset="0"/>
+                          <a:cs typeface="Verdana" panose="020B0604030504040204" pitchFamily="34" charset="0"/>
+                        </a:rPr>
+                        <a:t>2.668,92</a:t>
+                      </a:r>
+                    </a:p>
+                  </a:txBody>
+                  <a:tcPr marL="85725" marR="9525" marT="9525" marB="0" anchor="b">
                     <a:lnL w="12700" cap="flat" cmpd="sng" algn="ctr">
                       <a:solidFill>
                         <a:srgbClr val="CCCCCC"/>
@@ -23914,18 +25343,20 @@
                     <a:p>
                       <a:pPr algn="l" fontAlgn="b"/>
                       <a:r>
-                        <a:rPr lang="tr-TR" sz="500" b="0" i="0" u="none" strike="noStrike">
+                        <a:rPr lang="tr-TR" sz="700" b="0" i="0" u="none" strike="noStrike">
                           <a:solidFill>
                             <a:srgbClr val="000000"/>
                           </a:solidFill>
                           <a:effectLst/>
-                          <a:latin typeface="Tahoma" panose="020B0604030504040204" pitchFamily="34" charset="0"/>
-                        </a:rPr>
-                        <a:t>497.166</a:t>
-                      </a:r>
-                    </a:p>
-                  </a:txBody>
-                  <a:tcPr marL="51435" marR="5715" marT="5715" marB="0" anchor="b">
+                          <a:latin typeface="Verdana" panose="020B0604030504040204" pitchFamily="34" charset="0"/>
+                          <a:ea typeface="Verdana" panose="020B0604030504040204" pitchFamily="34" charset="0"/>
+                          <a:cs typeface="Verdana" panose="020B0604030504040204" pitchFamily="34" charset="0"/>
+                        </a:rPr>
+                        <a:t>234,24</a:t>
+                      </a:r>
+                    </a:p>
+                  </a:txBody>
+                  <a:tcPr marL="85725" marR="9525" marT="9525" marB="0" anchor="b">
                     <a:lnL w="12700" cap="flat" cmpd="sng" algn="ctr">
                       <a:solidFill>
                         <a:srgbClr val="CCCCCC"/>
@@ -23974,18 +25405,20 @@
                     <a:p>
                       <a:pPr algn="l" fontAlgn="b"/>
                       <a:r>
-                        <a:rPr lang="tr-TR" sz="500" b="0" i="0" u="none" strike="noStrike">
+                        <a:rPr lang="tr-TR" sz="700" b="0" i="0" u="none" strike="noStrike">
                           <a:solidFill>
                             <a:srgbClr val="000000"/>
                           </a:solidFill>
                           <a:effectLst/>
-                          <a:latin typeface="Tahoma" panose="020B0604030504040204" pitchFamily="34" charset="0"/>
-                        </a:rPr>
-                        <a:t>23.619.638</a:t>
-                      </a:r>
-                    </a:p>
-                  </a:txBody>
-                  <a:tcPr marL="51435" marR="5715" marT="5715" marB="0" anchor="b">
+                          <a:latin typeface="Verdana" panose="020B0604030504040204" pitchFamily="34" charset="0"/>
+                          <a:ea typeface="Verdana" panose="020B0604030504040204" pitchFamily="34" charset="0"/>
+                          <a:cs typeface="Verdana" panose="020B0604030504040204" pitchFamily="34" charset="0"/>
+                        </a:rPr>
+                        <a:t>2.903,15</a:t>
+                      </a:r>
+                    </a:p>
+                  </a:txBody>
+                  <a:tcPr marL="85725" marR="9525" marT="9525" marB="0" anchor="b">
                     <a:lnL w="12700" cap="flat" cmpd="sng" algn="ctr">
                       <a:solidFill>
                         <a:srgbClr val="CCCCCC"/>
@@ -24034,18 +25467,20 @@
                     <a:p>
                       <a:pPr algn="l" fontAlgn="b"/>
                       <a:r>
-                        <a:rPr lang="tr-TR" sz="500" b="0" i="0" u="none" strike="noStrike">
+                        <a:rPr lang="tr-TR" sz="700" b="0" i="0" u="none" strike="noStrike">
                           <a:solidFill>
                             <a:srgbClr val="000000"/>
                           </a:solidFill>
                           <a:effectLst/>
-                          <a:latin typeface="Tahoma" panose="020B0604030504040204" pitchFamily="34" charset="0"/>
-                        </a:rPr>
-                        <a:t>6.131,43</a:t>
-                      </a:r>
-                    </a:p>
-                  </a:txBody>
-                  <a:tcPr marL="51435" marR="5715" marT="5715" marB="0" anchor="b">
+                          <a:latin typeface="Verdana" panose="020B0604030504040204" pitchFamily="34" charset="0"/>
+                          <a:ea typeface="Verdana" panose="020B0604030504040204" pitchFamily="34" charset="0"/>
+                          <a:cs typeface="Verdana" panose="020B0604030504040204" pitchFamily="34" charset="0"/>
+                        </a:rPr>
+                        <a:t>4.206,12</a:t>
+                      </a:r>
+                    </a:p>
+                  </a:txBody>
+                  <a:tcPr marL="85725" marR="9525" marT="9525" marB="0" anchor="b">
                     <a:lnL w="12700" cap="flat" cmpd="sng" algn="ctr">
                       <a:solidFill>
                         <a:srgbClr val="CCCCCC"/>
@@ -24094,18 +25529,20 @@
                     <a:p>
                       <a:pPr algn="l" fontAlgn="b"/>
                       <a:r>
-                        <a:rPr lang="tr-TR" sz="500" b="0" i="0" u="none" strike="noStrike">
+                        <a:rPr lang="tr-TR" sz="700" b="0" i="0" u="none" strike="noStrike">
                           <a:solidFill>
                             <a:srgbClr val="000000"/>
                           </a:solidFill>
                           <a:effectLst/>
-                          <a:latin typeface="Tahoma" panose="020B0604030504040204" pitchFamily="34" charset="0"/>
-                        </a:rPr>
-                        <a:t>463,36</a:t>
-                      </a:r>
-                    </a:p>
-                  </a:txBody>
-                  <a:tcPr marL="51435" marR="5715" marT="5715" marB="0" anchor="b">
+                          <a:latin typeface="Verdana" panose="020B0604030504040204" pitchFamily="34" charset="0"/>
+                          <a:ea typeface="Verdana" panose="020B0604030504040204" pitchFamily="34" charset="0"/>
+                          <a:cs typeface="Verdana" panose="020B0604030504040204" pitchFamily="34" charset="0"/>
+                        </a:rPr>
+                        <a:t>320,07</a:t>
+                      </a:r>
+                    </a:p>
+                  </a:txBody>
+                  <a:tcPr marL="85725" marR="9525" marT="9525" marB="0" anchor="b">
                     <a:lnL w="12700" cap="flat" cmpd="sng" algn="ctr">
                       <a:solidFill>
                         <a:srgbClr val="CCCCCC"/>
@@ -24154,18 +25591,20 @@
                     <a:p>
                       <a:pPr algn="l" fontAlgn="b"/>
                       <a:r>
-                        <a:rPr lang="tr-TR" sz="500" b="0" i="0" u="none" strike="noStrike">
+                        <a:rPr lang="tr-TR" sz="700" b="0" i="0" u="none" strike="noStrike">
                           <a:solidFill>
                             <a:srgbClr val="000000"/>
                           </a:solidFill>
                           <a:effectLst/>
-                          <a:latin typeface="Tahoma" panose="020B0604030504040204" pitchFamily="34" charset="0"/>
-                        </a:rPr>
-                        <a:t>6.594,79</a:t>
-                      </a:r>
-                    </a:p>
-                  </a:txBody>
-                  <a:tcPr marL="51435" marR="5715" marT="5715" marB="0" anchor="b">
+                          <a:latin typeface="Verdana" panose="020B0604030504040204" pitchFamily="34" charset="0"/>
+                          <a:ea typeface="Verdana" panose="020B0604030504040204" pitchFamily="34" charset="0"/>
+                          <a:cs typeface="Verdana" panose="020B0604030504040204" pitchFamily="34" charset="0"/>
+                        </a:rPr>
+                        <a:t>4.526,19</a:t>
+                      </a:r>
+                    </a:p>
+                  </a:txBody>
+                  <a:tcPr marL="85725" marR="9525" marT="9525" marB="0" anchor="b">
                     <a:lnL w="12700" cap="flat" cmpd="sng" algn="ctr">
                       <a:solidFill>
                         <a:srgbClr val="CCCCCC"/>
@@ -24214,12 +25653,14 @@
                     <a:p>
                       <a:pPr algn="l" fontAlgn="b"/>
                       <a:r>
-                        <a:rPr lang="tr-TR" sz="500" b="0" i="0" u="none" strike="noStrike">
+                        <a:rPr lang="tr-TR" sz="700" b="0" i="0" u="none" strike="noStrike">
                           <a:solidFill>
                             <a:srgbClr val="000000"/>
                           </a:solidFill>
                           <a:effectLst/>
-                          <a:latin typeface="Tahoma" panose="020B0604030504040204" pitchFamily="34" charset="0"/>
+                          <a:latin typeface="Verdana" panose="020B0604030504040204" pitchFamily="34" charset="0"/>
+                          <a:ea typeface="Verdana" panose="020B0604030504040204" pitchFamily="34" charset="0"/>
+                          <a:cs typeface="Verdana" panose="020B0604030504040204" pitchFamily="34" charset="0"/>
                         </a:rPr>
                         <a:t>6.131,43</a:t>
                       </a:r>
@@ -24274,12 +25715,14 @@
                     <a:p>
                       <a:pPr algn="l" fontAlgn="b"/>
                       <a:r>
-                        <a:rPr lang="tr-TR" sz="500" b="0" i="0" u="none" strike="noStrike">
+                        <a:rPr lang="tr-TR" sz="700" b="0" i="0" u="none" strike="noStrike">
                           <a:solidFill>
                             <a:srgbClr val="000000"/>
                           </a:solidFill>
                           <a:effectLst/>
-                          <a:latin typeface="Tahoma" panose="020B0604030504040204" pitchFamily="34" charset="0"/>
+                          <a:latin typeface="Verdana" panose="020B0604030504040204" pitchFamily="34" charset="0"/>
+                          <a:ea typeface="Verdana" panose="020B0604030504040204" pitchFamily="34" charset="0"/>
+                          <a:cs typeface="Verdana" panose="020B0604030504040204" pitchFamily="34" charset="0"/>
                         </a:rPr>
                         <a:t>345,67</a:t>
                       </a:r>
@@ -24334,12 +25777,14 @@
                     <a:p>
                       <a:pPr algn="l" fontAlgn="b"/>
                       <a:r>
-                        <a:rPr lang="tr-TR" sz="500" b="0" i="0" u="none" strike="noStrike">
+                        <a:rPr lang="tr-TR" sz="700" b="0" i="0" u="none" strike="noStrike">
                           <a:solidFill>
                             <a:srgbClr val="000000"/>
                           </a:solidFill>
                           <a:effectLst/>
-                          <a:latin typeface="Tahoma" panose="020B0604030504040204" pitchFamily="34" charset="0"/>
+                          <a:latin typeface="Verdana" panose="020B0604030504040204" pitchFamily="34" charset="0"/>
+                          <a:ea typeface="Verdana" panose="020B0604030504040204" pitchFamily="34" charset="0"/>
+                          <a:cs typeface="Verdana" panose="020B0604030504040204" pitchFamily="34" charset="0"/>
                         </a:rPr>
                         <a:t>6.477,10</a:t>
                       </a:r>
@@ -24401,15 +25846,26 @@
                     <a:p>
                       <a:pPr algn="ctr" fontAlgn="b"/>
                       <a:r>
-                        <a:rPr lang="tr-TR" sz="500" b="0" i="0" u="none" strike="noStrike">
+                        <a:rPr lang="tr-TR" sz="700" b="0" i="0" u="none" strike="noStrike" dirty="0" err="1">
                           <a:solidFill>
                             <a:srgbClr val="000000"/>
                           </a:solidFill>
                           <a:effectLst/>
-                          <a:latin typeface="Tahoma" panose="020B0604030504040204" pitchFamily="34" charset="0"/>
-                        </a:rPr>
-                        <a:t>ARALIK</a:t>
-                      </a:r>
+                          <a:latin typeface="Verdana" panose="020B0604030504040204" pitchFamily="34" charset="0"/>
+                          <a:ea typeface="Verdana" panose="020B0604030504040204" pitchFamily="34" charset="0"/>
+                          <a:cs typeface="Verdana" panose="020B0604030504040204" pitchFamily="34" charset="0"/>
+                        </a:rPr>
+                        <a:t>December</a:t>
+                      </a:r>
+                      <a:endParaRPr lang="tr-TR" sz="700" b="0" i="0" u="none" strike="noStrike" dirty="0">
+                        <a:solidFill>
+                          <a:srgbClr val="000000"/>
+                        </a:solidFill>
+                        <a:effectLst/>
+                        <a:latin typeface="Verdana" panose="020B0604030504040204" pitchFamily="34" charset="0"/>
+                        <a:ea typeface="Verdana" panose="020B0604030504040204" pitchFamily="34" charset="0"/>
+                        <a:cs typeface="Verdana" panose="020B0604030504040204" pitchFamily="34" charset="0"/>
+                      </a:endParaRPr>
                     </a:p>
                   </a:txBody>
                   <a:tcPr marL="5715" marR="5715" marT="5715" marB="0" anchor="b">
@@ -24458,18 +25914,20 @@
                     <a:p>
                       <a:pPr algn="l" fontAlgn="b"/>
                       <a:r>
-                        <a:rPr lang="tr-TR" sz="500" b="0" i="0" u="none" strike="noStrike">
+                        <a:rPr lang="tr-TR" sz="700" b="0" i="0" u="none" strike="noStrike">
                           <a:solidFill>
                             <a:srgbClr val="000000"/>
                           </a:solidFill>
                           <a:effectLst/>
-                          <a:latin typeface="Tahoma" panose="020B0604030504040204" pitchFamily="34" charset="0"/>
-                        </a:rPr>
-                        <a:t>22.616.595</a:t>
-                      </a:r>
-                    </a:p>
-                  </a:txBody>
-                  <a:tcPr marL="51435" marR="5715" marT="5715" marB="0" anchor="b">
+                          <a:latin typeface="Verdana" panose="020B0604030504040204" pitchFamily="34" charset="0"/>
+                          <a:ea typeface="Verdana" panose="020B0604030504040204" pitchFamily="34" charset="0"/>
+                          <a:cs typeface="Verdana" panose="020B0604030504040204" pitchFamily="34" charset="0"/>
+                        </a:rPr>
+                        <a:t>2.019,30</a:t>
+                      </a:r>
+                    </a:p>
+                  </a:txBody>
+                  <a:tcPr marL="85725" marR="9525" marT="9525" marB="0" anchor="b">
                     <a:lnL w="12700" cap="flat" cmpd="sng" algn="ctr">
                       <a:solidFill>
                         <a:srgbClr val="CCCCCC"/>
@@ -24518,18 +25976,20 @@
                     <a:p>
                       <a:pPr algn="l" fontAlgn="b"/>
                       <a:r>
-                        <a:rPr lang="tr-TR" sz="500" b="0" i="0" u="none" strike="noStrike">
+                        <a:rPr lang="tr-TR" sz="700" b="0" i="0" u="none" strike="noStrike">
                           <a:solidFill>
                             <a:srgbClr val="000000"/>
                           </a:solidFill>
                           <a:effectLst/>
-                          <a:latin typeface="Tahoma" panose="020B0604030504040204" pitchFamily="34" charset="0"/>
-                        </a:rPr>
-                        <a:t>4.433.236</a:t>
-                      </a:r>
-                    </a:p>
-                  </a:txBody>
-                  <a:tcPr marL="51435" marR="5715" marT="5715" marB="0" anchor="b">
+                          <a:latin typeface="Verdana" panose="020B0604030504040204" pitchFamily="34" charset="0"/>
+                          <a:ea typeface="Verdana" panose="020B0604030504040204" pitchFamily="34" charset="0"/>
+                          <a:cs typeface="Verdana" panose="020B0604030504040204" pitchFamily="34" charset="0"/>
+                        </a:rPr>
+                        <a:t>128,97</a:t>
+                      </a:r>
+                    </a:p>
+                  </a:txBody>
+                  <a:tcPr marL="85725" marR="9525" marT="9525" marB="0" anchor="b">
                     <a:lnL w="12700" cap="flat" cmpd="sng" algn="ctr">
                       <a:solidFill>
                         <a:srgbClr val="CCCCCC"/>
@@ -24578,18 +26038,20 @@
                     <a:p>
                       <a:pPr algn="l" fontAlgn="b"/>
                       <a:r>
-                        <a:rPr lang="tr-TR" sz="500" b="0" i="0" u="none" strike="noStrike">
+                        <a:rPr lang="tr-TR" sz="700" b="0" i="0" u="none" strike="noStrike">
                           <a:solidFill>
                             <a:srgbClr val="000000"/>
                           </a:solidFill>
                           <a:effectLst/>
-                          <a:latin typeface="Tahoma" panose="020B0604030504040204" pitchFamily="34" charset="0"/>
-                        </a:rPr>
-                        <a:t>27.049.831</a:t>
-                      </a:r>
-                    </a:p>
-                  </a:txBody>
-                  <a:tcPr marL="51435" marR="5715" marT="5715" marB="0" anchor="b">
+                          <a:latin typeface="Verdana" panose="020B0604030504040204" pitchFamily="34" charset="0"/>
+                          <a:ea typeface="Verdana" panose="020B0604030504040204" pitchFamily="34" charset="0"/>
+                          <a:cs typeface="Verdana" panose="020B0604030504040204" pitchFamily="34" charset="0"/>
+                        </a:rPr>
+                        <a:t>2.148,27</a:t>
+                      </a:r>
+                    </a:p>
+                  </a:txBody>
+                  <a:tcPr marL="85725" marR="9525" marT="9525" marB="0" anchor="b">
                     <a:lnL w="12700" cap="flat" cmpd="sng" algn="ctr">
                       <a:solidFill>
                         <a:srgbClr val="CCCCCC"/>
@@ -24638,18 +26100,20 @@
                     <a:p>
                       <a:pPr algn="l" fontAlgn="b"/>
                       <a:r>
-                        <a:rPr lang="tr-TR" sz="500" b="0" i="0" u="none" strike="noStrike">
+                        <a:rPr lang="tr-TR" sz="700" b="0" i="0" u="none" strike="noStrike">
                           <a:solidFill>
                             <a:srgbClr val="000000"/>
                           </a:solidFill>
                           <a:effectLst/>
-                          <a:latin typeface="Tahoma" panose="020B0604030504040204" pitchFamily="34" charset="0"/>
-                        </a:rPr>
-                        <a:t>22.616.595</a:t>
-                      </a:r>
-                    </a:p>
-                  </a:txBody>
-                  <a:tcPr marL="51435" marR="5715" marT="5715" marB="0" anchor="b">
+                          <a:latin typeface="Verdana" panose="020B0604030504040204" pitchFamily="34" charset="0"/>
+                          <a:ea typeface="Verdana" panose="020B0604030504040204" pitchFamily="34" charset="0"/>
+                          <a:cs typeface="Verdana" panose="020B0604030504040204" pitchFamily="34" charset="0"/>
+                        </a:rPr>
+                        <a:t>2.913,86</a:t>
+                      </a:r>
+                    </a:p>
+                  </a:txBody>
+                  <a:tcPr marL="85725" marR="9525" marT="9525" marB="0" anchor="b">
                     <a:lnL w="12700" cap="flat" cmpd="sng" algn="ctr">
                       <a:solidFill>
                         <a:srgbClr val="CCCCCC"/>
@@ -24698,18 +26162,20 @@
                     <a:p>
                       <a:pPr algn="l" fontAlgn="b"/>
                       <a:r>
-                        <a:rPr lang="tr-TR" sz="500" b="0" i="0" u="none" strike="noStrike">
+                        <a:rPr lang="tr-TR" sz="700" b="0" i="0" u="none" strike="noStrike">
                           <a:solidFill>
                             <a:srgbClr val="000000"/>
                           </a:solidFill>
                           <a:effectLst/>
-                          <a:latin typeface="Tahoma" panose="020B0604030504040204" pitchFamily="34" charset="0"/>
-                        </a:rPr>
-                        <a:t>475.835</a:t>
-                      </a:r>
-                    </a:p>
-                  </a:txBody>
-                  <a:tcPr marL="51435" marR="5715" marT="5715" marB="0" anchor="b">
+                          <a:latin typeface="Verdana" panose="020B0604030504040204" pitchFamily="34" charset="0"/>
+                          <a:ea typeface="Verdana" panose="020B0604030504040204" pitchFamily="34" charset="0"/>
+                          <a:cs typeface="Verdana" panose="020B0604030504040204" pitchFamily="34" charset="0"/>
+                        </a:rPr>
+                        <a:t>224,81</a:t>
+                      </a:r>
+                    </a:p>
+                  </a:txBody>
+                  <a:tcPr marL="85725" marR="9525" marT="9525" marB="0" anchor="b">
                     <a:lnL w="12700" cap="flat" cmpd="sng" algn="ctr">
                       <a:solidFill>
                         <a:srgbClr val="CCCCCC"/>
@@ -24758,18 +26224,20 @@
                     <a:p>
                       <a:pPr algn="l" fontAlgn="b"/>
                       <a:r>
-                        <a:rPr lang="tr-TR" sz="500" b="0" i="0" u="none" strike="noStrike">
+                        <a:rPr lang="tr-TR" sz="700" b="0" i="0" u="none" strike="noStrike">
                           <a:solidFill>
                             <a:srgbClr val="000000"/>
                           </a:solidFill>
                           <a:effectLst/>
-                          <a:latin typeface="Tahoma" panose="020B0604030504040204" pitchFamily="34" charset="0"/>
-                        </a:rPr>
-                        <a:t>23.092.430</a:t>
-                      </a:r>
-                    </a:p>
-                  </a:txBody>
-                  <a:tcPr marL="51435" marR="5715" marT="5715" marB="0" anchor="b">
+                          <a:latin typeface="Verdana" panose="020B0604030504040204" pitchFamily="34" charset="0"/>
+                          <a:ea typeface="Verdana" panose="020B0604030504040204" pitchFamily="34" charset="0"/>
+                          <a:cs typeface="Verdana" panose="020B0604030504040204" pitchFamily="34" charset="0"/>
+                        </a:rPr>
+                        <a:t>3.138,66</a:t>
+                      </a:r>
+                    </a:p>
+                  </a:txBody>
+                  <a:tcPr marL="85725" marR="9525" marT="9525" marB="0" anchor="b">
                     <a:lnL w="12700" cap="flat" cmpd="sng" algn="ctr">
                       <a:solidFill>
                         <a:srgbClr val="CCCCCC"/>
@@ -24818,18 +26286,20 @@
                     <a:p>
                       <a:pPr algn="l" fontAlgn="b"/>
                       <a:r>
-                        <a:rPr lang="tr-TR" sz="500" b="0" i="0" u="none" strike="noStrike">
+                        <a:rPr lang="tr-TR" sz="700" b="0" i="0" u="none" strike="noStrike">
                           <a:solidFill>
                             <a:srgbClr val="000000"/>
                           </a:solidFill>
                           <a:effectLst/>
-                          <a:latin typeface="Tahoma" panose="020B0604030504040204" pitchFamily="34" charset="0"/>
-                        </a:rPr>
-                        <a:t>5.748,17</a:t>
-                      </a:r>
-                    </a:p>
-                  </a:txBody>
-                  <a:tcPr marL="51435" marR="5715" marT="5715" marB="0" anchor="b">
+                          <a:latin typeface="Verdana" panose="020B0604030504040204" pitchFamily="34" charset="0"/>
+                          <a:ea typeface="Verdana" panose="020B0604030504040204" pitchFamily="34" charset="0"/>
+                          <a:cs typeface="Verdana" panose="020B0604030504040204" pitchFamily="34" charset="0"/>
+                        </a:rPr>
+                        <a:t>4.694,01</a:t>
+                      </a:r>
+                    </a:p>
+                  </a:txBody>
+                  <a:tcPr marL="85725" marR="9525" marT="9525" marB="0" anchor="b">
                     <a:lnL w="12700" cap="flat" cmpd="sng" algn="ctr">
                       <a:solidFill>
                         <a:srgbClr val="CCCCCC"/>
@@ -24878,18 +26348,20 @@
                     <a:p>
                       <a:pPr algn="l" fontAlgn="b"/>
                       <a:r>
-                        <a:rPr lang="tr-TR" sz="500" b="0" i="0" u="none" strike="noStrike">
+                        <a:rPr lang="tr-TR" sz="700" b="0" i="0" u="none" strike="noStrike">
                           <a:solidFill>
                             <a:srgbClr val="000000"/>
                           </a:solidFill>
                           <a:effectLst/>
-                          <a:latin typeface="Tahoma" panose="020B0604030504040204" pitchFamily="34" charset="0"/>
-                        </a:rPr>
-                        <a:t>440,16</a:t>
-                      </a:r>
-                    </a:p>
-                  </a:txBody>
-                  <a:tcPr marL="51435" marR="5715" marT="5715" marB="0" anchor="b">
+                          <a:latin typeface="Verdana" panose="020B0604030504040204" pitchFamily="34" charset="0"/>
+                          <a:ea typeface="Verdana" panose="020B0604030504040204" pitchFamily="34" charset="0"/>
+                          <a:cs typeface="Verdana" panose="020B0604030504040204" pitchFamily="34" charset="0"/>
+                        </a:rPr>
+                        <a:t>315,1</a:t>
+                      </a:r>
+                    </a:p>
+                  </a:txBody>
+                  <a:tcPr marL="85725" marR="9525" marT="9525" marB="0" anchor="b">
                     <a:lnL w="12700" cap="flat" cmpd="sng" algn="ctr">
                       <a:solidFill>
                         <a:srgbClr val="CCCCCC"/>
@@ -24938,18 +26410,20 @@
                     <a:p>
                       <a:pPr algn="l" fontAlgn="b"/>
                       <a:r>
-                        <a:rPr lang="tr-TR" sz="500" b="0" i="0" u="none" strike="noStrike">
+                        <a:rPr lang="tr-TR" sz="700" b="0" i="0" u="none" strike="noStrike">
                           <a:solidFill>
                             <a:srgbClr val="000000"/>
                           </a:solidFill>
                           <a:effectLst/>
-                          <a:latin typeface="Tahoma" panose="020B0604030504040204" pitchFamily="34" charset="0"/>
-                        </a:rPr>
-                        <a:t>6.188,33</a:t>
-                      </a:r>
-                    </a:p>
-                  </a:txBody>
-                  <a:tcPr marL="51435" marR="5715" marT="5715" marB="0" anchor="b">
+                          <a:latin typeface="Verdana" panose="020B0604030504040204" pitchFamily="34" charset="0"/>
+                          <a:ea typeface="Verdana" panose="020B0604030504040204" pitchFamily="34" charset="0"/>
+                          <a:cs typeface="Verdana" panose="020B0604030504040204" pitchFamily="34" charset="0"/>
+                        </a:rPr>
+                        <a:t>5.009,11</a:t>
+                      </a:r>
+                    </a:p>
+                  </a:txBody>
+                  <a:tcPr marL="85725" marR="9525" marT="9525" marB="0" anchor="b">
                     <a:lnL w="12700" cap="flat" cmpd="sng" algn="ctr">
                       <a:solidFill>
                         <a:srgbClr val="CCCCCC"/>
@@ -24998,12 +26472,14 @@
                     <a:p>
                       <a:pPr algn="l" fontAlgn="b"/>
                       <a:r>
-                        <a:rPr lang="tr-TR" sz="500" b="0" i="0" u="none" strike="noStrike">
+                        <a:rPr lang="tr-TR" sz="700" b="0" i="0" u="none" strike="noStrike">
                           <a:solidFill>
                             <a:srgbClr val="000000"/>
                           </a:solidFill>
                           <a:effectLst/>
-                          <a:latin typeface="Tahoma" panose="020B0604030504040204" pitchFamily="34" charset="0"/>
+                          <a:latin typeface="Verdana" panose="020B0604030504040204" pitchFamily="34" charset="0"/>
+                          <a:ea typeface="Verdana" panose="020B0604030504040204" pitchFamily="34" charset="0"/>
+                          <a:cs typeface="Verdana" panose="020B0604030504040204" pitchFamily="34" charset="0"/>
                         </a:rPr>
                         <a:t>5.748,17</a:t>
                       </a:r>
@@ -25058,12 +26534,14 @@
                     <a:p>
                       <a:pPr algn="l" fontAlgn="b"/>
                       <a:r>
-                        <a:rPr lang="tr-TR" sz="500" b="0" i="0" u="none" strike="noStrike">
+                        <a:rPr lang="tr-TR" sz="700" b="0" i="0" u="none" strike="noStrike">
                           <a:solidFill>
                             <a:srgbClr val="000000"/>
                           </a:solidFill>
                           <a:effectLst/>
-                          <a:latin typeface="Tahoma" panose="020B0604030504040204" pitchFamily="34" charset="0"/>
+                          <a:latin typeface="Verdana" panose="020B0604030504040204" pitchFamily="34" charset="0"/>
+                          <a:ea typeface="Verdana" panose="020B0604030504040204" pitchFamily="34" charset="0"/>
+                          <a:cs typeface="Verdana" panose="020B0604030504040204" pitchFamily="34" charset="0"/>
                         </a:rPr>
                         <a:t>329,76</a:t>
                       </a:r>
@@ -25118,12 +26596,14 @@
                     <a:p>
                       <a:pPr algn="l" fontAlgn="b"/>
                       <a:r>
-                        <a:rPr lang="tr-TR" sz="500" b="0" i="0" u="none" strike="noStrike">
+                        <a:rPr lang="tr-TR" sz="700" b="0" i="0" u="none" strike="noStrike">
                           <a:solidFill>
                             <a:srgbClr val="000000"/>
                           </a:solidFill>
                           <a:effectLst/>
-                          <a:latin typeface="Tahoma" panose="020B0604030504040204" pitchFamily="34" charset="0"/>
+                          <a:latin typeface="Verdana" panose="020B0604030504040204" pitchFamily="34" charset="0"/>
+                          <a:ea typeface="Verdana" panose="020B0604030504040204" pitchFamily="34" charset="0"/>
+                          <a:cs typeface="Verdana" panose="020B0604030504040204" pitchFamily="34" charset="0"/>
                         </a:rPr>
                         <a:t>6.077,93</a:t>
                       </a:r>
@@ -25185,15 +26665,38 @@
                     <a:p>
                       <a:pPr algn="ctr" fontAlgn="b"/>
                       <a:r>
-                        <a:rPr lang="tr-TR" sz="500" b="0" i="0" u="none" strike="noStrike">
+                        <a:rPr lang="tr-TR" sz="700" b="0" i="0" u="none" strike="noStrike" dirty="0">
                           <a:solidFill>
                             <a:srgbClr val="000000"/>
                           </a:solidFill>
                           <a:effectLst/>
-                          <a:latin typeface="Tahoma" panose="020B0604030504040204" pitchFamily="34" charset="0"/>
-                        </a:rPr>
-                        <a:t>4. DÖNEM</a:t>
-                      </a:r>
+                          <a:latin typeface="Verdana" panose="020B0604030504040204" pitchFamily="34" charset="0"/>
+                          <a:ea typeface="Verdana" panose="020B0604030504040204" pitchFamily="34" charset="0"/>
+                          <a:cs typeface="Verdana" panose="020B0604030504040204" pitchFamily="34" charset="0"/>
+                        </a:rPr>
+                        <a:t>4. </a:t>
+                      </a:r>
+                      <a:r>
+                        <a:rPr lang="tr-TR" sz="700" b="0" i="0" u="none" strike="noStrike" dirty="0" err="1">
+                          <a:solidFill>
+                            <a:srgbClr val="000000"/>
+                          </a:solidFill>
+                          <a:effectLst/>
+                          <a:latin typeface="Verdana" panose="020B0604030504040204" pitchFamily="34" charset="0"/>
+                          <a:ea typeface="Verdana" panose="020B0604030504040204" pitchFamily="34" charset="0"/>
+                          <a:cs typeface="Verdana" panose="020B0604030504040204" pitchFamily="34" charset="0"/>
+                        </a:rPr>
+                        <a:t>Period</a:t>
+                      </a:r>
+                      <a:endParaRPr lang="tr-TR" sz="700" b="0" i="0" u="none" strike="noStrike" dirty="0">
+                        <a:solidFill>
+                          <a:srgbClr val="000000"/>
+                        </a:solidFill>
+                        <a:effectLst/>
+                        <a:latin typeface="Verdana" panose="020B0604030504040204" pitchFamily="34" charset="0"/>
+                        <a:ea typeface="Verdana" panose="020B0604030504040204" pitchFamily="34" charset="0"/>
+                        <a:cs typeface="Verdana" panose="020B0604030504040204" pitchFamily="34" charset="0"/>
+                      </a:endParaRPr>
                     </a:p>
                   </a:txBody>
                   <a:tcPr marL="5715" marR="5715" marT="5715" marB="0" anchor="b">
@@ -25242,18 +26745,20 @@
                     <a:p>
                       <a:pPr algn="l" fontAlgn="b"/>
                       <a:r>
-                        <a:rPr lang="tr-TR" sz="500" b="1" i="0" u="none" strike="noStrike">
+                        <a:rPr lang="tr-TR" sz="700" b="1" i="0" u="none" strike="noStrike">
                           <a:solidFill>
                             <a:srgbClr val="9E0E23"/>
                           </a:solidFill>
                           <a:effectLst/>
-                          <a:latin typeface="Tahoma" panose="020B0604030504040204" pitchFamily="34" charset="0"/>
-                        </a:rPr>
-                        <a:t>67.327.721</a:t>
-                      </a:r>
-                    </a:p>
-                  </a:txBody>
-                  <a:tcPr marL="51435" marR="5715" marT="5715" marB="0" anchor="b">
+                          <a:latin typeface="Verdana" panose="020B0604030504040204" pitchFamily="34" charset="0"/>
+                          <a:ea typeface="Verdana" panose="020B0604030504040204" pitchFamily="34" charset="0"/>
+                          <a:cs typeface="Verdana" panose="020B0604030504040204" pitchFamily="34" charset="0"/>
+                        </a:rPr>
+                        <a:t>5.837,20</a:t>
+                      </a:r>
+                    </a:p>
+                  </a:txBody>
+                  <a:tcPr marL="85725" marR="9525" marT="9525" marB="0" anchor="b">
                     <a:lnL w="12700" cap="flat" cmpd="sng" algn="ctr">
                       <a:solidFill>
                         <a:srgbClr val="CCCCCC"/>
@@ -25302,18 +26807,20 @@
                     <a:p>
                       <a:pPr algn="l" fontAlgn="b"/>
                       <a:r>
-                        <a:rPr lang="tr-TR" sz="500" b="1" i="0" u="none" strike="noStrike">
+                        <a:rPr lang="tr-TR" sz="700" b="1" i="0" u="none" strike="noStrike">
                           <a:solidFill>
                             <a:srgbClr val="9E0E23"/>
                           </a:solidFill>
                           <a:effectLst/>
-                          <a:latin typeface="Tahoma" panose="020B0604030504040204" pitchFamily="34" charset="0"/>
-                        </a:rPr>
-                        <a:t>13.621.945</a:t>
-                      </a:r>
-                    </a:p>
-                  </a:txBody>
-                  <a:tcPr marL="51435" marR="5715" marT="5715" marB="0" anchor="b">
+                          <a:latin typeface="Verdana" panose="020B0604030504040204" pitchFamily="34" charset="0"/>
+                          <a:ea typeface="Verdana" panose="020B0604030504040204" pitchFamily="34" charset="0"/>
+                          <a:cs typeface="Verdana" panose="020B0604030504040204" pitchFamily="34" charset="0"/>
+                        </a:rPr>
+                        <a:t>412,65</a:t>
+                      </a:r>
+                    </a:p>
+                  </a:txBody>
+                  <a:tcPr marL="85725" marR="9525" marT="9525" marB="0" anchor="b">
                     <a:lnL w="12700" cap="flat" cmpd="sng" algn="ctr">
                       <a:solidFill>
                         <a:srgbClr val="CCCCCC"/>
@@ -25362,18 +26869,20 @@
                     <a:p>
                       <a:pPr algn="l" fontAlgn="b"/>
                       <a:r>
-                        <a:rPr lang="tr-TR" sz="500" b="1" i="0" u="none" strike="noStrike">
+                        <a:rPr lang="tr-TR" sz="700" b="1" i="0" u="none" strike="noStrike">
                           <a:solidFill>
                             <a:srgbClr val="9E0E23"/>
                           </a:solidFill>
                           <a:effectLst/>
-                          <a:latin typeface="Tahoma" panose="020B0604030504040204" pitchFamily="34" charset="0"/>
-                        </a:rPr>
-                        <a:t>80.949.666</a:t>
-                      </a:r>
-                    </a:p>
-                  </a:txBody>
-                  <a:tcPr marL="51435" marR="5715" marT="5715" marB="0" anchor="b">
+                          <a:latin typeface="Verdana" panose="020B0604030504040204" pitchFamily="34" charset="0"/>
+                          <a:ea typeface="Verdana" panose="020B0604030504040204" pitchFamily="34" charset="0"/>
+                          <a:cs typeface="Verdana" panose="020B0604030504040204" pitchFamily="34" charset="0"/>
+                        </a:rPr>
+                        <a:t>6.249,85</a:t>
+                      </a:r>
+                    </a:p>
+                  </a:txBody>
+                  <a:tcPr marL="85725" marR="9525" marT="9525" marB="0" anchor="b">
                     <a:lnL w="12700" cap="flat" cmpd="sng" algn="ctr">
                       <a:solidFill>
                         <a:srgbClr val="CCCCCC"/>
@@ -25422,18 +26931,20 @@
                     <a:p>
                       <a:pPr algn="l" fontAlgn="b"/>
                       <a:r>
-                        <a:rPr lang="tr-TR" sz="500" b="1" i="0" u="none" strike="noStrike">
+                        <a:rPr lang="tr-TR" sz="700" b="1" i="0" u="none" strike="noStrike">
                           <a:solidFill>
                             <a:srgbClr val="9E0E23"/>
                           </a:solidFill>
                           <a:effectLst/>
-                          <a:latin typeface="Tahoma" panose="020B0604030504040204" pitchFamily="34" charset="0"/>
-                        </a:rPr>
-                        <a:t>67.327.721</a:t>
-                      </a:r>
-                    </a:p>
-                  </a:txBody>
-                  <a:tcPr marL="51435" marR="5715" marT="5715" marB="0" anchor="b">
+                          <a:latin typeface="Verdana" panose="020B0604030504040204" pitchFamily="34" charset="0"/>
+                          <a:ea typeface="Verdana" panose="020B0604030504040204" pitchFamily="34" charset="0"/>
+                          <a:cs typeface="Verdana" panose="020B0604030504040204" pitchFamily="34" charset="0"/>
+                        </a:rPr>
+                        <a:t>8.026,56</a:t>
+                      </a:r>
+                    </a:p>
+                  </a:txBody>
+                  <a:tcPr marL="85725" marR="9525" marT="9525" marB="0" anchor="b">
                     <a:lnL w="12700" cap="flat" cmpd="sng" algn="ctr">
                       <a:solidFill>
                         <a:srgbClr val="CCCCCC"/>
@@ -25482,18 +26993,20 @@
                     <a:p>
                       <a:pPr algn="l" fontAlgn="b"/>
                       <a:r>
-                        <a:rPr lang="tr-TR" sz="500" b="1" i="0" u="none" strike="noStrike">
+                        <a:rPr lang="tr-TR" sz="700" b="1" i="0" u="none" strike="noStrike">
                           <a:solidFill>
                             <a:srgbClr val="9E0E23"/>
                           </a:solidFill>
                           <a:effectLst/>
-                          <a:latin typeface="Tahoma" panose="020B0604030504040204" pitchFamily="34" charset="0"/>
-                        </a:rPr>
-                        <a:t>1.566.478</a:t>
-                      </a:r>
-                    </a:p>
-                  </a:txBody>
-                  <a:tcPr marL="51435" marR="5715" marT="5715" marB="0" anchor="b">
+                          <a:latin typeface="Verdana" panose="020B0604030504040204" pitchFamily="34" charset="0"/>
+                          <a:ea typeface="Verdana" panose="020B0604030504040204" pitchFamily="34" charset="0"/>
+                          <a:cs typeface="Verdana" panose="020B0604030504040204" pitchFamily="34" charset="0"/>
+                        </a:rPr>
+                        <a:t>726,96</a:t>
+                      </a:r>
+                    </a:p>
+                  </a:txBody>
+                  <a:tcPr marL="85725" marR="9525" marT="9525" marB="0" anchor="b">
                     <a:lnL w="12700" cap="flat" cmpd="sng" algn="ctr">
                       <a:solidFill>
                         <a:srgbClr val="CCCCCC"/>
@@ -25542,18 +27055,20 @@
                     <a:p>
                       <a:pPr algn="l" fontAlgn="b"/>
                       <a:r>
-                        <a:rPr lang="tr-TR" sz="500" b="1" i="0" u="none" strike="noStrike">
+                        <a:rPr lang="tr-TR" sz="700" b="1" i="0" u="none" strike="noStrike">
                           <a:solidFill>
                             <a:srgbClr val="9E0E23"/>
                           </a:solidFill>
                           <a:effectLst/>
-                          <a:latin typeface="Tahoma" panose="020B0604030504040204" pitchFamily="34" charset="0"/>
-                        </a:rPr>
-                        <a:t>68.894.199</a:t>
-                      </a:r>
-                    </a:p>
-                  </a:txBody>
-                  <a:tcPr marL="51435" marR="5715" marT="5715" marB="0" anchor="b">
+                          <a:latin typeface="Verdana" panose="020B0604030504040204" pitchFamily="34" charset="0"/>
+                          <a:ea typeface="Verdana" panose="020B0604030504040204" pitchFamily="34" charset="0"/>
+                          <a:cs typeface="Verdana" panose="020B0604030504040204" pitchFamily="34" charset="0"/>
+                        </a:rPr>
+                        <a:t>8.753,52</a:t>
+                      </a:r>
+                    </a:p>
+                  </a:txBody>
+                  <a:tcPr marL="85725" marR="9525" marT="9525" marB="0" anchor="b">
                     <a:lnL w="12700" cap="flat" cmpd="sng" algn="ctr">
                       <a:solidFill>
                         <a:srgbClr val="CCCCCC"/>
@@ -25602,18 +27117,20 @@
                     <a:p>
                       <a:pPr algn="l" fontAlgn="b"/>
                       <a:r>
-                        <a:rPr lang="tr-TR" sz="500" b="1" i="0" u="none" strike="noStrike">
+                        <a:rPr lang="tr-TR" sz="700" b="1" i="0" u="none" strike="noStrike">
                           <a:solidFill>
                             <a:srgbClr val="9E0E23"/>
                           </a:solidFill>
                           <a:effectLst/>
-                          <a:latin typeface="Tahoma" panose="020B0604030504040204" pitchFamily="34" charset="0"/>
-                        </a:rPr>
-                        <a:t>16.992,58</a:t>
-                      </a:r>
-                    </a:p>
-                  </a:txBody>
-                  <a:tcPr marL="51435" marR="5715" marT="5715" marB="0" anchor="b">
+                          <a:latin typeface="Verdana" panose="020B0604030504040204" pitchFamily="34" charset="0"/>
+                          <a:ea typeface="Verdana" panose="020B0604030504040204" pitchFamily="34" charset="0"/>
+                          <a:cs typeface="Verdana" panose="020B0604030504040204" pitchFamily="34" charset="0"/>
+                        </a:rPr>
+                        <a:t>13.046,85</a:t>
+                      </a:r>
+                    </a:p>
+                  </a:txBody>
+                  <a:tcPr marL="85725" marR="9525" marT="9525" marB="0" anchor="b">
                     <a:lnL w="12700" cap="flat" cmpd="sng" algn="ctr">
                       <a:solidFill>
                         <a:srgbClr val="CCCCCC"/>
@@ -25662,18 +27179,20 @@
                     <a:p>
                       <a:pPr algn="l" fontAlgn="b"/>
                       <a:r>
-                        <a:rPr lang="tr-TR" sz="500" b="1" i="0" u="none" strike="noStrike">
+                        <a:rPr lang="tr-TR" sz="700" b="1" i="0" u="none" strike="noStrike">
                           <a:solidFill>
                             <a:srgbClr val="9E0E23"/>
                           </a:solidFill>
                           <a:effectLst/>
-                          <a:latin typeface="Tahoma" panose="020B0604030504040204" pitchFamily="34" charset="0"/>
-                        </a:rPr>
-                        <a:t>1.361,02</a:t>
-                      </a:r>
-                    </a:p>
-                  </a:txBody>
-                  <a:tcPr marL="51435" marR="5715" marT="5715" marB="0" anchor="b">
+                          <a:latin typeface="Verdana" panose="020B0604030504040204" pitchFamily="34" charset="0"/>
+                          <a:ea typeface="Verdana" panose="020B0604030504040204" pitchFamily="34" charset="0"/>
+                          <a:cs typeface="Verdana" panose="020B0604030504040204" pitchFamily="34" charset="0"/>
+                        </a:rPr>
+                        <a:t>1.045,90</a:t>
+                      </a:r>
+                    </a:p>
+                  </a:txBody>
+                  <a:tcPr marL="85725" marR="9525" marT="9525" marB="0" anchor="b">
                     <a:lnL w="12700" cap="flat" cmpd="sng" algn="ctr">
                       <a:solidFill>
                         <a:srgbClr val="CCCCCC"/>
@@ -25722,18 +27241,20 @@
                     <a:p>
                       <a:pPr algn="l" fontAlgn="b"/>
                       <a:r>
-                        <a:rPr lang="tr-TR" sz="500" b="1" i="0" u="none" strike="noStrike">
+                        <a:rPr lang="tr-TR" sz="700" b="1" i="0" u="none" strike="noStrike">
                           <a:solidFill>
                             <a:srgbClr val="9E0E23"/>
                           </a:solidFill>
                           <a:effectLst/>
-                          <a:latin typeface="Tahoma" panose="020B0604030504040204" pitchFamily="34" charset="0"/>
-                        </a:rPr>
-                        <a:t>18.353,60</a:t>
-                      </a:r>
-                    </a:p>
-                  </a:txBody>
-                  <a:tcPr marL="51435" marR="5715" marT="5715" marB="0" anchor="b">
+                          <a:latin typeface="Verdana" panose="020B0604030504040204" pitchFamily="34" charset="0"/>
+                          <a:ea typeface="Verdana" panose="020B0604030504040204" pitchFamily="34" charset="0"/>
+                          <a:cs typeface="Verdana" panose="020B0604030504040204" pitchFamily="34" charset="0"/>
+                        </a:rPr>
+                        <a:t>14.092,74</a:t>
+                      </a:r>
+                    </a:p>
+                  </a:txBody>
+                  <a:tcPr marL="85725" marR="9525" marT="9525" marB="0" anchor="b">
                     <a:lnL w="12700" cap="flat" cmpd="sng" algn="ctr">
                       <a:solidFill>
                         <a:srgbClr val="CCCCCC"/>
@@ -25782,12 +27303,14 @@
                     <a:p>
                       <a:pPr algn="l" fontAlgn="b"/>
                       <a:r>
-                        <a:rPr lang="tr-TR" sz="500" b="1" i="0" u="none" strike="noStrike">
+                        <a:rPr lang="tr-TR" sz="700" b="1" i="0" u="none" strike="noStrike">
                           <a:solidFill>
                             <a:srgbClr val="9E0E23"/>
                           </a:solidFill>
                           <a:effectLst/>
-                          <a:latin typeface="Tahoma" panose="020B0604030504040204" pitchFamily="34" charset="0"/>
+                          <a:latin typeface="Verdana" panose="020B0604030504040204" pitchFamily="34" charset="0"/>
+                          <a:ea typeface="Verdana" panose="020B0604030504040204" pitchFamily="34" charset="0"/>
+                          <a:cs typeface="Verdana" panose="020B0604030504040204" pitchFamily="34" charset="0"/>
                         </a:rPr>
                         <a:t>16.992,58</a:t>
                       </a:r>
@@ -25842,12 +27365,14 @@
                     <a:p>
                       <a:pPr algn="l" fontAlgn="b"/>
                       <a:r>
-                        <a:rPr lang="tr-TR" sz="500" b="1" i="0" u="none" strike="noStrike">
+                        <a:rPr lang="tr-TR" sz="700" b="1" i="0" u="none" strike="noStrike" dirty="0">
                           <a:solidFill>
                             <a:srgbClr val="9E0E23"/>
                           </a:solidFill>
                           <a:effectLst/>
-                          <a:latin typeface="Tahoma" panose="020B0604030504040204" pitchFamily="34" charset="0"/>
+                          <a:latin typeface="Verdana" panose="020B0604030504040204" pitchFamily="34" charset="0"/>
+                          <a:ea typeface="Verdana" panose="020B0604030504040204" pitchFamily="34" charset="0"/>
+                          <a:cs typeface="Verdana" panose="020B0604030504040204" pitchFamily="34" charset="0"/>
                         </a:rPr>
                         <a:t>1.030,85</a:t>
                       </a:r>
@@ -25902,14 +27427,16 @@
                     <a:p>
                       <a:pPr algn="l" fontAlgn="b"/>
                       <a:r>
-                        <a:rPr lang="tr-TR" sz="500" b="1" i="0" u="none" strike="noStrike">
+                        <a:rPr lang="tr-TR" sz="700" b="1" i="0" u="none" strike="noStrike" dirty="0">
                           <a:solidFill>
                             <a:srgbClr val="9E0E23"/>
                           </a:solidFill>
                           <a:effectLst/>
-                          <a:latin typeface="Tahoma" panose="020B0604030504040204" pitchFamily="34" charset="0"/>
-                        </a:rPr>
-                        <a:t>18.023,43</a:t>
+                          <a:latin typeface="Verdana" panose="020B0604030504040204" pitchFamily="34" charset="0"/>
+                          <a:ea typeface="Verdana" panose="020B0604030504040204" pitchFamily="34" charset="0"/>
+                          <a:cs typeface="Verdana" panose="020B0604030504040204" pitchFamily="34" charset="0"/>
+                        </a:rPr>
+                        <a:t>18.023,3</a:t>
                       </a:r>
                     </a:p>
                   </a:txBody>
@@ -25969,14 +27496,16 @@
                     <a:p>
                       <a:pPr algn="ctr" fontAlgn="b"/>
                       <a:r>
-                        <a:rPr lang="tr-TR" sz="500" b="0" i="0" u="none" strike="noStrike">
+                        <a:rPr lang="tr-TR" sz="700" b="1" i="0" u="none" strike="noStrike" dirty="0">
                           <a:solidFill>
                             <a:srgbClr val="000000"/>
                           </a:solidFill>
                           <a:effectLst/>
-                          <a:latin typeface="Tahoma" panose="020B0604030504040204" pitchFamily="34" charset="0"/>
-                        </a:rPr>
-                        <a:t>2016 YILI</a:t>
+                          <a:latin typeface="Verdana" panose="020B0604030504040204" pitchFamily="34" charset="0"/>
+                          <a:ea typeface="Verdana" panose="020B0604030504040204" pitchFamily="34" charset="0"/>
+                          <a:cs typeface="Verdana" panose="020B0604030504040204" pitchFamily="34" charset="0"/>
+                        </a:rPr>
+                        <a:t>YEAR</a:t>
                       </a:r>
                     </a:p>
                   </a:txBody>
@@ -26026,18 +27555,20 @@
                     <a:p>
                       <a:pPr algn="l" fontAlgn="b"/>
                       <a:r>
-                        <a:rPr lang="tr-TR" sz="500" b="0" i="0" u="none" strike="noStrike">
+                        <a:rPr lang="tr-TR" sz="700" b="1" i="0" u="none" strike="noStrike" dirty="0">
                           <a:solidFill>
                             <a:srgbClr val="000000"/>
                           </a:solidFill>
                           <a:effectLst/>
-                          <a:latin typeface="Tahoma" panose="020B0604030504040204" pitchFamily="34" charset="0"/>
-                        </a:rPr>
-                        <a:t>256.452.922</a:t>
-                      </a:r>
-                    </a:p>
-                  </a:txBody>
-                  <a:tcPr marL="51435" marR="5715" marT="5715" marB="0" anchor="b">
+                          <a:latin typeface="Verdana" panose="020B0604030504040204" pitchFamily="34" charset="0"/>
+                          <a:ea typeface="Verdana" panose="020B0604030504040204" pitchFamily="34" charset="0"/>
+                          <a:cs typeface="Verdana" panose="020B0604030504040204" pitchFamily="34" charset="0"/>
+                        </a:rPr>
+                        <a:t>22.882,50</a:t>
+                      </a:r>
+                    </a:p>
+                  </a:txBody>
+                  <a:tcPr marL="85725" marR="9525" marT="9525" marB="0" anchor="b">
                     <a:lnL w="12700" cap="flat" cmpd="sng" algn="ctr">
                       <a:solidFill>
                         <a:srgbClr val="CCCCCC"/>
@@ -26086,18 +27617,20 @@
                     <a:p>
                       <a:pPr algn="l" fontAlgn="b"/>
                       <a:r>
-                        <a:rPr lang="tr-TR" sz="500" b="0" i="0" u="none" strike="noStrike" dirty="0">
+                        <a:rPr lang="tr-TR" sz="700" b="1" i="0" u="none" strike="noStrike">
                           <a:solidFill>
                             <a:srgbClr val="000000"/>
                           </a:solidFill>
                           <a:effectLst/>
-                          <a:latin typeface="Tahoma" panose="020B0604030504040204" pitchFamily="34" charset="0"/>
-                        </a:rPr>
-                        <a:t>50.398.537</a:t>
-                      </a:r>
-                    </a:p>
-                  </a:txBody>
-                  <a:tcPr marL="51435" marR="5715" marT="5715" marB="0" anchor="b">
+                          <a:latin typeface="Verdana" panose="020B0604030504040204" pitchFamily="34" charset="0"/>
+                          <a:ea typeface="Verdana" panose="020B0604030504040204" pitchFamily="34" charset="0"/>
+                          <a:cs typeface="Verdana" panose="020B0604030504040204" pitchFamily="34" charset="0"/>
+                        </a:rPr>
+                        <a:t>2.295,81</a:t>
+                      </a:r>
+                    </a:p>
+                  </a:txBody>
+                  <a:tcPr marL="85725" marR="9525" marT="9525" marB="0" anchor="b">
                     <a:lnL w="12700" cap="flat" cmpd="sng" algn="ctr">
                       <a:solidFill>
                         <a:srgbClr val="CCCCCC"/>
@@ -26146,18 +27679,20 @@
                     <a:p>
                       <a:pPr algn="l" fontAlgn="b"/>
                       <a:r>
-                        <a:rPr lang="tr-TR" sz="500" b="0" i="0" u="none" strike="noStrike">
+                        <a:rPr lang="tr-TR" sz="700" b="1" i="0" u="none" strike="noStrike" dirty="0">
                           <a:solidFill>
                             <a:srgbClr val="000000"/>
                           </a:solidFill>
                           <a:effectLst/>
-                          <a:latin typeface="Tahoma" panose="020B0604030504040204" pitchFamily="34" charset="0"/>
-                        </a:rPr>
-                        <a:t>306.851.459</a:t>
-                      </a:r>
-                    </a:p>
-                  </a:txBody>
-                  <a:tcPr marL="51435" marR="5715" marT="5715" marB="0" anchor="b">
+                          <a:latin typeface="Verdana" panose="020B0604030504040204" pitchFamily="34" charset="0"/>
+                          <a:ea typeface="Verdana" panose="020B0604030504040204" pitchFamily="34" charset="0"/>
+                          <a:cs typeface="Verdana" panose="020B0604030504040204" pitchFamily="34" charset="0"/>
+                        </a:rPr>
+                        <a:t>25.178,31</a:t>
+                      </a:r>
+                    </a:p>
+                  </a:txBody>
+                  <a:tcPr marL="85725" marR="9525" marT="9525" marB="0" anchor="b">
                     <a:lnL w="12700" cap="flat" cmpd="sng" algn="ctr">
                       <a:solidFill>
                         <a:srgbClr val="CCCCCC"/>
@@ -26206,18 +27741,20 @@
                     <a:p>
                       <a:pPr algn="l" fontAlgn="b"/>
                       <a:r>
-                        <a:rPr lang="tr-TR" sz="500" b="0" i="0" u="none" strike="noStrike">
+                        <a:rPr lang="tr-TR" sz="700" b="1" i="0" u="none" strike="noStrike">
                           <a:solidFill>
                             <a:srgbClr val="000000"/>
                           </a:solidFill>
                           <a:effectLst/>
-                          <a:latin typeface="Tahoma" panose="020B0604030504040204" pitchFamily="34" charset="0"/>
-                        </a:rPr>
-                        <a:t>256.452.922</a:t>
-                      </a:r>
-                    </a:p>
-                  </a:txBody>
-                  <a:tcPr marL="51435" marR="5715" marT="5715" marB="0" anchor="b">
+                          <a:latin typeface="Verdana" panose="020B0604030504040204" pitchFamily="34" charset="0"/>
+                          <a:ea typeface="Verdana" panose="020B0604030504040204" pitchFamily="34" charset="0"/>
+                          <a:cs typeface="Verdana" panose="020B0604030504040204" pitchFamily="34" charset="0"/>
+                        </a:rPr>
+                        <a:t>31.824,57</a:t>
+                      </a:r>
+                    </a:p>
+                  </a:txBody>
+                  <a:tcPr marL="85725" marR="9525" marT="9525" marB="0" anchor="b">
                     <a:lnL w="12700" cap="flat" cmpd="sng" algn="ctr">
                       <a:solidFill>
                         <a:srgbClr val="CCCCCC"/>
@@ -26266,18 +27803,20 @@
                     <a:p>
                       <a:pPr algn="l" fontAlgn="b"/>
                       <a:r>
-                        <a:rPr lang="tr-TR" sz="500" b="0" i="0" u="none" strike="noStrike">
+                        <a:rPr lang="tr-TR" sz="700" b="1" i="0" u="none" strike="noStrike">
                           <a:solidFill>
                             <a:srgbClr val="000000"/>
                           </a:solidFill>
                           <a:effectLst/>
-                          <a:latin typeface="Tahoma" panose="020B0604030504040204" pitchFamily="34" charset="0"/>
-                        </a:rPr>
-                        <a:t>7.517.049</a:t>
-                      </a:r>
-                    </a:p>
-                  </a:txBody>
-                  <a:tcPr marL="51435" marR="5715" marT="5715" marB="0" anchor="b">
+                          <a:latin typeface="Verdana" panose="020B0604030504040204" pitchFamily="34" charset="0"/>
+                          <a:ea typeface="Verdana" panose="020B0604030504040204" pitchFamily="34" charset="0"/>
+                          <a:cs typeface="Verdana" panose="020B0604030504040204" pitchFamily="34" charset="0"/>
+                        </a:rPr>
+                        <a:t>2.781,46</a:t>
+                      </a:r>
+                    </a:p>
+                  </a:txBody>
+                  <a:tcPr marL="85725" marR="9525" marT="9525" marB="0" anchor="b">
                     <a:lnL w="12700" cap="flat" cmpd="sng" algn="ctr">
                       <a:solidFill>
                         <a:srgbClr val="CCCCCC"/>
@@ -26326,18 +27865,20 @@
                     <a:p>
                       <a:pPr algn="l" fontAlgn="b"/>
                       <a:r>
-                        <a:rPr lang="tr-TR" sz="500" b="0" i="0" u="none" strike="noStrike">
+                        <a:rPr lang="tr-TR" sz="700" b="1" i="0" u="none" strike="noStrike" dirty="0">
                           <a:solidFill>
                             <a:srgbClr val="000000"/>
                           </a:solidFill>
                           <a:effectLst/>
-                          <a:latin typeface="Tahoma" panose="020B0604030504040204" pitchFamily="34" charset="0"/>
-                        </a:rPr>
-                        <a:t>263.969.971</a:t>
-                      </a:r>
-                    </a:p>
-                  </a:txBody>
-                  <a:tcPr marL="51435" marR="5715" marT="5715" marB="0" anchor="b">
+                          <a:latin typeface="Verdana" panose="020B0604030504040204" pitchFamily="34" charset="0"/>
+                          <a:ea typeface="Verdana" panose="020B0604030504040204" pitchFamily="34" charset="0"/>
+                          <a:cs typeface="Verdana" panose="020B0604030504040204" pitchFamily="34" charset="0"/>
+                        </a:rPr>
+                        <a:t>34.606,04</a:t>
+                      </a:r>
+                    </a:p>
+                  </a:txBody>
+                  <a:tcPr marL="85725" marR="9525" marT="9525" marB="0" anchor="b">
                     <a:lnL w="12700" cap="flat" cmpd="sng" algn="ctr">
                       <a:solidFill>
                         <a:srgbClr val="CCCCCC"/>
@@ -26386,18 +27927,20 @@
                     <a:p>
                       <a:pPr algn="l" fontAlgn="b"/>
                       <a:r>
-                        <a:rPr lang="tr-TR" sz="500" b="0" i="0" u="none" strike="noStrike">
+                        <a:rPr lang="tr-TR" sz="700" b="1" i="0" u="none" strike="noStrike" dirty="0">
                           <a:solidFill>
                             <a:srgbClr val="000000"/>
                           </a:solidFill>
                           <a:effectLst/>
-                          <a:latin typeface="Tahoma" panose="020B0604030504040204" pitchFamily="34" charset="0"/>
-                        </a:rPr>
-                        <a:t>63.478,88</a:t>
-                      </a:r>
-                    </a:p>
-                  </a:txBody>
-                  <a:tcPr marL="51435" marR="5715" marT="5715" marB="0" anchor="b">
+                          <a:latin typeface="Verdana" panose="020B0604030504040204" pitchFamily="34" charset="0"/>
+                          <a:ea typeface="Verdana" panose="020B0604030504040204" pitchFamily="34" charset="0"/>
+                          <a:cs typeface="Verdana" panose="020B0604030504040204" pitchFamily="34" charset="0"/>
+                        </a:rPr>
+                        <a:t>50.682,91</a:t>
+                      </a:r>
+                    </a:p>
+                  </a:txBody>
+                  <a:tcPr marL="85725" marR="9525" marT="9525" marB="0" anchor="b">
                     <a:lnL w="12700" cap="flat" cmpd="sng" algn="ctr">
                       <a:solidFill>
                         <a:srgbClr val="CCCCCC"/>
@@ -26446,18 +27989,20 @@
                     <a:p>
                       <a:pPr algn="l" fontAlgn="b"/>
                       <a:r>
-                        <a:rPr lang="tr-TR" sz="500" b="0" i="0" u="none" strike="noStrike">
+                        <a:rPr lang="tr-TR" sz="700" b="1" i="0" u="none" strike="noStrike" dirty="0">
                           <a:solidFill>
                             <a:srgbClr val="000000"/>
                           </a:solidFill>
                           <a:effectLst/>
-                          <a:latin typeface="Tahoma" panose="020B0604030504040204" pitchFamily="34" charset="0"/>
-                        </a:rPr>
-                        <a:t>5.404,61</a:t>
-                      </a:r>
-                    </a:p>
-                  </a:txBody>
-                  <a:tcPr marL="51435" marR="5715" marT="5715" marB="0" anchor="b">
+                          <a:latin typeface="Verdana" panose="020B0604030504040204" pitchFamily="34" charset="0"/>
+                          <a:ea typeface="Verdana" panose="020B0604030504040204" pitchFamily="34" charset="0"/>
+                          <a:cs typeface="Verdana" panose="020B0604030504040204" pitchFamily="34" charset="0"/>
+                        </a:rPr>
+                        <a:t>4.706,09</a:t>
+                      </a:r>
+                    </a:p>
+                  </a:txBody>
+                  <a:tcPr marL="85725" marR="9525" marT="9525" marB="0" anchor="b">
                     <a:lnL w="12700" cap="flat" cmpd="sng" algn="ctr">
                       <a:solidFill>
                         <a:srgbClr val="CCCCCC"/>
@@ -26506,18 +28051,20 @@
                     <a:p>
                       <a:pPr algn="l" fontAlgn="b"/>
                       <a:r>
-                        <a:rPr lang="tr-TR" sz="500" b="0" i="0" u="none" strike="noStrike">
+                        <a:rPr lang="tr-TR" sz="700" b="1" i="0" u="none" strike="noStrike" dirty="0">
                           <a:solidFill>
                             <a:srgbClr val="000000"/>
                           </a:solidFill>
                           <a:effectLst/>
-                          <a:latin typeface="Tahoma" panose="020B0604030504040204" pitchFamily="34" charset="0"/>
-                        </a:rPr>
-                        <a:t>68.883,49</a:t>
-                      </a:r>
-                    </a:p>
-                  </a:txBody>
-                  <a:tcPr marL="51435" marR="5715" marT="5715" marB="0" anchor="b">
+                          <a:latin typeface="Verdana" panose="020B0604030504040204" pitchFamily="34" charset="0"/>
+                          <a:ea typeface="Verdana" panose="020B0604030504040204" pitchFamily="34" charset="0"/>
+                          <a:cs typeface="Verdana" panose="020B0604030504040204" pitchFamily="34" charset="0"/>
+                        </a:rPr>
+                        <a:t>55.389,00</a:t>
+                      </a:r>
+                    </a:p>
+                  </a:txBody>
+                  <a:tcPr marL="85725" marR="9525" marT="9525" marB="0" anchor="b">
                     <a:lnL w="12700" cap="flat" cmpd="sng" algn="ctr">
                       <a:solidFill>
                         <a:srgbClr val="CCCCCC"/>
@@ -26566,12 +28113,14 @@
                     <a:p>
                       <a:pPr algn="l" fontAlgn="b"/>
                       <a:r>
-                        <a:rPr lang="tr-TR" sz="500" b="0" i="0" u="none" strike="noStrike">
+                        <a:rPr lang="tr-TR" sz="700" b="1" i="0" u="none" strike="noStrike" dirty="0">
                           <a:solidFill>
                             <a:srgbClr val="000000"/>
                           </a:solidFill>
                           <a:effectLst/>
-                          <a:latin typeface="Tahoma" panose="020B0604030504040204" pitchFamily="34" charset="0"/>
+                          <a:latin typeface="Verdana" panose="020B0604030504040204" pitchFamily="34" charset="0"/>
+                          <a:ea typeface="Verdana" panose="020B0604030504040204" pitchFamily="34" charset="0"/>
+                          <a:cs typeface="Verdana" panose="020B0604030504040204" pitchFamily="34" charset="0"/>
                         </a:rPr>
                         <a:t>63.478,88</a:t>
                       </a:r>
@@ -26626,12 +28175,14 @@
                     <a:p>
                       <a:pPr algn="l" fontAlgn="b"/>
                       <a:r>
-                        <a:rPr lang="tr-TR" sz="500" b="0" i="0" u="none" strike="noStrike">
+                        <a:rPr lang="tr-TR" sz="700" b="1" i="0" u="none" strike="noStrike" dirty="0">
                           <a:solidFill>
                             <a:srgbClr val="000000"/>
                           </a:solidFill>
                           <a:effectLst/>
-                          <a:latin typeface="Tahoma" panose="020B0604030504040204" pitchFamily="34" charset="0"/>
+                          <a:latin typeface="Verdana" panose="020B0604030504040204" pitchFamily="34" charset="0"/>
+                          <a:ea typeface="Verdana" panose="020B0604030504040204" pitchFamily="34" charset="0"/>
+                          <a:cs typeface="Verdana" panose="020B0604030504040204" pitchFamily="34" charset="0"/>
                         </a:rPr>
                         <a:t>4.889,64</a:t>
                       </a:r>
@@ -26686,14 +28237,16 @@
                     <a:p>
                       <a:pPr algn="l" fontAlgn="b"/>
                       <a:r>
-                        <a:rPr lang="tr-TR" sz="500" b="0" i="0" u="none" strike="noStrike" dirty="0">
+                        <a:rPr lang="tr-TR" sz="700" b="1" i="0" u="none" strike="noStrike" dirty="0">
                           <a:solidFill>
                             <a:srgbClr val="000000"/>
                           </a:solidFill>
                           <a:effectLst/>
-                          <a:latin typeface="Tahoma" panose="020B0604030504040204" pitchFamily="34" charset="0"/>
-                        </a:rPr>
-                        <a:t>68.368,52</a:t>
+                          <a:latin typeface="Verdana" panose="020B0604030504040204" pitchFamily="34" charset="0"/>
+                          <a:ea typeface="Verdana" panose="020B0604030504040204" pitchFamily="34" charset="0"/>
+                          <a:cs typeface="Verdana" panose="020B0604030504040204" pitchFamily="34" charset="0"/>
+                        </a:rPr>
+                        <a:t>68.368,5</a:t>
                       </a:r>
                     </a:p>
                   </a:txBody>
@@ -26799,7 +28352,7 @@
                 <a:ea typeface="Verdana" panose="020B0604030504040204" pitchFamily="34" charset="0"/>
                 <a:cs typeface="Verdana" panose="020B0604030504040204" pitchFamily="34" charset="0"/>
               </a:rPr>
-              <a:t>BKM 2016 </a:t>
+              <a:t>BKM </a:t>
             </a:r>
             <a:r>
               <a:rPr lang="en-US" sz="3200" dirty="0">
@@ -27120,4 +28673,299 @@
   <a:objectDefaults/>
   <a:extraClrSchemeLst/>
 </a:theme>
+</file>
+
+<file path=ppt/theme/theme2.xml><?xml version="1.0" encoding="utf-8"?>
+<a:theme xmlns:a="http://schemas.openxmlformats.org/drawingml/2006/main" name="Office Teması">
+  <a:themeElements>
+    <a:clrScheme name="Office">
+      <a:dk1>
+        <a:sysClr val="windowText" lastClr="000000"/>
+      </a:dk1>
+      <a:lt1>
+        <a:sysClr val="window" lastClr="FFFFFF"/>
+      </a:lt1>
+      <a:dk2>
+        <a:srgbClr val="44546A"/>
+      </a:dk2>
+      <a:lt2>
+        <a:srgbClr val="E7E6E6"/>
+      </a:lt2>
+      <a:accent1>
+        <a:srgbClr val="5B9BD5"/>
+      </a:accent1>
+      <a:accent2>
+        <a:srgbClr val="ED7D31"/>
+      </a:accent2>
+      <a:accent3>
+        <a:srgbClr val="A5A5A5"/>
+      </a:accent3>
+      <a:accent4>
+        <a:srgbClr val="FFC000"/>
+      </a:accent4>
+      <a:accent5>
+        <a:srgbClr val="4472C4"/>
+      </a:accent5>
+      <a:accent6>
+        <a:srgbClr val="70AD47"/>
+      </a:accent6>
+      <a:hlink>
+        <a:srgbClr val="0563C1"/>
+      </a:hlink>
+      <a:folHlink>
+        <a:srgbClr val="954F72"/>
+      </a:folHlink>
+    </a:clrScheme>
+    <a:fontScheme name="Office">
+      <a:majorFont>
+        <a:latin typeface="Calibri Light" panose="020F0302020204030204"/>
+        <a:ea typeface=""/>
+        <a:cs typeface=""/>
+        <a:font script="Jpan" typeface="游ゴシック Light"/>
+        <a:font script="Hang" typeface="맑은 고딕"/>
+        <a:font script="Hans" typeface="等线 Light"/>
+        <a:font script="Hant" typeface="新細明體"/>
+        <a:font script="Arab" typeface="Times New Roman"/>
+        <a:font script="Hebr" typeface="Times New Roman"/>
+        <a:font script="Thai" typeface="Angsana New"/>
+        <a:font script="Ethi" typeface="Nyala"/>
+        <a:font script="Beng" typeface="Vrinda"/>
+        <a:font script="Gujr" typeface="Shruti"/>
+        <a:font script="Khmr" typeface="MoolBoran"/>
+        <a:font script="Knda" typeface="Tunga"/>
+        <a:font script="Guru" typeface="Raavi"/>
+        <a:font script="Cans" typeface="Euphemia"/>
+        <a:font script="Cher" typeface="Plantagenet Cherokee"/>
+        <a:font script="Yiii" typeface="Microsoft Yi Baiti"/>
+        <a:font script="Tibt" typeface="Microsoft Himalaya"/>
+        <a:font script="Thaa" typeface="MV Boli"/>
+        <a:font script="Deva" typeface="Mangal"/>
+        <a:font script="Telu" typeface="Gautami"/>
+        <a:font script="Taml" typeface="Latha"/>
+        <a:font script="Syrc" typeface="Estrangelo Edessa"/>
+        <a:font script="Orya" typeface="Kalinga"/>
+        <a:font script="Mlym" typeface="Kartika"/>
+        <a:font script="Laoo" typeface="DokChampa"/>
+        <a:font script="Sinh" typeface="Iskoola Pota"/>
+        <a:font script="Mong" typeface="Mongolian Baiti"/>
+        <a:font script="Viet" typeface="Times New Roman"/>
+        <a:font script="Uigh" typeface="Microsoft Uighur"/>
+        <a:font script="Geor" typeface="Sylfaen"/>
+        <a:font script="Armn" typeface="Arial"/>
+        <a:font script="Bugi" typeface="Leelawadee UI"/>
+        <a:font script="Bopo" typeface="Microsoft JhengHei"/>
+        <a:font script="Java" typeface="Javanese Text"/>
+        <a:font script="Lisu" typeface="Segoe UI"/>
+        <a:font script="Mymr" typeface="Myanmar Text"/>
+        <a:font script="Nkoo" typeface="Ebrima"/>
+        <a:font script="Olck" typeface="Nirmala UI"/>
+        <a:font script="Osma" typeface="Ebrima"/>
+        <a:font script="Phag" typeface="Phagspa"/>
+        <a:font script="Syrn" typeface="Estrangelo Edessa"/>
+        <a:font script="Syrj" typeface="Estrangelo Edessa"/>
+        <a:font script="Syre" typeface="Estrangelo Edessa"/>
+        <a:font script="Sora" typeface="Nirmala UI"/>
+        <a:font script="Tale" typeface="Microsoft Tai Le"/>
+        <a:font script="Talu" typeface="Microsoft New Tai Lue"/>
+        <a:font script="Tfng" typeface="Ebrima"/>
+      </a:majorFont>
+      <a:minorFont>
+        <a:latin typeface="Calibri" panose="020F0502020204030204"/>
+        <a:ea typeface=""/>
+        <a:cs typeface=""/>
+        <a:font script="Jpan" typeface="游ゴシック"/>
+        <a:font script="Hang" typeface="맑은 고딕"/>
+        <a:font script="Hans" typeface="等线"/>
+        <a:font script="Hant" typeface="新細明體"/>
+        <a:font script="Arab" typeface="Arial"/>
+        <a:font script="Hebr" typeface="Arial"/>
+        <a:font script="Thai" typeface="Cordia New"/>
+        <a:font script="Ethi" typeface="Nyala"/>
+        <a:font script="Beng" typeface="Vrinda"/>
+        <a:font script="Gujr" typeface="Shruti"/>
+        <a:font script="Khmr" typeface="DaunPenh"/>
+        <a:font script="Knda" typeface="Tunga"/>
+        <a:font script="Guru" typeface="Raavi"/>
+        <a:font script="Cans" typeface="Euphemia"/>
+        <a:font script="Cher" typeface="Plantagenet Cherokee"/>
+        <a:font script="Yiii" typeface="Microsoft Yi Baiti"/>
+        <a:font script="Tibt" typeface="Microsoft Himalaya"/>
+        <a:font script="Thaa" typeface="MV Boli"/>
+        <a:font script="Deva" typeface="Mangal"/>
+        <a:font script="Telu" typeface="Gautami"/>
+        <a:font script="Taml" typeface="Latha"/>
+        <a:font script="Syrc" typeface="Estrangelo Edessa"/>
+        <a:font script="Orya" typeface="Kalinga"/>
+        <a:font script="Mlym" typeface="Kartika"/>
+        <a:font script="Laoo" typeface="DokChampa"/>
+        <a:font script="Sinh" typeface="Iskoola Pota"/>
+        <a:font script="Mong" typeface="Mongolian Baiti"/>
+        <a:font script="Viet" typeface="Arial"/>
+        <a:font script="Uigh" typeface="Microsoft Uighur"/>
+        <a:font script="Geor" typeface="Sylfaen"/>
+        <a:font script="Armn" typeface="Arial"/>
+        <a:font script="Bugi" typeface="Leelawadee UI"/>
+        <a:font script="Bopo" typeface="Microsoft JhengHei"/>
+        <a:font script="Java" typeface="Javanese Text"/>
+        <a:font script="Lisu" typeface="Segoe UI"/>
+        <a:font script="Mymr" typeface="Myanmar Text"/>
+        <a:font script="Nkoo" typeface="Ebrima"/>
+        <a:font script="Olck" typeface="Nirmala UI"/>
+        <a:font script="Osma" typeface="Ebrima"/>
+        <a:font script="Phag" typeface="Phagspa"/>
+        <a:font script="Syrn" typeface="Estrangelo Edessa"/>
+        <a:font script="Syrj" typeface="Estrangelo Edessa"/>
+        <a:font script="Syre" typeface="Estrangelo Edessa"/>
+        <a:font script="Sora" typeface="Nirmala UI"/>
+        <a:font script="Tale" typeface="Microsoft Tai Le"/>
+        <a:font script="Talu" typeface="Microsoft New Tai Lue"/>
+        <a:font script="Tfng" typeface="Ebrima"/>
+      </a:minorFont>
+    </a:fontScheme>
+    <a:fmtScheme name="Office">
+      <a:fillStyleLst>
+        <a:solidFill>
+          <a:schemeClr val="phClr"/>
+        </a:solidFill>
+        <a:gradFill rotWithShape="1">
+          <a:gsLst>
+            <a:gs pos="0">
+              <a:schemeClr val="phClr">
+                <a:lumMod val="110000"/>
+                <a:satMod val="105000"/>
+                <a:tint val="67000"/>
+              </a:schemeClr>
+            </a:gs>
+            <a:gs pos="50000">
+              <a:schemeClr val="phClr">
+                <a:lumMod val="105000"/>
+                <a:satMod val="103000"/>
+                <a:tint val="73000"/>
+              </a:schemeClr>
+            </a:gs>
+            <a:gs pos="100000">
+              <a:schemeClr val="phClr">
+                <a:lumMod val="105000"/>
+                <a:satMod val="109000"/>
+                <a:tint val="81000"/>
+              </a:schemeClr>
+            </a:gs>
+          </a:gsLst>
+          <a:lin ang="5400000" scaled="0"/>
+        </a:gradFill>
+        <a:gradFill rotWithShape="1">
+          <a:gsLst>
+            <a:gs pos="0">
+              <a:schemeClr val="phClr">
+                <a:satMod val="103000"/>
+                <a:lumMod val="102000"/>
+                <a:tint val="94000"/>
+              </a:schemeClr>
+            </a:gs>
+            <a:gs pos="50000">
+              <a:schemeClr val="phClr">
+                <a:satMod val="110000"/>
+                <a:lumMod val="100000"/>
+                <a:shade val="100000"/>
+              </a:schemeClr>
+            </a:gs>
+            <a:gs pos="100000">
+              <a:schemeClr val="phClr">
+                <a:lumMod val="99000"/>
+                <a:satMod val="120000"/>
+                <a:shade val="78000"/>
+              </a:schemeClr>
+            </a:gs>
+          </a:gsLst>
+          <a:lin ang="5400000" scaled="0"/>
+        </a:gradFill>
+      </a:fillStyleLst>
+      <a:lnStyleLst>
+        <a:ln w="6350" cap="flat" cmpd="sng" algn="ctr">
+          <a:solidFill>
+            <a:schemeClr val="phClr"/>
+          </a:solidFill>
+          <a:prstDash val="solid"/>
+          <a:miter lim="800000"/>
+        </a:ln>
+        <a:ln w="12700" cap="flat" cmpd="sng" algn="ctr">
+          <a:solidFill>
+            <a:schemeClr val="phClr"/>
+          </a:solidFill>
+          <a:prstDash val="solid"/>
+          <a:miter lim="800000"/>
+        </a:ln>
+        <a:ln w="19050" cap="flat" cmpd="sng" algn="ctr">
+          <a:solidFill>
+            <a:schemeClr val="phClr"/>
+          </a:solidFill>
+          <a:prstDash val="solid"/>
+          <a:miter lim="800000"/>
+        </a:ln>
+      </a:lnStyleLst>
+      <a:effectStyleLst>
+        <a:effectStyle>
+          <a:effectLst/>
+        </a:effectStyle>
+        <a:effectStyle>
+          <a:effectLst/>
+        </a:effectStyle>
+        <a:effectStyle>
+          <a:effectLst>
+            <a:outerShdw blurRad="57150" dist="19050" dir="5400000" algn="ctr" rotWithShape="0">
+              <a:srgbClr val="000000">
+                <a:alpha val="63000"/>
+              </a:srgbClr>
+            </a:outerShdw>
+          </a:effectLst>
+        </a:effectStyle>
+      </a:effectStyleLst>
+      <a:bgFillStyleLst>
+        <a:solidFill>
+          <a:schemeClr val="phClr"/>
+        </a:solidFill>
+        <a:solidFill>
+          <a:schemeClr val="phClr">
+            <a:tint val="95000"/>
+            <a:satMod val="170000"/>
+          </a:schemeClr>
+        </a:solidFill>
+        <a:gradFill rotWithShape="1">
+          <a:gsLst>
+            <a:gs pos="0">
+              <a:schemeClr val="phClr">
+                <a:tint val="93000"/>
+                <a:satMod val="150000"/>
+                <a:shade val="98000"/>
+                <a:lumMod val="102000"/>
+              </a:schemeClr>
+            </a:gs>
+            <a:gs pos="50000">
+              <a:schemeClr val="phClr">
+                <a:tint val="98000"/>
+                <a:satMod val="130000"/>
+                <a:shade val="90000"/>
+                <a:lumMod val="103000"/>
+              </a:schemeClr>
+            </a:gs>
+            <a:gs pos="100000">
+              <a:schemeClr val="phClr">
+                <a:shade val="63000"/>
+                <a:satMod val="120000"/>
+              </a:schemeClr>
+            </a:gs>
+          </a:gsLst>
+          <a:lin ang="5400000" scaled="0"/>
+        </a:gradFill>
+      </a:bgFillStyleLst>
+    </a:fmtScheme>
+  </a:themeElements>
+  <a:objectDefaults/>
+  <a:extraClrSchemeLst/>
+  <a:extLst>
+    <a:ext uri="{05A4C25C-085E-4340-85A3-A5531E510DB2}">
+      <thm15:themeFamily xmlns:thm15="http://schemas.microsoft.com/office/thememl/2012/main" name="Office Theme" id="{62F939B6-93AF-4DB8-9C6B-D6C7DFDC589F}" vid="{4A3C46E8-61CC-4603-A589-7422A47A8E4A}"/>
+    </a:ext>
+  </a:extLst>
+</a:theme>
 </file>